--- a/images/theory_analysis/OpenStack_Keystone/OpenStack_Keystone.pptx
+++ b/images/theory_analysis/OpenStack_Keystone/OpenStack_Keystone.pptx
@@ -5,11 +5,13 @@
     <p:sldMasterId id="2147483648" r:id="rId1"/>
   </p:sldMasterIdLst>
   <p:notesMasterIdLst>
-    <p:notesMasterId r:id="rId4"/>
+    <p:notesMasterId r:id="rId6"/>
   </p:notesMasterIdLst>
   <p:sldIdLst>
-    <p:sldId id="380" r:id="rId2"/>
+    <p:sldId id="384" r:id="rId2"/>
     <p:sldId id="382" r:id="rId3"/>
+    <p:sldId id="383" r:id="rId4"/>
+    <p:sldId id="380" r:id="rId5"/>
   </p:sldIdLst>
   <p:sldSz cx="9144000" cy="5143500" type="screen16x9"/>
   <p:notesSz cx="6858000" cy="9144000"/>
@@ -214,7 +216,7 @@
           <a:p>
             <a:fld id="{6CD5550B-26C4-49A9-A5BA-636EF7BE6CE9}" type="datetimeFigureOut">
               <a:rPr lang="ko-KR" altLang="en-US" smtClean="0"/>
-              <a:t>2020-01-18</a:t>
+              <a:t>2020-01-19</a:t>
             </a:fld>
             <a:endParaRPr lang="ko-KR" altLang="en-US"/>
           </a:p>
@@ -555,7 +557,7 @@
     </p:spTree>
     <p:extLst>
       <p:ext uri="{BB962C8B-B14F-4D97-AF65-F5344CB8AC3E}">
-        <p14:creationId xmlns:p14="http://schemas.microsoft.com/office/powerpoint/2010/main" val="854160138"/>
+        <p14:creationId xmlns:p14="http://schemas.microsoft.com/office/powerpoint/2010/main" val="438943059"/>
       </p:ext>
     </p:extLst>
   </p:cSld>
@@ -640,6 +642,90 @@
     <p:extLst>
       <p:ext uri="{BB962C8B-B14F-4D97-AF65-F5344CB8AC3E}">
         <p14:creationId xmlns:p14="http://schemas.microsoft.com/office/powerpoint/2010/main" val="372685126"/>
+      </p:ext>
+    </p:extLst>
+  </p:cSld>
+  <p:clrMapOvr>
+    <a:masterClrMapping/>
+  </p:clrMapOvr>
+</p:notes>
+</file>
+
+<file path=ppt/notesSlides/notesSlide3.xml><?xml version="1.0" encoding="utf-8"?>
+<p:notes xmlns:a="http://schemas.openxmlformats.org/drawingml/2006/main" xmlns:r="http://schemas.openxmlformats.org/officeDocument/2006/relationships" xmlns:p="http://schemas.openxmlformats.org/presentationml/2006/main">
+  <p:cSld>
+    <p:spTree>
+      <p:nvGrpSpPr>
+        <p:cNvPr id="1" name=""/>
+        <p:cNvGrpSpPr/>
+        <p:nvPr/>
+      </p:nvGrpSpPr>
+      <p:grpSpPr>
+        <a:xfrm>
+          <a:off x="0" y="0"/>
+          <a:ext cx="0" cy="0"/>
+          <a:chOff x="0" y="0"/>
+          <a:chExt cx="0" cy="0"/>
+        </a:xfrm>
+      </p:grpSpPr>
+      <p:sp>
+        <p:nvSpPr>
+          <p:cNvPr id="2" name="슬라이드 이미지 개체 틀 1"/>
+          <p:cNvSpPr>
+            <a:spLocks noGrp="1" noRot="1" noChangeAspect="1"/>
+          </p:cNvSpPr>
+          <p:nvPr>
+            <p:ph type="sldImg"/>
+          </p:nvPr>
+        </p:nvSpPr>
+        <p:spPr/>
+      </p:sp>
+      <p:sp>
+        <p:nvSpPr>
+          <p:cNvPr id="3" name="슬라이드 노트 개체 틀 2"/>
+          <p:cNvSpPr>
+            <a:spLocks noGrp="1"/>
+          </p:cNvSpPr>
+          <p:nvPr>
+            <p:ph type="body" idx="1"/>
+          </p:nvPr>
+        </p:nvSpPr>
+        <p:spPr/>
+        <p:txBody>
+          <a:bodyPr/>
+          <a:lstStyle/>
+          <a:p>
+            <a:endParaRPr lang="ko-KR" altLang="en-US"/>
+          </a:p>
+        </p:txBody>
+      </p:sp>
+      <p:sp>
+        <p:nvSpPr>
+          <p:cNvPr id="4" name="슬라이드 번호 개체 틀 3"/>
+          <p:cNvSpPr>
+            <a:spLocks noGrp="1"/>
+          </p:cNvSpPr>
+          <p:nvPr>
+            <p:ph type="sldNum" sz="quarter" idx="5"/>
+          </p:nvPr>
+        </p:nvSpPr>
+        <p:spPr/>
+        <p:txBody>
+          <a:bodyPr/>
+          <a:lstStyle/>
+          <a:p>
+            <a:fld id="{BA5DFA43-8D57-47FB-BC46-057616015C3B}" type="slidenum">
+              <a:rPr lang="ko-KR" altLang="en-US" smtClean="0"/>
+              <a:t>4</a:t>
+            </a:fld>
+            <a:endParaRPr lang="ko-KR" altLang="en-US"/>
+          </a:p>
+        </p:txBody>
+      </p:sp>
+    </p:spTree>
+    <p:extLst>
+      <p:ext uri="{BB962C8B-B14F-4D97-AF65-F5344CB8AC3E}">
+        <p14:creationId xmlns:p14="http://schemas.microsoft.com/office/powerpoint/2010/main" val="854160138"/>
       </p:ext>
     </p:extLst>
   </p:cSld>
@@ -828,7 +914,7 @@
           <a:p>
             <a:fld id="{FB30EDBD-1C2D-4C1E-B459-B60219FAB484}" type="datetimeFigureOut">
               <a:rPr lang="ko-KR" altLang="en-US" smtClean="0"/>
-              <a:t>2020-01-18</a:t>
+              <a:t>2020-01-19</a:t>
             </a:fld>
             <a:endParaRPr lang="ko-KR" altLang="en-US"/>
           </a:p>
@@ -991,7 +1077,7 @@
           <a:p>
             <a:fld id="{FB30EDBD-1C2D-4C1E-B459-B60219FAB484}" type="datetimeFigureOut">
               <a:rPr lang="ko-KR" altLang="en-US" smtClean="0"/>
-              <a:t>2020-01-18</a:t>
+              <a:t>2020-01-19</a:t>
             </a:fld>
             <a:endParaRPr lang="ko-KR" altLang="en-US"/>
           </a:p>
@@ -1164,7 +1250,7 @@
           <a:p>
             <a:fld id="{FB30EDBD-1C2D-4C1E-B459-B60219FAB484}" type="datetimeFigureOut">
               <a:rPr lang="ko-KR" altLang="en-US" smtClean="0"/>
-              <a:t>2020-01-18</a:t>
+              <a:t>2020-01-19</a:t>
             </a:fld>
             <a:endParaRPr lang="ko-KR" altLang="en-US"/>
           </a:p>
@@ -1327,7 +1413,7 @@
           <a:p>
             <a:fld id="{FB30EDBD-1C2D-4C1E-B459-B60219FAB484}" type="datetimeFigureOut">
               <a:rPr lang="ko-KR" altLang="en-US" smtClean="0"/>
-              <a:t>2020-01-18</a:t>
+              <a:t>2020-01-19</a:t>
             </a:fld>
             <a:endParaRPr lang="ko-KR" altLang="en-US"/>
           </a:p>
@@ -1567,7 +1653,7 @@
           <a:p>
             <a:fld id="{FB30EDBD-1C2D-4C1E-B459-B60219FAB484}" type="datetimeFigureOut">
               <a:rPr lang="ko-KR" altLang="en-US" smtClean="0"/>
-              <a:t>2020-01-18</a:t>
+              <a:t>2020-01-19</a:t>
             </a:fld>
             <a:endParaRPr lang="ko-KR" altLang="en-US"/>
           </a:p>
@@ -1847,7 +1933,7 @@
           <a:p>
             <a:fld id="{FB30EDBD-1C2D-4C1E-B459-B60219FAB484}" type="datetimeFigureOut">
               <a:rPr lang="ko-KR" altLang="en-US" smtClean="0"/>
-              <a:t>2020-01-18</a:t>
+              <a:t>2020-01-19</a:t>
             </a:fld>
             <a:endParaRPr lang="ko-KR" altLang="en-US"/>
           </a:p>
@@ -2261,7 +2347,7 @@
           <a:p>
             <a:fld id="{FB30EDBD-1C2D-4C1E-B459-B60219FAB484}" type="datetimeFigureOut">
               <a:rPr lang="ko-KR" altLang="en-US" smtClean="0"/>
-              <a:t>2020-01-18</a:t>
+              <a:t>2020-01-19</a:t>
             </a:fld>
             <a:endParaRPr lang="ko-KR" altLang="en-US"/>
           </a:p>
@@ -2373,7 +2459,7 @@
           <a:p>
             <a:fld id="{FB30EDBD-1C2D-4C1E-B459-B60219FAB484}" type="datetimeFigureOut">
               <a:rPr lang="ko-KR" altLang="en-US" smtClean="0"/>
-              <a:t>2020-01-18</a:t>
+              <a:t>2020-01-19</a:t>
             </a:fld>
             <a:endParaRPr lang="ko-KR" altLang="en-US"/>
           </a:p>
@@ -2463,7 +2549,7 @@
           <a:p>
             <a:fld id="{FB30EDBD-1C2D-4C1E-B459-B60219FAB484}" type="datetimeFigureOut">
               <a:rPr lang="ko-KR" altLang="en-US" smtClean="0"/>
-              <a:t>2020-01-18</a:t>
+              <a:t>2020-01-19</a:t>
             </a:fld>
             <a:endParaRPr lang="ko-KR" altLang="en-US"/>
           </a:p>
@@ -2733,7 +2819,7 @@
           <a:p>
             <a:fld id="{FB30EDBD-1C2D-4C1E-B459-B60219FAB484}" type="datetimeFigureOut">
               <a:rPr lang="ko-KR" altLang="en-US" smtClean="0"/>
-              <a:t>2020-01-18</a:t>
+              <a:t>2020-01-19</a:t>
             </a:fld>
             <a:endParaRPr lang="ko-KR" altLang="en-US"/>
           </a:p>
@@ -2980,7 +3066,7 @@
           <a:p>
             <a:fld id="{FB30EDBD-1C2D-4C1E-B459-B60219FAB484}" type="datetimeFigureOut">
               <a:rPr lang="ko-KR" altLang="en-US" smtClean="0"/>
-              <a:t>2020-01-18</a:t>
+              <a:t>2020-01-19</a:t>
             </a:fld>
             <a:endParaRPr lang="ko-KR" altLang="en-US"/>
           </a:p>
@@ -3186,7 +3272,7 @@
           <a:p>
             <a:fld id="{FB30EDBD-1C2D-4C1E-B459-B60219FAB484}" type="datetimeFigureOut">
               <a:rPr lang="ko-KR" altLang="en-US" smtClean="0"/>
-              <a:t>2020-01-18</a:t>
+              <a:t>2020-01-19</a:t>
             </a:fld>
             <a:endParaRPr lang="ko-KR" altLang="en-US"/>
           </a:p>
@@ -3580,7 +3666,7 @@
           <a:p>
             <a:r>
               <a:rPr lang="en-US" altLang="ko-KR" sz="3600"/>
-              <a:t>Keystone</a:t>
+              <a:t>Keystone Components</a:t>
             </a:r>
             <a:endParaRPr lang="ko-KR" altLang="en-US" sz="3600" dirty="0"/>
           </a:p>
@@ -3588,10 +3674,10 @@
       </p:sp>
       <p:sp>
         <p:nvSpPr>
-          <p:cNvPr id="3" name="사각형: 둥근 모서리 2">
+          <p:cNvPr id="4" name="원통형 3">
             <a:extLst>
               <a:ext uri="{FF2B5EF4-FFF2-40B4-BE49-F238E27FC236}">
-                <a16:creationId xmlns:a16="http://schemas.microsoft.com/office/drawing/2014/main" id="{CB179EC4-A74E-4AAA-BF19-EE8B403C821C}"/>
+                <a16:creationId xmlns:a16="http://schemas.microsoft.com/office/drawing/2014/main" id="{74A9DC99-BCB5-42D0-9A3D-51256FA95CFB}"/>
               </a:ext>
             </a:extLst>
           </p:cNvPr>
@@ -3600,13 +3686,11 @@
         </p:nvSpPr>
         <p:spPr>
           <a:xfrm>
-            <a:off x="2163170" y="1453487"/>
-            <a:ext cx="4824484" cy="2019868"/>
-          </a:xfrm>
-          <a:prstGeom prst="roundRect">
-            <a:avLst>
-              <a:gd name="adj" fmla="val 3415"/>
-            </a:avLst>
+            <a:off x="179512" y="1995686"/>
+            <a:ext cx="1152128" cy="2088232"/>
+          </a:xfrm>
+          <a:prstGeom prst="can">
+            <a:avLst/>
           </a:prstGeom>
         </p:spPr>
         <p:style>
@@ -3624,24 +3708,31 @@
           </a:fontRef>
         </p:style>
         <p:txBody>
-          <a:bodyPr rtlCol="0" anchor="ctr"/>
+          <a:bodyPr rtlCol="0" anchor="b"/>
           <a:lstStyle/>
           <a:p>
             <a:pPr algn="ctr"/>
             <a:r>
-              <a:rPr lang="en-US" altLang="ko-KR" b="1"/>
-              <a:t>Keystone</a:t>
-            </a:r>
-            <a:endParaRPr lang="ko-KR" altLang="en-US" b="1"/>
-          </a:p>
-        </p:txBody>
-      </p:sp>
-      <p:sp>
-        <p:nvSpPr>
-          <p:cNvPr id="42" name="사각형: 둥근 모서리 41">
+              <a:rPr lang="en-US" altLang="ko-KR" sz="1400"/>
+              <a:t>Policy </a:t>
+            </a:r>
+          </a:p>
+          <a:p>
+            <a:pPr algn="ctr"/>
+            <a:r>
+              <a:rPr lang="en-US" altLang="ko-KR" sz="1400"/>
+              <a:t>Backend</a:t>
+            </a:r>
+            <a:endParaRPr lang="ko-KR" altLang="en-US" sz="1400"/>
+          </a:p>
+        </p:txBody>
+      </p:sp>
+      <p:sp>
+        <p:nvSpPr>
+          <p:cNvPr id="14" name="원통형 13">
             <a:extLst>
               <a:ext uri="{FF2B5EF4-FFF2-40B4-BE49-F238E27FC236}">
-                <a16:creationId xmlns:a16="http://schemas.microsoft.com/office/drawing/2014/main" id="{FD6E7805-8CE1-4D45-92DA-B629367BDC7C}"/>
+                <a16:creationId xmlns:a16="http://schemas.microsoft.com/office/drawing/2014/main" id="{B138E673-E3C2-4AC1-BCA3-BA70D07DCB98}"/>
               </a:ext>
             </a:extLst>
           </p:cNvPr>
@@ -3650,8 +3741,269 @@
         </p:nvSpPr>
         <p:spPr>
           <a:xfrm>
-            <a:off x="3851920" y="1527634"/>
-            <a:ext cx="1440160" cy="504056"/>
+            <a:off x="1691680" y="1995686"/>
+            <a:ext cx="1152128" cy="2088232"/>
+          </a:xfrm>
+          <a:prstGeom prst="can">
+            <a:avLst/>
+          </a:prstGeom>
+        </p:spPr>
+        <p:style>
+          <a:lnRef idx="2">
+            <a:schemeClr val="dk1"/>
+          </a:lnRef>
+          <a:fillRef idx="1">
+            <a:schemeClr val="lt1"/>
+          </a:fillRef>
+          <a:effectRef idx="0">
+            <a:schemeClr val="dk1"/>
+          </a:effectRef>
+          <a:fontRef idx="minor">
+            <a:schemeClr val="dk1"/>
+          </a:fontRef>
+        </p:style>
+        <p:txBody>
+          <a:bodyPr rtlCol="0" anchor="b"/>
+          <a:lstStyle/>
+          <a:p>
+            <a:pPr algn="ctr"/>
+            <a:r>
+              <a:rPr lang="en-US" altLang="ko-KR" sz="1400"/>
+              <a:t>Token</a:t>
+            </a:r>
+          </a:p>
+          <a:p>
+            <a:pPr algn="ctr"/>
+            <a:r>
+              <a:rPr lang="en-US" altLang="ko-KR" sz="1400"/>
+              <a:t>Backend</a:t>
+            </a:r>
+            <a:endParaRPr lang="ko-KR" altLang="en-US" sz="1400"/>
+          </a:p>
+        </p:txBody>
+      </p:sp>
+      <p:sp>
+        <p:nvSpPr>
+          <p:cNvPr id="15" name="원통형 14">
+            <a:extLst>
+              <a:ext uri="{FF2B5EF4-FFF2-40B4-BE49-F238E27FC236}">
+                <a16:creationId xmlns:a16="http://schemas.microsoft.com/office/drawing/2014/main" id="{173A6D1B-7D13-431F-BDB6-0CBBEF79C497}"/>
+              </a:ext>
+            </a:extLst>
+          </p:cNvPr>
+          <p:cNvSpPr/>
+          <p:nvPr/>
+        </p:nvSpPr>
+        <p:spPr>
+          <a:xfrm>
+            <a:off x="3203848" y="1995686"/>
+            <a:ext cx="1152128" cy="2088232"/>
+          </a:xfrm>
+          <a:prstGeom prst="can">
+            <a:avLst/>
+          </a:prstGeom>
+        </p:spPr>
+        <p:style>
+          <a:lnRef idx="2">
+            <a:schemeClr val="dk1"/>
+          </a:lnRef>
+          <a:fillRef idx="1">
+            <a:schemeClr val="lt1"/>
+          </a:fillRef>
+          <a:effectRef idx="0">
+            <a:schemeClr val="dk1"/>
+          </a:effectRef>
+          <a:fontRef idx="minor">
+            <a:schemeClr val="dk1"/>
+          </a:fontRef>
+        </p:style>
+        <p:txBody>
+          <a:bodyPr rtlCol="0" anchor="b"/>
+          <a:lstStyle/>
+          <a:p>
+            <a:pPr algn="ctr"/>
+            <a:r>
+              <a:rPr lang="en-US" altLang="ko-KR" sz="1400"/>
+              <a:t>Catalog Backend</a:t>
+            </a:r>
+            <a:endParaRPr lang="ko-KR" altLang="en-US" sz="1400"/>
+          </a:p>
+        </p:txBody>
+      </p:sp>
+      <p:sp>
+        <p:nvSpPr>
+          <p:cNvPr id="16" name="원통형 15">
+            <a:extLst>
+              <a:ext uri="{FF2B5EF4-FFF2-40B4-BE49-F238E27FC236}">
+                <a16:creationId xmlns:a16="http://schemas.microsoft.com/office/drawing/2014/main" id="{0B428A50-7F71-4365-85C5-D0FA038B9252}"/>
+              </a:ext>
+            </a:extLst>
+          </p:cNvPr>
+          <p:cNvSpPr/>
+          <p:nvPr/>
+        </p:nvSpPr>
+        <p:spPr>
+          <a:xfrm>
+            <a:off x="4788024" y="1995686"/>
+            <a:ext cx="1152128" cy="2088232"/>
+          </a:xfrm>
+          <a:prstGeom prst="can">
+            <a:avLst/>
+          </a:prstGeom>
+        </p:spPr>
+        <p:style>
+          <a:lnRef idx="2">
+            <a:schemeClr val="dk1"/>
+          </a:lnRef>
+          <a:fillRef idx="1">
+            <a:schemeClr val="lt1"/>
+          </a:fillRef>
+          <a:effectRef idx="0">
+            <a:schemeClr val="dk1"/>
+          </a:effectRef>
+          <a:fontRef idx="minor">
+            <a:schemeClr val="dk1"/>
+          </a:fontRef>
+        </p:style>
+        <p:txBody>
+          <a:bodyPr rtlCol="0" anchor="b"/>
+          <a:lstStyle/>
+          <a:p>
+            <a:pPr algn="ctr"/>
+            <a:r>
+              <a:rPr lang="en-US" altLang="ko-KR" sz="1400"/>
+              <a:t>Identity</a:t>
+            </a:r>
+          </a:p>
+          <a:p>
+            <a:pPr algn="ctr"/>
+            <a:r>
+              <a:rPr lang="en-US" altLang="ko-KR" sz="1400"/>
+              <a:t>Backend</a:t>
+            </a:r>
+            <a:endParaRPr lang="ko-KR" altLang="en-US" sz="1400"/>
+          </a:p>
+        </p:txBody>
+      </p:sp>
+      <p:sp>
+        <p:nvSpPr>
+          <p:cNvPr id="17" name="원통형 16">
+            <a:extLst>
+              <a:ext uri="{FF2B5EF4-FFF2-40B4-BE49-F238E27FC236}">
+                <a16:creationId xmlns:a16="http://schemas.microsoft.com/office/drawing/2014/main" id="{992D522B-D36E-4EAE-824B-20C1BEE2ACCE}"/>
+              </a:ext>
+            </a:extLst>
+          </p:cNvPr>
+          <p:cNvSpPr/>
+          <p:nvPr/>
+        </p:nvSpPr>
+        <p:spPr>
+          <a:xfrm>
+            <a:off x="6300192" y="1995686"/>
+            <a:ext cx="1152128" cy="2088232"/>
+          </a:xfrm>
+          <a:prstGeom prst="can">
+            <a:avLst/>
+          </a:prstGeom>
+        </p:spPr>
+        <p:style>
+          <a:lnRef idx="2">
+            <a:schemeClr val="dk1"/>
+          </a:lnRef>
+          <a:fillRef idx="1">
+            <a:schemeClr val="lt1"/>
+          </a:fillRef>
+          <a:effectRef idx="0">
+            <a:schemeClr val="dk1"/>
+          </a:effectRef>
+          <a:fontRef idx="minor">
+            <a:schemeClr val="dk1"/>
+          </a:fontRef>
+        </p:style>
+        <p:txBody>
+          <a:bodyPr rtlCol="0" anchor="b"/>
+          <a:lstStyle/>
+          <a:p>
+            <a:pPr algn="ctr"/>
+            <a:r>
+              <a:rPr lang="en-US" altLang="ko-KR" sz="1400"/>
+              <a:t>Asignments Backend</a:t>
+            </a:r>
+            <a:endParaRPr lang="ko-KR" altLang="en-US" sz="1400"/>
+          </a:p>
+        </p:txBody>
+      </p:sp>
+      <p:sp>
+        <p:nvSpPr>
+          <p:cNvPr id="18" name="원통형 17">
+            <a:extLst>
+              <a:ext uri="{FF2B5EF4-FFF2-40B4-BE49-F238E27FC236}">
+                <a16:creationId xmlns:a16="http://schemas.microsoft.com/office/drawing/2014/main" id="{E2401168-65F3-4043-A424-7C3F65C1F7F8}"/>
+              </a:ext>
+            </a:extLst>
+          </p:cNvPr>
+          <p:cNvSpPr/>
+          <p:nvPr/>
+        </p:nvSpPr>
+        <p:spPr>
+          <a:xfrm>
+            <a:off x="7812360" y="1995686"/>
+            <a:ext cx="1152128" cy="2088232"/>
+          </a:xfrm>
+          <a:prstGeom prst="can">
+            <a:avLst/>
+          </a:prstGeom>
+        </p:spPr>
+        <p:style>
+          <a:lnRef idx="2">
+            <a:schemeClr val="dk1"/>
+          </a:lnRef>
+          <a:fillRef idx="1">
+            <a:schemeClr val="lt1"/>
+          </a:fillRef>
+          <a:effectRef idx="0">
+            <a:schemeClr val="dk1"/>
+          </a:effectRef>
+          <a:fontRef idx="minor">
+            <a:schemeClr val="dk1"/>
+          </a:fontRef>
+        </p:style>
+        <p:txBody>
+          <a:bodyPr rtlCol="0" anchor="b"/>
+          <a:lstStyle/>
+          <a:p>
+            <a:pPr algn="ctr"/>
+            <a:r>
+              <a:rPr lang="en-US" altLang="ko-KR" sz="1400"/>
+              <a:t>Credentials</a:t>
+            </a:r>
+          </a:p>
+          <a:p>
+            <a:pPr algn="ctr"/>
+            <a:r>
+              <a:rPr lang="en-US" altLang="ko-KR" sz="1400"/>
+              <a:t>Backend</a:t>
+            </a:r>
+            <a:endParaRPr lang="ko-KR" altLang="en-US" sz="1400"/>
+          </a:p>
+        </p:txBody>
+      </p:sp>
+      <p:sp>
+        <p:nvSpPr>
+          <p:cNvPr id="19" name="사각형: 둥근 모서리 18">
+            <a:extLst>
+              <a:ext uri="{FF2B5EF4-FFF2-40B4-BE49-F238E27FC236}">
+                <a16:creationId xmlns:a16="http://schemas.microsoft.com/office/drawing/2014/main" id="{82BEA343-42E1-4BFD-87E0-1C2DCA1D1041}"/>
+              </a:ext>
+            </a:extLst>
+          </p:cNvPr>
+          <p:cNvSpPr/>
+          <p:nvPr/>
+        </p:nvSpPr>
+        <p:spPr>
+          <a:xfrm>
+            <a:off x="1763688" y="2754050"/>
+            <a:ext cx="1008112" cy="288032"/>
           </a:xfrm>
           <a:prstGeom prst="roundRect">
             <a:avLst>
@@ -3679,19 +4031,19 @@
           <a:p>
             <a:pPr algn="ctr"/>
             <a:r>
-              <a:rPr lang="en-US" altLang="ko-KR" sz="1400"/>
-              <a:t>Tenant</a:t>
-            </a:r>
-            <a:endParaRPr lang="ko-KR" altLang="en-US" sz="1400"/>
-          </a:p>
-        </p:txBody>
-      </p:sp>
-      <p:sp>
-        <p:nvSpPr>
-          <p:cNvPr id="44" name="사각형: 둥근 모서리 43">
+              <a:rPr lang="en-US" altLang="ko-KR" sz="1100"/>
+              <a:t>Token</a:t>
+            </a:r>
+            <a:endParaRPr lang="ko-KR" altLang="en-US" sz="1100"/>
+          </a:p>
+        </p:txBody>
+      </p:sp>
+      <p:sp>
+        <p:nvSpPr>
+          <p:cNvPr id="20" name="모서리가 둥근 직사각형 28">
             <a:extLst>
               <a:ext uri="{FF2B5EF4-FFF2-40B4-BE49-F238E27FC236}">
-                <a16:creationId xmlns:a16="http://schemas.microsoft.com/office/drawing/2014/main" id="{88CBF6FD-80D7-44CA-BBF1-EFF2217CDBA0}"/>
+                <a16:creationId xmlns:a16="http://schemas.microsoft.com/office/drawing/2014/main" id="{E143D391-377E-440F-A77B-B3780AB6D9F3}"/>
               </a:ext>
             </a:extLst>
           </p:cNvPr>
@@ -3700,8 +4052,345 @@
         </p:nvSpPr>
         <p:spPr>
           <a:xfrm>
-            <a:off x="2237887" y="1527634"/>
+            <a:off x="3851920" y="1203598"/>
             <a:ext cx="1440160" cy="504056"/>
+          </a:xfrm>
+          <a:prstGeom prst="roundRect">
+            <a:avLst/>
+          </a:prstGeom>
+        </p:spPr>
+        <p:style>
+          <a:lnRef idx="2">
+            <a:schemeClr val="dk1"/>
+          </a:lnRef>
+          <a:fillRef idx="1">
+            <a:schemeClr val="lt1"/>
+          </a:fillRef>
+          <a:effectRef idx="0">
+            <a:schemeClr val="dk1"/>
+          </a:effectRef>
+          <a:fontRef idx="minor">
+            <a:schemeClr val="dk1"/>
+          </a:fontRef>
+        </p:style>
+        <p:txBody>
+          <a:bodyPr rtlCol="0" anchor="ctr"/>
+          <a:lstStyle/>
+          <a:p>
+            <a:pPr algn="ctr"/>
+            <a:r>
+              <a:rPr lang="en-US" altLang="ko-KR" sz="1400"/>
+              <a:t>Keystone</a:t>
+            </a:r>
+          </a:p>
+          <a:p>
+            <a:pPr algn="ctr"/>
+            <a:r>
+              <a:rPr lang="en-US" altLang="ko-KR" sz="1400"/>
+              <a:t>API Server</a:t>
+            </a:r>
+            <a:endParaRPr lang="ko-KR" altLang="en-US" dirty="0"/>
+          </a:p>
+        </p:txBody>
+      </p:sp>
+      <p:cxnSp>
+        <p:nvCxnSpPr>
+          <p:cNvPr id="21" name="직선 화살표 연결선 20">
+            <a:extLst>
+              <a:ext uri="{FF2B5EF4-FFF2-40B4-BE49-F238E27FC236}">
+                <a16:creationId xmlns:a16="http://schemas.microsoft.com/office/drawing/2014/main" id="{E5EB5ACB-C698-4A5C-B246-CA5AE1F5A72D}"/>
+              </a:ext>
+            </a:extLst>
+          </p:cNvPr>
+          <p:cNvCxnSpPr>
+            <a:cxnSpLocks/>
+            <a:stCxn id="4" idx="1"/>
+            <a:endCxn id="20" idx="2"/>
+          </p:cNvCxnSpPr>
+          <p:nvPr/>
+        </p:nvCxnSpPr>
+        <p:spPr>
+          <a:xfrm flipV="1">
+            <a:off x="755576" y="1707654"/>
+            <a:ext cx="3816424" cy="288032"/>
+          </a:xfrm>
+          <a:prstGeom prst="straightConnector1">
+            <a:avLst/>
+          </a:prstGeom>
+          <a:ln w="19050">
+            <a:solidFill>
+              <a:schemeClr val="tx1"/>
+            </a:solidFill>
+            <a:headEnd type="none" w="med" len="med"/>
+            <a:tailEnd type="none" w="med" len="med"/>
+          </a:ln>
+        </p:spPr>
+        <p:style>
+          <a:lnRef idx="1">
+            <a:schemeClr val="accent1"/>
+          </a:lnRef>
+          <a:fillRef idx="0">
+            <a:schemeClr val="accent1"/>
+          </a:fillRef>
+          <a:effectRef idx="0">
+            <a:schemeClr val="accent1"/>
+          </a:effectRef>
+          <a:fontRef idx="minor">
+            <a:schemeClr val="tx1"/>
+          </a:fontRef>
+        </p:style>
+      </p:cxnSp>
+      <p:cxnSp>
+        <p:nvCxnSpPr>
+          <p:cNvPr id="24" name="직선 화살표 연결선 23">
+            <a:extLst>
+              <a:ext uri="{FF2B5EF4-FFF2-40B4-BE49-F238E27FC236}">
+                <a16:creationId xmlns:a16="http://schemas.microsoft.com/office/drawing/2014/main" id="{C283252D-9364-40B7-8D15-7A686422CFF5}"/>
+              </a:ext>
+            </a:extLst>
+          </p:cNvPr>
+          <p:cNvCxnSpPr>
+            <a:cxnSpLocks/>
+            <a:stCxn id="14" idx="1"/>
+            <a:endCxn id="20" idx="2"/>
+          </p:cNvCxnSpPr>
+          <p:nvPr/>
+        </p:nvCxnSpPr>
+        <p:spPr>
+          <a:xfrm flipV="1">
+            <a:off x="2267744" y="1707654"/>
+            <a:ext cx="2304256" cy="288032"/>
+          </a:xfrm>
+          <a:prstGeom prst="straightConnector1">
+            <a:avLst/>
+          </a:prstGeom>
+          <a:ln w="19050">
+            <a:solidFill>
+              <a:schemeClr val="tx1"/>
+            </a:solidFill>
+            <a:headEnd type="none" w="med" len="med"/>
+            <a:tailEnd type="none" w="med" len="med"/>
+          </a:ln>
+        </p:spPr>
+        <p:style>
+          <a:lnRef idx="1">
+            <a:schemeClr val="accent1"/>
+          </a:lnRef>
+          <a:fillRef idx="0">
+            <a:schemeClr val="accent1"/>
+          </a:fillRef>
+          <a:effectRef idx="0">
+            <a:schemeClr val="accent1"/>
+          </a:effectRef>
+          <a:fontRef idx="minor">
+            <a:schemeClr val="tx1"/>
+          </a:fontRef>
+        </p:style>
+      </p:cxnSp>
+      <p:cxnSp>
+        <p:nvCxnSpPr>
+          <p:cNvPr id="27" name="직선 화살표 연결선 26">
+            <a:extLst>
+              <a:ext uri="{FF2B5EF4-FFF2-40B4-BE49-F238E27FC236}">
+                <a16:creationId xmlns:a16="http://schemas.microsoft.com/office/drawing/2014/main" id="{7B83849D-E320-4062-9747-60C9BB9FD956}"/>
+              </a:ext>
+            </a:extLst>
+          </p:cNvPr>
+          <p:cNvCxnSpPr>
+            <a:cxnSpLocks/>
+            <a:stCxn id="15" idx="1"/>
+            <a:endCxn id="20" idx="2"/>
+          </p:cNvCxnSpPr>
+          <p:nvPr/>
+        </p:nvCxnSpPr>
+        <p:spPr>
+          <a:xfrm flipV="1">
+            <a:off x="3779912" y="1707654"/>
+            <a:ext cx="792088" cy="288032"/>
+          </a:xfrm>
+          <a:prstGeom prst="straightConnector1">
+            <a:avLst/>
+          </a:prstGeom>
+          <a:ln w="19050">
+            <a:solidFill>
+              <a:schemeClr val="tx1"/>
+            </a:solidFill>
+            <a:headEnd type="none" w="med" len="med"/>
+            <a:tailEnd type="none" w="med" len="med"/>
+          </a:ln>
+        </p:spPr>
+        <p:style>
+          <a:lnRef idx="1">
+            <a:schemeClr val="accent1"/>
+          </a:lnRef>
+          <a:fillRef idx="0">
+            <a:schemeClr val="accent1"/>
+          </a:fillRef>
+          <a:effectRef idx="0">
+            <a:schemeClr val="accent1"/>
+          </a:effectRef>
+          <a:fontRef idx="minor">
+            <a:schemeClr val="tx1"/>
+          </a:fontRef>
+        </p:style>
+      </p:cxnSp>
+      <p:cxnSp>
+        <p:nvCxnSpPr>
+          <p:cNvPr id="30" name="직선 화살표 연결선 29">
+            <a:extLst>
+              <a:ext uri="{FF2B5EF4-FFF2-40B4-BE49-F238E27FC236}">
+                <a16:creationId xmlns:a16="http://schemas.microsoft.com/office/drawing/2014/main" id="{1B6B09FD-2F50-4274-86BF-5CA7ADA20522}"/>
+              </a:ext>
+            </a:extLst>
+          </p:cNvPr>
+          <p:cNvCxnSpPr>
+            <a:cxnSpLocks/>
+            <a:stCxn id="16" idx="1"/>
+            <a:endCxn id="20" idx="2"/>
+          </p:cNvCxnSpPr>
+          <p:nvPr/>
+        </p:nvCxnSpPr>
+        <p:spPr>
+          <a:xfrm flipH="1" flipV="1">
+            <a:off x="4572000" y="1707654"/>
+            <a:ext cx="792088" cy="288032"/>
+          </a:xfrm>
+          <a:prstGeom prst="straightConnector1">
+            <a:avLst/>
+          </a:prstGeom>
+          <a:ln w="19050">
+            <a:solidFill>
+              <a:schemeClr val="tx1"/>
+            </a:solidFill>
+            <a:headEnd type="none" w="med" len="med"/>
+            <a:tailEnd type="none" w="med" len="med"/>
+          </a:ln>
+        </p:spPr>
+        <p:style>
+          <a:lnRef idx="1">
+            <a:schemeClr val="accent1"/>
+          </a:lnRef>
+          <a:fillRef idx="0">
+            <a:schemeClr val="accent1"/>
+          </a:fillRef>
+          <a:effectRef idx="0">
+            <a:schemeClr val="accent1"/>
+          </a:effectRef>
+          <a:fontRef idx="minor">
+            <a:schemeClr val="tx1"/>
+          </a:fontRef>
+        </p:style>
+      </p:cxnSp>
+      <p:cxnSp>
+        <p:nvCxnSpPr>
+          <p:cNvPr id="36" name="직선 화살표 연결선 35">
+            <a:extLst>
+              <a:ext uri="{FF2B5EF4-FFF2-40B4-BE49-F238E27FC236}">
+                <a16:creationId xmlns:a16="http://schemas.microsoft.com/office/drawing/2014/main" id="{A24B0BA4-11C8-476F-83A4-04A43C8B7CDE}"/>
+              </a:ext>
+            </a:extLst>
+          </p:cNvPr>
+          <p:cNvCxnSpPr>
+            <a:cxnSpLocks/>
+            <a:stCxn id="17" idx="1"/>
+            <a:endCxn id="20" idx="2"/>
+          </p:cNvCxnSpPr>
+          <p:nvPr/>
+        </p:nvCxnSpPr>
+        <p:spPr>
+          <a:xfrm flipH="1" flipV="1">
+            <a:off x="4572000" y="1707654"/>
+            <a:ext cx="2304256" cy="288032"/>
+          </a:xfrm>
+          <a:prstGeom prst="straightConnector1">
+            <a:avLst/>
+          </a:prstGeom>
+          <a:ln w="19050">
+            <a:solidFill>
+              <a:schemeClr val="tx1"/>
+            </a:solidFill>
+            <a:headEnd type="none" w="med" len="med"/>
+            <a:tailEnd type="none" w="med" len="med"/>
+          </a:ln>
+        </p:spPr>
+        <p:style>
+          <a:lnRef idx="1">
+            <a:schemeClr val="accent1"/>
+          </a:lnRef>
+          <a:fillRef idx="0">
+            <a:schemeClr val="accent1"/>
+          </a:fillRef>
+          <a:effectRef idx="0">
+            <a:schemeClr val="accent1"/>
+          </a:effectRef>
+          <a:fontRef idx="minor">
+            <a:schemeClr val="tx1"/>
+          </a:fontRef>
+        </p:style>
+      </p:cxnSp>
+      <p:cxnSp>
+        <p:nvCxnSpPr>
+          <p:cNvPr id="39" name="직선 화살표 연결선 38">
+            <a:extLst>
+              <a:ext uri="{FF2B5EF4-FFF2-40B4-BE49-F238E27FC236}">
+                <a16:creationId xmlns:a16="http://schemas.microsoft.com/office/drawing/2014/main" id="{93F229D5-C061-43B6-889C-FED5FD40C296}"/>
+              </a:ext>
+            </a:extLst>
+          </p:cNvPr>
+          <p:cNvCxnSpPr>
+            <a:cxnSpLocks/>
+            <a:stCxn id="18" idx="1"/>
+            <a:endCxn id="20" idx="2"/>
+          </p:cNvCxnSpPr>
+          <p:nvPr/>
+        </p:nvCxnSpPr>
+        <p:spPr>
+          <a:xfrm flipH="1" flipV="1">
+            <a:off x="4572000" y="1707654"/>
+            <a:ext cx="3816424" cy="288032"/>
+          </a:xfrm>
+          <a:prstGeom prst="straightConnector1">
+            <a:avLst/>
+          </a:prstGeom>
+          <a:ln w="19050">
+            <a:solidFill>
+              <a:schemeClr val="tx1"/>
+            </a:solidFill>
+            <a:headEnd type="none" w="med" len="med"/>
+            <a:tailEnd type="none" w="med" len="med"/>
+          </a:ln>
+        </p:spPr>
+        <p:style>
+          <a:lnRef idx="1">
+            <a:schemeClr val="accent1"/>
+          </a:lnRef>
+          <a:fillRef idx="0">
+            <a:schemeClr val="accent1"/>
+          </a:fillRef>
+          <a:effectRef idx="0">
+            <a:schemeClr val="accent1"/>
+          </a:effectRef>
+          <a:fontRef idx="minor">
+            <a:schemeClr val="tx1"/>
+          </a:fontRef>
+        </p:style>
+      </p:cxnSp>
+      <p:sp>
+        <p:nvSpPr>
+          <p:cNvPr id="43" name="사각형: 둥근 모서리 42">
+            <a:extLst>
+              <a:ext uri="{FF2B5EF4-FFF2-40B4-BE49-F238E27FC236}">
+                <a16:creationId xmlns:a16="http://schemas.microsoft.com/office/drawing/2014/main" id="{AADEFD3D-6073-4D79-AF96-B7908C783897}"/>
+              </a:ext>
+            </a:extLst>
+          </p:cNvPr>
+          <p:cNvSpPr/>
+          <p:nvPr/>
+        </p:nvSpPr>
+        <p:spPr>
+          <a:xfrm>
+            <a:off x="3275856" y="2754050"/>
+            <a:ext cx="1008112" cy="288032"/>
           </a:xfrm>
           <a:prstGeom prst="roundRect">
             <a:avLst>
@@ -3729,19 +4418,19 @@
           <a:p>
             <a:pPr algn="ctr"/>
             <a:r>
-              <a:rPr lang="en-US" altLang="ko-KR" sz="1400"/>
-              <a:t>User</a:t>
-            </a:r>
-            <a:endParaRPr lang="ko-KR" altLang="en-US" sz="1400"/>
-          </a:p>
-        </p:txBody>
-      </p:sp>
-      <p:sp>
-        <p:nvSpPr>
-          <p:cNvPr id="45" name="사각형: 둥근 모서리 44">
+              <a:rPr lang="en-US" altLang="ko-KR" sz="1100"/>
+              <a:t>Endpoint</a:t>
+            </a:r>
+            <a:endParaRPr lang="ko-KR" altLang="en-US" sz="1100"/>
+          </a:p>
+        </p:txBody>
+      </p:sp>
+      <p:sp>
+        <p:nvSpPr>
+          <p:cNvPr id="46" name="사각형: 둥근 모서리 45">
             <a:extLst>
               <a:ext uri="{FF2B5EF4-FFF2-40B4-BE49-F238E27FC236}">
-                <a16:creationId xmlns:a16="http://schemas.microsoft.com/office/drawing/2014/main" id="{886097FD-7D60-4D1D-A0BE-5A6EF6080DBE}"/>
+                <a16:creationId xmlns:a16="http://schemas.microsoft.com/office/drawing/2014/main" id="{6CA3D28B-2EFC-4F46-95BF-328C9ED4C7BA}"/>
               </a:ext>
             </a:extLst>
           </p:cNvPr>
@@ -3750,8 +4439,8 @@
         </p:nvSpPr>
         <p:spPr>
           <a:xfrm>
-            <a:off x="5465953" y="1527634"/>
-            <a:ext cx="1440160" cy="504056"/>
+            <a:off x="4860032" y="2610034"/>
+            <a:ext cx="1008112" cy="288032"/>
           </a:xfrm>
           <a:prstGeom prst="roundRect">
             <a:avLst>
@@ -3779,19 +4468,19 @@
           <a:p>
             <a:pPr algn="ctr"/>
             <a:r>
-              <a:rPr lang="en-US" altLang="ko-KR" sz="1400"/>
-              <a:t>Role</a:t>
-            </a:r>
-            <a:endParaRPr lang="ko-KR" altLang="en-US" sz="1400"/>
-          </a:p>
-        </p:txBody>
-      </p:sp>
-      <p:sp>
-        <p:nvSpPr>
-          <p:cNvPr id="47" name="사각형: 둥근 모서리 46">
+              <a:rPr lang="en-US" altLang="ko-KR" sz="1100"/>
+              <a:t>User</a:t>
+            </a:r>
+            <a:endParaRPr lang="ko-KR" altLang="en-US" sz="1100"/>
+          </a:p>
+        </p:txBody>
+      </p:sp>
+      <p:sp>
+        <p:nvSpPr>
+          <p:cNvPr id="48" name="사각형: 둥근 모서리 47">
             <a:extLst>
               <a:ext uri="{FF2B5EF4-FFF2-40B4-BE49-F238E27FC236}">
-                <a16:creationId xmlns:a16="http://schemas.microsoft.com/office/drawing/2014/main" id="{97994D12-8A50-41F0-AF25-3F0F5866594B}"/>
+                <a16:creationId xmlns:a16="http://schemas.microsoft.com/office/drawing/2014/main" id="{EE4D1CA6-C4EA-4566-A411-CC282E256A99}"/>
               </a:ext>
             </a:extLst>
           </p:cNvPr>
@@ -3800,8 +4489,8 @@
         </p:nvSpPr>
         <p:spPr>
           <a:xfrm>
-            <a:off x="2239191" y="2211710"/>
-            <a:ext cx="1440160" cy="504056"/>
+            <a:off x="4860032" y="2895786"/>
+            <a:ext cx="1008112" cy="288032"/>
           </a:xfrm>
           <a:prstGeom prst="roundRect">
             <a:avLst>
@@ -3829,19 +4518,19 @@
           <a:p>
             <a:pPr algn="ctr"/>
             <a:r>
-              <a:rPr lang="en-US" altLang="ko-KR" sz="1400"/>
-              <a:t>Credential</a:t>
-            </a:r>
-            <a:endParaRPr lang="ko-KR" altLang="en-US" sz="1400"/>
-          </a:p>
-        </p:txBody>
-      </p:sp>
-      <p:sp>
-        <p:nvSpPr>
-          <p:cNvPr id="52" name="사각형: 둥근 모서리 51">
+              <a:rPr lang="en-US" altLang="ko-KR" sz="1100"/>
+              <a:t>Group</a:t>
+            </a:r>
+            <a:endParaRPr lang="ko-KR" altLang="en-US" sz="1100"/>
+          </a:p>
+        </p:txBody>
+      </p:sp>
+      <p:sp>
+        <p:nvSpPr>
+          <p:cNvPr id="51" name="사각형: 둥근 모서리 50">
             <a:extLst>
               <a:ext uri="{FF2B5EF4-FFF2-40B4-BE49-F238E27FC236}">
-                <a16:creationId xmlns:a16="http://schemas.microsoft.com/office/drawing/2014/main" id="{1B28D774-0C5D-48DC-8A90-9A7C8B05B2AE}"/>
+                <a16:creationId xmlns:a16="http://schemas.microsoft.com/office/drawing/2014/main" id="{0FEDA6F4-E87A-483A-9944-2E316F5B46C6}"/>
               </a:ext>
             </a:extLst>
           </p:cNvPr>
@@ -3850,8 +4539,8 @@
         </p:nvSpPr>
         <p:spPr>
           <a:xfrm>
-            <a:off x="5465953" y="2211710"/>
-            <a:ext cx="1440160" cy="504056"/>
+            <a:off x="7884368" y="2754050"/>
+            <a:ext cx="1008112" cy="288032"/>
           </a:xfrm>
           <a:prstGeom prst="roundRect">
             <a:avLst>
@@ -3879,19 +4568,19 @@
           <a:p>
             <a:pPr algn="ctr"/>
             <a:r>
-              <a:rPr lang="en-US" altLang="ko-KR" sz="1400"/>
-              <a:t>Authentication</a:t>
-            </a:r>
-            <a:endParaRPr lang="ko-KR" altLang="en-US" sz="1400"/>
-          </a:p>
-        </p:txBody>
-      </p:sp>
-      <p:sp>
-        <p:nvSpPr>
-          <p:cNvPr id="53" name="사각형: 둥근 모서리 52">
+              <a:rPr lang="en-US" altLang="ko-KR" sz="1100"/>
+              <a:t>Credentials</a:t>
+            </a:r>
+            <a:endParaRPr lang="ko-KR" altLang="en-US" sz="1100"/>
+          </a:p>
+        </p:txBody>
+      </p:sp>
+      <p:sp>
+        <p:nvSpPr>
+          <p:cNvPr id="55" name="사각형: 둥근 모서리 54">
             <a:extLst>
               <a:ext uri="{FF2B5EF4-FFF2-40B4-BE49-F238E27FC236}">
-                <a16:creationId xmlns:a16="http://schemas.microsoft.com/office/drawing/2014/main" id="{2056753B-398A-4511-9869-E04228B64760}"/>
+                <a16:creationId xmlns:a16="http://schemas.microsoft.com/office/drawing/2014/main" id="{8C033DB3-3D8C-4925-8799-4DE51D7F0306}"/>
               </a:ext>
             </a:extLst>
           </p:cNvPr>
@@ -3900,8 +4589,8 @@
         </p:nvSpPr>
         <p:spPr>
           <a:xfrm>
-            <a:off x="3851920" y="2895786"/>
-            <a:ext cx="1440160" cy="504056"/>
+            <a:off x="251520" y="2734908"/>
+            <a:ext cx="1008112" cy="288032"/>
           </a:xfrm>
           <a:prstGeom prst="roundRect">
             <a:avLst>
@@ -3929,19 +4618,19 @@
           <a:p>
             <a:pPr algn="ctr"/>
             <a:r>
-              <a:rPr lang="en-US" altLang="ko-KR" sz="1400"/>
-              <a:t>Service</a:t>
-            </a:r>
-            <a:endParaRPr lang="ko-KR" altLang="en-US" sz="1400"/>
-          </a:p>
-        </p:txBody>
-      </p:sp>
-      <p:sp>
-        <p:nvSpPr>
-          <p:cNvPr id="54" name="사각형: 둥근 모서리 53">
+              <a:rPr lang="en-US" altLang="ko-KR" sz="1100"/>
+              <a:t>Policy</a:t>
+            </a:r>
+            <a:endParaRPr lang="ko-KR" altLang="en-US" sz="1100"/>
+          </a:p>
+        </p:txBody>
+      </p:sp>
+      <p:sp>
+        <p:nvSpPr>
+          <p:cNvPr id="57" name="사각형: 둥근 모서리 56">
             <a:extLst>
               <a:ext uri="{FF2B5EF4-FFF2-40B4-BE49-F238E27FC236}">
-                <a16:creationId xmlns:a16="http://schemas.microsoft.com/office/drawing/2014/main" id="{BDBBFB35-24EE-4995-BC61-2BBE08760259}"/>
+                <a16:creationId xmlns:a16="http://schemas.microsoft.com/office/drawing/2014/main" id="{E962E300-E18F-4CEF-9B27-12384D1C766F}"/>
               </a:ext>
             </a:extLst>
           </p:cNvPr>
@@ -3950,8 +4639,8 @@
         </p:nvSpPr>
         <p:spPr>
           <a:xfrm>
-            <a:off x="2237887" y="2895786"/>
-            <a:ext cx="1440160" cy="504056"/>
+            <a:off x="6372200" y="2612314"/>
+            <a:ext cx="1008112" cy="288032"/>
           </a:xfrm>
           <a:prstGeom prst="roundRect">
             <a:avLst>
@@ -3979,19 +4668,19 @@
           <a:p>
             <a:pPr algn="ctr"/>
             <a:r>
-              <a:rPr lang="en-US" altLang="ko-KR" sz="1400"/>
-              <a:t>Token</a:t>
-            </a:r>
-            <a:endParaRPr lang="ko-KR" altLang="en-US" sz="1400"/>
-          </a:p>
-        </p:txBody>
-      </p:sp>
-      <p:sp>
-        <p:nvSpPr>
-          <p:cNvPr id="56" name="사각형: 둥근 모서리 55">
+              <a:rPr lang="en-US" altLang="ko-KR" sz="1100"/>
+              <a:t>Project</a:t>
+            </a:r>
+            <a:endParaRPr lang="ko-KR" altLang="en-US" sz="1100"/>
+          </a:p>
+        </p:txBody>
+      </p:sp>
+      <p:sp>
+        <p:nvSpPr>
+          <p:cNvPr id="58" name="사각형: 둥근 모서리 57">
             <a:extLst>
               <a:ext uri="{FF2B5EF4-FFF2-40B4-BE49-F238E27FC236}">
-                <a16:creationId xmlns:a16="http://schemas.microsoft.com/office/drawing/2014/main" id="{9427F138-1CA8-4B7C-A67B-A6DE8D0DF99A}"/>
+                <a16:creationId xmlns:a16="http://schemas.microsoft.com/office/drawing/2014/main" id="{CC0303EC-4612-4833-AAF9-FF7B5FF3A7AD}"/>
               </a:ext>
             </a:extLst>
           </p:cNvPr>
@@ -4000,8 +4689,8 @@
         </p:nvSpPr>
         <p:spPr>
           <a:xfrm>
-            <a:off x="5465953" y="2895786"/>
-            <a:ext cx="1440160" cy="504056"/>
+            <a:off x="6372200" y="2898066"/>
+            <a:ext cx="1008112" cy="288032"/>
           </a:xfrm>
           <a:prstGeom prst="roundRect">
             <a:avLst>
@@ -4029,17 +4718,117 @@
           <a:p>
             <a:pPr algn="ctr"/>
             <a:r>
-              <a:rPr lang="en-US" altLang="ko-KR" sz="1400"/>
-              <a:t>Endpoint</a:t>
-            </a:r>
-            <a:endParaRPr lang="ko-KR" altLang="en-US" sz="1400"/>
+              <a:rPr lang="en-US" altLang="ko-KR" sz="1100"/>
+              <a:t>Role</a:t>
+            </a:r>
+            <a:endParaRPr lang="ko-KR" altLang="en-US" sz="1100"/>
+          </a:p>
+        </p:txBody>
+      </p:sp>
+      <p:sp>
+        <p:nvSpPr>
+          <p:cNvPr id="59" name="사각형: 둥근 모서리 58">
+            <a:extLst>
+              <a:ext uri="{FF2B5EF4-FFF2-40B4-BE49-F238E27FC236}">
+                <a16:creationId xmlns:a16="http://schemas.microsoft.com/office/drawing/2014/main" id="{3F9C8B41-C685-4C05-95D5-913B27091645}"/>
+              </a:ext>
+            </a:extLst>
+          </p:cNvPr>
+          <p:cNvSpPr/>
+          <p:nvPr/>
+        </p:nvSpPr>
+        <p:spPr>
+          <a:xfrm>
+            <a:off x="6372200" y="3183818"/>
+            <a:ext cx="1008112" cy="288032"/>
+          </a:xfrm>
+          <a:prstGeom prst="roundRect">
+            <a:avLst>
+              <a:gd name="adj" fmla="val 6778"/>
+            </a:avLst>
+          </a:prstGeom>
+        </p:spPr>
+        <p:style>
+          <a:lnRef idx="2">
+            <a:schemeClr val="dk1"/>
+          </a:lnRef>
+          <a:fillRef idx="1">
+            <a:schemeClr val="lt1"/>
+          </a:fillRef>
+          <a:effectRef idx="0">
+            <a:schemeClr val="dk1"/>
+          </a:effectRef>
+          <a:fontRef idx="minor">
+            <a:schemeClr val="dk1"/>
+          </a:fontRef>
+        </p:style>
+        <p:txBody>
+          <a:bodyPr rtlCol="0" anchor="ctr"/>
+          <a:lstStyle/>
+          <a:p>
+            <a:pPr algn="ctr"/>
+            <a:r>
+              <a:rPr lang="en-US" altLang="ko-KR" sz="1100"/>
+              <a:t>Role Asign</a:t>
+            </a:r>
+            <a:endParaRPr lang="ko-KR" altLang="en-US" sz="1100"/>
+          </a:p>
+        </p:txBody>
+      </p:sp>
+      <p:sp>
+        <p:nvSpPr>
+          <p:cNvPr id="60" name="사각형: 둥근 모서리 59">
+            <a:extLst>
+              <a:ext uri="{FF2B5EF4-FFF2-40B4-BE49-F238E27FC236}">
+                <a16:creationId xmlns:a16="http://schemas.microsoft.com/office/drawing/2014/main" id="{48F1AA64-1653-4D04-9425-605407E2A04C}"/>
+              </a:ext>
+            </a:extLst>
+          </p:cNvPr>
+          <p:cNvSpPr/>
+          <p:nvPr/>
+        </p:nvSpPr>
+        <p:spPr>
+          <a:xfrm>
+            <a:off x="6372200" y="2326562"/>
+            <a:ext cx="1008112" cy="288032"/>
+          </a:xfrm>
+          <a:prstGeom prst="roundRect">
+            <a:avLst>
+              <a:gd name="adj" fmla="val 6778"/>
+            </a:avLst>
+          </a:prstGeom>
+        </p:spPr>
+        <p:style>
+          <a:lnRef idx="2">
+            <a:schemeClr val="dk1"/>
+          </a:lnRef>
+          <a:fillRef idx="1">
+            <a:schemeClr val="lt1"/>
+          </a:fillRef>
+          <a:effectRef idx="0">
+            <a:schemeClr val="dk1"/>
+          </a:effectRef>
+          <a:fontRef idx="minor">
+            <a:schemeClr val="dk1"/>
+          </a:fontRef>
+        </p:style>
+        <p:txBody>
+          <a:bodyPr rtlCol="0" anchor="ctr"/>
+          <a:lstStyle/>
+          <a:p>
+            <a:pPr algn="ctr"/>
+            <a:r>
+              <a:rPr lang="en-US" altLang="ko-KR" sz="1100"/>
+              <a:t>Domain</a:t>
+            </a:r>
+            <a:endParaRPr lang="ko-KR" altLang="en-US" sz="1100"/>
           </a:p>
         </p:txBody>
       </p:sp>
     </p:spTree>
     <p:extLst>
       <p:ext uri="{BB962C8B-B14F-4D97-AF65-F5344CB8AC3E}">
-        <p14:creationId xmlns:p14="http://schemas.microsoft.com/office/powerpoint/2010/main" val="1751039519"/>
+        <p14:creationId xmlns:p14="http://schemas.microsoft.com/office/powerpoint/2010/main" val="759267802"/>
       </p:ext>
     </p:extLst>
   </p:cSld>
@@ -5890,6 +6679,596 @@
     <p:extLst>
       <p:ext uri="{BB962C8B-B14F-4D97-AF65-F5344CB8AC3E}">
         <p14:creationId xmlns:p14="http://schemas.microsoft.com/office/powerpoint/2010/main" val="3654893566"/>
+      </p:ext>
+    </p:extLst>
+  </p:cSld>
+  <p:clrMapOvr>
+    <a:masterClrMapping/>
+  </p:clrMapOvr>
+</p:sld>
+</file>
+
+<file path=ppt/slides/slide3.xml><?xml version="1.0" encoding="utf-8"?>
+<p:sld xmlns:a="http://schemas.openxmlformats.org/drawingml/2006/main" xmlns:r="http://schemas.openxmlformats.org/officeDocument/2006/relationships" xmlns:p="http://schemas.openxmlformats.org/presentationml/2006/main">
+  <p:cSld>
+    <p:spTree>
+      <p:nvGrpSpPr>
+        <p:cNvPr id="1" name=""/>
+        <p:cNvGrpSpPr/>
+        <p:nvPr/>
+      </p:nvGrpSpPr>
+      <p:grpSpPr>
+        <a:xfrm>
+          <a:off x="0" y="0"/>
+          <a:ext cx="0" cy="0"/>
+          <a:chOff x="0" y="0"/>
+          <a:chExt cx="0" cy="0"/>
+        </a:xfrm>
+      </p:grpSpPr>
+      <p:sp>
+        <p:nvSpPr>
+          <p:cNvPr id="2" name="제목 1">
+            <a:extLst>
+              <a:ext uri="{FF2B5EF4-FFF2-40B4-BE49-F238E27FC236}">
+                <a16:creationId xmlns:a16="http://schemas.microsoft.com/office/drawing/2014/main" id="{6F06FFFE-B814-4A76-8B32-92417198AE92}"/>
+              </a:ext>
+            </a:extLst>
+          </p:cNvPr>
+          <p:cNvSpPr>
+            <a:spLocks noGrp="1"/>
+          </p:cNvSpPr>
+          <p:nvPr>
+            <p:ph type="title"/>
+          </p:nvPr>
+        </p:nvSpPr>
+        <p:spPr/>
+        <p:txBody>
+          <a:bodyPr/>
+          <a:lstStyle/>
+          <a:p>
+            <a:endParaRPr lang="ko-KR" altLang="en-US"/>
+          </a:p>
+        </p:txBody>
+      </p:sp>
+      <p:sp>
+        <p:nvSpPr>
+          <p:cNvPr id="3" name="내용 개체 틀 2">
+            <a:extLst>
+              <a:ext uri="{FF2B5EF4-FFF2-40B4-BE49-F238E27FC236}">
+                <a16:creationId xmlns:a16="http://schemas.microsoft.com/office/drawing/2014/main" id="{9AAAA105-5893-41B7-881C-0C5A10D87379}"/>
+              </a:ext>
+            </a:extLst>
+          </p:cNvPr>
+          <p:cNvSpPr>
+            <a:spLocks noGrp="1"/>
+          </p:cNvSpPr>
+          <p:nvPr>
+            <p:ph idx="1"/>
+          </p:nvPr>
+        </p:nvSpPr>
+        <p:spPr/>
+        <p:txBody>
+          <a:bodyPr/>
+          <a:lstStyle/>
+          <a:p>
+            <a:endParaRPr lang="ko-KR" altLang="en-US"/>
+          </a:p>
+        </p:txBody>
+      </p:sp>
+    </p:spTree>
+    <p:extLst>
+      <p:ext uri="{BB962C8B-B14F-4D97-AF65-F5344CB8AC3E}">
+        <p14:creationId xmlns:p14="http://schemas.microsoft.com/office/powerpoint/2010/main" val="1233000047"/>
+      </p:ext>
+    </p:extLst>
+  </p:cSld>
+  <p:clrMapOvr>
+    <a:masterClrMapping/>
+  </p:clrMapOvr>
+</p:sld>
+</file>
+
+<file path=ppt/slides/slide4.xml><?xml version="1.0" encoding="utf-8"?>
+<p:sld xmlns:a="http://schemas.openxmlformats.org/drawingml/2006/main" xmlns:r="http://schemas.openxmlformats.org/officeDocument/2006/relationships" xmlns:p="http://schemas.openxmlformats.org/presentationml/2006/main">
+  <p:cSld>
+    <p:spTree>
+      <p:nvGrpSpPr>
+        <p:cNvPr id="1" name=""/>
+        <p:cNvGrpSpPr/>
+        <p:nvPr/>
+      </p:nvGrpSpPr>
+      <p:grpSpPr>
+        <a:xfrm>
+          <a:off x="0" y="0"/>
+          <a:ext cx="0" cy="0"/>
+          <a:chOff x="0" y="0"/>
+          <a:chExt cx="0" cy="0"/>
+        </a:xfrm>
+      </p:grpSpPr>
+      <p:sp>
+        <p:nvSpPr>
+          <p:cNvPr id="2" name="제목 1"/>
+          <p:cNvSpPr>
+            <a:spLocks noGrp="1"/>
+          </p:cNvSpPr>
+          <p:nvPr>
+            <p:ph type="title"/>
+          </p:nvPr>
+        </p:nvSpPr>
+        <p:spPr>
+          <a:xfrm>
+            <a:off x="457200" y="-20538"/>
+            <a:ext cx="8229600" cy="720080"/>
+          </a:xfrm>
+        </p:spPr>
+        <p:txBody>
+          <a:bodyPr>
+            <a:normAutofit/>
+          </a:bodyPr>
+          <a:lstStyle/>
+          <a:p>
+            <a:r>
+              <a:rPr lang="en-US" altLang="ko-KR" sz="3600"/>
+              <a:t>Keystone</a:t>
+            </a:r>
+            <a:endParaRPr lang="ko-KR" altLang="en-US" sz="3600" dirty="0"/>
+          </a:p>
+        </p:txBody>
+      </p:sp>
+      <p:sp>
+        <p:nvSpPr>
+          <p:cNvPr id="3" name="사각형: 둥근 모서리 2">
+            <a:extLst>
+              <a:ext uri="{FF2B5EF4-FFF2-40B4-BE49-F238E27FC236}">
+                <a16:creationId xmlns:a16="http://schemas.microsoft.com/office/drawing/2014/main" id="{CB179EC4-A74E-4AAA-BF19-EE8B403C821C}"/>
+              </a:ext>
+            </a:extLst>
+          </p:cNvPr>
+          <p:cNvSpPr/>
+          <p:nvPr/>
+        </p:nvSpPr>
+        <p:spPr>
+          <a:xfrm>
+            <a:off x="2163170" y="1453487"/>
+            <a:ext cx="4824484" cy="2019868"/>
+          </a:xfrm>
+          <a:prstGeom prst="roundRect">
+            <a:avLst>
+              <a:gd name="adj" fmla="val 3415"/>
+            </a:avLst>
+          </a:prstGeom>
+        </p:spPr>
+        <p:style>
+          <a:lnRef idx="2">
+            <a:schemeClr val="dk1"/>
+          </a:lnRef>
+          <a:fillRef idx="1">
+            <a:schemeClr val="lt1"/>
+          </a:fillRef>
+          <a:effectRef idx="0">
+            <a:schemeClr val="dk1"/>
+          </a:effectRef>
+          <a:fontRef idx="minor">
+            <a:schemeClr val="dk1"/>
+          </a:fontRef>
+        </p:style>
+        <p:txBody>
+          <a:bodyPr rtlCol="0" anchor="ctr"/>
+          <a:lstStyle/>
+          <a:p>
+            <a:pPr algn="ctr"/>
+            <a:r>
+              <a:rPr lang="en-US" altLang="ko-KR" b="1"/>
+              <a:t>Keystone</a:t>
+            </a:r>
+            <a:endParaRPr lang="ko-KR" altLang="en-US" b="1"/>
+          </a:p>
+        </p:txBody>
+      </p:sp>
+      <p:sp>
+        <p:nvSpPr>
+          <p:cNvPr id="42" name="사각형: 둥근 모서리 41">
+            <a:extLst>
+              <a:ext uri="{FF2B5EF4-FFF2-40B4-BE49-F238E27FC236}">
+                <a16:creationId xmlns:a16="http://schemas.microsoft.com/office/drawing/2014/main" id="{FD6E7805-8CE1-4D45-92DA-B629367BDC7C}"/>
+              </a:ext>
+            </a:extLst>
+          </p:cNvPr>
+          <p:cNvSpPr/>
+          <p:nvPr/>
+        </p:nvSpPr>
+        <p:spPr>
+          <a:xfrm>
+            <a:off x="3851920" y="1527634"/>
+            <a:ext cx="1440160" cy="504056"/>
+          </a:xfrm>
+          <a:prstGeom prst="roundRect">
+            <a:avLst>
+              <a:gd name="adj" fmla="val 6778"/>
+            </a:avLst>
+          </a:prstGeom>
+        </p:spPr>
+        <p:style>
+          <a:lnRef idx="2">
+            <a:schemeClr val="dk1"/>
+          </a:lnRef>
+          <a:fillRef idx="1">
+            <a:schemeClr val="lt1"/>
+          </a:fillRef>
+          <a:effectRef idx="0">
+            <a:schemeClr val="dk1"/>
+          </a:effectRef>
+          <a:fontRef idx="minor">
+            <a:schemeClr val="dk1"/>
+          </a:fontRef>
+        </p:style>
+        <p:txBody>
+          <a:bodyPr rtlCol="0" anchor="ctr"/>
+          <a:lstStyle/>
+          <a:p>
+            <a:pPr algn="ctr"/>
+            <a:r>
+              <a:rPr lang="en-US" altLang="ko-KR" sz="1400"/>
+              <a:t>Project</a:t>
+            </a:r>
+            <a:endParaRPr lang="ko-KR" altLang="en-US" sz="1400"/>
+          </a:p>
+        </p:txBody>
+      </p:sp>
+      <p:sp>
+        <p:nvSpPr>
+          <p:cNvPr id="44" name="사각형: 둥근 모서리 43">
+            <a:extLst>
+              <a:ext uri="{FF2B5EF4-FFF2-40B4-BE49-F238E27FC236}">
+                <a16:creationId xmlns:a16="http://schemas.microsoft.com/office/drawing/2014/main" id="{88CBF6FD-80D7-44CA-BBF1-EFF2217CDBA0}"/>
+              </a:ext>
+            </a:extLst>
+          </p:cNvPr>
+          <p:cNvSpPr/>
+          <p:nvPr/>
+        </p:nvSpPr>
+        <p:spPr>
+          <a:xfrm>
+            <a:off x="2237887" y="1527634"/>
+            <a:ext cx="1440160" cy="504056"/>
+          </a:xfrm>
+          <a:prstGeom prst="roundRect">
+            <a:avLst>
+              <a:gd name="adj" fmla="val 6778"/>
+            </a:avLst>
+          </a:prstGeom>
+        </p:spPr>
+        <p:style>
+          <a:lnRef idx="2">
+            <a:schemeClr val="dk1"/>
+          </a:lnRef>
+          <a:fillRef idx="1">
+            <a:schemeClr val="lt1"/>
+          </a:fillRef>
+          <a:effectRef idx="0">
+            <a:schemeClr val="dk1"/>
+          </a:effectRef>
+          <a:fontRef idx="minor">
+            <a:schemeClr val="dk1"/>
+          </a:fontRef>
+        </p:style>
+        <p:txBody>
+          <a:bodyPr rtlCol="0" anchor="ctr"/>
+          <a:lstStyle/>
+          <a:p>
+            <a:pPr algn="ctr"/>
+            <a:r>
+              <a:rPr lang="en-US" altLang="ko-KR" sz="1400"/>
+              <a:t>User</a:t>
+            </a:r>
+            <a:endParaRPr lang="ko-KR" altLang="en-US" sz="1400"/>
+          </a:p>
+        </p:txBody>
+      </p:sp>
+      <p:sp>
+        <p:nvSpPr>
+          <p:cNvPr id="45" name="사각형: 둥근 모서리 44">
+            <a:extLst>
+              <a:ext uri="{FF2B5EF4-FFF2-40B4-BE49-F238E27FC236}">
+                <a16:creationId xmlns:a16="http://schemas.microsoft.com/office/drawing/2014/main" id="{886097FD-7D60-4D1D-A0BE-5A6EF6080DBE}"/>
+              </a:ext>
+            </a:extLst>
+          </p:cNvPr>
+          <p:cNvSpPr/>
+          <p:nvPr/>
+        </p:nvSpPr>
+        <p:spPr>
+          <a:xfrm>
+            <a:off x="5465953" y="1527634"/>
+            <a:ext cx="1440160" cy="504056"/>
+          </a:xfrm>
+          <a:prstGeom prst="roundRect">
+            <a:avLst>
+              <a:gd name="adj" fmla="val 6778"/>
+            </a:avLst>
+          </a:prstGeom>
+        </p:spPr>
+        <p:style>
+          <a:lnRef idx="2">
+            <a:schemeClr val="dk1"/>
+          </a:lnRef>
+          <a:fillRef idx="1">
+            <a:schemeClr val="lt1"/>
+          </a:fillRef>
+          <a:effectRef idx="0">
+            <a:schemeClr val="dk1"/>
+          </a:effectRef>
+          <a:fontRef idx="minor">
+            <a:schemeClr val="dk1"/>
+          </a:fontRef>
+        </p:style>
+        <p:txBody>
+          <a:bodyPr rtlCol="0" anchor="ctr"/>
+          <a:lstStyle/>
+          <a:p>
+            <a:pPr algn="ctr"/>
+            <a:r>
+              <a:rPr lang="en-US" altLang="ko-KR" sz="1400"/>
+              <a:t>Role</a:t>
+            </a:r>
+            <a:endParaRPr lang="ko-KR" altLang="en-US" sz="1400"/>
+          </a:p>
+        </p:txBody>
+      </p:sp>
+      <p:sp>
+        <p:nvSpPr>
+          <p:cNvPr id="47" name="사각형: 둥근 모서리 46">
+            <a:extLst>
+              <a:ext uri="{FF2B5EF4-FFF2-40B4-BE49-F238E27FC236}">
+                <a16:creationId xmlns:a16="http://schemas.microsoft.com/office/drawing/2014/main" id="{97994D12-8A50-41F0-AF25-3F0F5866594B}"/>
+              </a:ext>
+            </a:extLst>
+          </p:cNvPr>
+          <p:cNvSpPr/>
+          <p:nvPr/>
+        </p:nvSpPr>
+        <p:spPr>
+          <a:xfrm>
+            <a:off x="2239191" y="2211710"/>
+            <a:ext cx="1440160" cy="504056"/>
+          </a:xfrm>
+          <a:prstGeom prst="roundRect">
+            <a:avLst>
+              <a:gd name="adj" fmla="val 6778"/>
+            </a:avLst>
+          </a:prstGeom>
+        </p:spPr>
+        <p:style>
+          <a:lnRef idx="2">
+            <a:schemeClr val="dk1"/>
+          </a:lnRef>
+          <a:fillRef idx="1">
+            <a:schemeClr val="lt1"/>
+          </a:fillRef>
+          <a:effectRef idx="0">
+            <a:schemeClr val="dk1"/>
+          </a:effectRef>
+          <a:fontRef idx="minor">
+            <a:schemeClr val="dk1"/>
+          </a:fontRef>
+        </p:style>
+        <p:txBody>
+          <a:bodyPr rtlCol="0" anchor="ctr"/>
+          <a:lstStyle/>
+          <a:p>
+            <a:pPr algn="ctr"/>
+            <a:r>
+              <a:rPr lang="en-US" altLang="ko-KR" sz="1400"/>
+              <a:t>Credential</a:t>
+            </a:r>
+            <a:endParaRPr lang="ko-KR" altLang="en-US" sz="1400"/>
+          </a:p>
+        </p:txBody>
+      </p:sp>
+      <p:sp>
+        <p:nvSpPr>
+          <p:cNvPr id="52" name="사각형: 둥근 모서리 51">
+            <a:extLst>
+              <a:ext uri="{FF2B5EF4-FFF2-40B4-BE49-F238E27FC236}">
+                <a16:creationId xmlns:a16="http://schemas.microsoft.com/office/drawing/2014/main" id="{1B28D774-0C5D-48DC-8A90-9A7C8B05B2AE}"/>
+              </a:ext>
+            </a:extLst>
+          </p:cNvPr>
+          <p:cNvSpPr/>
+          <p:nvPr/>
+        </p:nvSpPr>
+        <p:spPr>
+          <a:xfrm>
+            <a:off x="5465953" y="2211710"/>
+            <a:ext cx="1440160" cy="504056"/>
+          </a:xfrm>
+          <a:prstGeom prst="roundRect">
+            <a:avLst>
+              <a:gd name="adj" fmla="val 6778"/>
+            </a:avLst>
+          </a:prstGeom>
+        </p:spPr>
+        <p:style>
+          <a:lnRef idx="2">
+            <a:schemeClr val="dk1"/>
+          </a:lnRef>
+          <a:fillRef idx="1">
+            <a:schemeClr val="lt1"/>
+          </a:fillRef>
+          <a:effectRef idx="0">
+            <a:schemeClr val="dk1"/>
+          </a:effectRef>
+          <a:fontRef idx="minor">
+            <a:schemeClr val="dk1"/>
+          </a:fontRef>
+        </p:style>
+        <p:txBody>
+          <a:bodyPr rtlCol="0" anchor="ctr"/>
+          <a:lstStyle/>
+          <a:p>
+            <a:pPr algn="ctr"/>
+            <a:r>
+              <a:rPr lang="en-US" altLang="ko-KR" sz="1400"/>
+              <a:t>Authentication</a:t>
+            </a:r>
+            <a:endParaRPr lang="ko-KR" altLang="en-US" sz="1400"/>
+          </a:p>
+        </p:txBody>
+      </p:sp>
+      <p:sp>
+        <p:nvSpPr>
+          <p:cNvPr id="53" name="사각형: 둥근 모서리 52">
+            <a:extLst>
+              <a:ext uri="{FF2B5EF4-FFF2-40B4-BE49-F238E27FC236}">
+                <a16:creationId xmlns:a16="http://schemas.microsoft.com/office/drawing/2014/main" id="{2056753B-398A-4511-9869-E04228B64760}"/>
+              </a:ext>
+            </a:extLst>
+          </p:cNvPr>
+          <p:cNvSpPr/>
+          <p:nvPr/>
+        </p:nvSpPr>
+        <p:spPr>
+          <a:xfrm>
+            <a:off x="3851920" y="2895786"/>
+            <a:ext cx="1440160" cy="504056"/>
+          </a:xfrm>
+          <a:prstGeom prst="roundRect">
+            <a:avLst>
+              <a:gd name="adj" fmla="val 6778"/>
+            </a:avLst>
+          </a:prstGeom>
+        </p:spPr>
+        <p:style>
+          <a:lnRef idx="2">
+            <a:schemeClr val="dk1"/>
+          </a:lnRef>
+          <a:fillRef idx="1">
+            <a:schemeClr val="lt1"/>
+          </a:fillRef>
+          <a:effectRef idx="0">
+            <a:schemeClr val="dk1"/>
+          </a:effectRef>
+          <a:fontRef idx="minor">
+            <a:schemeClr val="dk1"/>
+          </a:fontRef>
+        </p:style>
+        <p:txBody>
+          <a:bodyPr rtlCol="0" anchor="ctr"/>
+          <a:lstStyle/>
+          <a:p>
+            <a:pPr algn="ctr"/>
+            <a:r>
+              <a:rPr lang="en-US" altLang="ko-KR" sz="1400"/>
+              <a:t>Service</a:t>
+            </a:r>
+            <a:endParaRPr lang="ko-KR" altLang="en-US" sz="1400"/>
+          </a:p>
+        </p:txBody>
+      </p:sp>
+      <p:sp>
+        <p:nvSpPr>
+          <p:cNvPr id="54" name="사각형: 둥근 모서리 53">
+            <a:extLst>
+              <a:ext uri="{FF2B5EF4-FFF2-40B4-BE49-F238E27FC236}">
+                <a16:creationId xmlns:a16="http://schemas.microsoft.com/office/drawing/2014/main" id="{BDBBFB35-24EE-4995-BC61-2BBE08760259}"/>
+              </a:ext>
+            </a:extLst>
+          </p:cNvPr>
+          <p:cNvSpPr/>
+          <p:nvPr/>
+        </p:nvSpPr>
+        <p:spPr>
+          <a:xfrm>
+            <a:off x="2237887" y="2895786"/>
+            <a:ext cx="1440160" cy="504056"/>
+          </a:xfrm>
+          <a:prstGeom prst="roundRect">
+            <a:avLst>
+              <a:gd name="adj" fmla="val 6778"/>
+            </a:avLst>
+          </a:prstGeom>
+        </p:spPr>
+        <p:style>
+          <a:lnRef idx="2">
+            <a:schemeClr val="dk1"/>
+          </a:lnRef>
+          <a:fillRef idx="1">
+            <a:schemeClr val="lt1"/>
+          </a:fillRef>
+          <a:effectRef idx="0">
+            <a:schemeClr val="dk1"/>
+          </a:effectRef>
+          <a:fontRef idx="minor">
+            <a:schemeClr val="dk1"/>
+          </a:fontRef>
+        </p:style>
+        <p:txBody>
+          <a:bodyPr rtlCol="0" anchor="ctr"/>
+          <a:lstStyle/>
+          <a:p>
+            <a:pPr algn="ctr"/>
+            <a:r>
+              <a:rPr lang="en-US" altLang="ko-KR" sz="1400"/>
+              <a:t>Token</a:t>
+            </a:r>
+            <a:endParaRPr lang="ko-KR" altLang="en-US" sz="1400"/>
+          </a:p>
+        </p:txBody>
+      </p:sp>
+      <p:sp>
+        <p:nvSpPr>
+          <p:cNvPr id="56" name="사각형: 둥근 모서리 55">
+            <a:extLst>
+              <a:ext uri="{FF2B5EF4-FFF2-40B4-BE49-F238E27FC236}">
+                <a16:creationId xmlns:a16="http://schemas.microsoft.com/office/drawing/2014/main" id="{9427F138-1CA8-4B7C-A67B-A6DE8D0DF99A}"/>
+              </a:ext>
+            </a:extLst>
+          </p:cNvPr>
+          <p:cNvSpPr/>
+          <p:nvPr/>
+        </p:nvSpPr>
+        <p:spPr>
+          <a:xfrm>
+            <a:off x="5465953" y="2895786"/>
+            <a:ext cx="1440160" cy="504056"/>
+          </a:xfrm>
+          <a:prstGeom prst="roundRect">
+            <a:avLst>
+              <a:gd name="adj" fmla="val 6778"/>
+            </a:avLst>
+          </a:prstGeom>
+        </p:spPr>
+        <p:style>
+          <a:lnRef idx="2">
+            <a:schemeClr val="dk1"/>
+          </a:lnRef>
+          <a:fillRef idx="1">
+            <a:schemeClr val="lt1"/>
+          </a:fillRef>
+          <a:effectRef idx="0">
+            <a:schemeClr val="dk1"/>
+          </a:effectRef>
+          <a:fontRef idx="minor">
+            <a:schemeClr val="dk1"/>
+          </a:fontRef>
+        </p:style>
+        <p:txBody>
+          <a:bodyPr rtlCol="0" anchor="ctr"/>
+          <a:lstStyle/>
+          <a:p>
+            <a:pPr algn="ctr"/>
+            <a:r>
+              <a:rPr lang="en-US" altLang="ko-KR" sz="1400"/>
+              <a:t>Endpoint</a:t>
+            </a:r>
+            <a:endParaRPr lang="ko-KR" altLang="en-US" sz="1400"/>
+          </a:p>
+        </p:txBody>
+      </p:sp>
+    </p:spTree>
+    <p:extLst>
+      <p:ext uri="{BB962C8B-B14F-4D97-AF65-F5344CB8AC3E}">
+        <p14:creationId xmlns:p14="http://schemas.microsoft.com/office/powerpoint/2010/main" val="1751039519"/>
       </p:ext>
     </p:extLst>
   </p:cSld>

--- a/images/theory_analysis/OpenStack_Keystone/OpenStack_Keystone.pptx
+++ b/images/theory_analysis/OpenStack_Keystone/OpenStack_Keystone.pptx
@@ -5,13 +5,16 @@
     <p:sldMasterId id="2147483648" r:id="rId1"/>
   </p:sldMasterIdLst>
   <p:notesMasterIdLst>
-    <p:notesMasterId r:id="rId6"/>
+    <p:notesMasterId r:id="rId9"/>
   </p:notesMasterIdLst>
   <p:sldIdLst>
-    <p:sldId id="384" r:id="rId2"/>
+    <p:sldId id="385" r:id="rId2"/>
     <p:sldId id="382" r:id="rId3"/>
-    <p:sldId id="383" r:id="rId4"/>
-    <p:sldId id="380" r:id="rId5"/>
+    <p:sldId id="387" r:id="rId4"/>
+    <p:sldId id="383" r:id="rId5"/>
+    <p:sldId id="384" r:id="rId6"/>
+    <p:sldId id="386" r:id="rId7"/>
+    <p:sldId id="380" r:id="rId8"/>
   </p:sldIdLst>
   <p:sldSz cx="9144000" cy="5143500" type="screen16x9"/>
   <p:notesSz cx="6858000" cy="9144000"/>
@@ -216,7 +219,7 @@
           <a:p>
             <a:fld id="{6CD5550B-26C4-49A9-A5BA-636EF7BE6CE9}" type="datetimeFigureOut">
               <a:rPr lang="ko-KR" altLang="en-US" smtClean="0"/>
-              <a:t>2020-01-19</a:t>
+              <a:t>2020-01-20</a:t>
             </a:fld>
             <a:endParaRPr lang="ko-KR" altLang="en-US"/>
           </a:p>
@@ -557,7 +560,7 @@
     </p:spTree>
     <p:extLst>
       <p:ext uri="{BB962C8B-B14F-4D97-AF65-F5344CB8AC3E}">
-        <p14:creationId xmlns:p14="http://schemas.microsoft.com/office/powerpoint/2010/main" val="438943059"/>
+        <p14:creationId xmlns:p14="http://schemas.microsoft.com/office/powerpoint/2010/main" val="4186786456"/>
       </p:ext>
     </p:extLst>
   </p:cSld>
@@ -716,7 +719,259 @@
           <a:p>
             <a:fld id="{BA5DFA43-8D57-47FB-BC46-057616015C3B}" type="slidenum">
               <a:rPr lang="ko-KR" altLang="en-US" smtClean="0"/>
-              <a:t>4</a:t>
+              <a:t>3</a:t>
+            </a:fld>
+            <a:endParaRPr lang="ko-KR" altLang="en-US"/>
+          </a:p>
+        </p:txBody>
+      </p:sp>
+    </p:spTree>
+    <p:extLst>
+      <p:ext uri="{BB962C8B-B14F-4D97-AF65-F5344CB8AC3E}">
+        <p14:creationId xmlns:p14="http://schemas.microsoft.com/office/powerpoint/2010/main" val="1131056882"/>
+      </p:ext>
+    </p:extLst>
+  </p:cSld>
+  <p:clrMapOvr>
+    <a:masterClrMapping/>
+  </p:clrMapOvr>
+</p:notes>
+</file>
+
+<file path=ppt/notesSlides/notesSlide4.xml><?xml version="1.0" encoding="utf-8"?>
+<p:notes xmlns:a="http://schemas.openxmlformats.org/drawingml/2006/main" xmlns:r="http://schemas.openxmlformats.org/officeDocument/2006/relationships" xmlns:p="http://schemas.openxmlformats.org/presentationml/2006/main">
+  <p:cSld>
+    <p:spTree>
+      <p:nvGrpSpPr>
+        <p:cNvPr id="1" name=""/>
+        <p:cNvGrpSpPr/>
+        <p:nvPr/>
+      </p:nvGrpSpPr>
+      <p:grpSpPr>
+        <a:xfrm>
+          <a:off x="0" y="0"/>
+          <a:ext cx="0" cy="0"/>
+          <a:chOff x="0" y="0"/>
+          <a:chExt cx="0" cy="0"/>
+        </a:xfrm>
+      </p:grpSpPr>
+      <p:sp>
+        <p:nvSpPr>
+          <p:cNvPr id="2" name="슬라이드 이미지 개체 틀 1"/>
+          <p:cNvSpPr>
+            <a:spLocks noGrp="1" noRot="1" noChangeAspect="1"/>
+          </p:cNvSpPr>
+          <p:nvPr>
+            <p:ph type="sldImg"/>
+          </p:nvPr>
+        </p:nvSpPr>
+        <p:spPr/>
+      </p:sp>
+      <p:sp>
+        <p:nvSpPr>
+          <p:cNvPr id="3" name="슬라이드 노트 개체 틀 2"/>
+          <p:cNvSpPr>
+            <a:spLocks noGrp="1"/>
+          </p:cNvSpPr>
+          <p:nvPr>
+            <p:ph type="body" idx="1"/>
+          </p:nvPr>
+        </p:nvSpPr>
+        <p:spPr/>
+        <p:txBody>
+          <a:bodyPr/>
+          <a:lstStyle/>
+          <a:p>
+            <a:endParaRPr lang="ko-KR" altLang="en-US"/>
+          </a:p>
+        </p:txBody>
+      </p:sp>
+      <p:sp>
+        <p:nvSpPr>
+          <p:cNvPr id="4" name="슬라이드 번호 개체 틀 3"/>
+          <p:cNvSpPr>
+            <a:spLocks noGrp="1"/>
+          </p:cNvSpPr>
+          <p:nvPr>
+            <p:ph type="sldNum" sz="quarter" idx="5"/>
+          </p:nvPr>
+        </p:nvSpPr>
+        <p:spPr/>
+        <p:txBody>
+          <a:bodyPr/>
+          <a:lstStyle/>
+          <a:p>
+            <a:fld id="{BA5DFA43-8D57-47FB-BC46-057616015C3B}" type="slidenum">
+              <a:rPr lang="ko-KR" altLang="en-US" smtClean="0"/>
+              <a:t>5</a:t>
+            </a:fld>
+            <a:endParaRPr lang="ko-KR" altLang="en-US"/>
+          </a:p>
+        </p:txBody>
+      </p:sp>
+    </p:spTree>
+    <p:extLst>
+      <p:ext uri="{BB962C8B-B14F-4D97-AF65-F5344CB8AC3E}">
+        <p14:creationId xmlns:p14="http://schemas.microsoft.com/office/powerpoint/2010/main" val="438943059"/>
+      </p:ext>
+    </p:extLst>
+  </p:cSld>
+  <p:clrMapOvr>
+    <a:masterClrMapping/>
+  </p:clrMapOvr>
+</p:notes>
+</file>
+
+<file path=ppt/notesSlides/notesSlide5.xml><?xml version="1.0" encoding="utf-8"?>
+<p:notes xmlns:a="http://schemas.openxmlformats.org/drawingml/2006/main" xmlns:r="http://schemas.openxmlformats.org/officeDocument/2006/relationships" xmlns:p="http://schemas.openxmlformats.org/presentationml/2006/main">
+  <p:cSld>
+    <p:spTree>
+      <p:nvGrpSpPr>
+        <p:cNvPr id="1" name=""/>
+        <p:cNvGrpSpPr/>
+        <p:nvPr/>
+      </p:nvGrpSpPr>
+      <p:grpSpPr>
+        <a:xfrm>
+          <a:off x="0" y="0"/>
+          <a:ext cx="0" cy="0"/>
+          <a:chOff x="0" y="0"/>
+          <a:chExt cx="0" cy="0"/>
+        </a:xfrm>
+      </p:grpSpPr>
+      <p:sp>
+        <p:nvSpPr>
+          <p:cNvPr id="2" name="슬라이드 이미지 개체 틀 1"/>
+          <p:cNvSpPr>
+            <a:spLocks noGrp="1" noRot="1" noChangeAspect="1"/>
+          </p:cNvSpPr>
+          <p:nvPr>
+            <p:ph type="sldImg"/>
+          </p:nvPr>
+        </p:nvSpPr>
+        <p:spPr/>
+      </p:sp>
+      <p:sp>
+        <p:nvSpPr>
+          <p:cNvPr id="3" name="슬라이드 노트 개체 틀 2"/>
+          <p:cNvSpPr>
+            <a:spLocks noGrp="1"/>
+          </p:cNvSpPr>
+          <p:nvPr>
+            <p:ph type="body" idx="1"/>
+          </p:nvPr>
+        </p:nvSpPr>
+        <p:spPr/>
+        <p:txBody>
+          <a:bodyPr/>
+          <a:lstStyle/>
+          <a:p>
+            <a:endParaRPr lang="ko-KR" altLang="en-US"/>
+          </a:p>
+        </p:txBody>
+      </p:sp>
+      <p:sp>
+        <p:nvSpPr>
+          <p:cNvPr id="4" name="슬라이드 번호 개체 틀 3"/>
+          <p:cNvSpPr>
+            <a:spLocks noGrp="1"/>
+          </p:cNvSpPr>
+          <p:nvPr>
+            <p:ph type="sldNum" sz="quarter" idx="5"/>
+          </p:nvPr>
+        </p:nvSpPr>
+        <p:spPr/>
+        <p:txBody>
+          <a:bodyPr/>
+          <a:lstStyle/>
+          <a:p>
+            <a:fld id="{BA5DFA43-8D57-47FB-BC46-057616015C3B}" type="slidenum">
+              <a:rPr lang="ko-KR" altLang="en-US" smtClean="0"/>
+              <a:t>6</a:t>
+            </a:fld>
+            <a:endParaRPr lang="ko-KR" altLang="en-US"/>
+          </a:p>
+        </p:txBody>
+      </p:sp>
+    </p:spTree>
+    <p:extLst>
+      <p:ext uri="{BB962C8B-B14F-4D97-AF65-F5344CB8AC3E}">
+        <p14:creationId xmlns:p14="http://schemas.microsoft.com/office/powerpoint/2010/main" val="12973732"/>
+      </p:ext>
+    </p:extLst>
+  </p:cSld>
+  <p:clrMapOvr>
+    <a:masterClrMapping/>
+  </p:clrMapOvr>
+</p:notes>
+</file>
+
+<file path=ppt/notesSlides/notesSlide6.xml><?xml version="1.0" encoding="utf-8"?>
+<p:notes xmlns:a="http://schemas.openxmlformats.org/drawingml/2006/main" xmlns:r="http://schemas.openxmlformats.org/officeDocument/2006/relationships" xmlns:p="http://schemas.openxmlformats.org/presentationml/2006/main">
+  <p:cSld>
+    <p:spTree>
+      <p:nvGrpSpPr>
+        <p:cNvPr id="1" name=""/>
+        <p:cNvGrpSpPr/>
+        <p:nvPr/>
+      </p:nvGrpSpPr>
+      <p:grpSpPr>
+        <a:xfrm>
+          <a:off x="0" y="0"/>
+          <a:ext cx="0" cy="0"/>
+          <a:chOff x="0" y="0"/>
+          <a:chExt cx="0" cy="0"/>
+        </a:xfrm>
+      </p:grpSpPr>
+      <p:sp>
+        <p:nvSpPr>
+          <p:cNvPr id="2" name="슬라이드 이미지 개체 틀 1"/>
+          <p:cNvSpPr>
+            <a:spLocks noGrp="1" noRot="1" noChangeAspect="1"/>
+          </p:cNvSpPr>
+          <p:nvPr>
+            <p:ph type="sldImg"/>
+          </p:nvPr>
+        </p:nvSpPr>
+        <p:spPr/>
+      </p:sp>
+      <p:sp>
+        <p:nvSpPr>
+          <p:cNvPr id="3" name="슬라이드 노트 개체 틀 2"/>
+          <p:cNvSpPr>
+            <a:spLocks noGrp="1"/>
+          </p:cNvSpPr>
+          <p:nvPr>
+            <p:ph type="body" idx="1"/>
+          </p:nvPr>
+        </p:nvSpPr>
+        <p:spPr/>
+        <p:txBody>
+          <a:bodyPr/>
+          <a:lstStyle/>
+          <a:p>
+            <a:endParaRPr lang="ko-KR" altLang="en-US"/>
+          </a:p>
+        </p:txBody>
+      </p:sp>
+      <p:sp>
+        <p:nvSpPr>
+          <p:cNvPr id="4" name="슬라이드 번호 개체 틀 3"/>
+          <p:cNvSpPr>
+            <a:spLocks noGrp="1"/>
+          </p:cNvSpPr>
+          <p:nvPr>
+            <p:ph type="sldNum" sz="quarter" idx="5"/>
+          </p:nvPr>
+        </p:nvSpPr>
+        <p:spPr/>
+        <p:txBody>
+          <a:bodyPr/>
+          <a:lstStyle/>
+          <a:p>
+            <a:fld id="{BA5DFA43-8D57-47FB-BC46-057616015C3B}" type="slidenum">
+              <a:rPr lang="ko-KR" altLang="en-US" smtClean="0"/>
+              <a:t>7</a:t>
             </a:fld>
             <a:endParaRPr lang="ko-KR" altLang="en-US"/>
           </a:p>
@@ -914,7 +1169,7 @@
           <a:p>
             <a:fld id="{FB30EDBD-1C2D-4C1E-B459-B60219FAB484}" type="datetimeFigureOut">
               <a:rPr lang="ko-KR" altLang="en-US" smtClean="0"/>
-              <a:t>2020-01-19</a:t>
+              <a:t>2020-01-20</a:t>
             </a:fld>
             <a:endParaRPr lang="ko-KR" altLang="en-US"/>
           </a:p>
@@ -1077,7 +1332,7 @@
           <a:p>
             <a:fld id="{FB30EDBD-1C2D-4C1E-B459-B60219FAB484}" type="datetimeFigureOut">
               <a:rPr lang="ko-KR" altLang="en-US" smtClean="0"/>
-              <a:t>2020-01-19</a:t>
+              <a:t>2020-01-20</a:t>
             </a:fld>
             <a:endParaRPr lang="ko-KR" altLang="en-US"/>
           </a:p>
@@ -1250,7 +1505,7 @@
           <a:p>
             <a:fld id="{FB30EDBD-1C2D-4C1E-B459-B60219FAB484}" type="datetimeFigureOut">
               <a:rPr lang="ko-KR" altLang="en-US" smtClean="0"/>
-              <a:t>2020-01-19</a:t>
+              <a:t>2020-01-20</a:t>
             </a:fld>
             <a:endParaRPr lang="ko-KR" altLang="en-US"/>
           </a:p>
@@ -1413,7 +1668,7 @@
           <a:p>
             <a:fld id="{FB30EDBD-1C2D-4C1E-B459-B60219FAB484}" type="datetimeFigureOut">
               <a:rPr lang="ko-KR" altLang="en-US" smtClean="0"/>
-              <a:t>2020-01-19</a:t>
+              <a:t>2020-01-20</a:t>
             </a:fld>
             <a:endParaRPr lang="ko-KR" altLang="en-US"/>
           </a:p>
@@ -1653,7 +1908,7 @@
           <a:p>
             <a:fld id="{FB30EDBD-1C2D-4C1E-B459-B60219FAB484}" type="datetimeFigureOut">
               <a:rPr lang="ko-KR" altLang="en-US" smtClean="0"/>
-              <a:t>2020-01-19</a:t>
+              <a:t>2020-01-20</a:t>
             </a:fld>
             <a:endParaRPr lang="ko-KR" altLang="en-US"/>
           </a:p>
@@ -1933,7 +2188,7 @@
           <a:p>
             <a:fld id="{FB30EDBD-1C2D-4C1E-B459-B60219FAB484}" type="datetimeFigureOut">
               <a:rPr lang="ko-KR" altLang="en-US" smtClean="0"/>
-              <a:t>2020-01-19</a:t>
+              <a:t>2020-01-20</a:t>
             </a:fld>
             <a:endParaRPr lang="ko-KR" altLang="en-US"/>
           </a:p>
@@ -2347,7 +2602,7 @@
           <a:p>
             <a:fld id="{FB30EDBD-1C2D-4C1E-B459-B60219FAB484}" type="datetimeFigureOut">
               <a:rPr lang="ko-KR" altLang="en-US" smtClean="0"/>
-              <a:t>2020-01-19</a:t>
+              <a:t>2020-01-20</a:t>
             </a:fld>
             <a:endParaRPr lang="ko-KR" altLang="en-US"/>
           </a:p>
@@ -2459,7 +2714,7 @@
           <a:p>
             <a:fld id="{FB30EDBD-1C2D-4C1E-B459-B60219FAB484}" type="datetimeFigureOut">
               <a:rPr lang="ko-KR" altLang="en-US" smtClean="0"/>
-              <a:t>2020-01-19</a:t>
+              <a:t>2020-01-20</a:t>
             </a:fld>
             <a:endParaRPr lang="ko-KR" altLang="en-US"/>
           </a:p>
@@ -2549,7 +2804,7 @@
           <a:p>
             <a:fld id="{FB30EDBD-1C2D-4C1E-B459-B60219FAB484}" type="datetimeFigureOut">
               <a:rPr lang="ko-KR" altLang="en-US" smtClean="0"/>
-              <a:t>2020-01-19</a:t>
+              <a:t>2020-01-20</a:t>
             </a:fld>
             <a:endParaRPr lang="ko-KR" altLang="en-US"/>
           </a:p>
@@ -2819,7 +3074,7 @@
           <a:p>
             <a:fld id="{FB30EDBD-1C2D-4C1E-B459-B60219FAB484}" type="datetimeFigureOut">
               <a:rPr lang="ko-KR" altLang="en-US" smtClean="0"/>
-              <a:t>2020-01-19</a:t>
+              <a:t>2020-01-20</a:t>
             </a:fld>
             <a:endParaRPr lang="ko-KR" altLang="en-US"/>
           </a:p>
@@ -3066,7 +3321,7 @@
           <a:p>
             <a:fld id="{FB30EDBD-1C2D-4C1E-B459-B60219FAB484}" type="datetimeFigureOut">
               <a:rPr lang="ko-KR" altLang="en-US" smtClean="0"/>
-              <a:t>2020-01-19</a:t>
+              <a:t>2020-01-20</a:t>
             </a:fld>
             <a:endParaRPr lang="ko-KR" altLang="en-US"/>
           </a:p>
@@ -3272,7 +3527,7 @@
           <a:p>
             <a:fld id="{FB30EDBD-1C2D-4C1E-B459-B60219FAB484}" type="datetimeFigureOut">
               <a:rPr lang="ko-KR" altLang="en-US" smtClean="0"/>
-              <a:t>2020-01-19</a:t>
+              <a:t>2020-01-20</a:t>
             </a:fld>
             <a:endParaRPr lang="ko-KR" altLang="en-US"/>
           </a:p>
@@ -3686,8 +3941,8 @@
         </p:nvSpPr>
         <p:spPr>
           <a:xfrm>
-            <a:off x="179512" y="1995686"/>
-            <a:ext cx="1152128" cy="2088232"/>
+            <a:off x="3209012" y="1923678"/>
+            <a:ext cx="1205722" cy="2232248"/>
           </a:xfrm>
           <a:prstGeom prst="can">
             <a:avLst/>
@@ -3741,8 +3996,8 @@
         </p:nvSpPr>
         <p:spPr>
           <a:xfrm>
-            <a:off x="1691680" y="1995686"/>
-            <a:ext cx="1152128" cy="2088232"/>
+            <a:off x="6302091" y="1923678"/>
+            <a:ext cx="1205722" cy="2232248"/>
           </a:xfrm>
           <a:prstGeom prst="can">
             <a:avLst/>
@@ -3796,8 +4051,8 @@
         </p:nvSpPr>
         <p:spPr>
           <a:xfrm>
-            <a:off x="3203848" y="1995686"/>
-            <a:ext cx="1152128" cy="2088232"/>
+            <a:off x="7808624" y="1923678"/>
+            <a:ext cx="1205722" cy="2232248"/>
           </a:xfrm>
           <a:prstGeom prst="can">
             <a:avLst/>
@@ -3844,8 +4099,8 @@
         </p:nvSpPr>
         <p:spPr>
           <a:xfrm>
-            <a:off x="4788024" y="1995686"/>
-            <a:ext cx="1152128" cy="2088232"/>
+            <a:off x="152715" y="1923678"/>
+            <a:ext cx="1205722" cy="2232248"/>
           </a:xfrm>
           <a:prstGeom prst="can">
             <a:avLst/>
@@ -3899,8 +4154,8 @@
         </p:nvSpPr>
         <p:spPr>
           <a:xfrm>
-            <a:off x="6300192" y="1995686"/>
-            <a:ext cx="1152128" cy="2088232"/>
+            <a:off x="1696844" y="1923678"/>
+            <a:ext cx="1205722" cy="2232248"/>
           </a:xfrm>
           <a:prstGeom prst="can">
             <a:avLst/>
@@ -3927,7 +4182,7 @@
             <a:pPr algn="ctr"/>
             <a:r>
               <a:rPr lang="en-US" altLang="ko-KR" sz="1400"/>
-              <a:t>Asignments Backend</a:t>
+              <a:t>Assignments Backend</a:t>
             </a:r>
             <a:endParaRPr lang="ko-KR" altLang="en-US" sz="1400"/>
           </a:p>
@@ -3947,8 +4202,8 @@
         </p:nvSpPr>
         <p:spPr>
           <a:xfrm>
-            <a:off x="7812360" y="1995686"/>
-            <a:ext cx="1152128" cy="2088232"/>
+            <a:off x="4769989" y="1923678"/>
+            <a:ext cx="1205722" cy="2232248"/>
           </a:xfrm>
           <a:prstGeom prst="can">
             <a:avLst/>
@@ -4002,7 +4257,7 @@
         </p:nvSpPr>
         <p:spPr>
           <a:xfrm>
-            <a:off x="1763688" y="2754050"/>
+            <a:off x="6400896" y="2754050"/>
             <a:ext cx="1008112" cy="288032"/>
           </a:xfrm>
           <a:prstGeom prst="roundRect">
@@ -4111,8 +4366,8 @@
         </p:nvCxnSpPr>
         <p:spPr>
           <a:xfrm flipV="1">
-            <a:off x="755576" y="1707654"/>
-            <a:ext cx="3816424" cy="288032"/>
+            <a:off x="3811873" y="1707654"/>
+            <a:ext cx="760127" cy="216024"/>
           </a:xfrm>
           <a:prstGeom prst="straightConnector1">
             <a:avLst/>
@@ -4157,9 +4412,9 @@
           <p:nvPr/>
         </p:nvCxnSpPr>
         <p:spPr>
-          <a:xfrm flipV="1">
-            <a:off x="2267744" y="1707654"/>
-            <a:ext cx="2304256" cy="288032"/>
+          <a:xfrm flipH="1" flipV="1">
+            <a:off x="4572000" y="1707654"/>
+            <a:ext cx="2332952" cy="216024"/>
           </a:xfrm>
           <a:prstGeom prst="straightConnector1">
             <a:avLst/>
@@ -4204,9 +4459,9 @@
           <p:nvPr/>
         </p:nvCxnSpPr>
         <p:spPr>
-          <a:xfrm flipV="1">
-            <a:off x="3779912" y="1707654"/>
-            <a:ext cx="792088" cy="288032"/>
+          <a:xfrm flipH="1" flipV="1">
+            <a:off x="4572000" y="1707654"/>
+            <a:ext cx="3839485" cy="216024"/>
           </a:xfrm>
           <a:prstGeom prst="straightConnector1">
             <a:avLst/>
@@ -4251,9 +4506,9 @@
           <p:nvPr/>
         </p:nvCxnSpPr>
         <p:spPr>
-          <a:xfrm flipH="1" flipV="1">
-            <a:off x="4572000" y="1707654"/>
-            <a:ext cx="792088" cy="288032"/>
+          <a:xfrm flipV="1">
+            <a:off x="755576" y="1707654"/>
+            <a:ext cx="3816424" cy="216024"/>
           </a:xfrm>
           <a:prstGeom prst="straightConnector1">
             <a:avLst/>
@@ -4298,9 +4553,9 @@
           <p:nvPr/>
         </p:nvCxnSpPr>
         <p:spPr>
-          <a:xfrm flipH="1" flipV="1">
-            <a:off x="4572000" y="1707654"/>
-            <a:ext cx="2304256" cy="288032"/>
+          <a:xfrm flipV="1">
+            <a:off x="2299705" y="1707654"/>
+            <a:ext cx="2272295" cy="216024"/>
           </a:xfrm>
           <a:prstGeom prst="straightConnector1">
             <a:avLst/>
@@ -4347,7 +4602,7 @@
         <p:spPr>
           <a:xfrm flipH="1" flipV="1">
             <a:off x="4572000" y="1707654"/>
-            <a:ext cx="3816424" cy="288032"/>
+            <a:ext cx="800850" cy="216024"/>
           </a:xfrm>
           <a:prstGeom prst="straightConnector1">
             <a:avLst/>
@@ -4389,7 +4644,7 @@
         </p:nvSpPr>
         <p:spPr>
           <a:xfrm>
-            <a:off x="3275856" y="2754050"/>
+            <a:off x="7907429" y="2754050"/>
             <a:ext cx="1008112" cy="288032"/>
           </a:xfrm>
           <a:prstGeom prst="roundRect">
@@ -4439,7 +4694,7 @@
         </p:nvSpPr>
         <p:spPr>
           <a:xfrm>
-            <a:off x="4860032" y="2610034"/>
+            <a:off x="251520" y="2610034"/>
             <a:ext cx="1008112" cy="288032"/>
           </a:xfrm>
           <a:prstGeom prst="roundRect">
@@ -4489,7 +4744,7 @@
         </p:nvSpPr>
         <p:spPr>
           <a:xfrm>
-            <a:off x="4860032" y="2895786"/>
+            <a:off x="251520" y="2895786"/>
             <a:ext cx="1008112" cy="288032"/>
           </a:xfrm>
           <a:prstGeom prst="roundRect">
@@ -4539,7 +4794,7 @@
         </p:nvSpPr>
         <p:spPr>
           <a:xfrm>
-            <a:off x="7884368" y="2754050"/>
+            <a:off x="4868794" y="2754050"/>
             <a:ext cx="1008112" cy="288032"/>
           </a:xfrm>
           <a:prstGeom prst="roundRect">
@@ -4589,7 +4844,7 @@
         </p:nvSpPr>
         <p:spPr>
           <a:xfrm>
-            <a:off x="251520" y="2734908"/>
+            <a:off x="3307817" y="2734908"/>
             <a:ext cx="1008112" cy="288032"/>
           </a:xfrm>
           <a:prstGeom prst="roundRect">
@@ -4639,7 +4894,7 @@
         </p:nvSpPr>
         <p:spPr>
           <a:xfrm>
-            <a:off x="6372200" y="2612314"/>
+            <a:off x="1795649" y="2612314"/>
             <a:ext cx="1008112" cy="288032"/>
           </a:xfrm>
           <a:prstGeom prst="roundRect">
@@ -4669,7 +4924,7 @@
             <a:pPr algn="ctr"/>
             <a:r>
               <a:rPr lang="en-US" altLang="ko-KR" sz="1100"/>
-              <a:t>Project</a:t>
+              <a:t>Domain</a:t>
             </a:r>
             <a:endParaRPr lang="ko-KR" altLang="en-US" sz="1100"/>
           </a:p>
@@ -4689,7 +4944,7 @@
         </p:nvSpPr>
         <p:spPr>
           <a:xfrm>
-            <a:off x="6372200" y="2898066"/>
+            <a:off x="1795649" y="2898066"/>
             <a:ext cx="1008112" cy="288032"/>
           </a:xfrm>
           <a:prstGeom prst="roundRect">
@@ -4739,7 +4994,7 @@
         </p:nvSpPr>
         <p:spPr>
           <a:xfrm>
-            <a:off x="6372200" y="3183818"/>
+            <a:off x="1795649" y="3183818"/>
             <a:ext cx="1008112" cy="288032"/>
           </a:xfrm>
           <a:prstGeom prst="roundRect">
@@ -4789,7 +5044,7 @@
         </p:nvSpPr>
         <p:spPr>
           <a:xfrm>
-            <a:off x="6372200" y="2326562"/>
+            <a:off x="1795649" y="2326562"/>
             <a:ext cx="1008112" cy="288032"/>
           </a:xfrm>
           <a:prstGeom prst="roundRect">
@@ -4819,7 +5074,7 @@
             <a:pPr algn="ctr"/>
             <a:r>
               <a:rPr lang="en-US" altLang="ko-KR" sz="1100"/>
-              <a:t>Domain</a:t>
+              <a:t>Project</a:t>
             </a:r>
             <a:endParaRPr lang="ko-KR" altLang="en-US" sz="1100"/>
           </a:p>
@@ -4828,7 +5083,7 @@
     </p:spTree>
     <p:extLst>
       <p:ext uri="{BB962C8B-B14F-4D97-AF65-F5344CB8AC3E}">
-        <p14:creationId xmlns:p14="http://schemas.microsoft.com/office/powerpoint/2010/main" val="759267802"/>
+        <p14:creationId xmlns:p14="http://schemas.microsoft.com/office/powerpoint/2010/main" val="2873473518"/>
       </p:ext>
     </p:extLst>
   </p:cSld>
@@ -4899,8 +5154,8 @@
         </p:nvSpPr>
         <p:spPr>
           <a:xfrm>
-            <a:off x="971600" y="699542"/>
-            <a:ext cx="936104" cy="288032"/>
+            <a:off x="251520" y="1131590"/>
+            <a:ext cx="1107484" cy="288032"/>
           </a:xfrm>
           <a:prstGeom prst="roundRect">
             <a:avLst/>
@@ -4947,8 +5202,8 @@
         </p:nvSpPr>
         <p:spPr>
           <a:xfrm>
-            <a:off x="3056448" y="699542"/>
-            <a:ext cx="936104" cy="288032"/>
+            <a:off x="2718057" y="1131590"/>
+            <a:ext cx="1107484" cy="288032"/>
           </a:xfrm>
           <a:prstGeom prst="roundRect">
             <a:avLst/>
@@ -4995,8 +5250,8 @@
         </p:nvSpPr>
         <p:spPr>
           <a:xfrm>
-            <a:off x="7226144" y="699542"/>
-            <a:ext cx="936104" cy="288032"/>
+            <a:off x="7651132" y="1131590"/>
+            <a:ext cx="1107484" cy="288032"/>
           </a:xfrm>
           <a:prstGeom prst="roundRect">
             <a:avLst/>
@@ -5046,8 +5301,8 @@
         </p:nvCxnSpPr>
         <p:spPr>
           <a:xfrm>
-            <a:off x="1439652" y="987574"/>
-            <a:ext cx="0" cy="3384376"/>
+            <a:off x="805262" y="1419622"/>
+            <a:ext cx="0" cy="2736304"/>
           </a:xfrm>
           <a:prstGeom prst="line">
             <a:avLst/>
@@ -5087,8 +5342,8 @@
         </p:nvCxnSpPr>
         <p:spPr>
           <a:xfrm>
-            <a:off x="3516509" y="987574"/>
-            <a:ext cx="0" cy="3384376"/>
+            <a:off x="3262345" y="1419622"/>
+            <a:ext cx="0" cy="2736304"/>
           </a:xfrm>
           <a:prstGeom prst="line">
             <a:avLst/>
@@ -5128,8 +5383,8 @@
         </p:nvCxnSpPr>
         <p:spPr>
           <a:xfrm>
-            <a:off x="7694196" y="987574"/>
-            <a:ext cx="0" cy="3384376"/>
+            <a:off x="8204874" y="1419622"/>
+            <a:ext cx="0" cy="2736304"/>
           </a:xfrm>
           <a:prstGeom prst="line">
             <a:avLst/>
@@ -5167,8 +5422,8 @@
         </p:nvSpPr>
         <p:spPr>
           <a:xfrm>
-            <a:off x="5141296" y="699542"/>
-            <a:ext cx="936104" cy="288032"/>
+            <a:off x="5184595" y="1131590"/>
+            <a:ext cx="1107484" cy="288032"/>
           </a:xfrm>
           <a:prstGeom prst="roundRect">
             <a:avLst/>
@@ -5217,8 +5472,8 @@
         </p:nvCxnSpPr>
         <p:spPr>
           <a:xfrm>
-            <a:off x="5601357" y="987574"/>
-            <a:ext cx="0" cy="3384376"/>
+            <a:off x="5728883" y="1419622"/>
+            <a:ext cx="0" cy="2736304"/>
           </a:xfrm>
           <a:prstGeom prst="line">
             <a:avLst/>
@@ -5256,8 +5511,8 @@
         </p:nvSpPr>
         <p:spPr>
           <a:xfrm>
-            <a:off x="1449803" y="1059582"/>
-            <a:ext cx="2066705" cy="252028"/>
+            <a:off x="817271" y="1491630"/>
+            <a:ext cx="2445073" cy="252028"/>
           </a:xfrm>
           <a:prstGeom prst="roundRect">
             <a:avLst/>
@@ -5288,7 +5543,7 @@
             <a:pPr algn="ctr"/>
             <a:r>
               <a:rPr lang="en-US" altLang="ko-KR" sz="1100"/>
-              <a:t>Credentials</a:t>
+              <a:t>User ID/Password or Credentials</a:t>
             </a:r>
             <a:endParaRPr lang="ko-KR" altLang="en-US" sz="1100" dirty="0"/>
           </a:p>
@@ -5310,8 +5565,8 @@
         </p:nvCxnSpPr>
         <p:spPr>
           <a:xfrm flipH="1">
-            <a:off x="1439653" y="1306670"/>
-            <a:ext cx="2076856" cy="0"/>
+            <a:off x="805263" y="1738718"/>
+            <a:ext cx="2457082" cy="0"/>
           </a:xfrm>
           <a:prstGeom prst="straightConnector1">
             <a:avLst/>
@@ -5353,8 +5608,8 @@
         </p:nvSpPr>
         <p:spPr>
           <a:xfrm>
-            <a:off x="1449803" y="1384168"/>
-            <a:ext cx="2066705" cy="252028"/>
+            <a:off x="817271" y="1816216"/>
+            <a:ext cx="2445073" cy="252028"/>
           </a:xfrm>
           <a:prstGeom prst="roundRect">
             <a:avLst/>
@@ -5385,7 +5640,7 @@
             <a:pPr algn="ctr"/>
             <a:r>
               <a:rPr lang="en-US" altLang="ko-KR" sz="1100"/>
-              <a:t>Token</a:t>
+              <a:t>Service Endpoint + Token</a:t>
             </a:r>
             <a:endParaRPr lang="ko-KR" altLang="en-US" sz="1100" dirty="0"/>
           </a:p>
@@ -5407,8 +5662,8 @@
         </p:nvCxnSpPr>
         <p:spPr>
           <a:xfrm flipH="1">
-            <a:off x="1439653" y="1631256"/>
-            <a:ext cx="2076856" cy="0"/>
+            <a:off x="805263" y="2063304"/>
+            <a:ext cx="2457082" cy="0"/>
           </a:xfrm>
           <a:prstGeom prst="straightConnector1">
             <a:avLst/>
@@ -5450,8 +5705,8 @@
         </p:nvSpPr>
         <p:spPr>
           <a:xfrm>
-            <a:off x="1449803" y="1703250"/>
-            <a:ext cx="4151551" cy="252028"/>
+            <a:off x="817271" y="2135298"/>
+            <a:ext cx="4911608" cy="252028"/>
           </a:xfrm>
           <a:prstGeom prst="roundRect">
             <a:avLst/>
@@ -5504,8 +5759,8 @@
         </p:nvCxnSpPr>
         <p:spPr>
           <a:xfrm flipH="1">
-            <a:off x="1439653" y="1950338"/>
-            <a:ext cx="4161704" cy="0"/>
+            <a:off x="805263" y="2382386"/>
+            <a:ext cx="4923620" cy="0"/>
           </a:xfrm>
           <a:prstGeom prst="straightConnector1">
             <a:avLst/>
@@ -5547,8 +5802,8 @@
         </p:nvSpPr>
         <p:spPr>
           <a:xfrm>
-            <a:off x="3506359" y="1306470"/>
-            <a:ext cx="226932" cy="329167"/>
+            <a:off x="3250337" y="1738518"/>
+            <a:ext cx="268478" cy="329167"/>
           </a:xfrm>
           <a:custGeom>
             <a:avLst/>
@@ -5640,8 +5895,8 @@
         </p:nvSpPr>
         <p:spPr>
           <a:xfrm>
-            <a:off x="3516508" y="1311105"/>
-            <a:ext cx="1868066" cy="329166"/>
+            <a:off x="3262344" y="1743153"/>
+            <a:ext cx="2029731" cy="329166"/>
           </a:xfrm>
           <a:prstGeom prst="roundRect">
             <a:avLst/>
@@ -5679,16 +5934,16 @@
             <a:pPr algn="ctr"/>
             <a:r>
               <a:rPr lang="en-US" altLang="ko-KR" sz="1100"/>
-              <a:t>&amp; Issue Token</a:t>
+              <a:t>and Issue Token </a:t>
             </a:r>
           </a:p>
           <a:p>
             <a:pPr algn="ctr"/>
             <a:r>
               <a:rPr lang="en-US" altLang="ko-KR" sz="1100" b="1"/>
-              <a:t>Authentication</a:t>
-            </a:r>
-            <a:endParaRPr lang="ko-KR" altLang="en-US" sz="1100" b="1" dirty="0"/>
+              <a:t>(Authentication)</a:t>
+            </a:r>
+            <a:endParaRPr lang="en-US" altLang="ko-KR" sz="1100"/>
           </a:p>
         </p:txBody>
       </p:sp>
@@ -5706,8 +5961,8 @@
         </p:nvSpPr>
         <p:spPr>
           <a:xfrm>
-            <a:off x="3541148" y="2022331"/>
-            <a:ext cx="2066705" cy="252028"/>
+            <a:off x="3291495" y="2454379"/>
+            <a:ext cx="2445073" cy="252028"/>
           </a:xfrm>
           <a:prstGeom prst="roundRect">
             <a:avLst/>
@@ -5760,8 +6015,8 @@
         </p:nvCxnSpPr>
         <p:spPr>
           <a:xfrm flipH="1">
-            <a:off x="3530998" y="2269419"/>
-            <a:ext cx="2076856" cy="0"/>
+            <a:off x="3258012" y="2701467"/>
+            <a:ext cx="2478558" cy="0"/>
           </a:xfrm>
           <a:prstGeom prst="straightConnector1">
             <a:avLst/>
@@ -5803,8 +6058,8 @@
         </p:nvSpPr>
         <p:spPr>
           <a:xfrm flipH="1">
-            <a:off x="3299728" y="2264481"/>
-            <a:ext cx="206631" cy="329167"/>
+            <a:off x="3005876" y="2696529"/>
+            <a:ext cx="259817" cy="329167"/>
           </a:xfrm>
           <a:custGeom>
             <a:avLst/>
@@ -5896,8 +6151,8 @@
         </p:nvSpPr>
         <p:spPr>
           <a:xfrm>
-            <a:off x="2051719" y="2269419"/>
-            <a:ext cx="1440151" cy="329166"/>
+            <a:off x="1629825" y="2701467"/>
+            <a:ext cx="1603371" cy="329166"/>
           </a:xfrm>
           <a:prstGeom prst="roundRect">
             <a:avLst/>
@@ -5935,7 +6190,7 @@
             <a:pPr algn="ctr"/>
             <a:r>
               <a:rPr lang="en-US" altLang="ko-KR" sz="1100" b="1"/>
-              <a:t>Authorization</a:t>
+              <a:t>(Authorization)</a:t>
             </a:r>
             <a:endParaRPr lang="ko-KR" altLang="en-US" sz="1100" b="1" dirty="0"/>
           </a:p>
@@ -5955,8 +6210,8 @@
         </p:nvSpPr>
         <p:spPr>
           <a:xfrm>
-            <a:off x="3512846" y="2349946"/>
-            <a:ext cx="2066705" cy="252028"/>
+            <a:off x="3258012" y="2781994"/>
+            <a:ext cx="2445073" cy="252028"/>
           </a:xfrm>
           <a:prstGeom prst="roundRect">
             <a:avLst/>
@@ -6009,8 +6264,8 @@
         </p:nvCxnSpPr>
         <p:spPr>
           <a:xfrm flipH="1">
-            <a:off x="3502696" y="2597034"/>
-            <a:ext cx="2076856" cy="0"/>
+            <a:off x="3258012" y="3029082"/>
+            <a:ext cx="2478555" cy="0"/>
           </a:xfrm>
           <a:prstGeom prst="straightConnector1">
             <a:avLst/>
@@ -6052,8 +6307,8 @@
         </p:nvSpPr>
         <p:spPr>
           <a:xfrm>
-            <a:off x="5607853" y="2673973"/>
-            <a:ext cx="2086341" cy="252028"/>
+            <a:off x="5736568" y="2781994"/>
+            <a:ext cx="2468304" cy="252028"/>
           </a:xfrm>
           <a:prstGeom prst="roundRect">
             <a:avLst/>
@@ -6106,8 +6361,8 @@
         </p:nvCxnSpPr>
         <p:spPr>
           <a:xfrm flipH="1" flipV="1">
-            <a:off x="5601355" y="2921061"/>
-            <a:ext cx="2092839" cy="4940"/>
+            <a:off x="5728880" y="3029082"/>
+            <a:ext cx="2475991" cy="4940"/>
           </a:xfrm>
           <a:prstGeom prst="straightConnector1">
             <a:avLst/>
@@ -6149,8 +6404,8 @@
         </p:nvSpPr>
         <p:spPr>
           <a:xfrm>
-            <a:off x="3541148" y="2998199"/>
-            <a:ext cx="4153044" cy="252028"/>
+            <a:off x="3291495" y="3093027"/>
+            <a:ext cx="4913374" cy="252028"/>
           </a:xfrm>
           <a:prstGeom prst="roundRect">
             <a:avLst/>
@@ -6203,8 +6458,8 @@
         </p:nvCxnSpPr>
         <p:spPr>
           <a:xfrm flipH="1">
-            <a:off x="3530998" y="3245287"/>
-            <a:ext cx="4163196" cy="0"/>
+            <a:off x="3258012" y="3340115"/>
+            <a:ext cx="4946862" cy="0"/>
           </a:xfrm>
           <a:prstGeom prst="straightConnector1">
             <a:avLst/>
@@ -6246,8 +6501,8 @@
         </p:nvSpPr>
         <p:spPr>
           <a:xfrm flipH="1">
-            <a:off x="3299728" y="3240349"/>
-            <a:ext cx="206631" cy="329167"/>
+            <a:off x="3005876" y="3335177"/>
+            <a:ext cx="259811" cy="329167"/>
           </a:xfrm>
           <a:custGeom>
             <a:avLst/>
@@ -6339,8 +6594,8 @@
         </p:nvSpPr>
         <p:spPr>
           <a:xfrm>
-            <a:off x="2051719" y="3245287"/>
-            <a:ext cx="1440151" cy="329166"/>
+            <a:off x="1629825" y="3340115"/>
+            <a:ext cx="1603371" cy="329166"/>
           </a:xfrm>
           <a:prstGeom prst="roundRect">
             <a:avLst/>
@@ -6378,7 +6633,7 @@
             <a:pPr algn="ctr"/>
             <a:r>
               <a:rPr lang="en-US" altLang="ko-KR" sz="1100" b="1"/>
-              <a:t>Authorization</a:t>
+              <a:t>(Authorization)</a:t>
             </a:r>
             <a:endParaRPr lang="ko-KR" altLang="en-US" sz="1100" b="1"/>
           </a:p>
@@ -6398,8 +6653,8 @@
         </p:nvSpPr>
         <p:spPr>
           <a:xfrm>
-            <a:off x="3512846" y="3325814"/>
-            <a:ext cx="4191495" cy="252028"/>
+            <a:off x="3258012" y="3420642"/>
+            <a:ext cx="4958865" cy="252028"/>
           </a:xfrm>
           <a:prstGeom prst="roundRect">
             <a:avLst/>
@@ -6452,8 +6707,8 @@
         </p:nvCxnSpPr>
         <p:spPr>
           <a:xfrm flipH="1">
-            <a:off x="3502696" y="3572902"/>
-            <a:ext cx="4191496" cy="0"/>
+            <a:off x="3265693" y="3667730"/>
+            <a:ext cx="4939176" cy="0"/>
           </a:xfrm>
           <a:prstGeom prst="straightConnector1">
             <a:avLst/>
@@ -6495,8 +6750,8 @@
         </p:nvSpPr>
         <p:spPr>
           <a:xfrm>
-            <a:off x="5607853" y="3652371"/>
-            <a:ext cx="2086341" cy="252028"/>
+            <a:off x="5736568" y="3756616"/>
+            <a:ext cx="2468304" cy="252028"/>
           </a:xfrm>
           <a:prstGeom prst="roundRect">
             <a:avLst/>
@@ -6549,8 +6804,8 @@
         </p:nvCxnSpPr>
         <p:spPr>
           <a:xfrm>
-            <a:off x="5607853" y="3899459"/>
-            <a:ext cx="2086339" cy="0"/>
+            <a:off x="5736568" y="4003704"/>
+            <a:ext cx="2468301" cy="0"/>
           </a:xfrm>
           <a:prstGeom prst="straightConnector1">
             <a:avLst/>
@@ -6592,8 +6847,8 @@
         </p:nvSpPr>
         <p:spPr>
           <a:xfrm>
-            <a:off x="1439653" y="3979006"/>
-            <a:ext cx="4168200" cy="252028"/>
+            <a:off x="805263" y="3754147"/>
+            <a:ext cx="4931305" cy="252028"/>
           </a:xfrm>
           <a:prstGeom prst="roundRect">
             <a:avLst/>
@@ -6646,8 +6901,8 @@
         </p:nvCxnSpPr>
         <p:spPr>
           <a:xfrm>
-            <a:off x="1439656" y="4226094"/>
-            <a:ext cx="4168196" cy="0"/>
+            <a:off x="805267" y="4001235"/>
+            <a:ext cx="4931300" cy="0"/>
           </a:xfrm>
           <a:prstGeom prst="straightConnector1">
             <a:avLst/>
@@ -6707,6 +6962,1468 @@
       </p:grpSpPr>
       <p:sp>
         <p:nvSpPr>
+          <p:cNvPr id="2" name="제목 1"/>
+          <p:cNvSpPr>
+            <a:spLocks noGrp="1"/>
+          </p:cNvSpPr>
+          <p:nvPr>
+            <p:ph type="title"/>
+          </p:nvPr>
+        </p:nvSpPr>
+        <p:spPr>
+          <a:xfrm>
+            <a:off x="457200" y="-164554"/>
+            <a:ext cx="8229600" cy="720080"/>
+          </a:xfrm>
+        </p:spPr>
+        <p:txBody>
+          <a:bodyPr>
+            <a:normAutofit fontScale="90000"/>
+          </a:bodyPr>
+          <a:lstStyle/>
+          <a:p>
+            <a:r>
+              <a:rPr lang="en-US" altLang="ko-KR"/>
+              <a:t>Authentication, Authorization Flow</a:t>
+            </a:r>
+            <a:endParaRPr lang="ko-KR" altLang="en-US" sz="3600" dirty="0"/>
+          </a:p>
+        </p:txBody>
+      </p:sp>
+      <p:sp>
+        <p:nvSpPr>
+          <p:cNvPr id="12" name="모서리가 둥근 직사각형 28">
+            <a:extLst>
+              <a:ext uri="{FF2B5EF4-FFF2-40B4-BE49-F238E27FC236}">
+                <a16:creationId xmlns:a16="http://schemas.microsoft.com/office/drawing/2014/main" id="{20C0D7A7-46A1-4D3C-95FC-2113A0B498F3}"/>
+              </a:ext>
+            </a:extLst>
+          </p:cNvPr>
+          <p:cNvSpPr/>
+          <p:nvPr/>
+        </p:nvSpPr>
+        <p:spPr>
+          <a:xfrm>
+            <a:off x="251520" y="1275606"/>
+            <a:ext cx="1107484" cy="288032"/>
+          </a:xfrm>
+          <a:prstGeom prst="roundRect">
+            <a:avLst/>
+          </a:prstGeom>
+        </p:spPr>
+        <p:style>
+          <a:lnRef idx="2">
+            <a:schemeClr val="dk1"/>
+          </a:lnRef>
+          <a:fillRef idx="1">
+            <a:schemeClr val="lt1"/>
+          </a:fillRef>
+          <a:effectRef idx="0">
+            <a:schemeClr val="dk1"/>
+          </a:effectRef>
+          <a:fontRef idx="minor">
+            <a:schemeClr val="dk1"/>
+          </a:fontRef>
+        </p:style>
+        <p:txBody>
+          <a:bodyPr rtlCol="0" anchor="ctr"/>
+          <a:lstStyle/>
+          <a:p>
+            <a:pPr algn="ctr"/>
+            <a:r>
+              <a:rPr lang="en-US" altLang="ko-KR" sz="1200"/>
+              <a:t>Client</a:t>
+            </a:r>
+            <a:endParaRPr lang="ko-KR" altLang="en-US" sz="1600" dirty="0"/>
+          </a:p>
+        </p:txBody>
+      </p:sp>
+      <p:sp>
+        <p:nvSpPr>
+          <p:cNvPr id="13" name="모서리가 둥근 직사각형 29">
+            <a:extLst>
+              <a:ext uri="{FF2B5EF4-FFF2-40B4-BE49-F238E27FC236}">
+                <a16:creationId xmlns:a16="http://schemas.microsoft.com/office/drawing/2014/main" id="{0D8494D6-521D-48B1-A9DF-9551582E1C7C}"/>
+              </a:ext>
+            </a:extLst>
+          </p:cNvPr>
+          <p:cNvSpPr/>
+          <p:nvPr/>
+        </p:nvSpPr>
+        <p:spPr>
+          <a:xfrm>
+            <a:off x="2718057" y="1275606"/>
+            <a:ext cx="1107484" cy="288032"/>
+          </a:xfrm>
+          <a:prstGeom prst="roundRect">
+            <a:avLst/>
+          </a:prstGeom>
+        </p:spPr>
+        <p:style>
+          <a:lnRef idx="2">
+            <a:schemeClr val="dk1"/>
+          </a:lnRef>
+          <a:fillRef idx="1">
+            <a:schemeClr val="lt1"/>
+          </a:fillRef>
+          <a:effectRef idx="0">
+            <a:schemeClr val="dk1"/>
+          </a:effectRef>
+          <a:fontRef idx="minor">
+            <a:schemeClr val="dk1"/>
+          </a:fontRef>
+        </p:style>
+        <p:txBody>
+          <a:bodyPr rtlCol="0" anchor="ctr"/>
+          <a:lstStyle/>
+          <a:p>
+            <a:pPr algn="ctr"/>
+            <a:r>
+              <a:rPr lang="en-US" altLang="ko-KR" sz="1200"/>
+              <a:t>Keystone</a:t>
+            </a:r>
+            <a:endParaRPr lang="ko-KR" altLang="en-US" sz="1600" dirty="0"/>
+          </a:p>
+        </p:txBody>
+      </p:sp>
+      <p:sp>
+        <p:nvSpPr>
+          <p:cNvPr id="14" name="모서리가 둥근 직사각형 30">
+            <a:extLst>
+              <a:ext uri="{FF2B5EF4-FFF2-40B4-BE49-F238E27FC236}">
+                <a16:creationId xmlns:a16="http://schemas.microsoft.com/office/drawing/2014/main" id="{B884F36B-2B02-40D8-BF62-418525D08EB4}"/>
+              </a:ext>
+            </a:extLst>
+          </p:cNvPr>
+          <p:cNvSpPr/>
+          <p:nvPr/>
+        </p:nvSpPr>
+        <p:spPr>
+          <a:xfrm>
+            <a:off x="7651132" y="1275606"/>
+            <a:ext cx="1107484" cy="288032"/>
+          </a:xfrm>
+          <a:prstGeom prst="roundRect">
+            <a:avLst/>
+          </a:prstGeom>
+        </p:spPr>
+        <p:style>
+          <a:lnRef idx="2">
+            <a:schemeClr val="dk1"/>
+          </a:lnRef>
+          <a:fillRef idx="1">
+            <a:schemeClr val="lt1"/>
+          </a:fillRef>
+          <a:effectRef idx="0">
+            <a:schemeClr val="dk1"/>
+          </a:effectRef>
+          <a:fontRef idx="minor">
+            <a:schemeClr val="dk1"/>
+          </a:fontRef>
+        </p:style>
+        <p:txBody>
+          <a:bodyPr rtlCol="0" anchor="ctr"/>
+          <a:lstStyle/>
+          <a:p>
+            <a:pPr algn="ctr"/>
+            <a:r>
+              <a:rPr lang="en-US" altLang="ko-KR" sz="1200"/>
+              <a:t>Service B</a:t>
+            </a:r>
+            <a:endParaRPr lang="ko-KR" altLang="en-US" sz="1600" dirty="0"/>
+          </a:p>
+        </p:txBody>
+      </p:sp>
+      <p:cxnSp>
+        <p:nvCxnSpPr>
+          <p:cNvPr id="15" name="직선 연결선 14">
+            <a:extLst>
+              <a:ext uri="{FF2B5EF4-FFF2-40B4-BE49-F238E27FC236}">
+                <a16:creationId xmlns:a16="http://schemas.microsoft.com/office/drawing/2014/main" id="{E39B5042-AC26-4D06-A845-29F8613073E8}"/>
+              </a:ext>
+            </a:extLst>
+          </p:cNvPr>
+          <p:cNvCxnSpPr>
+            <a:cxnSpLocks/>
+            <a:stCxn id="12" idx="2"/>
+          </p:cNvCxnSpPr>
+          <p:nvPr/>
+        </p:nvCxnSpPr>
+        <p:spPr>
+          <a:xfrm>
+            <a:off x="805262" y="1563638"/>
+            <a:ext cx="0" cy="2232248"/>
+          </a:xfrm>
+          <a:prstGeom prst="line">
+            <a:avLst/>
+          </a:prstGeom>
+          <a:ln w="28575">
+            <a:prstDash val="solid"/>
+          </a:ln>
+        </p:spPr>
+        <p:style>
+          <a:lnRef idx="1">
+            <a:schemeClr val="dk1"/>
+          </a:lnRef>
+          <a:fillRef idx="0">
+            <a:schemeClr val="dk1"/>
+          </a:fillRef>
+          <a:effectRef idx="0">
+            <a:schemeClr val="dk1"/>
+          </a:effectRef>
+          <a:fontRef idx="minor">
+            <a:schemeClr val="tx1"/>
+          </a:fontRef>
+        </p:style>
+      </p:cxnSp>
+      <p:cxnSp>
+        <p:nvCxnSpPr>
+          <p:cNvPr id="16" name="직선 연결선 15">
+            <a:extLst>
+              <a:ext uri="{FF2B5EF4-FFF2-40B4-BE49-F238E27FC236}">
+                <a16:creationId xmlns:a16="http://schemas.microsoft.com/office/drawing/2014/main" id="{91624CAE-DA51-4A85-9E9B-DF2FBE12B4CB}"/>
+              </a:ext>
+            </a:extLst>
+          </p:cNvPr>
+          <p:cNvCxnSpPr>
+            <a:cxnSpLocks/>
+          </p:cNvCxnSpPr>
+          <p:nvPr/>
+        </p:nvCxnSpPr>
+        <p:spPr>
+          <a:xfrm>
+            <a:off x="3262345" y="1563638"/>
+            <a:ext cx="0" cy="2232248"/>
+          </a:xfrm>
+          <a:prstGeom prst="line">
+            <a:avLst/>
+          </a:prstGeom>
+          <a:ln w="28575">
+            <a:prstDash val="solid"/>
+          </a:ln>
+        </p:spPr>
+        <p:style>
+          <a:lnRef idx="1">
+            <a:schemeClr val="dk1"/>
+          </a:lnRef>
+          <a:fillRef idx="0">
+            <a:schemeClr val="dk1"/>
+          </a:fillRef>
+          <a:effectRef idx="0">
+            <a:schemeClr val="dk1"/>
+          </a:effectRef>
+          <a:fontRef idx="minor">
+            <a:schemeClr val="tx1"/>
+          </a:fontRef>
+        </p:style>
+      </p:cxnSp>
+      <p:cxnSp>
+        <p:nvCxnSpPr>
+          <p:cNvPr id="17" name="직선 연결선 16">
+            <a:extLst>
+              <a:ext uri="{FF2B5EF4-FFF2-40B4-BE49-F238E27FC236}">
+                <a16:creationId xmlns:a16="http://schemas.microsoft.com/office/drawing/2014/main" id="{B07BD8B8-1463-42EC-9966-ECACCEB6CC21}"/>
+              </a:ext>
+            </a:extLst>
+          </p:cNvPr>
+          <p:cNvCxnSpPr>
+            <a:cxnSpLocks/>
+          </p:cNvCxnSpPr>
+          <p:nvPr/>
+        </p:nvCxnSpPr>
+        <p:spPr>
+          <a:xfrm>
+            <a:off x="8204874" y="1563638"/>
+            <a:ext cx="0" cy="2232248"/>
+          </a:xfrm>
+          <a:prstGeom prst="line">
+            <a:avLst/>
+          </a:prstGeom>
+          <a:ln w="28575">
+            <a:prstDash val="solid"/>
+          </a:ln>
+        </p:spPr>
+        <p:style>
+          <a:lnRef idx="1">
+            <a:schemeClr val="dk1"/>
+          </a:lnRef>
+          <a:fillRef idx="0">
+            <a:schemeClr val="dk1"/>
+          </a:fillRef>
+          <a:effectRef idx="0">
+            <a:schemeClr val="dk1"/>
+          </a:effectRef>
+          <a:fontRef idx="minor">
+            <a:schemeClr val="tx1"/>
+          </a:fontRef>
+        </p:style>
+      </p:cxnSp>
+      <p:sp>
+        <p:nvSpPr>
+          <p:cNvPr id="36" name="모서리가 둥근 직사각형 29">
+            <a:extLst>
+              <a:ext uri="{FF2B5EF4-FFF2-40B4-BE49-F238E27FC236}">
+                <a16:creationId xmlns:a16="http://schemas.microsoft.com/office/drawing/2014/main" id="{9F0785C1-C52C-4A0B-8EBA-A1B4E5FB8C1C}"/>
+              </a:ext>
+            </a:extLst>
+          </p:cNvPr>
+          <p:cNvSpPr/>
+          <p:nvPr/>
+        </p:nvSpPr>
+        <p:spPr>
+          <a:xfrm>
+            <a:off x="5184595" y="1275606"/>
+            <a:ext cx="1107484" cy="288032"/>
+          </a:xfrm>
+          <a:prstGeom prst="roundRect">
+            <a:avLst/>
+          </a:prstGeom>
+        </p:spPr>
+        <p:style>
+          <a:lnRef idx="2">
+            <a:schemeClr val="dk1"/>
+          </a:lnRef>
+          <a:fillRef idx="1">
+            <a:schemeClr val="lt1"/>
+          </a:fillRef>
+          <a:effectRef idx="0">
+            <a:schemeClr val="dk1"/>
+          </a:effectRef>
+          <a:fontRef idx="minor">
+            <a:schemeClr val="dk1"/>
+          </a:fontRef>
+        </p:style>
+        <p:txBody>
+          <a:bodyPr rtlCol="0" anchor="ctr"/>
+          <a:lstStyle/>
+          <a:p>
+            <a:pPr algn="ctr"/>
+            <a:r>
+              <a:rPr lang="en-US" altLang="ko-KR" sz="1200"/>
+              <a:t>Service A</a:t>
+            </a:r>
+            <a:endParaRPr lang="ko-KR" altLang="en-US" sz="1600" dirty="0"/>
+          </a:p>
+        </p:txBody>
+      </p:sp>
+      <p:cxnSp>
+        <p:nvCxnSpPr>
+          <p:cNvPr id="37" name="직선 연결선 36">
+            <a:extLst>
+              <a:ext uri="{FF2B5EF4-FFF2-40B4-BE49-F238E27FC236}">
+                <a16:creationId xmlns:a16="http://schemas.microsoft.com/office/drawing/2014/main" id="{A9EA98FA-936A-4A2E-A0DE-47B1DED10DA7}"/>
+              </a:ext>
+            </a:extLst>
+          </p:cNvPr>
+          <p:cNvCxnSpPr>
+            <a:cxnSpLocks/>
+          </p:cNvCxnSpPr>
+          <p:nvPr/>
+        </p:nvCxnSpPr>
+        <p:spPr>
+          <a:xfrm>
+            <a:off x="5728883" y="1563638"/>
+            <a:ext cx="0" cy="2232248"/>
+          </a:xfrm>
+          <a:prstGeom prst="line">
+            <a:avLst/>
+          </a:prstGeom>
+          <a:ln w="28575">
+            <a:prstDash val="solid"/>
+          </a:ln>
+        </p:spPr>
+        <p:style>
+          <a:lnRef idx="1">
+            <a:schemeClr val="dk1"/>
+          </a:lnRef>
+          <a:fillRef idx="0">
+            <a:schemeClr val="dk1"/>
+          </a:fillRef>
+          <a:effectRef idx="0">
+            <a:schemeClr val="dk1"/>
+          </a:effectRef>
+          <a:fontRef idx="minor">
+            <a:schemeClr val="tx1"/>
+          </a:fontRef>
+        </p:style>
+      </p:cxnSp>
+      <p:sp>
+        <p:nvSpPr>
+          <p:cNvPr id="46" name="모서리가 둥근 직사각형 36">
+            <a:extLst>
+              <a:ext uri="{FF2B5EF4-FFF2-40B4-BE49-F238E27FC236}">
+                <a16:creationId xmlns:a16="http://schemas.microsoft.com/office/drawing/2014/main" id="{CA64D330-640F-404C-A57E-87B27EFE8030}"/>
+              </a:ext>
+            </a:extLst>
+          </p:cNvPr>
+          <p:cNvSpPr/>
+          <p:nvPr/>
+        </p:nvSpPr>
+        <p:spPr>
+          <a:xfrm>
+            <a:off x="817271" y="1635646"/>
+            <a:ext cx="2445073" cy="252028"/>
+          </a:xfrm>
+          <a:prstGeom prst="roundRect">
+            <a:avLst/>
+          </a:prstGeom>
+          <a:noFill/>
+          <a:ln>
+            <a:noFill/>
+          </a:ln>
+        </p:spPr>
+        <p:style>
+          <a:lnRef idx="2">
+            <a:schemeClr val="dk1"/>
+          </a:lnRef>
+          <a:fillRef idx="1">
+            <a:schemeClr val="lt1"/>
+          </a:fillRef>
+          <a:effectRef idx="0">
+            <a:schemeClr val="dk1"/>
+          </a:effectRef>
+          <a:fontRef idx="minor">
+            <a:schemeClr val="dk1"/>
+          </a:fontRef>
+        </p:style>
+        <p:txBody>
+          <a:bodyPr rtlCol="0" anchor="ctr"/>
+          <a:lstStyle/>
+          <a:p>
+            <a:pPr algn="ctr"/>
+            <a:r>
+              <a:rPr lang="en-US" altLang="ko-KR" sz="1100"/>
+              <a:t>User ID/Password or Credentials</a:t>
+            </a:r>
+            <a:endParaRPr lang="ko-KR" altLang="en-US" sz="1100" dirty="0"/>
+          </a:p>
+        </p:txBody>
+      </p:sp>
+      <p:cxnSp>
+        <p:nvCxnSpPr>
+          <p:cNvPr id="48" name="직선 화살표 연결선 47">
+            <a:extLst>
+              <a:ext uri="{FF2B5EF4-FFF2-40B4-BE49-F238E27FC236}">
+                <a16:creationId xmlns:a16="http://schemas.microsoft.com/office/drawing/2014/main" id="{E50D3036-D99A-44F1-A913-6B33B0340056}"/>
+              </a:ext>
+            </a:extLst>
+          </p:cNvPr>
+          <p:cNvCxnSpPr>
+            <a:cxnSpLocks/>
+          </p:cNvCxnSpPr>
+          <p:nvPr/>
+        </p:nvCxnSpPr>
+        <p:spPr>
+          <a:xfrm flipH="1">
+            <a:off x="805263" y="1882734"/>
+            <a:ext cx="2457082" cy="0"/>
+          </a:xfrm>
+          <a:prstGeom prst="straightConnector1">
+            <a:avLst/>
+          </a:prstGeom>
+          <a:ln w="19050">
+            <a:solidFill>
+              <a:schemeClr val="tx1"/>
+            </a:solidFill>
+            <a:headEnd type="arrow" w="med" len="med"/>
+            <a:tailEnd type="none" w="med" len="med"/>
+          </a:ln>
+        </p:spPr>
+        <p:style>
+          <a:lnRef idx="1">
+            <a:schemeClr val="accent1"/>
+          </a:lnRef>
+          <a:fillRef idx="0">
+            <a:schemeClr val="accent1"/>
+          </a:fillRef>
+          <a:effectRef idx="0">
+            <a:schemeClr val="accent1"/>
+          </a:effectRef>
+          <a:fontRef idx="minor">
+            <a:schemeClr val="tx1"/>
+          </a:fontRef>
+        </p:style>
+      </p:cxnSp>
+      <p:sp>
+        <p:nvSpPr>
+          <p:cNvPr id="49" name="모서리가 둥근 직사각형 36">
+            <a:extLst>
+              <a:ext uri="{FF2B5EF4-FFF2-40B4-BE49-F238E27FC236}">
+                <a16:creationId xmlns:a16="http://schemas.microsoft.com/office/drawing/2014/main" id="{BD696B59-AAE7-4A49-9193-25FBBB9A2427}"/>
+              </a:ext>
+            </a:extLst>
+          </p:cNvPr>
+          <p:cNvSpPr/>
+          <p:nvPr/>
+        </p:nvSpPr>
+        <p:spPr>
+          <a:xfrm>
+            <a:off x="817271" y="1960232"/>
+            <a:ext cx="2445073" cy="252028"/>
+          </a:xfrm>
+          <a:prstGeom prst="roundRect">
+            <a:avLst/>
+          </a:prstGeom>
+          <a:noFill/>
+          <a:ln>
+            <a:noFill/>
+          </a:ln>
+        </p:spPr>
+        <p:style>
+          <a:lnRef idx="2">
+            <a:schemeClr val="dk1"/>
+          </a:lnRef>
+          <a:fillRef idx="1">
+            <a:schemeClr val="lt1"/>
+          </a:fillRef>
+          <a:effectRef idx="0">
+            <a:schemeClr val="dk1"/>
+          </a:effectRef>
+          <a:fontRef idx="minor">
+            <a:schemeClr val="dk1"/>
+          </a:fontRef>
+        </p:style>
+        <p:txBody>
+          <a:bodyPr rtlCol="0" anchor="ctr"/>
+          <a:lstStyle/>
+          <a:p>
+            <a:pPr algn="ctr"/>
+            <a:r>
+              <a:rPr lang="en-US" altLang="ko-KR" sz="1100"/>
+              <a:t>Service Endpoint + Token</a:t>
+            </a:r>
+            <a:endParaRPr lang="ko-KR" altLang="en-US" sz="1100" dirty="0"/>
+          </a:p>
+        </p:txBody>
+      </p:sp>
+      <p:cxnSp>
+        <p:nvCxnSpPr>
+          <p:cNvPr id="50" name="직선 화살표 연결선 49">
+            <a:extLst>
+              <a:ext uri="{FF2B5EF4-FFF2-40B4-BE49-F238E27FC236}">
+                <a16:creationId xmlns:a16="http://schemas.microsoft.com/office/drawing/2014/main" id="{D3E07B8E-1409-479A-9C4F-90C74501DB38}"/>
+              </a:ext>
+            </a:extLst>
+          </p:cNvPr>
+          <p:cNvCxnSpPr>
+            <a:cxnSpLocks/>
+          </p:cNvCxnSpPr>
+          <p:nvPr/>
+        </p:nvCxnSpPr>
+        <p:spPr>
+          <a:xfrm flipH="1">
+            <a:off x="805263" y="2207320"/>
+            <a:ext cx="2457082" cy="0"/>
+          </a:xfrm>
+          <a:prstGeom prst="straightConnector1">
+            <a:avLst/>
+          </a:prstGeom>
+          <a:ln w="19050">
+            <a:solidFill>
+              <a:schemeClr val="tx1"/>
+            </a:solidFill>
+            <a:headEnd type="none" w="med" len="med"/>
+            <a:tailEnd type="arrow" w="med" len="med"/>
+          </a:ln>
+        </p:spPr>
+        <p:style>
+          <a:lnRef idx="1">
+            <a:schemeClr val="accent1"/>
+          </a:lnRef>
+          <a:fillRef idx="0">
+            <a:schemeClr val="accent1"/>
+          </a:fillRef>
+          <a:effectRef idx="0">
+            <a:schemeClr val="accent1"/>
+          </a:effectRef>
+          <a:fontRef idx="minor">
+            <a:schemeClr val="tx1"/>
+          </a:fontRef>
+        </p:style>
+      </p:cxnSp>
+      <p:sp>
+        <p:nvSpPr>
+          <p:cNvPr id="51" name="모서리가 둥근 직사각형 36">
+            <a:extLst>
+              <a:ext uri="{FF2B5EF4-FFF2-40B4-BE49-F238E27FC236}">
+                <a16:creationId xmlns:a16="http://schemas.microsoft.com/office/drawing/2014/main" id="{B22CBA21-D294-4E07-9E78-B424DBB5E239}"/>
+              </a:ext>
+            </a:extLst>
+          </p:cNvPr>
+          <p:cNvSpPr/>
+          <p:nvPr/>
+        </p:nvSpPr>
+        <p:spPr>
+          <a:xfrm>
+            <a:off x="817271" y="2279314"/>
+            <a:ext cx="4911608" cy="252028"/>
+          </a:xfrm>
+          <a:prstGeom prst="roundRect">
+            <a:avLst/>
+          </a:prstGeom>
+          <a:noFill/>
+          <a:ln>
+            <a:noFill/>
+          </a:ln>
+        </p:spPr>
+        <p:style>
+          <a:lnRef idx="2">
+            <a:schemeClr val="dk1"/>
+          </a:lnRef>
+          <a:fillRef idx="1">
+            <a:schemeClr val="lt1"/>
+          </a:fillRef>
+          <a:effectRef idx="0">
+            <a:schemeClr val="dk1"/>
+          </a:effectRef>
+          <a:fontRef idx="minor">
+            <a:schemeClr val="dk1"/>
+          </a:fontRef>
+        </p:style>
+        <p:txBody>
+          <a:bodyPr rtlCol="0" anchor="ctr"/>
+          <a:lstStyle/>
+          <a:p>
+            <a:pPr algn="ctr"/>
+            <a:r>
+              <a:rPr lang="en-US" altLang="ko-KR" sz="1100"/>
+              <a:t>Service A Request + Token</a:t>
+            </a:r>
+            <a:endParaRPr lang="ko-KR" altLang="en-US" sz="1100" dirty="0"/>
+          </a:p>
+        </p:txBody>
+      </p:sp>
+      <p:cxnSp>
+        <p:nvCxnSpPr>
+          <p:cNvPr id="55" name="직선 화살표 연결선 54">
+            <a:extLst>
+              <a:ext uri="{FF2B5EF4-FFF2-40B4-BE49-F238E27FC236}">
+                <a16:creationId xmlns:a16="http://schemas.microsoft.com/office/drawing/2014/main" id="{303B3293-8642-486B-A093-94E054C2275C}"/>
+              </a:ext>
+            </a:extLst>
+          </p:cNvPr>
+          <p:cNvCxnSpPr>
+            <a:cxnSpLocks/>
+          </p:cNvCxnSpPr>
+          <p:nvPr/>
+        </p:nvCxnSpPr>
+        <p:spPr>
+          <a:xfrm flipH="1">
+            <a:off x="805263" y="2526402"/>
+            <a:ext cx="4923620" cy="0"/>
+          </a:xfrm>
+          <a:prstGeom prst="straightConnector1">
+            <a:avLst/>
+          </a:prstGeom>
+          <a:ln w="19050">
+            <a:solidFill>
+              <a:schemeClr val="tx1"/>
+            </a:solidFill>
+            <a:headEnd type="arrow" w="med" len="med"/>
+            <a:tailEnd type="none" w="med" len="med"/>
+          </a:ln>
+        </p:spPr>
+        <p:style>
+          <a:lnRef idx="1">
+            <a:schemeClr val="accent1"/>
+          </a:lnRef>
+          <a:fillRef idx="0">
+            <a:schemeClr val="accent1"/>
+          </a:fillRef>
+          <a:effectRef idx="0">
+            <a:schemeClr val="accent1"/>
+          </a:effectRef>
+          <a:fontRef idx="minor">
+            <a:schemeClr val="tx1"/>
+          </a:fontRef>
+        </p:style>
+      </p:cxnSp>
+      <p:sp>
+        <p:nvSpPr>
+          <p:cNvPr id="57" name="자유형 38">
+            <a:extLst>
+              <a:ext uri="{FF2B5EF4-FFF2-40B4-BE49-F238E27FC236}">
+                <a16:creationId xmlns:a16="http://schemas.microsoft.com/office/drawing/2014/main" id="{757D5F2F-0DEF-430C-8D1A-FB6710417857}"/>
+              </a:ext>
+            </a:extLst>
+          </p:cNvPr>
+          <p:cNvSpPr/>
+          <p:nvPr/>
+        </p:nvSpPr>
+        <p:spPr>
+          <a:xfrm>
+            <a:off x="3250337" y="1882534"/>
+            <a:ext cx="268478" cy="329167"/>
+          </a:xfrm>
+          <a:custGeom>
+            <a:avLst/>
+            <a:gdLst>
+              <a:gd name="connsiteX0" fmla="*/ 0 w 226932"/>
+              <a:gd name="connsiteY0" fmla="*/ 0 h 246955"/>
+              <a:gd name="connsiteX1" fmla="*/ 226932 w 226932"/>
+              <a:gd name="connsiteY1" fmla="*/ 0 h 246955"/>
+              <a:gd name="connsiteX2" fmla="*/ 226932 w 226932"/>
+              <a:gd name="connsiteY2" fmla="*/ 246955 h 246955"/>
+              <a:gd name="connsiteX3" fmla="*/ 6675 w 226932"/>
+              <a:gd name="connsiteY3" fmla="*/ 246955 h 246955"/>
+            </a:gdLst>
+            <a:ahLst/>
+            <a:cxnLst>
+              <a:cxn ang="0">
+                <a:pos x="connsiteX0" y="connsiteY0"/>
+              </a:cxn>
+              <a:cxn ang="0">
+                <a:pos x="connsiteX1" y="connsiteY1"/>
+              </a:cxn>
+              <a:cxn ang="0">
+                <a:pos x="connsiteX2" y="connsiteY2"/>
+              </a:cxn>
+              <a:cxn ang="0">
+                <a:pos x="connsiteX3" y="connsiteY3"/>
+              </a:cxn>
+            </a:cxnLst>
+            <a:rect l="l" t="t" r="r" b="b"/>
+            <a:pathLst>
+              <a:path w="226932" h="246955">
+                <a:moveTo>
+                  <a:pt x="0" y="0"/>
+                </a:moveTo>
+                <a:lnTo>
+                  <a:pt x="226932" y="0"/>
+                </a:lnTo>
+                <a:lnTo>
+                  <a:pt x="226932" y="246955"/>
+                </a:lnTo>
+                <a:lnTo>
+                  <a:pt x="6675" y="246955"/>
+                </a:lnTo>
+              </a:path>
+            </a:pathLst>
+          </a:custGeom>
+          <a:ln w="19050">
+            <a:solidFill>
+              <a:schemeClr val="tx1"/>
+            </a:solidFill>
+            <a:headEnd type="none" w="med" len="med"/>
+            <a:tailEnd type="arrow" w="med" len="med"/>
+          </a:ln>
+        </p:spPr>
+        <p:style>
+          <a:lnRef idx="1">
+            <a:schemeClr val="accent1"/>
+          </a:lnRef>
+          <a:fillRef idx="0">
+            <a:schemeClr val="accent1"/>
+          </a:fillRef>
+          <a:effectRef idx="0">
+            <a:schemeClr val="accent1"/>
+          </a:effectRef>
+          <a:fontRef idx="minor">
+            <a:schemeClr val="tx1"/>
+          </a:fontRef>
+        </p:style>
+        <p:txBody>
+          <a:bodyPr rtlCol="0" anchor="ctr"/>
+          <a:lstStyle/>
+          <a:p>
+            <a:pPr algn="ctr"/>
+            <a:endParaRPr lang="ko-KR" altLang="en-US"/>
+          </a:p>
+        </p:txBody>
+      </p:sp>
+      <p:sp>
+        <p:nvSpPr>
+          <p:cNvPr id="58" name="모서리가 둥근 직사각형 39">
+            <a:extLst>
+              <a:ext uri="{FF2B5EF4-FFF2-40B4-BE49-F238E27FC236}">
+                <a16:creationId xmlns:a16="http://schemas.microsoft.com/office/drawing/2014/main" id="{E39C1D8D-8F33-4036-B60C-4E91E60F983D}"/>
+              </a:ext>
+            </a:extLst>
+          </p:cNvPr>
+          <p:cNvSpPr/>
+          <p:nvPr/>
+        </p:nvSpPr>
+        <p:spPr>
+          <a:xfrm>
+            <a:off x="3262344" y="1887169"/>
+            <a:ext cx="2029731" cy="329166"/>
+          </a:xfrm>
+          <a:prstGeom prst="roundRect">
+            <a:avLst/>
+          </a:prstGeom>
+          <a:noFill/>
+          <a:ln>
+            <a:noFill/>
+          </a:ln>
+        </p:spPr>
+        <p:style>
+          <a:lnRef idx="2">
+            <a:schemeClr val="dk1"/>
+          </a:lnRef>
+          <a:fillRef idx="1">
+            <a:schemeClr val="lt1"/>
+          </a:fillRef>
+          <a:effectRef idx="0">
+            <a:schemeClr val="dk1"/>
+          </a:effectRef>
+          <a:fontRef idx="minor">
+            <a:schemeClr val="dk1"/>
+          </a:fontRef>
+        </p:style>
+        <p:txBody>
+          <a:bodyPr rtlCol="0" anchor="ctr"/>
+          <a:lstStyle/>
+          <a:p>
+            <a:pPr algn="ctr"/>
+            <a:r>
+              <a:rPr lang="en-US" altLang="ko-KR" sz="1100"/>
+              <a:t>Validate Credentials </a:t>
+            </a:r>
+          </a:p>
+          <a:p>
+            <a:pPr algn="ctr"/>
+            <a:r>
+              <a:rPr lang="en-US" altLang="ko-KR" sz="1100"/>
+              <a:t>and Issue Token </a:t>
+            </a:r>
+          </a:p>
+          <a:p>
+            <a:pPr algn="ctr"/>
+            <a:r>
+              <a:rPr lang="en-US" altLang="ko-KR" sz="1100" b="1"/>
+              <a:t>(Authentication)</a:t>
+            </a:r>
+            <a:endParaRPr lang="en-US" altLang="ko-KR" sz="1100"/>
+          </a:p>
+        </p:txBody>
+      </p:sp>
+      <p:sp>
+        <p:nvSpPr>
+          <p:cNvPr id="70" name="모서리가 둥근 직사각형 36">
+            <a:extLst>
+              <a:ext uri="{FF2B5EF4-FFF2-40B4-BE49-F238E27FC236}">
+                <a16:creationId xmlns:a16="http://schemas.microsoft.com/office/drawing/2014/main" id="{5916262A-6843-4021-869A-C131B22BA2E3}"/>
+              </a:ext>
+            </a:extLst>
+          </p:cNvPr>
+          <p:cNvSpPr/>
+          <p:nvPr/>
+        </p:nvSpPr>
+        <p:spPr>
+          <a:xfrm>
+            <a:off x="5727112" y="2705285"/>
+            <a:ext cx="2468304" cy="252028"/>
+          </a:xfrm>
+          <a:prstGeom prst="roundRect">
+            <a:avLst/>
+          </a:prstGeom>
+          <a:noFill/>
+          <a:ln>
+            <a:noFill/>
+          </a:ln>
+        </p:spPr>
+        <p:style>
+          <a:lnRef idx="2">
+            <a:schemeClr val="dk1"/>
+          </a:lnRef>
+          <a:fillRef idx="1">
+            <a:schemeClr val="lt1"/>
+          </a:fillRef>
+          <a:effectRef idx="0">
+            <a:schemeClr val="dk1"/>
+          </a:effectRef>
+          <a:fontRef idx="minor">
+            <a:schemeClr val="dk1"/>
+          </a:fontRef>
+        </p:style>
+        <p:txBody>
+          <a:bodyPr rtlCol="0" anchor="ctr"/>
+          <a:lstStyle/>
+          <a:p>
+            <a:pPr algn="ctr"/>
+            <a:r>
+              <a:rPr lang="en-US" altLang="ko-KR" sz="1100"/>
+              <a:t>Service B Request + Token</a:t>
+            </a:r>
+            <a:endParaRPr lang="ko-KR" altLang="en-US" sz="1100" dirty="0"/>
+          </a:p>
+        </p:txBody>
+      </p:sp>
+      <p:cxnSp>
+        <p:nvCxnSpPr>
+          <p:cNvPr id="71" name="직선 화살표 연결선 70">
+            <a:extLst>
+              <a:ext uri="{FF2B5EF4-FFF2-40B4-BE49-F238E27FC236}">
+                <a16:creationId xmlns:a16="http://schemas.microsoft.com/office/drawing/2014/main" id="{2A1F8939-53EF-4936-B910-650619F339E1}"/>
+              </a:ext>
+            </a:extLst>
+          </p:cNvPr>
+          <p:cNvCxnSpPr>
+            <a:cxnSpLocks/>
+          </p:cNvCxnSpPr>
+          <p:nvPr/>
+        </p:nvCxnSpPr>
+        <p:spPr>
+          <a:xfrm flipH="1" flipV="1">
+            <a:off x="5719424" y="2952373"/>
+            <a:ext cx="2475991" cy="4940"/>
+          </a:xfrm>
+          <a:prstGeom prst="straightConnector1">
+            <a:avLst/>
+          </a:prstGeom>
+          <a:ln w="19050">
+            <a:solidFill>
+              <a:schemeClr val="tx1"/>
+            </a:solidFill>
+            <a:headEnd type="arrow" w="med" len="med"/>
+            <a:tailEnd type="none" w="med" len="med"/>
+          </a:ln>
+        </p:spPr>
+        <p:style>
+          <a:lnRef idx="1">
+            <a:schemeClr val="accent1"/>
+          </a:lnRef>
+          <a:fillRef idx="0">
+            <a:schemeClr val="accent1"/>
+          </a:fillRef>
+          <a:effectRef idx="0">
+            <a:schemeClr val="accent1"/>
+          </a:effectRef>
+          <a:fontRef idx="minor">
+            <a:schemeClr val="tx1"/>
+          </a:fontRef>
+        </p:style>
+      </p:cxnSp>
+      <p:sp>
+        <p:nvSpPr>
+          <p:cNvPr id="85" name="자유형 38">
+            <a:extLst>
+              <a:ext uri="{FF2B5EF4-FFF2-40B4-BE49-F238E27FC236}">
+                <a16:creationId xmlns:a16="http://schemas.microsoft.com/office/drawing/2014/main" id="{C8965839-9431-4EE1-80D3-7DD19A1EBFA1}"/>
+              </a:ext>
+            </a:extLst>
+          </p:cNvPr>
+          <p:cNvSpPr/>
+          <p:nvPr/>
+        </p:nvSpPr>
+        <p:spPr>
+          <a:xfrm flipH="1">
+            <a:off x="7958647" y="3060701"/>
+            <a:ext cx="244461" cy="329167"/>
+          </a:xfrm>
+          <a:custGeom>
+            <a:avLst/>
+            <a:gdLst>
+              <a:gd name="connsiteX0" fmla="*/ 0 w 226932"/>
+              <a:gd name="connsiteY0" fmla="*/ 0 h 246955"/>
+              <a:gd name="connsiteX1" fmla="*/ 226932 w 226932"/>
+              <a:gd name="connsiteY1" fmla="*/ 0 h 246955"/>
+              <a:gd name="connsiteX2" fmla="*/ 226932 w 226932"/>
+              <a:gd name="connsiteY2" fmla="*/ 246955 h 246955"/>
+              <a:gd name="connsiteX3" fmla="*/ 6675 w 226932"/>
+              <a:gd name="connsiteY3" fmla="*/ 246955 h 246955"/>
+            </a:gdLst>
+            <a:ahLst/>
+            <a:cxnLst>
+              <a:cxn ang="0">
+                <a:pos x="connsiteX0" y="connsiteY0"/>
+              </a:cxn>
+              <a:cxn ang="0">
+                <a:pos x="connsiteX1" y="connsiteY1"/>
+              </a:cxn>
+              <a:cxn ang="0">
+                <a:pos x="connsiteX2" y="connsiteY2"/>
+              </a:cxn>
+              <a:cxn ang="0">
+                <a:pos x="connsiteX3" y="connsiteY3"/>
+              </a:cxn>
+            </a:cxnLst>
+            <a:rect l="l" t="t" r="r" b="b"/>
+            <a:pathLst>
+              <a:path w="226932" h="246955">
+                <a:moveTo>
+                  <a:pt x="0" y="0"/>
+                </a:moveTo>
+                <a:lnTo>
+                  <a:pt x="226932" y="0"/>
+                </a:lnTo>
+                <a:lnTo>
+                  <a:pt x="226932" y="246955"/>
+                </a:lnTo>
+                <a:lnTo>
+                  <a:pt x="6675" y="246955"/>
+                </a:lnTo>
+              </a:path>
+            </a:pathLst>
+          </a:custGeom>
+          <a:ln w="19050">
+            <a:solidFill>
+              <a:schemeClr val="tx1"/>
+            </a:solidFill>
+            <a:headEnd type="none" w="med" len="med"/>
+            <a:tailEnd type="arrow" w="med" len="med"/>
+          </a:ln>
+        </p:spPr>
+        <p:style>
+          <a:lnRef idx="1">
+            <a:schemeClr val="accent1"/>
+          </a:lnRef>
+          <a:fillRef idx="0">
+            <a:schemeClr val="accent1"/>
+          </a:fillRef>
+          <a:effectRef idx="0">
+            <a:schemeClr val="accent1"/>
+          </a:effectRef>
+          <a:fontRef idx="minor">
+            <a:schemeClr val="tx1"/>
+          </a:fontRef>
+        </p:style>
+        <p:txBody>
+          <a:bodyPr rtlCol="0" anchor="ctr"/>
+          <a:lstStyle/>
+          <a:p>
+            <a:pPr algn="ctr"/>
+            <a:endParaRPr lang="ko-KR" altLang="en-US"/>
+          </a:p>
+        </p:txBody>
+      </p:sp>
+      <p:sp>
+        <p:nvSpPr>
+          <p:cNvPr id="86" name="모서리가 둥근 직사각형 39">
+            <a:extLst>
+              <a:ext uri="{FF2B5EF4-FFF2-40B4-BE49-F238E27FC236}">
+                <a16:creationId xmlns:a16="http://schemas.microsoft.com/office/drawing/2014/main" id="{F382D0F3-861B-48CD-94F4-BB63F473AED1}"/>
+              </a:ext>
+            </a:extLst>
+          </p:cNvPr>
+          <p:cNvSpPr/>
+          <p:nvPr/>
+        </p:nvSpPr>
+        <p:spPr>
+          <a:xfrm>
+            <a:off x="6582595" y="3065639"/>
+            <a:ext cx="1603371" cy="329166"/>
+          </a:xfrm>
+          <a:prstGeom prst="roundRect">
+            <a:avLst/>
+          </a:prstGeom>
+          <a:noFill/>
+          <a:ln>
+            <a:noFill/>
+          </a:ln>
+        </p:spPr>
+        <p:style>
+          <a:lnRef idx="2">
+            <a:schemeClr val="dk1"/>
+          </a:lnRef>
+          <a:fillRef idx="1">
+            <a:schemeClr val="lt1"/>
+          </a:fillRef>
+          <a:effectRef idx="0">
+            <a:schemeClr val="dk1"/>
+          </a:effectRef>
+          <a:fontRef idx="minor">
+            <a:schemeClr val="dk1"/>
+          </a:fontRef>
+        </p:style>
+        <p:txBody>
+          <a:bodyPr rtlCol="0" anchor="ctr"/>
+          <a:lstStyle/>
+          <a:p>
+            <a:pPr algn="ctr"/>
+            <a:r>
+              <a:rPr lang="en-US" altLang="ko-KR" sz="1100"/>
+              <a:t>Validate Token</a:t>
+            </a:r>
+          </a:p>
+          <a:p>
+            <a:pPr algn="ctr"/>
+            <a:r>
+              <a:rPr lang="en-US" altLang="ko-KR" sz="1100" b="1"/>
+              <a:t>(Authorization)</a:t>
+            </a:r>
+            <a:endParaRPr lang="ko-KR" altLang="en-US" sz="1100" b="1"/>
+          </a:p>
+        </p:txBody>
+      </p:sp>
+      <p:sp>
+        <p:nvSpPr>
+          <p:cNvPr id="95" name="모서리가 둥근 직사각형 36">
+            <a:extLst>
+              <a:ext uri="{FF2B5EF4-FFF2-40B4-BE49-F238E27FC236}">
+                <a16:creationId xmlns:a16="http://schemas.microsoft.com/office/drawing/2014/main" id="{B1127643-3EAE-49CE-999E-B95E2074F542}"/>
+              </a:ext>
+            </a:extLst>
+          </p:cNvPr>
+          <p:cNvSpPr/>
+          <p:nvPr/>
+        </p:nvSpPr>
+        <p:spPr>
+          <a:xfrm>
+            <a:off x="5736568" y="3399842"/>
+            <a:ext cx="2468304" cy="252028"/>
+          </a:xfrm>
+          <a:prstGeom prst="roundRect">
+            <a:avLst/>
+          </a:prstGeom>
+          <a:noFill/>
+          <a:ln>
+            <a:noFill/>
+          </a:ln>
+        </p:spPr>
+        <p:style>
+          <a:lnRef idx="2">
+            <a:schemeClr val="dk1"/>
+          </a:lnRef>
+          <a:fillRef idx="1">
+            <a:schemeClr val="lt1"/>
+          </a:fillRef>
+          <a:effectRef idx="0">
+            <a:schemeClr val="dk1"/>
+          </a:effectRef>
+          <a:fontRef idx="minor">
+            <a:schemeClr val="dk1"/>
+          </a:fontRef>
+        </p:style>
+        <p:txBody>
+          <a:bodyPr rtlCol="0" anchor="ctr"/>
+          <a:lstStyle/>
+          <a:p>
+            <a:pPr algn="ctr"/>
+            <a:r>
+              <a:rPr lang="en-US" altLang="ko-KR" sz="1100"/>
+              <a:t>Service B Response</a:t>
+            </a:r>
+            <a:endParaRPr lang="ko-KR" altLang="en-US" sz="1100" dirty="0"/>
+          </a:p>
+        </p:txBody>
+      </p:sp>
+      <p:cxnSp>
+        <p:nvCxnSpPr>
+          <p:cNvPr id="96" name="직선 화살표 연결선 95">
+            <a:extLst>
+              <a:ext uri="{FF2B5EF4-FFF2-40B4-BE49-F238E27FC236}">
+                <a16:creationId xmlns:a16="http://schemas.microsoft.com/office/drawing/2014/main" id="{55EF8D6C-97FA-40BC-A6EF-01C4282098C0}"/>
+              </a:ext>
+            </a:extLst>
+          </p:cNvPr>
+          <p:cNvCxnSpPr>
+            <a:cxnSpLocks/>
+          </p:cNvCxnSpPr>
+          <p:nvPr/>
+        </p:nvCxnSpPr>
+        <p:spPr>
+          <a:xfrm>
+            <a:off x="5736568" y="3646930"/>
+            <a:ext cx="2468301" cy="0"/>
+          </a:xfrm>
+          <a:prstGeom prst="straightConnector1">
+            <a:avLst/>
+          </a:prstGeom>
+          <a:ln w="19050">
+            <a:solidFill>
+              <a:schemeClr val="tx1"/>
+            </a:solidFill>
+            <a:headEnd type="arrow" w="med" len="med"/>
+            <a:tailEnd type="none" w="med" len="med"/>
+          </a:ln>
+        </p:spPr>
+        <p:style>
+          <a:lnRef idx="1">
+            <a:schemeClr val="accent1"/>
+          </a:lnRef>
+          <a:fillRef idx="0">
+            <a:schemeClr val="accent1"/>
+          </a:fillRef>
+          <a:effectRef idx="0">
+            <a:schemeClr val="accent1"/>
+          </a:effectRef>
+          <a:fontRef idx="minor">
+            <a:schemeClr val="tx1"/>
+          </a:fontRef>
+        </p:style>
+      </p:cxnSp>
+      <p:sp>
+        <p:nvSpPr>
+          <p:cNvPr id="104" name="모서리가 둥근 직사각형 36">
+            <a:extLst>
+              <a:ext uri="{FF2B5EF4-FFF2-40B4-BE49-F238E27FC236}">
+                <a16:creationId xmlns:a16="http://schemas.microsoft.com/office/drawing/2014/main" id="{6B418A94-4282-4DCC-8D81-0C469087C5D8}"/>
+              </a:ext>
+            </a:extLst>
+          </p:cNvPr>
+          <p:cNvSpPr/>
+          <p:nvPr/>
+        </p:nvSpPr>
+        <p:spPr>
+          <a:xfrm>
+            <a:off x="805263" y="3399842"/>
+            <a:ext cx="4931305" cy="252028"/>
+          </a:xfrm>
+          <a:prstGeom prst="roundRect">
+            <a:avLst/>
+          </a:prstGeom>
+          <a:noFill/>
+          <a:ln>
+            <a:noFill/>
+          </a:ln>
+        </p:spPr>
+        <p:style>
+          <a:lnRef idx="2">
+            <a:schemeClr val="dk1"/>
+          </a:lnRef>
+          <a:fillRef idx="1">
+            <a:schemeClr val="lt1"/>
+          </a:fillRef>
+          <a:effectRef idx="0">
+            <a:schemeClr val="dk1"/>
+          </a:effectRef>
+          <a:fontRef idx="minor">
+            <a:schemeClr val="dk1"/>
+          </a:fontRef>
+        </p:style>
+        <p:txBody>
+          <a:bodyPr rtlCol="0" anchor="ctr"/>
+          <a:lstStyle/>
+          <a:p>
+            <a:pPr algn="ctr"/>
+            <a:r>
+              <a:rPr lang="en-US" altLang="ko-KR" sz="1100"/>
+              <a:t>Service A Response</a:t>
+            </a:r>
+            <a:endParaRPr lang="ko-KR" altLang="en-US" sz="1100" dirty="0"/>
+          </a:p>
+        </p:txBody>
+      </p:sp>
+      <p:cxnSp>
+        <p:nvCxnSpPr>
+          <p:cNvPr id="105" name="직선 화살표 연결선 104">
+            <a:extLst>
+              <a:ext uri="{FF2B5EF4-FFF2-40B4-BE49-F238E27FC236}">
+                <a16:creationId xmlns:a16="http://schemas.microsoft.com/office/drawing/2014/main" id="{ACA48F25-4434-4F5E-8495-0003BCFC51AD}"/>
+              </a:ext>
+            </a:extLst>
+          </p:cNvPr>
+          <p:cNvCxnSpPr>
+            <a:cxnSpLocks/>
+          </p:cNvCxnSpPr>
+          <p:nvPr/>
+        </p:nvCxnSpPr>
+        <p:spPr>
+          <a:xfrm>
+            <a:off x="805267" y="3646930"/>
+            <a:ext cx="4931300" cy="0"/>
+          </a:xfrm>
+          <a:prstGeom prst="straightConnector1">
+            <a:avLst/>
+          </a:prstGeom>
+          <a:ln w="19050">
+            <a:solidFill>
+              <a:schemeClr val="tx1"/>
+            </a:solidFill>
+            <a:headEnd type="arrow" w="med" len="med"/>
+            <a:tailEnd type="none" w="med" len="med"/>
+          </a:ln>
+        </p:spPr>
+        <p:style>
+          <a:lnRef idx="1">
+            <a:schemeClr val="accent1"/>
+          </a:lnRef>
+          <a:fillRef idx="0">
+            <a:schemeClr val="accent1"/>
+          </a:fillRef>
+          <a:effectRef idx="0">
+            <a:schemeClr val="accent1"/>
+          </a:effectRef>
+          <a:fontRef idx="minor">
+            <a:schemeClr val="tx1"/>
+          </a:fontRef>
+        </p:style>
+      </p:cxnSp>
+      <p:sp>
+        <p:nvSpPr>
+          <p:cNvPr id="39" name="자유형 38">
+            <a:extLst>
+              <a:ext uri="{FF2B5EF4-FFF2-40B4-BE49-F238E27FC236}">
+                <a16:creationId xmlns:a16="http://schemas.microsoft.com/office/drawing/2014/main" id="{B598C27D-2DDD-4F90-9E14-91100909BA11}"/>
+              </a:ext>
+            </a:extLst>
+          </p:cNvPr>
+          <p:cNvSpPr/>
+          <p:nvPr/>
+        </p:nvSpPr>
+        <p:spPr>
+          <a:xfrm flipH="1">
+            <a:off x="5478805" y="2619820"/>
+            <a:ext cx="244461" cy="329167"/>
+          </a:xfrm>
+          <a:custGeom>
+            <a:avLst/>
+            <a:gdLst>
+              <a:gd name="connsiteX0" fmla="*/ 0 w 226932"/>
+              <a:gd name="connsiteY0" fmla="*/ 0 h 246955"/>
+              <a:gd name="connsiteX1" fmla="*/ 226932 w 226932"/>
+              <a:gd name="connsiteY1" fmla="*/ 0 h 246955"/>
+              <a:gd name="connsiteX2" fmla="*/ 226932 w 226932"/>
+              <a:gd name="connsiteY2" fmla="*/ 246955 h 246955"/>
+              <a:gd name="connsiteX3" fmla="*/ 6675 w 226932"/>
+              <a:gd name="connsiteY3" fmla="*/ 246955 h 246955"/>
+            </a:gdLst>
+            <a:ahLst/>
+            <a:cxnLst>
+              <a:cxn ang="0">
+                <a:pos x="connsiteX0" y="connsiteY0"/>
+              </a:cxn>
+              <a:cxn ang="0">
+                <a:pos x="connsiteX1" y="connsiteY1"/>
+              </a:cxn>
+              <a:cxn ang="0">
+                <a:pos x="connsiteX2" y="connsiteY2"/>
+              </a:cxn>
+              <a:cxn ang="0">
+                <a:pos x="connsiteX3" y="connsiteY3"/>
+              </a:cxn>
+            </a:cxnLst>
+            <a:rect l="l" t="t" r="r" b="b"/>
+            <a:pathLst>
+              <a:path w="226932" h="246955">
+                <a:moveTo>
+                  <a:pt x="0" y="0"/>
+                </a:moveTo>
+                <a:lnTo>
+                  <a:pt x="226932" y="0"/>
+                </a:lnTo>
+                <a:lnTo>
+                  <a:pt x="226932" y="246955"/>
+                </a:lnTo>
+                <a:lnTo>
+                  <a:pt x="6675" y="246955"/>
+                </a:lnTo>
+              </a:path>
+            </a:pathLst>
+          </a:custGeom>
+          <a:ln w="19050">
+            <a:solidFill>
+              <a:schemeClr val="tx1"/>
+            </a:solidFill>
+            <a:headEnd type="none" w="med" len="med"/>
+            <a:tailEnd type="arrow" w="med" len="med"/>
+          </a:ln>
+        </p:spPr>
+        <p:style>
+          <a:lnRef idx="1">
+            <a:schemeClr val="accent1"/>
+          </a:lnRef>
+          <a:fillRef idx="0">
+            <a:schemeClr val="accent1"/>
+          </a:fillRef>
+          <a:effectRef idx="0">
+            <a:schemeClr val="accent1"/>
+          </a:effectRef>
+          <a:fontRef idx="minor">
+            <a:schemeClr val="tx1"/>
+          </a:fontRef>
+        </p:style>
+        <p:txBody>
+          <a:bodyPr rtlCol="0" anchor="ctr"/>
+          <a:lstStyle/>
+          <a:p>
+            <a:pPr algn="ctr"/>
+            <a:endParaRPr lang="ko-KR" altLang="en-US"/>
+          </a:p>
+        </p:txBody>
+      </p:sp>
+      <p:sp>
+        <p:nvSpPr>
+          <p:cNvPr id="40" name="모서리가 둥근 직사각형 39">
+            <a:extLst>
+              <a:ext uri="{FF2B5EF4-FFF2-40B4-BE49-F238E27FC236}">
+                <a16:creationId xmlns:a16="http://schemas.microsoft.com/office/drawing/2014/main" id="{B4875C35-BCD4-467D-86AA-E28CDA41CD77}"/>
+              </a:ext>
+            </a:extLst>
+          </p:cNvPr>
+          <p:cNvSpPr/>
+          <p:nvPr/>
+        </p:nvSpPr>
+        <p:spPr>
+          <a:xfrm>
+            <a:off x="4102753" y="2624758"/>
+            <a:ext cx="1603371" cy="329166"/>
+          </a:xfrm>
+          <a:prstGeom prst="roundRect">
+            <a:avLst/>
+          </a:prstGeom>
+          <a:noFill/>
+          <a:ln>
+            <a:noFill/>
+          </a:ln>
+        </p:spPr>
+        <p:style>
+          <a:lnRef idx="2">
+            <a:schemeClr val="dk1"/>
+          </a:lnRef>
+          <a:fillRef idx="1">
+            <a:schemeClr val="lt1"/>
+          </a:fillRef>
+          <a:effectRef idx="0">
+            <a:schemeClr val="dk1"/>
+          </a:effectRef>
+          <a:fontRef idx="minor">
+            <a:schemeClr val="dk1"/>
+          </a:fontRef>
+        </p:style>
+        <p:txBody>
+          <a:bodyPr rtlCol="0" anchor="ctr"/>
+          <a:lstStyle/>
+          <a:p>
+            <a:pPr algn="ctr"/>
+            <a:r>
+              <a:rPr lang="en-US" altLang="ko-KR" sz="1100"/>
+              <a:t>Validate Token</a:t>
+            </a:r>
+          </a:p>
+          <a:p>
+            <a:pPr algn="ctr"/>
+            <a:r>
+              <a:rPr lang="en-US" altLang="ko-KR" sz="1100" b="1"/>
+              <a:t>(Authorization)</a:t>
+            </a:r>
+            <a:endParaRPr lang="ko-KR" altLang="en-US" sz="1100" b="1"/>
+          </a:p>
+        </p:txBody>
+      </p:sp>
+    </p:spTree>
+    <p:extLst>
+      <p:ext uri="{BB962C8B-B14F-4D97-AF65-F5344CB8AC3E}">
+        <p14:creationId xmlns:p14="http://schemas.microsoft.com/office/powerpoint/2010/main" val="1363288630"/>
+      </p:ext>
+    </p:extLst>
+  </p:cSld>
+  <p:clrMapOvr>
+    <a:masterClrMapping/>
+  </p:clrMapOvr>
+</p:sld>
+</file>
+
+<file path=ppt/slides/slide4.xml><?xml version="1.0" encoding="utf-8"?>
+<p:sld xmlns:a="http://schemas.openxmlformats.org/drawingml/2006/main" xmlns:r="http://schemas.openxmlformats.org/officeDocument/2006/relationships" xmlns:p="http://schemas.openxmlformats.org/presentationml/2006/main">
+  <p:cSld>
+    <p:spTree>
+      <p:nvGrpSpPr>
+        <p:cNvPr id="1" name=""/>
+        <p:cNvGrpSpPr/>
+        <p:nvPr/>
+      </p:nvGrpSpPr>
+      <p:grpSpPr>
+        <a:xfrm>
+          <a:off x="0" y="0"/>
+          <a:ext cx="0" cy="0"/>
+          <a:chOff x="0" y="0"/>
+          <a:chExt cx="0" cy="0"/>
+        </a:xfrm>
+      </p:grpSpPr>
+      <p:sp>
+        <p:nvSpPr>
           <p:cNvPr id="2" name="제목 1">
             <a:extLst>
               <a:ext uri="{FF2B5EF4-FFF2-40B4-BE49-F238E27FC236}">
@@ -6768,7 +8485,3070 @@
 </p:sld>
 </file>
 
-<file path=ppt/slides/slide4.xml><?xml version="1.0" encoding="utf-8"?>
+<file path=ppt/slides/slide5.xml><?xml version="1.0" encoding="utf-8"?>
+<p:sld xmlns:a="http://schemas.openxmlformats.org/drawingml/2006/main" xmlns:r="http://schemas.openxmlformats.org/officeDocument/2006/relationships" xmlns:p="http://schemas.openxmlformats.org/presentationml/2006/main">
+  <p:cSld>
+    <p:spTree>
+      <p:nvGrpSpPr>
+        <p:cNvPr id="1" name=""/>
+        <p:cNvGrpSpPr/>
+        <p:nvPr/>
+      </p:nvGrpSpPr>
+      <p:grpSpPr>
+        <a:xfrm>
+          <a:off x="0" y="0"/>
+          <a:ext cx="0" cy="0"/>
+          <a:chOff x="0" y="0"/>
+          <a:chExt cx="0" cy="0"/>
+        </a:xfrm>
+      </p:grpSpPr>
+      <p:sp>
+        <p:nvSpPr>
+          <p:cNvPr id="2" name="제목 1"/>
+          <p:cNvSpPr>
+            <a:spLocks noGrp="1"/>
+          </p:cNvSpPr>
+          <p:nvPr>
+            <p:ph type="title"/>
+          </p:nvPr>
+        </p:nvSpPr>
+        <p:spPr>
+          <a:xfrm>
+            <a:off x="457200" y="-20538"/>
+            <a:ext cx="8229600" cy="720080"/>
+          </a:xfrm>
+        </p:spPr>
+        <p:txBody>
+          <a:bodyPr>
+            <a:normAutofit/>
+          </a:bodyPr>
+          <a:lstStyle/>
+          <a:p>
+            <a:r>
+              <a:rPr lang="en-US" altLang="ko-KR" sz="3600"/>
+              <a:t>Keystone Components</a:t>
+            </a:r>
+            <a:endParaRPr lang="ko-KR" altLang="en-US" sz="3600" dirty="0"/>
+          </a:p>
+        </p:txBody>
+      </p:sp>
+      <p:sp>
+        <p:nvSpPr>
+          <p:cNvPr id="4" name="원통형 3">
+            <a:extLst>
+              <a:ext uri="{FF2B5EF4-FFF2-40B4-BE49-F238E27FC236}">
+                <a16:creationId xmlns:a16="http://schemas.microsoft.com/office/drawing/2014/main" id="{74A9DC99-BCB5-42D0-9A3D-51256FA95CFB}"/>
+              </a:ext>
+            </a:extLst>
+          </p:cNvPr>
+          <p:cNvSpPr/>
+          <p:nvPr/>
+        </p:nvSpPr>
+        <p:spPr>
+          <a:xfrm>
+            <a:off x="179512" y="1995686"/>
+            <a:ext cx="1152128" cy="2088232"/>
+          </a:xfrm>
+          <a:prstGeom prst="can">
+            <a:avLst/>
+          </a:prstGeom>
+        </p:spPr>
+        <p:style>
+          <a:lnRef idx="2">
+            <a:schemeClr val="dk1"/>
+          </a:lnRef>
+          <a:fillRef idx="1">
+            <a:schemeClr val="lt1"/>
+          </a:fillRef>
+          <a:effectRef idx="0">
+            <a:schemeClr val="dk1"/>
+          </a:effectRef>
+          <a:fontRef idx="minor">
+            <a:schemeClr val="dk1"/>
+          </a:fontRef>
+        </p:style>
+        <p:txBody>
+          <a:bodyPr rtlCol="0" anchor="b"/>
+          <a:lstStyle/>
+          <a:p>
+            <a:pPr algn="ctr"/>
+            <a:r>
+              <a:rPr lang="en-US" altLang="ko-KR" sz="1400"/>
+              <a:t>Policy </a:t>
+            </a:r>
+          </a:p>
+          <a:p>
+            <a:pPr algn="ctr"/>
+            <a:r>
+              <a:rPr lang="en-US" altLang="ko-KR" sz="1400"/>
+              <a:t>Backend</a:t>
+            </a:r>
+            <a:endParaRPr lang="ko-KR" altLang="en-US" sz="1400"/>
+          </a:p>
+        </p:txBody>
+      </p:sp>
+      <p:sp>
+        <p:nvSpPr>
+          <p:cNvPr id="14" name="원통형 13">
+            <a:extLst>
+              <a:ext uri="{FF2B5EF4-FFF2-40B4-BE49-F238E27FC236}">
+                <a16:creationId xmlns:a16="http://schemas.microsoft.com/office/drawing/2014/main" id="{B138E673-E3C2-4AC1-BCA3-BA70D07DCB98}"/>
+              </a:ext>
+            </a:extLst>
+          </p:cNvPr>
+          <p:cNvSpPr/>
+          <p:nvPr/>
+        </p:nvSpPr>
+        <p:spPr>
+          <a:xfrm>
+            <a:off x="1691680" y="1995686"/>
+            <a:ext cx="1152128" cy="2088232"/>
+          </a:xfrm>
+          <a:prstGeom prst="can">
+            <a:avLst/>
+          </a:prstGeom>
+        </p:spPr>
+        <p:style>
+          <a:lnRef idx="2">
+            <a:schemeClr val="dk1"/>
+          </a:lnRef>
+          <a:fillRef idx="1">
+            <a:schemeClr val="lt1"/>
+          </a:fillRef>
+          <a:effectRef idx="0">
+            <a:schemeClr val="dk1"/>
+          </a:effectRef>
+          <a:fontRef idx="minor">
+            <a:schemeClr val="dk1"/>
+          </a:fontRef>
+        </p:style>
+        <p:txBody>
+          <a:bodyPr rtlCol="0" anchor="b"/>
+          <a:lstStyle/>
+          <a:p>
+            <a:pPr algn="ctr"/>
+            <a:r>
+              <a:rPr lang="en-US" altLang="ko-KR" sz="1400"/>
+              <a:t>Token</a:t>
+            </a:r>
+          </a:p>
+          <a:p>
+            <a:pPr algn="ctr"/>
+            <a:r>
+              <a:rPr lang="en-US" altLang="ko-KR" sz="1400"/>
+              <a:t>Backend</a:t>
+            </a:r>
+            <a:endParaRPr lang="ko-KR" altLang="en-US" sz="1400"/>
+          </a:p>
+        </p:txBody>
+      </p:sp>
+      <p:sp>
+        <p:nvSpPr>
+          <p:cNvPr id="15" name="원통형 14">
+            <a:extLst>
+              <a:ext uri="{FF2B5EF4-FFF2-40B4-BE49-F238E27FC236}">
+                <a16:creationId xmlns:a16="http://schemas.microsoft.com/office/drawing/2014/main" id="{173A6D1B-7D13-431F-BDB6-0CBBEF79C497}"/>
+              </a:ext>
+            </a:extLst>
+          </p:cNvPr>
+          <p:cNvSpPr/>
+          <p:nvPr/>
+        </p:nvSpPr>
+        <p:spPr>
+          <a:xfrm>
+            <a:off x="3203848" y="1995686"/>
+            <a:ext cx="1152128" cy="2088232"/>
+          </a:xfrm>
+          <a:prstGeom prst="can">
+            <a:avLst/>
+          </a:prstGeom>
+        </p:spPr>
+        <p:style>
+          <a:lnRef idx="2">
+            <a:schemeClr val="dk1"/>
+          </a:lnRef>
+          <a:fillRef idx="1">
+            <a:schemeClr val="lt1"/>
+          </a:fillRef>
+          <a:effectRef idx="0">
+            <a:schemeClr val="dk1"/>
+          </a:effectRef>
+          <a:fontRef idx="minor">
+            <a:schemeClr val="dk1"/>
+          </a:fontRef>
+        </p:style>
+        <p:txBody>
+          <a:bodyPr rtlCol="0" anchor="b"/>
+          <a:lstStyle/>
+          <a:p>
+            <a:pPr algn="ctr"/>
+            <a:r>
+              <a:rPr lang="en-US" altLang="ko-KR" sz="1400"/>
+              <a:t>Catalog Backend</a:t>
+            </a:r>
+            <a:endParaRPr lang="ko-KR" altLang="en-US" sz="1400"/>
+          </a:p>
+        </p:txBody>
+      </p:sp>
+      <p:sp>
+        <p:nvSpPr>
+          <p:cNvPr id="16" name="원통형 15">
+            <a:extLst>
+              <a:ext uri="{FF2B5EF4-FFF2-40B4-BE49-F238E27FC236}">
+                <a16:creationId xmlns:a16="http://schemas.microsoft.com/office/drawing/2014/main" id="{0B428A50-7F71-4365-85C5-D0FA038B9252}"/>
+              </a:ext>
+            </a:extLst>
+          </p:cNvPr>
+          <p:cNvSpPr/>
+          <p:nvPr/>
+        </p:nvSpPr>
+        <p:spPr>
+          <a:xfrm>
+            <a:off x="4788024" y="1995686"/>
+            <a:ext cx="1152128" cy="2088232"/>
+          </a:xfrm>
+          <a:prstGeom prst="can">
+            <a:avLst/>
+          </a:prstGeom>
+        </p:spPr>
+        <p:style>
+          <a:lnRef idx="2">
+            <a:schemeClr val="dk1"/>
+          </a:lnRef>
+          <a:fillRef idx="1">
+            <a:schemeClr val="lt1"/>
+          </a:fillRef>
+          <a:effectRef idx="0">
+            <a:schemeClr val="dk1"/>
+          </a:effectRef>
+          <a:fontRef idx="minor">
+            <a:schemeClr val="dk1"/>
+          </a:fontRef>
+        </p:style>
+        <p:txBody>
+          <a:bodyPr rtlCol="0" anchor="b"/>
+          <a:lstStyle/>
+          <a:p>
+            <a:pPr algn="ctr"/>
+            <a:r>
+              <a:rPr lang="en-US" altLang="ko-KR" sz="1400"/>
+              <a:t>Identity</a:t>
+            </a:r>
+          </a:p>
+          <a:p>
+            <a:pPr algn="ctr"/>
+            <a:r>
+              <a:rPr lang="en-US" altLang="ko-KR" sz="1400"/>
+              <a:t>Backend</a:t>
+            </a:r>
+            <a:endParaRPr lang="ko-KR" altLang="en-US" sz="1400"/>
+          </a:p>
+        </p:txBody>
+      </p:sp>
+      <p:sp>
+        <p:nvSpPr>
+          <p:cNvPr id="17" name="원통형 16">
+            <a:extLst>
+              <a:ext uri="{FF2B5EF4-FFF2-40B4-BE49-F238E27FC236}">
+                <a16:creationId xmlns:a16="http://schemas.microsoft.com/office/drawing/2014/main" id="{992D522B-D36E-4EAE-824B-20C1BEE2ACCE}"/>
+              </a:ext>
+            </a:extLst>
+          </p:cNvPr>
+          <p:cNvSpPr/>
+          <p:nvPr/>
+        </p:nvSpPr>
+        <p:spPr>
+          <a:xfrm>
+            <a:off x="6300192" y="1995686"/>
+            <a:ext cx="1152128" cy="2088232"/>
+          </a:xfrm>
+          <a:prstGeom prst="can">
+            <a:avLst/>
+          </a:prstGeom>
+        </p:spPr>
+        <p:style>
+          <a:lnRef idx="2">
+            <a:schemeClr val="dk1"/>
+          </a:lnRef>
+          <a:fillRef idx="1">
+            <a:schemeClr val="lt1"/>
+          </a:fillRef>
+          <a:effectRef idx="0">
+            <a:schemeClr val="dk1"/>
+          </a:effectRef>
+          <a:fontRef idx="minor">
+            <a:schemeClr val="dk1"/>
+          </a:fontRef>
+        </p:style>
+        <p:txBody>
+          <a:bodyPr rtlCol="0" anchor="b"/>
+          <a:lstStyle/>
+          <a:p>
+            <a:pPr algn="ctr"/>
+            <a:r>
+              <a:rPr lang="en-US" altLang="ko-KR" sz="1400"/>
+              <a:t>Asignments Backend</a:t>
+            </a:r>
+            <a:endParaRPr lang="ko-KR" altLang="en-US" sz="1400"/>
+          </a:p>
+        </p:txBody>
+      </p:sp>
+      <p:sp>
+        <p:nvSpPr>
+          <p:cNvPr id="18" name="원통형 17">
+            <a:extLst>
+              <a:ext uri="{FF2B5EF4-FFF2-40B4-BE49-F238E27FC236}">
+                <a16:creationId xmlns:a16="http://schemas.microsoft.com/office/drawing/2014/main" id="{E2401168-65F3-4043-A424-7C3F65C1F7F8}"/>
+              </a:ext>
+            </a:extLst>
+          </p:cNvPr>
+          <p:cNvSpPr/>
+          <p:nvPr/>
+        </p:nvSpPr>
+        <p:spPr>
+          <a:xfrm>
+            <a:off x="7812360" y="1995686"/>
+            <a:ext cx="1152128" cy="2088232"/>
+          </a:xfrm>
+          <a:prstGeom prst="can">
+            <a:avLst/>
+          </a:prstGeom>
+        </p:spPr>
+        <p:style>
+          <a:lnRef idx="2">
+            <a:schemeClr val="dk1"/>
+          </a:lnRef>
+          <a:fillRef idx="1">
+            <a:schemeClr val="lt1"/>
+          </a:fillRef>
+          <a:effectRef idx="0">
+            <a:schemeClr val="dk1"/>
+          </a:effectRef>
+          <a:fontRef idx="minor">
+            <a:schemeClr val="dk1"/>
+          </a:fontRef>
+        </p:style>
+        <p:txBody>
+          <a:bodyPr rtlCol="0" anchor="b"/>
+          <a:lstStyle/>
+          <a:p>
+            <a:pPr algn="ctr"/>
+            <a:r>
+              <a:rPr lang="en-US" altLang="ko-KR" sz="1400"/>
+              <a:t>Credentials</a:t>
+            </a:r>
+          </a:p>
+          <a:p>
+            <a:pPr algn="ctr"/>
+            <a:r>
+              <a:rPr lang="en-US" altLang="ko-KR" sz="1400"/>
+              <a:t>Backend</a:t>
+            </a:r>
+            <a:endParaRPr lang="ko-KR" altLang="en-US" sz="1400"/>
+          </a:p>
+        </p:txBody>
+      </p:sp>
+      <p:sp>
+        <p:nvSpPr>
+          <p:cNvPr id="19" name="사각형: 둥근 모서리 18">
+            <a:extLst>
+              <a:ext uri="{FF2B5EF4-FFF2-40B4-BE49-F238E27FC236}">
+                <a16:creationId xmlns:a16="http://schemas.microsoft.com/office/drawing/2014/main" id="{82BEA343-42E1-4BFD-87E0-1C2DCA1D1041}"/>
+              </a:ext>
+            </a:extLst>
+          </p:cNvPr>
+          <p:cNvSpPr/>
+          <p:nvPr/>
+        </p:nvSpPr>
+        <p:spPr>
+          <a:xfrm>
+            <a:off x="1763688" y="2754050"/>
+            <a:ext cx="1008112" cy="288032"/>
+          </a:xfrm>
+          <a:prstGeom prst="roundRect">
+            <a:avLst>
+              <a:gd name="adj" fmla="val 6778"/>
+            </a:avLst>
+          </a:prstGeom>
+        </p:spPr>
+        <p:style>
+          <a:lnRef idx="2">
+            <a:schemeClr val="dk1"/>
+          </a:lnRef>
+          <a:fillRef idx="1">
+            <a:schemeClr val="lt1"/>
+          </a:fillRef>
+          <a:effectRef idx="0">
+            <a:schemeClr val="dk1"/>
+          </a:effectRef>
+          <a:fontRef idx="minor">
+            <a:schemeClr val="dk1"/>
+          </a:fontRef>
+        </p:style>
+        <p:txBody>
+          <a:bodyPr rtlCol="0" anchor="ctr"/>
+          <a:lstStyle/>
+          <a:p>
+            <a:pPr algn="ctr"/>
+            <a:r>
+              <a:rPr lang="en-US" altLang="ko-KR" sz="1100"/>
+              <a:t>Token</a:t>
+            </a:r>
+            <a:endParaRPr lang="ko-KR" altLang="en-US" sz="1100"/>
+          </a:p>
+        </p:txBody>
+      </p:sp>
+      <p:sp>
+        <p:nvSpPr>
+          <p:cNvPr id="20" name="모서리가 둥근 직사각형 28">
+            <a:extLst>
+              <a:ext uri="{FF2B5EF4-FFF2-40B4-BE49-F238E27FC236}">
+                <a16:creationId xmlns:a16="http://schemas.microsoft.com/office/drawing/2014/main" id="{E143D391-377E-440F-A77B-B3780AB6D9F3}"/>
+              </a:ext>
+            </a:extLst>
+          </p:cNvPr>
+          <p:cNvSpPr/>
+          <p:nvPr/>
+        </p:nvSpPr>
+        <p:spPr>
+          <a:xfrm>
+            <a:off x="3851920" y="1203598"/>
+            <a:ext cx="1440160" cy="504056"/>
+          </a:xfrm>
+          <a:prstGeom prst="roundRect">
+            <a:avLst/>
+          </a:prstGeom>
+        </p:spPr>
+        <p:style>
+          <a:lnRef idx="2">
+            <a:schemeClr val="dk1"/>
+          </a:lnRef>
+          <a:fillRef idx="1">
+            <a:schemeClr val="lt1"/>
+          </a:fillRef>
+          <a:effectRef idx="0">
+            <a:schemeClr val="dk1"/>
+          </a:effectRef>
+          <a:fontRef idx="minor">
+            <a:schemeClr val="dk1"/>
+          </a:fontRef>
+        </p:style>
+        <p:txBody>
+          <a:bodyPr rtlCol="0" anchor="ctr"/>
+          <a:lstStyle/>
+          <a:p>
+            <a:pPr algn="ctr"/>
+            <a:r>
+              <a:rPr lang="en-US" altLang="ko-KR" sz="1400"/>
+              <a:t>Keystone</a:t>
+            </a:r>
+          </a:p>
+          <a:p>
+            <a:pPr algn="ctr"/>
+            <a:r>
+              <a:rPr lang="en-US" altLang="ko-KR" sz="1400"/>
+              <a:t>API Server</a:t>
+            </a:r>
+            <a:endParaRPr lang="ko-KR" altLang="en-US" dirty="0"/>
+          </a:p>
+        </p:txBody>
+      </p:sp>
+      <p:cxnSp>
+        <p:nvCxnSpPr>
+          <p:cNvPr id="21" name="직선 화살표 연결선 20">
+            <a:extLst>
+              <a:ext uri="{FF2B5EF4-FFF2-40B4-BE49-F238E27FC236}">
+                <a16:creationId xmlns:a16="http://schemas.microsoft.com/office/drawing/2014/main" id="{E5EB5ACB-C698-4A5C-B246-CA5AE1F5A72D}"/>
+              </a:ext>
+            </a:extLst>
+          </p:cNvPr>
+          <p:cNvCxnSpPr>
+            <a:cxnSpLocks/>
+            <a:stCxn id="4" idx="1"/>
+            <a:endCxn id="20" idx="2"/>
+          </p:cNvCxnSpPr>
+          <p:nvPr/>
+        </p:nvCxnSpPr>
+        <p:spPr>
+          <a:xfrm flipV="1">
+            <a:off x="755576" y="1707654"/>
+            <a:ext cx="3816424" cy="288032"/>
+          </a:xfrm>
+          <a:prstGeom prst="straightConnector1">
+            <a:avLst/>
+          </a:prstGeom>
+          <a:ln w="19050">
+            <a:solidFill>
+              <a:schemeClr val="tx1"/>
+            </a:solidFill>
+            <a:headEnd type="none" w="med" len="med"/>
+            <a:tailEnd type="none" w="med" len="med"/>
+          </a:ln>
+        </p:spPr>
+        <p:style>
+          <a:lnRef idx="1">
+            <a:schemeClr val="accent1"/>
+          </a:lnRef>
+          <a:fillRef idx="0">
+            <a:schemeClr val="accent1"/>
+          </a:fillRef>
+          <a:effectRef idx="0">
+            <a:schemeClr val="accent1"/>
+          </a:effectRef>
+          <a:fontRef idx="minor">
+            <a:schemeClr val="tx1"/>
+          </a:fontRef>
+        </p:style>
+      </p:cxnSp>
+      <p:cxnSp>
+        <p:nvCxnSpPr>
+          <p:cNvPr id="24" name="직선 화살표 연결선 23">
+            <a:extLst>
+              <a:ext uri="{FF2B5EF4-FFF2-40B4-BE49-F238E27FC236}">
+                <a16:creationId xmlns:a16="http://schemas.microsoft.com/office/drawing/2014/main" id="{C283252D-9364-40B7-8D15-7A686422CFF5}"/>
+              </a:ext>
+            </a:extLst>
+          </p:cNvPr>
+          <p:cNvCxnSpPr>
+            <a:cxnSpLocks/>
+            <a:stCxn id="14" idx="1"/>
+            <a:endCxn id="20" idx="2"/>
+          </p:cNvCxnSpPr>
+          <p:nvPr/>
+        </p:nvCxnSpPr>
+        <p:spPr>
+          <a:xfrm flipV="1">
+            <a:off x="2267744" y="1707654"/>
+            <a:ext cx="2304256" cy="288032"/>
+          </a:xfrm>
+          <a:prstGeom prst="straightConnector1">
+            <a:avLst/>
+          </a:prstGeom>
+          <a:ln w="19050">
+            <a:solidFill>
+              <a:schemeClr val="tx1"/>
+            </a:solidFill>
+            <a:headEnd type="none" w="med" len="med"/>
+            <a:tailEnd type="none" w="med" len="med"/>
+          </a:ln>
+        </p:spPr>
+        <p:style>
+          <a:lnRef idx="1">
+            <a:schemeClr val="accent1"/>
+          </a:lnRef>
+          <a:fillRef idx="0">
+            <a:schemeClr val="accent1"/>
+          </a:fillRef>
+          <a:effectRef idx="0">
+            <a:schemeClr val="accent1"/>
+          </a:effectRef>
+          <a:fontRef idx="minor">
+            <a:schemeClr val="tx1"/>
+          </a:fontRef>
+        </p:style>
+      </p:cxnSp>
+      <p:cxnSp>
+        <p:nvCxnSpPr>
+          <p:cNvPr id="27" name="직선 화살표 연결선 26">
+            <a:extLst>
+              <a:ext uri="{FF2B5EF4-FFF2-40B4-BE49-F238E27FC236}">
+                <a16:creationId xmlns:a16="http://schemas.microsoft.com/office/drawing/2014/main" id="{7B83849D-E320-4062-9747-60C9BB9FD956}"/>
+              </a:ext>
+            </a:extLst>
+          </p:cNvPr>
+          <p:cNvCxnSpPr>
+            <a:cxnSpLocks/>
+            <a:stCxn id="15" idx="1"/>
+            <a:endCxn id="20" idx="2"/>
+          </p:cNvCxnSpPr>
+          <p:nvPr/>
+        </p:nvCxnSpPr>
+        <p:spPr>
+          <a:xfrm flipV="1">
+            <a:off x="3779912" y="1707654"/>
+            <a:ext cx="792088" cy="288032"/>
+          </a:xfrm>
+          <a:prstGeom prst="straightConnector1">
+            <a:avLst/>
+          </a:prstGeom>
+          <a:ln w="19050">
+            <a:solidFill>
+              <a:schemeClr val="tx1"/>
+            </a:solidFill>
+            <a:headEnd type="none" w="med" len="med"/>
+            <a:tailEnd type="none" w="med" len="med"/>
+          </a:ln>
+        </p:spPr>
+        <p:style>
+          <a:lnRef idx="1">
+            <a:schemeClr val="accent1"/>
+          </a:lnRef>
+          <a:fillRef idx="0">
+            <a:schemeClr val="accent1"/>
+          </a:fillRef>
+          <a:effectRef idx="0">
+            <a:schemeClr val="accent1"/>
+          </a:effectRef>
+          <a:fontRef idx="minor">
+            <a:schemeClr val="tx1"/>
+          </a:fontRef>
+        </p:style>
+      </p:cxnSp>
+      <p:cxnSp>
+        <p:nvCxnSpPr>
+          <p:cNvPr id="30" name="직선 화살표 연결선 29">
+            <a:extLst>
+              <a:ext uri="{FF2B5EF4-FFF2-40B4-BE49-F238E27FC236}">
+                <a16:creationId xmlns:a16="http://schemas.microsoft.com/office/drawing/2014/main" id="{1B6B09FD-2F50-4274-86BF-5CA7ADA20522}"/>
+              </a:ext>
+            </a:extLst>
+          </p:cNvPr>
+          <p:cNvCxnSpPr>
+            <a:cxnSpLocks/>
+            <a:stCxn id="16" idx="1"/>
+            <a:endCxn id="20" idx="2"/>
+          </p:cNvCxnSpPr>
+          <p:nvPr/>
+        </p:nvCxnSpPr>
+        <p:spPr>
+          <a:xfrm flipH="1" flipV="1">
+            <a:off x="4572000" y="1707654"/>
+            <a:ext cx="792088" cy="288032"/>
+          </a:xfrm>
+          <a:prstGeom prst="straightConnector1">
+            <a:avLst/>
+          </a:prstGeom>
+          <a:ln w="19050">
+            <a:solidFill>
+              <a:schemeClr val="tx1"/>
+            </a:solidFill>
+            <a:headEnd type="none" w="med" len="med"/>
+            <a:tailEnd type="none" w="med" len="med"/>
+          </a:ln>
+        </p:spPr>
+        <p:style>
+          <a:lnRef idx="1">
+            <a:schemeClr val="accent1"/>
+          </a:lnRef>
+          <a:fillRef idx="0">
+            <a:schemeClr val="accent1"/>
+          </a:fillRef>
+          <a:effectRef idx="0">
+            <a:schemeClr val="accent1"/>
+          </a:effectRef>
+          <a:fontRef idx="minor">
+            <a:schemeClr val="tx1"/>
+          </a:fontRef>
+        </p:style>
+      </p:cxnSp>
+      <p:cxnSp>
+        <p:nvCxnSpPr>
+          <p:cNvPr id="36" name="직선 화살표 연결선 35">
+            <a:extLst>
+              <a:ext uri="{FF2B5EF4-FFF2-40B4-BE49-F238E27FC236}">
+                <a16:creationId xmlns:a16="http://schemas.microsoft.com/office/drawing/2014/main" id="{A24B0BA4-11C8-476F-83A4-04A43C8B7CDE}"/>
+              </a:ext>
+            </a:extLst>
+          </p:cNvPr>
+          <p:cNvCxnSpPr>
+            <a:cxnSpLocks/>
+            <a:stCxn id="17" idx="1"/>
+            <a:endCxn id="20" idx="2"/>
+          </p:cNvCxnSpPr>
+          <p:nvPr/>
+        </p:nvCxnSpPr>
+        <p:spPr>
+          <a:xfrm flipH="1" flipV="1">
+            <a:off x="4572000" y="1707654"/>
+            <a:ext cx="2304256" cy="288032"/>
+          </a:xfrm>
+          <a:prstGeom prst="straightConnector1">
+            <a:avLst/>
+          </a:prstGeom>
+          <a:ln w="19050">
+            <a:solidFill>
+              <a:schemeClr val="tx1"/>
+            </a:solidFill>
+            <a:headEnd type="none" w="med" len="med"/>
+            <a:tailEnd type="none" w="med" len="med"/>
+          </a:ln>
+        </p:spPr>
+        <p:style>
+          <a:lnRef idx="1">
+            <a:schemeClr val="accent1"/>
+          </a:lnRef>
+          <a:fillRef idx="0">
+            <a:schemeClr val="accent1"/>
+          </a:fillRef>
+          <a:effectRef idx="0">
+            <a:schemeClr val="accent1"/>
+          </a:effectRef>
+          <a:fontRef idx="minor">
+            <a:schemeClr val="tx1"/>
+          </a:fontRef>
+        </p:style>
+      </p:cxnSp>
+      <p:cxnSp>
+        <p:nvCxnSpPr>
+          <p:cNvPr id="39" name="직선 화살표 연결선 38">
+            <a:extLst>
+              <a:ext uri="{FF2B5EF4-FFF2-40B4-BE49-F238E27FC236}">
+                <a16:creationId xmlns:a16="http://schemas.microsoft.com/office/drawing/2014/main" id="{93F229D5-C061-43B6-889C-FED5FD40C296}"/>
+              </a:ext>
+            </a:extLst>
+          </p:cNvPr>
+          <p:cNvCxnSpPr>
+            <a:cxnSpLocks/>
+            <a:stCxn id="18" idx="1"/>
+            <a:endCxn id="20" idx="2"/>
+          </p:cNvCxnSpPr>
+          <p:nvPr/>
+        </p:nvCxnSpPr>
+        <p:spPr>
+          <a:xfrm flipH="1" flipV="1">
+            <a:off x="4572000" y="1707654"/>
+            <a:ext cx="3816424" cy="288032"/>
+          </a:xfrm>
+          <a:prstGeom prst="straightConnector1">
+            <a:avLst/>
+          </a:prstGeom>
+          <a:ln w="19050">
+            <a:solidFill>
+              <a:schemeClr val="tx1"/>
+            </a:solidFill>
+            <a:headEnd type="none" w="med" len="med"/>
+            <a:tailEnd type="none" w="med" len="med"/>
+          </a:ln>
+        </p:spPr>
+        <p:style>
+          <a:lnRef idx="1">
+            <a:schemeClr val="accent1"/>
+          </a:lnRef>
+          <a:fillRef idx="0">
+            <a:schemeClr val="accent1"/>
+          </a:fillRef>
+          <a:effectRef idx="0">
+            <a:schemeClr val="accent1"/>
+          </a:effectRef>
+          <a:fontRef idx="minor">
+            <a:schemeClr val="tx1"/>
+          </a:fontRef>
+        </p:style>
+      </p:cxnSp>
+      <p:sp>
+        <p:nvSpPr>
+          <p:cNvPr id="43" name="사각형: 둥근 모서리 42">
+            <a:extLst>
+              <a:ext uri="{FF2B5EF4-FFF2-40B4-BE49-F238E27FC236}">
+                <a16:creationId xmlns:a16="http://schemas.microsoft.com/office/drawing/2014/main" id="{AADEFD3D-6073-4D79-AF96-B7908C783897}"/>
+              </a:ext>
+            </a:extLst>
+          </p:cNvPr>
+          <p:cNvSpPr/>
+          <p:nvPr/>
+        </p:nvSpPr>
+        <p:spPr>
+          <a:xfrm>
+            <a:off x="3275856" y="2754050"/>
+            <a:ext cx="1008112" cy="288032"/>
+          </a:xfrm>
+          <a:prstGeom prst="roundRect">
+            <a:avLst>
+              <a:gd name="adj" fmla="val 6778"/>
+            </a:avLst>
+          </a:prstGeom>
+        </p:spPr>
+        <p:style>
+          <a:lnRef idx="2">
+            <a:schemeClr val="dk1"/>
+          </a:lnRef>
+          <a:fillRef idx="1">
+            <a:schemeClr val="lt1"/>
+          </a:fillRef>
+          <a:effectRef idx="0">
+            <a:schemeClr val="dk1"/>
+          </a:effectRef>
+          <a:fontRef idx="minor">
+            <a:schemeClr val="dk1"/>
+          </a:fontRef>
+        </p:style>
+        <p:txBody>
+          <a:bodyPr rtlCol="0" anchor="ctr"/>
+          <a:lstStyle/>
+          <a:p>
+            <a:pPr algn="ctr"/>
+            <a:r>
+              <a:rPr lang="en-US" altLang="ko-KR" sz="1100"/>
+              <a:t>Endpoint</a:t>
+            </a:r>
+            <a:endParaRPr lang="ko-KR" altLang="en-US" sz="1100"/>
+          </a:p>
+        </p:txBody>
+      </p:sp>
+      <p:sp>
+        <p:nvSpPr>
+          <p:cNvPr id="46" name="사각형: 둥근 모서리 45">
+            <a:extLst>
+              <a:ext uri="{FF2B5EF4-FFF2-40B4-BE49-F238E27FC236}">
+                <a16:creationId xmlns:a16="http://schemas.microsoft.com/office/drawing/2014/main" id="{6CA3D28B-2EFC-4F46-95BF-328C9ED4C7BA}"/>
+              </a:ext>
+            </a:extLst>
+          </p:cNvPr>
+          <p:cNvSpPr/>
+          <p:nvPr/>
+        </p:nvSpPr>
+        <p:spPr>
+          <a:xfrm>
+            <a:off x="4860032" y="2610034"/>
+            <a:ext cx="1008112" cy="288032"/>
+          </a:xfrm>
+          <a:prstGeom prst="roundRect">
+            <a:avLst>
+              <a:gd name="adj" fmla="val 6778"/>
+            </a:avLst>
+          </a:prstGeom>
+        </p:spPr>
+        <p:style>
+          <a:lnRef idx="2">
+            <a:schemeClr val="dk1"/>
+          </a:lnRef>
+          <a:fillRef idx="1">
+            <a:schemeClr val="lt1"/>
+          </a:fillRef>
+          <a:effectRef idx="0">
+            <a:schemeClr val="dk1"/>
+          </a:effectRef>
+          <a:fontRef idx="minor">
+            <a:schemeClr val="dk1"/>
+          </a:fontRef>
+        </p:style>
+        <p:txBody>
+          <a:bodyPr rtlCol="0" anchor="ctr"/>
+          <a:lstStyle/>
+          <a:p>
+            <a:pPr algn="ctr"/>
+            <a:r>
+              <a:rPr lang="en-US" altLang="ko-KR" sz="1100"/>
+              <a:t>User</a:t>
+            </a:r>
+            <a:endParaRPr lang="ko-KR" altLang="en-US" sz="1100"/>
+          </a:p>
+        </p:txBody>
+      </p:sp>
+      <p:sp>
+        <p:nvSpPr>
+          <p:cNvPr id="48" name="사각형: 둥근 모서리 47">
+            <a:extLst>
+              <a:ext uri="{FF2B5EF4-FFF2-40B4-BE49-F238E27FC236}">
+                <a16:creationId xmlns:a16="http://schemas.microsoft.com/office/drawing/2014/main" id="{EE4D1CA6-C4EA-4566-A411-CC282E256A99}"/>
+              </a:ext>
+            </a:extLst>
+          </p:cNvPr>
+          <p:cNvSpPr/>
+          <p:nvPr/>
+        </p:nvSpPr>
+        <p:spPr>
+          <a:xfrm>
+            <a:off x="4860032" y="2895786"/>
+            <a:ext cx="1008112" cy="288032"/>
+          </a:xfrm>
+          <a:prstGeom prst="roundRect">
+            <a:avLst>
+              <a:gd name="adj" fmla="val 6778"/>
+            </a:avLst>
+          </a:prstGeom>
+        </p:spPr>
+        <p:style>
+          <a:lnRef idx="2">
+            <a:schemeClr val="dk1"/>
+          </a:lnRef>
+          <a:fillRef idx="1">
+            <a:schemeClr val="lt1"/>
+          </a:fillRef>
+          <a:effectRef idx="0">
+            <a:schemeClr val="dk1"/>
+          </a:effectRef>
+          <a:fontRef idx="minor">
+            <a:schemeClr val="dk1"/>
+          </a:fontRef>
+        </p:style>
+        <p:txBody>
+          <a:bodyPr rtlCol="0" anchor="ctr"/>
+          <a:lstStyle/>
+          <a:p>
+            <a:pPr algn="ctr"/>
+            <a:r>
+              <a:rPr lang="en-US" altLang="ko-KR" sz="1100"/>
+              <a:t>Group</a:t>
+            </a:r>
+            <a:endParaRPr lang="ko-KR" altLang="en-US" sz="1100"/>
+          </a:p>
+        </p:txBody>
+      </p:sp>
+      <p:sp>
+        <p:nvSpPr>
+          <p:cNvPr id="51" name="사각형: 둥근 모서리 50">
+            <a:extLst>
+              <a:ext uri="{FF2B5EF4-FFF2-40B4-BE49-F238E27FC236}">
+                <a16:creationId xmlns:a16="http://schemas.microsoft.com/office/drawing/2014/main" id="{0FEDA6F4-E87A-483A-9944-2E316F5B46C6}"/>
+              </a:ext>
+            </a:extLst>
+          </p:cNvPr>
+          <p:cNvSpPr/>
+          <p:nvPr/>
+        </p:nvSpPr>
+        <p:spPr>
+          <a:xfrm>
+            <a:off x="7884368" y="2754050"/>
+            <a:ext cx="1008112" cy="288032"/>
+          </a:xfrm>
+          <a:prstGeom prst="roundRect">
+            <a:avLst>
+              <a:gd name="adj" fmla="val 6778"/>
+            </a:avLst>
+          </a:prstGeom>
+        </p:spPr>
+        <p:style>
+          <a:lnRef idx="2">
+            <a:schemeClr val="dk1"/>
+          </a:lnRef>
+          <a:fillRef idx="1">
+            <a:schemeClr val="lt1"/>
+          </a:fillRef>
+          <a:effectRef idx="0">
+            <a:schemeClr val="dk1"/>
+          </a:effectRef>
+          <a:fontRef idx="minor">
+            <a:schemeClr val="dk1"/>
+          </a:fontRef>
+        </p:style>
+        <p:txBody>
+          <a:bodyPr rtlCol="0" anchor="ctr"/>
+          <a:lstStyle/>
+          <a:p>
+            <a:pPr algn="ctr"/>
+            <a:r>
+              <a:rPr lang="en-US" altLang="ko-KR" sz="1100"/>
+              <a:t>Credentials</a:t>
+            </a:r>
+            <a:endParaRPr lang="ko-KR" altLang="en-US" sz="1100"/>
+          </a:p>
+        </p:txBody>
+      </p:sp>
+      <p:sp>
+        <p:nvSpPr>
+          <p:cNvPr id="55" name="사각형: 둥근 모서리 54">
+            <a:extLst>
+              <a:ext uri="{FF2B5EF4-FFF2-40B4-BE49-F238E27FC236}">
+                <a16:creationId xmlns:a16="http://schemas.microsoft.com/office/drawing/2014/main" id="{8C033DB3-3D8C-4925-8799-4DE51D7F0306}"/>
+              </a:ext>
+            </a:extLst>
+          </p:cNvPr>
+          <p:cNvSpPr/>
+          <p:nvPr/>
+        </p:nvSpPr>
+        <p:spPr>
+          <a:xfrm>
+            <a:off x="251520" y="2734908"/>
+            <a:ext cx="1008112" cy="288032"/>
+          </a:xfrm>
+          <a:prstGeom prst="roundRect">
+            <a:avLst>
+              <a:gd name="adj" fmla="val 6778"/>
+            </a:avLst>
+          </a:prstGeom>
+        </p:spPr>
+        <p:style>
+          <a:lnRef idx="2">
+            <a:schemeClr val="dk1"/>
+          </a:lnRef>
+          <a:fillRef idx="1">
+            <a:schemeClr val="lt1"/>
+          </a:fillRef>
+          <a:effectRef idx="0">
+            <a:schemeClr val="dk1"/>
+          </a:effectRef>
+          <a:fontRef idx="minor">
+            <a:schemeClr val="dk1"/>
+          </a:fontRef>
+        </p:style>
+        <p:txBody>
+          <a:bodyPr rtlCol="0" anchor="ctr"/>
+          <a:lstStyle/>
+          <a:p>
+            <a:pPr algn="ctr"/>
+            <a:r>
+              <a:rPr lang="en-US" altLang="ko-KR" sz="1100"/>
+              <a:t>Policy</a:t>
+            </a:r>
+            <a:endParaRPr lang="ko-KR" altLang="en-US" sz="1100"/>
+          </a:p>
+        </p:txBody>
+      </p:sp>
+      <p:sp>
+        <p:nvSpPr>
+          <p:cNvPr id="57" name="사각형: 둥근 모서리 56">
+            <a:extLst>
+              <a:ext uri="{FF2B5EF4-FFF2-40B4-BE49-F238E27FC236}">
+                <a16:creationId xmlns:a16="http://schemas.microsoft.com/office/drawing/2014/main" id="{E962E300-E18F-4CEF-9B27-12384D1C766F}"/>
+              </a:ext>
+            </a:extLst>
+          </p:cNvPr>
+          <p:cNvSpPr/>
+          <p:nvPr/>
+        </p:nvSpPr>
+        <p:spPr>
+          <a:xfrm>
+            <a:off x="6372200" y="2612314"/>
+            <a:ext cx="1008112" cy="288032"/>
+          </a:xfrm>
+          <a:prstGeom prst="roundRect">
+            <a:avLst>
+              <a:gd name="adj" fmla="val 6778"/>
+            </a:avLst>
+          </a:prstGeom>
+        </p:spPr>
+        <p:style>
+          <a:lnRef idx="2">
+            <a:schemeClr val="dk1"/>
+          </a:lnRef>
+          <a:fillRef idx="1">
+            <a:schemeClr val="lt1"/>
+          </a:fillRef>
+          <a:effectRef idx="0">
+            <a:schemeClr val="dk1"/>
+          </a:effectRef>
+          <a:fontRef idx="minor">
+            <a:schemeClr val="dk1"/>
+          </a:fontRef>
+        </p:style>
+        <p:txBody>
+          <a:bodyPr rtlCol="0" anchor="ctr"/>
+          <a:lstStyle/>
+          <a:p>
+            <a:pPr algn="ctr"/>
+            <a:r>
+              <a:rPr lang="en-US" altLang="ko-KR" sz="1100"/>
+              <a:t>Project</a:t>
+            </a:r>
+            <a:endParaRPr lang="ko-KR" altLang="en-US" sz="1100"/>
+          </a:p>
+        </p:txBody>
+      </p:sp>
+      <p:sp>
+        <p:nvSpPr>
+          <p:cNvPr id="58" name="사각형: 둥근 모서리 57">
+            <a:extLst>
+              <a:ext uri="{FF2B5EF4-FFF2-40B4-BE49-F238E27FC236}">
+                <a16:creationId xmlns:a16="http://schemas.microsoft.com/office/drawing/2014/main" id="{CC0303EC-4612-4833-AAF9-FF7B5FF3A7AD}"/>
+              </a:ext>
+            </a:extLst>
+          </p:cNvPr>
+          <p:cNvSpPr/>
+          <p:nvPr/>
+        </p:nvSpPr>
+        <p:spPr>
+          <a:xfrm>
+            <a:off x="6372200" y="2898066"/>
+            <a:ext cx="1008112" cy="288032"/>
+          </a:xfrm>
+          <a:prstGeom prst="roundRect">
+            <a:avLst>
+              <a:gd name="adj" fmla="val 6778"/>
+            </a:avLst>
+          </a:prstGeom>
+        </p:spPr>
+        <p:style>
+          <a:lnRef idx="2">
+            <a:schemeClr val="dk1"/>
+          </a:lnRef>
+          <a:fillRef idx="1">
+            <a:schemeClr val="lt1"/>
+          </a:fillRef>
+          <a:effectRef idx="0">
+            <a:schemeClr val="dk1"/>
+          </a:effectRef>
+          <a:fontRef idx="minor">
+            <a:schemeClr val="dk1"/>
+          </a:fontRef>
+        </p:style>
+        <p:txBody>
+          <a:bodyPr rtlCol="0" anchor="ctr"/>
+          <a:lstStyle/>
+          <a:p>
+            <a:pPr algn="ctr"/>
+            <a:r>
+              <a:rPr lang="en-US" altLang="ko-KR" sz="1100"/>
+              <a:t>Role</a:t>
+            </a:r>
+            <a:endParaRPr lang="ko-KR" altLang="en-US" sz="1100"/>
+          </a:p>
+        </p:txBody>
+      </p:sp>
+      <p:sp>
+        <p:nvSpPr>
+          <p:cNvPr id="59" name="사각형: 둥근 모서리 58">
+            <a:extLst>
+              <a:ext uri="{FF2B5EF4-FFF2-40B4-BE49-F238E27FC236}">
+                <a16:creationId xmlns:a16="http://schemas.microsoft.com/office/drawing/2014/main" id="{3F9C8B41-C685-4C05-95D5-913B27091645}"/>
+              </a:ext>
+            </a:extLst>
+          </p:cNvPr>
+          <p:cNvSpPr/>
+          <p:nvPr/>
+        </p:nvSpPr>
+        <p:spPr>
+          <a:xfrm>
+            <a:off x="6372200" y="3183818"/>
+            <a:ext cx="1008112" cy="288032"/>
+          </a:xfrm>
+          <a:prstGeom prst="roundRect">
+            <a:avLst>
+              <a:gd name="adj" fmla="val 6778"/>
+            </a:avLst>
+          </a:prstGeom>
+        </p:spPr>
+        <p:style>
+          <a:lnRef idx="2">
+            <a:schemeClr val="dk1"/>
+          </a:lnRef>
+          <a:fillRef idx="1">
+            <a:schemeClr val="lt1"/>
+          </a:fillRef>
+          <a:effectRef idx="0">
+            <a:schemeClr val="dk1"/>
+          </a:effectRef>
+          <a:fontRef idx="minor">
+            <a:schemeClr val="dk1"/>
+          </a:fontRef>
+        </p:style>
+        <p:txBody>
+          <a:bodyPr rtlCol="0" anchor="ctr"/>
+          <a:lstStyle/>
+          <a:p>
+            <a:pPr algn="ctr"/>
+            <a:r>
+              <a:rPr lang="en-US" altLang="ko-KR" sz="1100"/>
+              <a:t>Role Asign</a:t>
+            </a:r>
+            <a:endParaRPr lang="ko-KR" altLang="en-US" sz="1100"/>
+          </a:p>
+        </p:txBody>
+      </p:sp>
+      <p:sp>
+        <p:nvSpPr>
+          <p:cNvPr id="60" name="사각형: 둥근 모서리 59">
+            <a:extLst>
+              <a:ext uri="{FF2B5EF4-FFF2-40B4-BE49-F238E27FC236}">
+                <a16:creationId xmlns:a16="http://schemas.microsoft.com/office/drawing/2014/main" id="{48F1AA64-1653-4D04-9425-605407E2A04C}"/>
+              </a:ext>
+            </a:extLst>
+          </p:cNvPr>
+          <p:cNvSpPr/>
+          <p:nvPr/>
+        </p:nvSpPr>
+        <p:spPr>
+          <a:xfrm>
+            <a:off x="6372200" y="2326562"/>
+            <a:ext cx="1008112" cy="288032"/>
+          </a:xfrm>
+          <a:prstGeom prst="roundRect">
+            <a:avLst>
+              <a:gd name="adj" fmla="val 6778"/>
+            </a:avLst>
+          </a:prstGeom>
+        </p:spPr>
+        <p:style>
+          <a:lnRef idx="2">
+            <a:schemeClr val="dk1"/>
+          </a:lnRef>
+          <a:fillRef idx="1">
+            <a:schemeClr val="lt1"/>
+          </a:fillRef>
+          <a:effectRef idx="0">
+            <a:schemeClr val="dk1"/>
+          </a:effectRef>
+          <a:fontRef idx="minor">
+            <a:schemeClr val="dk1"/>
+          </a:fontRef>
+        </p:style>
+        <p:txBody>
+          <a:bodyPr rtlCol="0" anchor="ctr"/>
+          <a:lstStyle/>
+          <a:p>
+            <a:pPr algn="ctr"/>
+            <a:r>
+              <a:rPr lang="en-US" altLang="ko-KR" sz="1100"/>
+              <a:t>Domain</a:t>
+            </a:r>
+            <a:endParaRPr lang="ko-KR" altLang="en-US" sz="1100"/>
+          </a:p>
+        </p:txBody>
+      </p:sp>
+    </p:spTree>
+    <p:extLst>
+      <p:ext uri="{BB962C8B-B14F-4D97-AF65-F5344CB8AC3E}">
+        <p14:creationId xmlns:p14="http://schemas.microsoft.com/office/powerpoint/2010/main" val="759267802"/>
+      </p:ext>
+    </p:extLst>
+  </p:cSld>
+  <p:clrMapOvr>
+    <a:masterClrMapping/>
+  </p:clrMapOvr>
+</p:sld>
+</file>
+
+<file path=ppt/slides/slide6.xml><?xml version="1.0" encoding="utf-8"?>
+<p:sld xmlns:a="http://schemas.openxmlformats.org/drawingml/2006/main" xmlns:r="http://schemas.openxmlformats.org/officeDocument/2006/relationships" xmlns:p="http://schemas.openxmlformats.org/presentationml/2006/main">
+  <p:cSld>
+    <p:spTree>
+      <p:nvGrpSpPr>
+        <p:cNvPr id="1" name=""/>
+        <p:cNvGrpSpPr/>
+        <p:nvPr/>
+      </p:nvGrpSpPr>
+      <p:grpSpPr>
+        <a:xfrm>
+          <a:off x="0" y="0"/>
+          <a:ext cx="0" cy="0"/>
+          <a:chOff x="0" y="0"/>
+          <a:chExt cx="0" cy="0"/>
+        </a:xfrm>
+      </p:grpSpPr>
+      <p:sp>
+        <p:nvSpPr>
+          <p:cNvPr id="2" name="제목 1"/>
+          <p:cNvSpPr>
+            <a:spLocks noGrp="1"/>
+          </p:cNvSpPr>
+          <p:nvPr>
+            <p:ph type="title"/>
+          </p:nvPr>
+        </p:nvSpPr>
+        <p:spPr>
+          <a:xfrm>
+            <a:off x="457200" y="-164554"/>
+            <a:ext cx="8229600" cy="720080"/>
+          </a:xfrm>
+        </p:spPr>
+        <p:txBody>
+          <a:bodyPr>
+            <a:normAutofit fontScale="90000"/>
+          </a:bodyPr>
+          <a:lstStyle/>
+          <a:p>
+            <a:r>
+              <a:rPr lang="en-US" altLang="ko-KR"/>
+              <a:t>Authentication, Authorization Flow</a:t>
+            </a:r>
+            <a:endParaRPr lang="ko-KR" altLang="en-US" sz="3600" dirty="0"/>
+          </a:p>
+        </p:txBody>
+      </p:sp>
+      <p:sp>
+        <p:nvSpPr>
+          <p:cNvPr id="12" name="모서리가 둥근 직사각형 28">
+            <a:extLst>
+              <a:ext uri="{FF2B5EF4-FFF2-40B4-BE49-F238E27FC236}">
+                <a16:creationId xmlns:a16="http://schemas.microsoft.com/office/drawing/2014/main" id="{20C0D7A7-46A1-4D3C-95FC-2113A0B498F3}"/>
+              </a:ext>
+            </a:extLst>
+          </p:cNvPr>
+          <p:cNvSpPr/>
+          <p:nvPr/>
+        </p:nvSpPr>
+        <p:spPr>
+          <a:xfrm>
+            <a:off x="971600" y="699542"/>
+            <a:ext cx="936104" cy="288032"/>
+          </a:xfrm>
+          <a:prstGeom prst="roundRect">
+            <a:avLst/>
+          </a:prstGeom>
+        </p:spPr>
+        <p:style>
+          <a:lnRef idx="2">
+            <a:schemeClr val="dk1"/>
+          </a:lnRef>
+          <a:fillRef idx="1">
+            <a:schemeClr val="lt1"/>
+          </a:fillRef>
+          <a:effectRef idx="0">
+            <a:schemeClr val="dk1"/>
+          </a:effectRef>
+          <a:fontRef idx="minor">
+            <a:schemeClr val="dk1"/>
+          </a:fontRef>
+        </p:style>
+        <p:txBody>
+          <a:bodyPr rtlCol="0" anchor="ctr"/>
+          <a:lstStyle/>
+          <a:p>
+            <a:pPr algn="ctr"/>
+            <a:r>
+              <a:rPr lang="en-US" altLang="ko-KR" sz="1200"/>
+              <a:t>Client</a:t>
+            </a:r>
+            <a:endParaRPr lang="ko-KR" altLang="en-US" sz="1600" dirty="0"/>
+          </a:p>
+        </p:txBody>
+      </p:sp>
+      <p:sp>
+        <p:nvSpPr>
+          <p:cNvPr id="13" name="모서리가 둥근 직사각형 29">
+            <a:extLst>
+              <a:ext uri="{FF2B5EF4-FFF2-40B4-BE49-F238E27FC236}">
+                <a16:creationId xmlns:a16="http://schemas.microsoft.com/office/drawing/2014/main" id="{0D8494D6-521D-48B1-A9DF-9551582E1C7C}"/>
+              </a:ext>
+            </a:extLst>
+          </p:cNvPr>
+          <p:cNvSpPr/>
+          <p:nvPr/>
+        </p:nvSpPr>
+        <p:spPr>
+          <a:xfrm>
+            <a:off x="3056448" y="699542"/>
+            <a:ext cx="936104" cy="288032"/>
+          </a:xfrm>
+          <a:prstGeom prst="roundRect">
+            <a:avLst/>
+          </a:prstGeom>
+        </p:spPr>
+        <p:style>
+          <a:lnRef idx="2">
+            <a:schemeClr val="dk1"/>
+          </a:lnRef>
+          <a:fillRef idx="1">
+            <a:schemeClr val="lt1"/>
+          </a:fillRef>
+          <a:effectRef idx="0">
+            <a:schemeClr val="dk1"/>
+          </a:effectRef>
+          <a:fontRef idx="minor">
+            <a:schemeClr val="dk1"/>
+          </a:fontRef>
+        </p:style>
+        <p:txBody>
+          <a:bodyPr rtlCol="0" anchor="ctr"/>
+          <a:lstStyle/>
+          <a:p>
+            <a:pPr algn="ctr"/>
+            <a:r>
+              <a:rPr lang="en-US" altLang="ko-KR" sz="1200"/>
+              <a:t>Keystone</a:t>
+            </a:r>
+            <a:endParaRPr lang="ko-KR" altLang="en-US" sz="1600" dirty="0"/>
+          </a:p>
+        </p:txBody>
+      </p:sp>
+      <p:sp>
+        <p:nvSpPr>
+          <p:cNvPr id="14" name="모서리가 둥근 직사각형 30">
+            <a:extLst>
+              <a:ext uri="{FF2B5EF4-FFF2-40B4-BE49-F238E27FC236}">
+                <a16:creationId xmlns:a16="http://schemas.microsoft.com/office/drawing/2014/main" id="{B884F36B-2B02-40D8-BF62-418525D08EB4}"/>
+              </a:ext>
+            </a:extLst>
+          </p:cNvPr>
+          <p:cNvSpPr/>
+          <p:nvPr/>
+        </p:nvSpPr>
+        <p:spPr>
+          <a:xfrm>
+            <a:off x="7226144" y="699542"/>
+            <a:ext cx="936104" cy="288032"/>
+          </a:xfrm>
+          <a:prstGeom prst="roundRect">
+            <a:avLst/>
+          </a:prstGeom>
+        </p:spPr>
+        <p:style>
+          <a:lnRef idx="2">
+            <a:schemeClr val="dk1"/>
+          </a:lnRef>
+          <a:fillRef idx="1">
+            <a:schemeClr val="lt1"/>
+          </a:fillRef>
+          <a:effectRef idx="0">
+            <a:schemeClr val="dk1"/>
+          </a:effectRef>
+          <a:fontRef idx="minor">
+            <a:schemeClr val="dk1"/>
+          </a:fontRef>
+        </p:style>
+        <p:txBody>
+          <a:bodyPr rtlCol="0" anchor="ctr"/>
+          <a:lstStyle/>
+          <a:p>
+            <a:pPr algn="ctr"/>
+            <a:r>
+              <a:rPr lang="en-US" altLang="ko-KR" sz="1200"/>
+              <a:t>Service B</a:t>
+            </a:r>
+            <a:endParaRPr lang="ko-KR" altLang="en-US" sz="1600" dirty="0"/>
+          </a:p>
+        </p:txBody>
+      </p:sp>
+      <p:cxnSp>
+        <p:nvCxnSpPr>
+          <p:cNvPr id="15" name="직선 연결선 14">
+            <a:extLst>
+              <a:ext uri="{FF2B5EF4-FFF2-40B4-BE49-F238E27FC236}">
+                <a16:creationId xmlns:a16="http://schemas.microsoft.com/office/drawing/2014/main" id="{E39B5042-AC26-4D06-A845-29F8613073E8}"/>
+              </a:ext>
+            </a:extLst>
+          </p:cNvPr>
+          <p:cNvCxnSpPr>
+            <a:cxnSpLocks/>
+            <a:stCxn id="12" idx="2"/>
+          </p:cNvCxnSpPr>
+          <p:nvPr/>
+        </p:nvCxnSpPr>
+        <p:spPr>
+          <a:xfrm>
+            <a:off x="1439652" y="987574"/>
+            <a:ext cx="0" cy="3384376"/>
+          </a:xfrm>
+          <a:prstGeom prst="line">
+            <a:avLst/>
+          </a:prstGeom>
+          <a:ln w="28575">
+            <a:prstDash val="solid"/>
+          </a:ln>
+        </p:spPr>
+        <p:style>
+          <a:lnRef idx="1">
+            <a:schemeClr val="dk1"/>
+          </a:lnRef>
+          <a:fillRef idx="0">
+            <a:schemeClr val="dk1"/>
+          </a:fillRef>
+          <a:effectRef idx="0">
+            <a:schemeClr val="dk1"/>
+          </a:effectRef>
+          <a:fontRef idx="minor">
+            <a:schemeClr val="tx1"/>
+          </a:fontRef>
+        </p:style>
+      </p:cxnSp>
+      <p:cxnSp>
+        <p:nvCxnSpPr>
+          <p:cNvPr id="16" name="직선 연결선 15">
+            <a:extLst>
+              <a:ext uri="{FF2B5EF4-FFF2-40B4-BE49-F238E27FC236}">
+                <a16:creationId xmlns:a16="http://schemas.microsoft.com/office/drawing/2014/main" id="{91624CAE-DA51-4A85-9E9B-DF2FBE12B4CB}"/>
+              </a:ext>
+            </a:extLst>
+          </p:cNvPr>
+          <p:cNvCxnSpPr>
+            <a:cxnSpLocks/>
+          </p:cNvCxnSpPr>
+          <p:nvPr/>
+        </p:nvCxnSpPr>
+        <p:spPr>
+          <a:xfrm>
+            <a:off x="3516509" y="987574"/>
+            <a:ext cx="0" cy="3384376"/>
+          </a:xfrm>
+          <a:prstGeom prst="line">
+            <a:avLst/>
+          </a:prstGeom>
+          <a:ln w="28575">
+            <a:prstDash val="solid"/>
+          </a:ln>
+        </p:spPr>
+        <p:style>
+          <a:lnRef idx="1">
+            <a:schemeClr val="dk1"/>
+          </a:lnRef>
+          <a:fillRef idx="0">
+            <a:schemeClr val="dk1"/>
+          </a:fillRef>
+          <a:effectRef idx="0">
+            <a:schemeClr val="dk1"/>
+          </a:effectRef>
+          <a:fontRef idx="minor">
+            <a:schemeClr val="tx1"/>
+          </a:fontRef>
+        </p:style>
+      </p:cxnSp>
+      <p:cxnSp>
+        <p:nvCxnSpPr>
+          <p:cNvPr id="17" name="직선 연결선 16">
+            <a:extLst>
+              <a:ext uri="{FF2B5EF4-FFF2-40B4-BE49-F238E27FC236}">
+                <a16:creationId xmlns:a16="http://schemas.microsoft.com/office/drawing/2014/main" id="{B07BD8B8-1463-42EC-9966-ECACCEB6CC21}"/>
+              </a:ext>
+            </a:extLst>
+          </p:cNvPr>
+          <p:cNvCxnSpPr>
+            <a:cxnSpLocks/>
+          </p:cNvCxnSpPr>
+          <p:nvPr/>
+        </p:nvCxnSpPr>
+        <p:spPr>
+          <a:xfrm>
+            <a:off x="7694196" y="987574"/>
+            <a:ext cx="0" cy="3384376"/>
+          </a:xfrm>
+          <a:prstGeom prst="line">
+            <a:avLst/>
+          </a:prstGeom>
+          <a:ln w="28575">
+            <a:prstDash val="solid"/>
+          </a:ln>
+        </p:spPr>
+        <p:style>
+          <a:lnRef idx="1">
+            <a:schemeClr val="dk1"/>
+          </a:lnRef>
+          <a:fillRef idx="0">
+            <a:schemeClr val="dk1"/>
+          </a:fillRef>
+          <a:effectRef idx="0">
+            <a:schemeClr val="dk1"/>
+          </a:effectRef>
+          <a:fontRef idx="minor">
+            <a:schemeClr val="tx1"/>
+          </a:fontRef>
+        </p:style>
+      </p:cxnSp>
+      <p:sp>
+        <p:nvSpPr>
+          <p:cNvPr id="36" name="모서리가 둥근 직사각형 29">
+            <a:extLst>
+              <a:ext uri="{FF2B5EF4-FFF2-40B4-BE49-F238E27FC236}">
+                <a16:creationId xmlns:a16="http://schemas.microsoft.com/office/drawing/2014/main" id="{9F0785C1-C52C-4A0B-8EBA-A1B4E5FB8C1C}"/>
+              </a:ext>
+            </a:extLst>
+          </p:cNvPr>
+          <p:cNvSpPr/>
+          <p:nvPr/>
+        </p:nvSpPr>
+        <p:spPr>
+          <a:xfrm>
+            <a:off x="5141296" y="699542"/>
+            <a:ext cx="936104" cy="288032"/>
+          </a:xfrm>
+          <a:prstGeom prst="roundRect">
+            <a:avLst/>
+          </a:prstGeom>
+        </p:spPr>
+        <p:style>
+          <a:lnRef idx="2">
+            <a:schemeClr val="dk1"/>
+          </a:lnRef>
+          <a:fillRef idx="1">
+            <a:schemeClr val="lt1"/>
+          </a:fillRef>
+          <a:effectRef idx="0">
+            <a:schemeClr val="dk1"/>
+          </a:effectRef>
+          <a:fontRef idx="minor">
+            <a:schemeClr val="dk1"/>
+          </a:fontRef>
+        </p:style>
+        <p:txBody>
+          <a:bodyPr rtlCol="0" anchor="ctr"/>
+          <a:lstStyle/>
+          <a:p>
+            <a:pPr algn="ctr"/>
+            <a:r>
+              <a:rPr lang="en-US" altLang="ko-KR" sz="1200"/>
+              <a:t>Service A</a:t>
+            </a:r>
+            <a:endParaRPr lang="ko-KR" altLang="en-US" sz="1600" dirty="0"/>
+          </a:p>
+        </p:txBody>
+      </p:sp>
+      <p:cxnSp>
+        <p:nvCxnSpPr>
+          <p:cNvPr id="37" name="직선 연결선 36">
+            <a:extLst>
+              <a:ext uri="{FF2B5EF4-FFF2-40B4-BE49-F238E27FC236}">
+                <a16:creationId xmlns:a16="http://schemas.microsoft.com/office/drawing/2014/main" id="{A9EA98FA-936A-4A2E-A0DE-47B1DED10DA7}"/>
+              </a:ext>
+            </a:extLst>
+          </p:cNvPr>
+          <p:cNvCxnSpPr>
+            <a:cxnSpLocks/>
+          </p:cNvCxnSpPr>
+          <p:nvPr/>
+        </p:nvCxnSpPr>
+        <p:spPr>
+          <a:xfrm>
+            <a:off x="5601357" y="987574"/>
+            <a:ext cx="0" cy="3384376"/>
+          </a:xfrm>
+          <a:prstGeom prst="line">
+            <a:avLst/>
+          </a:prstGeom>
+          <a:ln w="28575">
+            <a:prstDash val="solid"/>
+          </a:ln>
+        </p:spPr>
+        <p:style>
+          <a:lnRef idx="1">
+            <a:schemeClr val="dk1"/>
+          </a:lnRef>
+          <a:fillRef idx="0">
+            <a:schemeClr val="dk1"/>
+          </a:fillRef>
+          <a:effectRef idx="0">
+            <a:schemeClr val="dk1"/>
+          </a:effectRef>
+          <a:fontRef idx="minor">
+            <a:schemeClr val="tx1"/>
+          </a:fontRef>
+        </p:style>
+      </p:cxnSp>
+      <p:sp>
+        <p:nvSpPr>
+          <p:cNvPr id="46" name="모서리가 둥근 직사각형 36">
+            <a:extLst>
+              <a:ext uri="{FF2B5EF4-FFF2-40B4-BE49-F238E27FC236}">
+                <a16:creationId xmlns:a16="http://schemas.microsoft.com/office/drawing/2014/main" id="{CA64D330-640F-404C-A57E-87B27EFE8030}"/>
+              </a:ext>
+            </a:extLst>
+          </p:cNvPr>
+          <p:cNvSpPr/>
+          <p:nvPr/>
+        </p:nvSpPr>
+        <p:spPr>
+          <a:xfrm>
+            <a:off x="1449803" y="1059582"/>
+            <a:ext cx="2066705" cy="252028"/>
+          </a:xfrm>
+          <a:prstGeom prst="roundRect">
+            <a:avLst/>
+          </a:prstGeom>
+          <a:noFill/>
+          <a:ln>
+            <a:noFill/>
+          </a:ln>
+        </p:spPr>
+        <p:style>
+          <a:lnRef idx="2">
+            <a:schemeClr val="dk1"/>
+          </a:lnRef>
+          <a:fillRef idx="1">
+            <a:schemeClr val="lt1"/>
+          </a:fillRef>
+          <a:effectRef idx="0">
+            <a:schemeClr val="dk1"/>
+          </a:effectRef>
+          <a:fontRef idx="minor">
+            <a:schemeClr val="dk1"/>
+          </a:fontRef>
+        </p:style>
+        <p:txBody>
+          <a:bodyPr rtlCol="0" anchor="ctr"/>
+          <a:lstStyle/>
+          <a:p>
+            <a:pPr algn="ctr"/>
+            <a:r>
+              <a:rPr lang="en-US" altLang="ko-KR" sz="1100"/>
+              <a:t>Credentials</a:t>
+            </a:r>
+            <a:endParaRPr lang="ko-KR" altLang="en-US" sz="1100" dirty="0"/>
+          </a:p>
+        </p:txBody>
+      </p:sp>
+      <p:cxnSp>
+        <p:nvCxnSpPr>
+          <p:cNvPr id="48" name="직선 화살표 연결선 47">
+            <a:extLst>
+              <a:ext uri="{FF2B5EF4-FFF2-40B4-BE49-F238E27FC236}">
+                <a16:creationId xmlns:a16="http://schemas.microsoft.com/office/drawing/2014/main" id="{E50D3036-D99A-44F1-A913-6B33B0340056}"/>
+              </a:ext>
+            </a:extLst>
+          </p:cNvPr>
+          <p:cNvCxnSpPr>
+            <a:cxnSpLocks/>
+          </p:cNvCxnSpPr>
+          <p:nvPr/>
+        </p:nvCxnSpPr>
+        <p:spPr>
+          <a:xfrm flipH="1">
+            <a:off x="1439653" y="1306670"/>
+            <a:ext cx="2076856" cy="0"/>
+          </a:xfrm>
+          <a:prstGeom prst="straightConnector1">
+            <a:avLst/>
+          </a:prstGeom>
+          <a:ln w="19050">
+            <a:solidFill>
+              <a:schemeClr val="tx1"/>
+            </a:solidFill>
+            <a:headEnd type="arrow" w="med" len="med"/>
+            <a:tailEnd type="none" w="med" len="med"/>
+          </a:ln>
+        </p:spPr>
+        <p:style>
+          <a:lnRef idx="1">
+            <a:schemeClr val="accent1"/>
+          </a:lnRef>
+          <a:fillRef idx="0">
+            <a:schemeClr val="accent1"/>
+          </a:fillRef>
+          <a:effectRef idx="0">
+            <a:schemeClr val="accent1"/>
+          </a:effectRef>
+          <a:fontRef idx="minor">
+            <a:schemeClr val="tx1"/>
+          </a:fontRef>
+        </p:style>
+      </p:cxnSp>
+      <p:sp>
+        <p:nvSpPr>
+          <p:cNvPr id="49" name="모서리가 둥근 직사각형 36">
+            <a:extLst>
+              <a:ext uri="{FF2B5EF4-FFF2-40B4-BE49-F238E27FC236}">
+                <a16:creationId xmlns:a16="http://schemas.microsoft.com/office/drawing/2014/main" id="{BD696B59-AAE7-4A49-9193-25FBBB9A2427}"/>
+              </a:ext>
+            </a:extLst>
+          </p:cNvPr>
+          <p:cNvSpPr/>
+          <p:nvPr/>
+        </p:nvSpPr>
+        <p:spPr>
+          <a:xfrm>
+            <a:off x="1449803" y="1384168"/>
+            <a:ext cx="2066705" cy="252028"/>
+          </a:xfrm>
+          <a:prstGeom prst="roundRect">
+            <a:avLst/>
+          </a:prstGeom>
+          <a:noFill/>
+          <a:ln>
+            <a:noFill/>
+          </a:ln>
+        </p:spPr>
+        <p:style>
+          <a:lnRef idx="2">
+            <a:schemeClr val="dk1"/>
+          </a:lnRef>
+          <a:fillRef idx="1">
+            <a:schemeClr val="lt1"/>
+          </a:fillRef>
+          <a:effectRef idx="0">
+            <a:schemeClr val="dk1"/>
+          </a:effectRef>
+          <a:fontRef idx="minor">
+            <a:schemeClr val="dk1"/>
+          </a:fontRef>
+        </p:style>
+        <p:txBody>
+          <a:bodyPr rtlCol="0" anchor="ctr"/>
+          <a:lstStyle/>
+          <a:p>
+            <a:pPr algn="ctr"/>
+            <a:r>
+              <a:rPr lang="en-US" altLang="ko-KR" sz="1100"/>
+              <a:t>Token</a:t>
+            </a:r>
+            <a:endParaRPr lang="ko-KR" altLang="en-US" sz="1100" dirty="0"/>
+          </a:p>
+        </p:txBody>
+      </p:sp>
+      <p:cxnSp>
+        <p:nvCxnSpPr>
+          <p:cNvPr id="50" name="직선 화살표 연결선 49">
+            <a:extLst>
+              <a:ext uri="{FF2B5EF4-FFF2-40B4-BE49-F238E27FC236}">
+                <a16:creationId xmlns:a16="http://schemas.microsoft.com/office/drawing/2014/main" id="{D3E07B8E-1409-479A-9C4F-90C74501DB38}"/>
+              </a:ext>
+            </a:extLst>
+          </p:cNvPr>
+          <p:cNvCxnSpPr>
+            <a:cxnSpLocks/>
+          </p:cNvCxnSpPr>
+          <p:nvPr/>
+        </p:nvCxnSpPr>
+        <p:spPr>
+          <a:xfrm flipH="1">
+            <a:off x="1439653" y="1631256"/>
+            <a:ext cx="2076856" cy="0"/>
+          </a:xfrm>
+          <a:prstGeom prst="straightConnector1">
+            <a:avLst/>
+          </a:prstGeom>
+          <a:ln w="19050">
+            <a:solidFill>
+              <a:schemeClr val="tx1"/>
+            </a:solidFill>
+            <a:headEnd type="none" w="med" len="med"/>
+            <a:tailEnd type="arrow" w="med" len="med"/>
+          </a:ln>
+        </p:spPr>
+        <p:style>
+          <a:lnRef idx="1">
+            <a:schemeClr val="accent1"/>
+          </a:lnRef>
+          <a:fillRef idx="0">
+            <a:schemeClr val="accent1"/>
+          </a:fillRef>
+          <a:effectRef idx="0">
+            <a:schemeClr val="accent1"/>
+          </a:effectRef>
+          <a:fontRef idx="minor">
+            <a:schemeClr val="tx1"/>
+          </a:fontRef>
+        </p:style>
+      </p:cxnSp>
+      <p:sp>
+        <p:nvSpPr>
+          <p:cNvPr id="51" name="모서리가 둥근 직사각형 36">
+            <a:extLst>
+              <a:ext uri="{FF2B5EF4-FFF2-40B4-BE49-F238E27FC236}">
+                <a16:creationId xmlns:a16="http://schemas.microsoft.com/office/drawing/2014/main" id="{B22CBA21-D294-4E07-9E78-B424DBB5E239}"/>
+              </a:ext>
+            </a:extLst>
+          </p:cNvPr>
+          <p:cNvSpPr/>
+          <p:nvPr/>
+        </p:nvSpPr>
+        <p:spPr>
+          <a:xfrm>
+            <a:off x="1449803" y="1703250"/>
+            <a:ext cx="4151551" cy="252028"/>
+          </a:xfrm>
+          <a:prstGeom prst="roundRect">
+            <a:avLst/>
+          </a:prstGeom>
+          <a:noFill/>
+          <a:ln>
+            <a:noFill/>
+          </a:ln>
+        </p:spPr>
+        <p:style>
+          <a:lnRef idx="2">
+            <a:schemeClr val="dk1"/>
+          </a:lnRef>
+          <a:fillRef idx="1">
+            <a:schemeClr val="lt1"/>
+          </a:fillRef>
+          <a:effectRef idx="0">
+            <a:schemeClr val="dk1"/>
+          </a:effectRef>
+          <a:fontRef idx="minor">
+            <a:schemeClr val="dk1"/>
+          </a:fontRef>
+        </p:style>
+        <p:txBody>
+          <a:bodyPr rtlCol="0" anchor="ctr"/>
+          <a:lstStyle/>
+          <a:p>
+            <a:pPr algn="ctr"/>
+            <a:r>
+              <a:rPr lang="en-US" altLang="ko-KR" sz="1100"/>
+              <a:t>Service A Request + Token</a:t>
+            </a:r>
+            <a:endParaRPr lang="ko-KR" altLang="en-US" sz="1100" dirty="0"/>
+          </a:p>
+        </p:txBody>
+      </p:sp>
+      <p:cxnSp>
+        <p:nvCxnSpPr>
+          <p:cNvPr id="55" name="직선 화살표 연결선 54">
+            <a:extLst>
+              <a:ext uri="{FF2B5EF4-FFF2-40B4-BE49-F238E27FC236}">
+                <a16:creationId xmlns:a16="http://schemas.microsoft.com/office/drawing/2014/main" id="{303B3293-8642-486B-A093-94E054C2275C}"/>
+              </a:ext>
+            </a:extLst>
+          </p:cNvPr>
+          <p:cNvCxnSpPr>
+            <a:cxnSpLocks/>
+          </p:cNvCxnSpPr>
+          <p:nvPr/>
+        </p:nvCxnSpPr>
+        <p:spPr>
+          <a:xfrm flipH="1">
+            <a:off x="1439653" y="1950338"/>
+            <a:ext cx="4161704" cy="0"/>
+          </a:xfrm>
+          <a:prstGeom prst="straightConnector1">
+            <a:avLst/>
+          </a:prstGeom>
+          <a:ln w="19050">
+            <a:solidFill>
+              <a:schemeClr val="tx1"/>
+            </a:solidFill>
+            <a:headEnd type="arrow" w="med" len="med"/>
+            <a:tailEnd type="none" w="med" len="med"/>
+          </a:ln>
+        </p:spPr>
+        <p:style>
+          <a:lnRef idx="1">
+            <a:schemeClr val="accent1"/>
+          </a:lnRef>
+          <a:fillRef idx="0">
+            <a:schemeClr val="accent1"/>
+          </a:fillRef>
+          <a:effectRef idx="0">
+            <a:schemeClr val="accent1"/>
+          </a:effectRef>
+          <a:fontRef idx="minor">
+            <a:schemeClr val="tx1"/>
+          </a:fontRef>
+        </p:style>
+      </p:cxnSp>
+      <p:sp>
+        <p:nvSpPr>
+          <p:cNvPr id="57" name="자유형 38">
+            <a:extLst>
+              <a:ext uri="{FF2B5EF4-FFF2-40B4-BE49-F238E27FC236}">
+                <a16:creationId xmlns:a16="http://schemas.microsoft.com/office/drawing/2014/main" id="{757D5F2F-0DEF-430C-8D1A-FB6710417857}"/>
+              </a:ext>
+            </a:extLst>
+          </p:cNvPr>
+          <p:cNvSpPr/>
+          <p:nvPr/>
+        </p:nvSpPr>
+        <p:spPr>
+          <a:xfrm>
+            <a:off x="3506359" y="1306470"/>
+            <a:ext cx="226932" cy="329167"/>
+          </a:xfrm>
+          <a:custGeom>
+            <a:avLst/>
+            <a:gdLst>
+              <a:gd name="connsiteX0" fmla="*/ 0 w 226932"/>
+              <a:gd name="connsiteY0" fmla="*/ 0 h 246955"/>
+              <a:gd name="connsiteX1" fmla="*/ 226932 w 226932"/>
+              <a:gd name="connsiteY1" fmla="*/ 0 h 246955"/>
+              <a:gd name="connsiteX2" fmla="*/ 226932 w 226932"/>
+              <a:gd name="connsiteY2" fmla="*/ 246955 h 246955"/>
+              <a:gd name="connsiteX3" fmla="*/ 6675 w 226932"/>
+              <a:gd name="connsiteY3" fmla="*/ 246955 h 246955"/>
+            </a:gdLst>
+            <a:ahLst/>
+            <a:cxnLst>
+              <a:cxn ang="0">
+                <a:pos x="connsiteX0" y="connsiteY0"/>
+              </a:cxn>
+              <a:cxn ang="0">
+                <a:pos x="connsiteX1" y="connsiteY1"/>
+              </a:cxn>
+              <a:cxn ang="0">
+                <a:pos x="connsiteX2" y="connsiteY2"/>
+              </a:cxn>
+              <a:cxn ang="0">
+                <a:pos x="connsiteX3" y="connsiteY3"/>
+              </a:cxn>
+            </a:cxnLst>
+            <a:rect l="l" t="t" r="r" b="b"/>
+            <a:pathLst>
+              <a:path w="226932" h="246955">
+                <a:moveTo>
+                  <a:pt x="0" y="0"/>
+                </a:moveTo>
+                <a:lnTo>
+                  <a:pt x="226932" y="0"/>
+                </a:lnTo>
+                <a:lnTo>
+                  <a:pt x="226932" y="246955"/>
+                </a:lnTo>
+                <a:lnTo>
+                  <a:pt x="6675" y="246955"/>
+                </a:lnTo>
+              </a:path>
+            </a:pathLst>
+          </a:custGeom>
+          <a:ln w="19050">
+            <a:solidFill>
+              <a:schemeClr val="tx1"/>
+            </a:solidFill>
+            <a:headEnd type="none" w="med" len="med"/>
+            <a:tailEnd type="arrow" w="med" len="med"/>
+          </a:ln>
+        </p:spPr>
+        <p:style>
+          <a:lnRef idx="1">
+            <a:schemeClr val="accent1"/>
+          </a:lnRef>
+          <a:fillRef idx="0">
+            <a:schemeClr val="accent1"/>
+          </a:fillRef>
+          <a:effectRef idx="0">
+            <a:schemeClr val="accent1"/>
+          </a:effectRef>
+          <a:fontRef idx="minor">
+            <a:schemeClr val="tx1"/>
+          </a:fontRef>
+        </p:style>
+        <p:txBody>
+          <a:bodyPr rtlCol="0" anchor="ctr"/>
+          <a:lstStyle/>
+          <a:p>
+            <a:pPr algn="ctr"/>
+            <a:endParaRPr lang="ko-KR" altLang="en-US"/>
+          </a:p>
+        </p:txBody>
+      </p:sp>
+      <p:sp>
+        <p:nvSpPr>
+          <p:cNvPr id="58" name="모서리가 둥근 직사각형 39">
+            <a:extLst>
+              <a:ext uri="{FF2B5EF4-FFF2-40B4-BE49-F238E27FC236}">
+                <a16:creationId xmlns:a16="http://schemas.microsoft.com/office/drawing/2014/main" id="{E39C1D8D-8F33-4036-B60C-4E91E60F983D}"/>
+              </a:ext>
+            </a:extLst>
+          </p:cNvPr>
+          <p:cNvSpPr/>
+          <p:nvPr/>
+        </p:nvSpPr>
+        <p:spPr>
+          <a:xfrm>
+            <a:off x="3516508" y="1311105"/>
+            <a:ext cx="1868066" cy="329166"/>
+          </a:xfrm>
+          <a:prstGeom prst="roundRect">
+            <a:avLst/>
+          </a:prstGeom>
+          <a:noFill/>
+          <a:ln>
+            <a:noFill/>
+          </a:ln>
+        </p:spPr>
+        <p:style>
+          <a:lnRef idx="2">
+            <a:schemeClr val="dk1"/>
+          </a:lnRef>
+          <a:fillRef idx="1">
+            <a:schemeClr val="lt1"/>
+          </a:fillRef>
+          <a:effectRef idx="0">
+            <a:schemeClr val="dk1"/>
+          </a:effectRef>
+          <a:fontRef idx="minor">
+            <a:schemeClr val="dk1"/>
+          </a:fontRef>
+        </p:style>
+        <p:txBody>
+          <a:bodyPr rtlCol="0" anchor="ctr"/>
+          <a:lstStyle/>
+          <a:p>
+            <a:pPr algn="ctr"/>
+            <a:r>
+              <a:rPr lang="en-US" altLang="ko-KR" sz="1100"/>
+              <a:t>Validate Credentials </a:t>
+            </a:r>
+          </a:p>
+          <a:p>
+            <a:pPr algn="ctr"/>
+            <a:r>
+              <a:rPr lang="en-US" altLang="ko-KR" sz="1100"/>
+              <a:t>&amp; Issue Token</a:t>
+            </a:r>
+          </a:p>
+          <a:p>
+            <a:pPr algn="ctr"/>
+            <a:r>
+              <a:rPr lang="en-US" altLang="ko-KR" sz="1100" b="1"/>
+              <a:t>Authentication</a:t>
+            </a:r>
+            <a:endParaRPr lang="ko-KR" altLang="en-US" sz="1100" b="1" dirty="0"/>
+          </a:p>
+        </p:txBody>
+      </p:sp>
+      <p:sp>
+        <p:nvSpPr>
+          <p:cNvPr id="62" name="모서리가 둥근 직사각형 36">
+            <a:extLst>
+              <a:ext uri="{FF2B5EF4-FFF2-40B4-BE49-F238E27FC236}">
+                <a16:creationId xmlns:a16="http://schemas.microsoft.com/office/drawing/2014/main" id="{EB8D7101-F49E-41F5-9734-85BA3EFBEE43}"/>
+              </a:ext>
+            </a:extLst>
+          </p:cNvPr>
+          <p:cNvSpPr/>
+          <p:nvPr/>
+        </p:nvSpPr>
+        <p:spPr>
+          <a:xfrm>
+            <a:off x="3541148" y="2022331"/>
+            <a:ext cx="2066705" cy="252028"/>
+          </a:xfrm>
+          <a:prstGeom prst="roundRect">
+            <a:avLst/>
+          </a:prstGeom>
+          <a:noFill/>
+          <a:ln>
+            <a:noFill/>
+          </a:ln>
+        </p:spPr>
+        <p:style>
+          <a:lnRef idx="2">
+            <a:schemeClr val="dk1"/>
+          </a:lnRef>
+          <a:fillRef idx="1">
+            <a:schemeClr val="lt1"/>
+          </a:fillRef>
+          <a:effectRef idx="0">
+            <a:schemeClr val="dk1"/>
+          </a:effectRef>
+          <a:fontRef idx="minor">
+            <a:schemeClr val="dk1"/>
+          </a:fontRef>
+        </p:style>
+        <p:txBody>
+          <a:bodyPr rtlCol="0" anchor="ctr"/>
+          <a:lstStyle/>
+          <a:p>
+            <a:pPr algn="ctr"/>
+            <a:r>
+              <a:rPr lang="en-US" altLang="ko-KR" sz="1100"/>
+              <a:t>Token</a:t>
+            </a:r>
+            <a:endParaRPr lang="ko-KR" altLang="en-US" sz="1100" dirty="0"/>
+          </a:p>
+        </p:txBody>
+      </p:sp>
+      <p:cxnSp>
+        <p:nvCxnSpPr>
+          <p:cNvPr id="63" name="직선 화살표 연결선 62">
+            <a:extLst>
+              <a:ext uri="{FF2B5EF4-FFF2-40B4-BE49-F238E27FC236}">
+                <a16:creationId xmlns:a16="http://schemas.microsoft.com/office/drawing/2014/main" id="{55377A1C-04CA-4A6F-BE29-93C60516CF22}"/>
+              </a:ext>
+            </a:extLst>
+          </p:cNvPr>
+          <p:cNvCxnSpPr>
+            <a:cxnSpLocks/>
+          </p:cNvCxnSpPr>
+          <p:nvPr/>
+        </p:nvCxnSpPr>
+        <p:spPr>
+          <a:xfrm flipH="1">
+            <a:off x="3530998" y="2269419"/>
+            <a:ext cx="2076856" cy="0"/>
+          </a:xfrm>
+          <a:prstGeom prst="straightConnector1">
+            <a:avLst/>
+          </a:prstGeom>
+          <a:ln w="19050">
+            <a:solidFill>
+              <a:schemeClr val="tx1"/>
+            </a:solidFill>
+            <a:headEnd type="none" w="med" len="med"/>
+            <a:tailEnd type="arrow" w="med" len="med"/>
+          </a:ln>
+        </p:spPr>
+        <p:style>
+          <a:lnRef idx="1">
+            <a:schemeClr val="accent1"/>
+          </a:lnRef>
+          <a:fillRef idx="0">
+            <a:schemeClr val="accent1"/>
+          </a:fillRef>
+          <a:effectRef idx="0">
+            <a:schemeClr val="accent1"/>
+          </a:effectRef>
+          <a:fontRef idx="minor">
+            <a:schemeClr val="tx1"/>
+          </a:fontRef>
+        </p:style>
+      </p:cxnSp>
+      <p:sp>
+        <p:nvSpPr>
+          <p:cNvPr id="64" name="자유형 38">
+            <a:extLst>
+              <a:ext uri="{FF2B5EF4-FFF2-40B4-BE49-F238E27FC236}">
+                <a16:creationId xmlns:a16="http://schemas.microsoft.com/office/drawing/2014/main" id="{1F361B89-F3A5-4EFE-88D9-9D400646AED9}"/>
+              </a:ext>
+            </a:extLst>
+          </p:cNvPr>
+          <p:cNvSpPr/>
+          <p:nvPr/>
+        </p:nvSpPr>
+        <p:spPr>
+          <a:xfrm flipH="1">
+            <a:off x="3299728" y="2264481"/>
+            <a:ext cx="206631" cy="329167"/>
+          </a:xfrm>
+          <a:custGeom>
+            <a:avLst/>
+            <a:gdLst>
+              <a:gd name="connsiteX0" fmla="*/ 0 w 226932"/>
+              <a:gd name="connsiteY0" fmla="*/ 0 h 246955"/>
+              <a:gd name="connsiteX1" fmla="*/ 226932 w 226932"/>
+              <a:gd name="connsiteY1" fmla="*/ 0 h 246955"/>
+              <a:gd name="connsiteX2" fmla="*/ 226932 w 226932"/>
+              <a:gd name="connsiteY2" fmla="*/ 246955 h 246955"/>
+              <a:gd name="connsiteX3" fmla="*/ 6675 w 226932"/>
+              <a:gd name="connsiteY3" fmla="*/ 246955 h 246955"/>
+            </a:gdLst>
+            <a:ahLst/>
+            <a:cxnLst>
+              <a:cxn ang="0">
+                <a:pos x="connsiteX0" y="connsiteY0"/>
+              </a:cxn>
+              <a:cxn ang="0">
+                <a:pos x="connsiteX1" y="connsiteY1"/>
+              </a:cxn>
+              <a:cxn ang="0">
+                <a:pos x="connsiteX2" y="connsiteY2"/>
+              </a:cxn>
+              <a:cxn ang="0">
+                <a:pos x="connsiteX3" y="connsiteY3"/>
+              </a:cxn>
+            </a:cxnLst>
+            <a:rect l="l" t="t" r="r" b="b"/>
+            <a:pathLst>
+              <a:path w="226932" h="246955">
+                <a:moveTo>
+                  <a:pt x="0" y="0"/>
+                </a:moveTo>
+                <a:lnTo>
+                  <a:pt x="226932" y="0"/>
+                </a:lnTo>
+                <a:lnTo>
+                  <a:pt x="226932" y="246955"/>
+                </a:lnTo>
+                <a:lnTo>
+                  <a:pt x="6675" y="246955"/>
+                </a:lnTo>
+              </a:path>
+            </a:pathLst>
+          </a:custGeom>
+          <a:ln w="19050">
+            <a:solidFill>
+              <a:schemeClr val="tx1"/>
+            </a:solidFill>
+            <a:headEnd type="none" w="med" len="med"/>
+            <a:tailEnd type="arrow" w="med" len="med"/>
+          </a:ln>
+        </p:spPr>
+        <p:style>
+          <a:lnRef idx="1">
+            <a:schemeClr val="accent1"/>
+          </a:lnRef>
+          <a:fillRef idx="0">
+            <a:schemeClr val="accent1"/>
+          </a:fillRef>
+          <a:effectRef idx="0">
+            <a:schemeClr val="accent1"/>
+          </a:effectRef>
+          <a:fontRef idx="minor">
+            <a:schemeClr val="tx1"/>
+          </a:fontRef>
+        </p:style>
+        <p:txBody>
+          <a:bodyPr rtlCol="0" anchor="ctr"/>
+          <a:lstStyle/>
+          <a:p>
+            <a:pPr algn="ctr"/>
+            <a:endParaRPr lang="ko-KR" altLang="en-US"/>
+          </a:p>
+        </p:txBody>
+      </p:sp>
+      <p:sp>
+        <p:nvSpPr>
+          <p:cNvPr id="65" name="모서리가 둥근 직사각형 39">
+            <a:extLst>
+              <a:ext uri="{FF2B5EF4-FFF2-40B4-BE49-F238E27FC236}">
+                <a16:creationId xmlns:a16="http://schemas.microsoft.com/office/drawing/2014/main" id="{258225AF-625B-4332-912F-B7F6370A5B91}"/>
+              </a:ext>
+            </a:extLst>
+          </p:cNvPr>
+          <p:cNvSpPr/>
+          <p:nvPr/>
+        </p:nvSpPr>
+        <p:spPr>
+          <a:xfrm>
+            <a:off x="2051719" y="2269419"/>
+            <a:ext cx="1440151" cy="329166"/>
+          </a:xfrm>
+          <a:prstGeom prst="roundRect">
+            <a:avLst/>
+          </a:prstGeom>
+          <a:noFill/>
+          <a:ln>
+            <a:noFill/>
+          </a:ln>
+        </p:spPr>
+        <p:style>
+          <a:lnRef idx="2">
+            <a:schemeClr val="dk1"/>
+          </a:lnRef>
+          <a:fillRef idx="1">
+            <a:schemeClr val="lt1"/>
+          </a:fillRef>
+          <a:effectRef idx="0">
+            <a:schemeClr val="dk1"/>
+          </a:effectRef>
+          <a:fontRef idx="minor">
+            <a:schemeClr val="dk1"/>
+          </a:fontRef>
+        </p:style>
+        <p:txBody>
+          <a:bodyPr rtlCol="0" anchor="ctr"/>
+          <a:lstStyle/>
+          <a:p>
+            <a:pPr algn="ctr"/>
+            <a:r>
+              <a:rPr lang="en-US" altLang="ko-KR" sz="1100"/>
+              <a:t>Validate Token</a:t>
+            </a:r>
+          </a:p>
+          <a:p>
+            <a:pPr algn="ctr"/>
+            <a:r>
+              <a:rPr lang="en-US" altLang="ko-KR" sz="1100" b="1"/>
+              <a:t>Authorization</a:t>
+            </a:r>
+            <a:endParaRPr lang="ko-KR" altLang="en-US" sz="1100" b="1" dirty="0"/>
+          </a:p>
+        </p:txBody>
+      </p:sp>
+      <p:sp>
+        <p:nvSpPr>
+          <p:cNvPr id="68" name="모서리가 둥근 직사각형 36">
+            <a:extLst>
+              <a:ext uri="{FF2B5EF4-FFF2-40B4-BE49-F238E27FC236}">
+                <a16:creationId xmlns:a16="http://schemas.microsoft.com/office/drawing/2014/main" id="{DB7410C7-5DAE-474E-98A6-608F05D8EE62}"/>
+              </a:ext>
+            </a:extLst>
+          </p:cNvPr>
+          <p:cNvSpPr/>
+          <p:nvPr/>
+        </p:nvSpPr>
+        <p:spPr>
+          <a:xfrm>
+            <a:off x="3512846" y="2349946"/>
+            <a:ext cx="2066705" cy="252028"/>
+          </a:xfrm>
+          <a:prstGeom prst="roundRect">
+            <a:avLst/>
+          </a:prstGeom>
+          <a:noFill/>
+          <a:ln>
+            <a:noFill/>
+          </a:ln>
+        </p:spPr>
+        <p:style>
+          <a:lnRef idx="2">
+            <a:schemeClr val="dk1"/>
+          </a:lnRef>
+          <a:fillRef idx="1">
+            <a:schemeClr val="lt1"/>
+          </a:fillRef>
+          <a:effectRef idx="0">
+            <a:schemeClr val="dk1"/>
+          </a:effectRef>
+          <a:fontRef idx="minor">
+            <a:schemeClr val="dk1"/>
+          </a:fontRef>
+        </p:style>
+        <p:txBody>
+          <a:bodyPr rtlCol="0" anchor="ctr"/>
+          <a:lstStyle/>
+          <a:p>
+            <a:pPr algn="ctr"/>
+            <a:r>
+              <a:rPr lang="en-US" altLang="ko-KR" sz="1100"/>
+              <a:t>Token Validation Result</a:t>
+            </a:r>
+            <a:endParaRPr lang="ko-KR" altLang="en-US" sz="1100" dirty="0"/>
+          </a:p>
+        </p:txBody>
+      </p:sp>
+      <p:cxnSp>
+        <p:nvCxnSpPr>
+          <p:cNvPr id="69" name="직선 화살표 연결선 68">
+            <a:extLst>
+              <a:ext uri="{FF2B5EF4-FFF2-40B4-BE49-F238E27FC236}">
+                <a16:creationId xmlns:a16="http://schemas.microsoft.com/office/drawing/2014/main" id="{B6428541-F07A-40BA-A2B4-B49276641645}"/>
+              </a:ext>
+            </a:extLst>
+          </p:cNvPr>
+          <p:cNvCxnSpPr>
+            <a:cxnSpLocks/>
+          </p:cNvCxnSpPr>
+          <p:nvPr/>
+        </p:nvCxnSpPr>
+        <p:spPr>
+          <a:xfrm flipH="1">
+            <a:off x="3502696" y="2597034"/>
+            <a:ext cx="2076856" cy="0"/>
+          </a:xfrm>
+          <a:prstGeom prst="straightConnector1">
+            <a:avLst/>
+          </a:prstGeom>
+          <a:ln w="19050">
+            <a:solidFill>
+              <a:schemeClr val="tx1"/>
+            </a:solidFill>
+            <a:headEnd type="arrow" w="med" len="med"/>
+            <a:tailEnd type="none" w="med" len="med"/>
+          </a:ln>
+        </p:spPr>
+        <p:style>
+          <a:lnRef idx="1">
+            <a:schemeClr val="accent1"/>
+          </a:lnRef>
+          <a:fillRef idx="0">
+            <a:schemeClr val="accent1"/>
+          </a:fillRef>
+          <a:effectRef idx="0">
+            <a:schemeClr val="accent1"/>
+          </a:effectRef>
+          <a:fontRef idx="minor">
+            <a:schemeClr val="tx1"/>
+          </a:fontRef>
+        </p:style>
+      </p:cxnSp>
+      <p:sp>
+        <p:nvSpPr>
+          <p:cNvPr id="70" name="모서리가 둥근 직사각형 36">
+            <a:extLst>
+              <a:ext uri="{FF2B5EF4-FFF2-40B4-BE49-F238E27FC236}">
+                <a16:creationId xmlns:a16="http://schemas.microsoft.com/office/drawing/2014/main" id="{5916262A-6843-4021-869A-C131B22BA2E3}"/>
+              </a:ext>
+            </a:extLst>
+          </p:cNvPr>
+          <p:cNvSpPr/>
+          <p:nvPr/>
+        </p:nvSpPr>
+        <p:spPr>
+          <a:xfrm>
+            <a:off x="5607853" y="2673973"/>
+            <a:ext cx="2086341" cy="252028"/>
+          </a:xfrm>
+          <a:prstGeom prst="roundRect">
+            <a:avLst/>
+          </a:prstGeom>
+          <a:noFill/>
+          <a:ln>
+            <a:noFill/>
+          </a:ln>
+        </p:spPr>
+        <p:style>
+          <a:lnRef idx="2">
+            <a:schemeClr val="dk1"/>
+          </a:lnRef>
+          <a:fillRef idx="1">
+            <a:schemeClr val="lt1"/>
+          </a:fillRef>
+          <a:effectRef idx="0">
+            <a:schemeClr val="dk1"/>
+          </a:effectRef>
+          <a:fontRef idx="minor">
+            <a:schemeClr val="dk1"/>
+          </a:fontRef>
+        </p:style>
+        <p:txBody>
+          <a:bodyPr rtlCol="0" anchor="ctr"/>
+          <a:lstStyle/>
+          <a:p>
+            <a:pPr algn="ctr"/>
+            <a:r>
+              <a:rPr lang="en-US" altLang="ko-KR" sz="1100"/>
+              <a:t>Service B Request + Token</a:t>
+            </a:r>
+            <a:endParaRPr lang="ko-KR" altLang="en-US" sz="1100" dirty="0"/>
+          </a:p>
+        </p:txBody>
+      </p:sp>
+      <p:cxnSp>
+        <p:nvCxnSpPr>
+          <p:cNvPr id="71" name="직선 화살표 연결선 70">
+            <a:extLst>
+              <a:ext uri="{FF2B5EF4-FFF2-40B4-BE49-F238E27FC236}">
+                <a16:creationId xmlns:a16="http://schemas.microsoft.com/office/drawing/2014/main" id="{2A1F8939-53EF-4936-B910-650619F339E1}"/>
+              </a:ext>
+            </a:extLst>
+          </p:cNvPr>
+          <p:cNvCxnSpPr>
+            <a:cxnSpLocks/>
+          </p:cNvCxnSpPr>
+          <p:nvPr/>
+        </p:nvCxnSpPr>
+        <p:spPr>
+          <a:xfrm flipH="1" flipV="1">
+            <a:off x="5601355" y="2921061"/>
+            <a:ext cx="2092839" cy="4940"/>
+          </a:xfrm>
+          <a:prstGeom prst="straightConnector1">
+            <a:avLst/>
+          </a:prstGeom>
+          <a:ln w="19050">
+            <a:solidFill>
+              <a:schemeClr val="tx1"/>
+            </a:solidFill>
+            <a:headEnd type="arrow" w="med" len="med"/>
+            <a:tailEnd type="none" w="med" len="med"/>
+          </a:ln>
+        </p:spPr>
+        <p:style>
+          <a:lnRef idx="1">
+            <a:schemeClr val="accent1"/>
+          </a:lnRef>
+          <a:fillRef idx="0">
+            <a:schemeClr val="accent1"/>
+          </a:fillRef>
+          <a:effectRef idx="0">
+            <a:schemeClr val="accent1"/>
+          </a:effectRef>
+          <a:fontRef idx="minor">
+            <a:schemeClr val="tx1"/>
+          </a:fontRef>
+        </p:style>
+      </p:cxnSp>
+      <p:sp>
+        <p:nvSpPr>
+          <p:cNvPr id="83" name="모서리가 둥근 직사각형 36">
+            <a:extLst>
+              <a:ext uri="{FF2B5EF4-FFF2-40B4-BE49-F238E27FC236}">
+                <a16:creationId xmlns:a16="http://schemas.microsoft.com/office/drawing/2014/main" id="{152449C4-B32E-411F-8965-5996DCD6009D}"/>
+              </a:ext>
+            </a:extLst>
+          </p:cNvPr>
+          <p:cNvSpPr/>
+          <p:nvPr/>
+        </p:nvSpPr>
+        <p:spPr>
+          <a:xfrm>
+            <a:off x="3541148" y="2998199"/>
+            <a:ext cx="4153044" cy="252028"/>
+          </a:xfrm>
+          <a:prstGeom prst="roundRect">
+            <a:avLst/>
+          </a:prstGeom>
+          <a:noFill/>
+          <a:ln>
+            <a:noFill/>
+          </a:ln>
+        </p:spPr>
+        <p:style>
+          <a:lnRef idx="2">
+            <a:schemeClr val="dk1"/>
+          </a:lnRef>
+          <a:fillRef idx="1">
+            <a:schemeClr val="lt1"/>
+          </a:fillRef>
+          <a:effectRef idx="0">
+            <a:schemeClr val="dk1"/>
+          </a:effectRef>
+          <a:fontRef idx="minor">
+            <a:schemeClr val="dk1"/>
+          </a:fontRef>
+        </p:style>
+        <p:txBody>
+          <a:bodyPr rtlCol="0" anchor="ctr"/>
+          <a:lstStyle/>
+          <a:p>
+            <a:pPr algn="ctr"/>
+            <a:r>
+              <a:rPr lang="en-US" altLang="ko-KR" sz="1100"/>
+              <a:t>Token</a:t>
+            </a:r>
+            <a:endParaRPr lang="ko-KR" altLang="en-US" sz="1100" dirty="0"/>
+          </a:p>
+        </p:txBody>
+      </p:sp>
+      <p:cxnSp>
+        <p:nvCxnSpPr>
+          <p:cNvPr id="84" name="직선 화살표 연결선 83">
+            <a:extLst>
+              <a:ext uri="{FF2B5EF4-FFF2-40B4-BE49-F238E27FC236}">
+                <a16:creationId xmlns:a16="http://schemas.microsoft.com/office/drawing/2014/main" id="{950CC903-C8BA-4FA8-9B1C-9233C694922C}"/>
+              </a:ext>
+            </a:extLst>
+          </p:cNvPr>
+          <p:cNvCxnSpPr>
+            <a:cxnSpLocks/>
+          </p:cNvCxnSpPr>
+          <p:nvPr/>
+        </p:nvCxnSpPr>
+        <p:spPr>
+          <a:xfrm flipH="1">
+            <a:off x="3530998" y="3245287"/>
+            <a:ext cx="4163196" cy="0"/>
+          </a:xfrm>
+          <a:prstGeom prst="straightConnector1">
+            <a:avLst/>
+          </a:prstGeom>
+          <a:ln w="19050">
+            <a:solidFill>
+              <a:schemeClr val="tx1"/>
+            </a:solidFill>
+            <a:headEnd type="none" w="med" len="med"/>
+            <a:tailEnd type="arrow" w="med" len="med"/>
+          </a:ln>
+        </p:spPr>
+        <p:style>
+          <a:lnRef idx="1">
+            <a:schemeClr val="accent1"/>
+          </a:lnRef>
+          <a:fillRef idx="0">
+            <a:schemeClr val="accent1"/>
+          </a:fillRef>
+          <a:effectRef idx="0">
+            <a:schemeClr val="accent1"/>
+          </a:effectRef>
+          <a:fontRef idx="minor">
+            <a:schemeClr val="tx1"/>
+          </a:fontRef>
+        </p:style>
+      </p:cxnSp>
+      <p:sp>
+        <p:nvSpPr>
+          <p:cNvPr id="85" name="자유형 38">
+            <a:extLst>
+              <a:ext uri="{FF2B5EF4-FFF2-40B4-BE49-F238E27FC236}">
+                <a16:creationId xmlns:a16="http://schemas.microsoft.com/office/drawing/2014/main" id="{C8965839-9431-4EE1-80D3-7DD19A1EBFA1}"/>
+              </a:ext>
+            </a:extLst>
+          </p:cNvPr>
+          <p:cNvSpPr/>
+          <p:nvPr/>
+        </p:nvSpPr>
+        <p:spPr>
+          <a:xfrm flipH="1">
+            <a:off x="3299728" y="3240349"/>
+            <a:ext cx="206631" cy="329167"/>
+          </a:xfrm>
+          <a:custGeom>
+            <a:avLst/>
+            <a:gdLst>
+              <a:gd name="connsiteX0" fmla="*/ 0 w 226932"/>
+              <a:gd name="connsiteY0" fmla="*/ 0 h 246955"/>
+              <a:gd name="connsiteX1" fmla="*/ 226932 w 226932"/>
+              <a:gd name="connsiteY1" fmla="*/ 0 h 246955"/>
+              <a:gd name="connsiteX2" fmla="*/ 226932 w 226932"/>
+              <a:gd name="connsiteY2" fmla="*/ 246955 h 246955"/>
+              <a:gd name="connsiteX3" fmla="*/ 6675 w 226932"/>
+              <a:gd name="connsiteY3" fmla="*/ 246955 h 246955"/>
+            </a:gdLst>
+            <a:ahLst/>
+            <a:cxnLst>
+              <a:cxn ang="0">
+                <a:pos x="connsiteX0" y="connsiteY0"/>
+              </a:cxn>
+              <a:cxn ang="0">
+                <a:pos x="connsiteX1" y="connsiteY1"/>
+              </a:cxn>
+              <a:cxn ang="0">
+                <a:pos x="connsiteX2" y="connsiteY2"/>
+              </a:cxn>
+              <a:cxn ang="0">
+                <a:pos x="connsiteX3" y="connsiteY3"/>
+              </a:cxn>
+            </a:cxnLst>
+            <a:rect l="l" t="t" r="r" b="b"/>
+            <a:pathLst>
+              <a:path w="226932" h="246955">
+                <a:moveTo>
+                  <a:pt x="0" y="0"/>
+                </a:moveTo>
+                <a:lnTo>
+                  <a:pt x="226932" y="0"/>
+                </a:lnTo>
+                <a:lnTo>
+                  <a:pt x="226932" y="246955"/>
+                </a:lnTo>
+                <a:lnTo>
+                  <a:pt x="6675" y="246955"/>
+                </a:lnTo>
+              </a:path>
+            </a:pathLst>
+          </a:custGeom>
+          <a:ln w="19050">
+            <a:solidFill>
+              <a:schemeClr val="tx1"/>
+            </a:solidFill>
+            <a:headEnd type="none" w="med" len="med"/>
+            <a:tailEnd type="arrow" w="med" len="med"/>
+          </a:ln>
+        </p:spPr>
+        <p:style>
+          <a:lnRef idx="1">
+            <a:schemeClr val="accent1"/>
+          </a:lnRef>
+          <a:fillRef idx="0">
+            <a:schemeClr val="accent1"/>
+          </a:fillRef>
+          <a:effectRef idx="0">
+            <a:schemeClr val="accent1"/>
+          </a:effectRef>
+          <a:fontRef idx="minor">
+            <a:schemeClr val="tx1"/>
+          </a:fontRef>
+        </p:style>
+        <p:txBody>
+          <a:bodyPr rtlCol="0" anchor="ctr"/>
+          <a:lstStyle/>
+          <a:p>
+            <a:pPr algn="ctr"/>
+            <a:endParaRPr lang="ko-KR" altLang="en-US"/>
+          </a:p>
+        </p:txBody>
+      </p:sp>
+      <p:sp>
+        <p:nvSpPr>
+          <p:cNvPr id="86" name="모서리가 둥근 직사각형 39">
+            <a:extLst>
+              <a:ext uri="{FF2B5EF4-FFF2-40B4-BE49-F238E27FC236}">
+                <a16:creationId xmlns:a16="http://schemas.microsoft.com/office/drawing/2014/main" id="{F382D0F3-861B-48CD-94F4-BB63F473AED1}"/>
+              </a:ext>
+            </a:extLst>
+          </p:cNvPr>
+          <p:cNvSpPr/>
+          <p:nvPr/>
+        </p:nvSpPr>
+        <p:spPr>
+          <a:xfrm>
+            <a:off x="2051719" y="3245287"/>
+            <a:ext cx="1440151" cy="329166"/>
+          </a:xfrm>
+          <a:prstGeom prst="roundRect">
+            <a:avLst/>
+          </a:prstGeom>
+          <a:noFill/>
+          <a:ln>
+            <a:noFill/>
+          </a:ln>
+        </p:spPr>
+        <p:style>
+          <a:lnRef idx="2">
+            <a:schemeClr val="dk1"/>
+          </a:lnRef>
+          <a:fillRef idx="1">
+            <a:schemeClr val="lt1"/>
+          </a:fillRef>
+          <a:effectRef idx="0">
+            <a:schemeClr val="dk1"/>
+          </a:effectRef>
+          <a:fontRef idx="minor">
+            <a:schemeClr val="dk1"/>
+          </a:fontRef>
+        </p:style>
+        <p:txBody>
+          <a:bodyPr rtlCol="0" anchor="ctr"/>
+          <a:lstStyle/>
+          <a:p>
+            <a:pPr algn="ctr"/>
+            <a:r>
+              <a:rPr lang="en-US" altLang="ko-KR" sz="1100"/>
+              <a:t>Validate Token</a:t>
+            </a:r>
+          </a:p>
+          <a:p>
+            <a:pPr algn="ctr"/>
+            <a:r>
+              <a:rPr lang="en-US" altLang="ko-KR" sz="1100" b="1"/>
+              <a:t>Authorization</a:t>
+            </a:r>
+            <a:endParaRPr lang="ko-KR" altLang="en-US" sz="1100" b="1"/>
+          </a:p>
+        </p:txBody>
+      </p:sp>
+      <p:sp>
+        <p:nvSpPr>
+          <p:cNvPr id="87" name="모서리가 둥근 직사각형 36">
+            <a:extLst>
+              <a:ext uri="{FF2B5EF4-FFF2-40B4-BE49-F238E27FC236}">
+                <a16:creationId xmlns:a16="http://schemas.microsoft.com/office/drawing/2014/main" id="{633592CA-3E06-4C8D-B5F8-661F250F0BFA}"/>
+              </a:ext>
+            </a:extLst>
+          </p:cNvPr>
+          <p:cNvSpPr/>
+          <p:nvPr/>
+        </p:nvSpPr>
+        <p:spPr>
+          <a:xfrm>
+            <a:off x="3512846" y="3325814"/>
+            <a:ext cx="4191495" cy="252028"/>
+          </a:xfrm>
+          <a:prstGeom prst="roundRect">
+            <a:avLst/>
+          </a:prstGeom>
+          <a:noFill/>
+          <a:ln>
+            <a:noFill/>
+          </a:ln>
+        </p:spPr>
+        <p:style>
+          <a:lnRef idx="2">
+            <a:schemeClr val="dk1"/>
+          </a:lnRef>
+          <a:fillRef idx="1">
+            <a:schemeClr val="lt1"/>
+          </a:fillRef>
+          <a:effectRef idx="0">
+            <a:schemeClr val="dk1"/>
+          </a:effectRef>
+          <a:fontRef idx="minor">
+            <a:schemeClr val="dk1"/>
+          </a:fontRef>
+        </p:style>
+        <p:txBody>
+          <a:bodyPr rtlCol="0" anchor="ctr"/>
+          <a:lstStyle/>
+          <a:p>
+            <a:pPr algn="ctr"/>
+            <a:r>
+              <a:rPr lang="en-US" altLang="ko-KR" sz="1100"/>
+              <a:t>Token Validation Result</a:t>
+            </a:r>
+            <a:endParaRPr lang="ko-KR" altLang="en-US" sz="1100" dirty="0"/>
+          </a:p>
+        </p:txBody>
+      </p:sp>
+      <p:cxnSp>
+        <p:nvCxnSpPr>
+          <p:cNvPr id="88" name="직선 화살표 연결선 87">
+            <a:extLst>
+              <a:ext uri="{FF2B5EF4-FFF2-40B4-BE49-F238E27FC236}">
+                <a16:creationId xmlns:a16="http://schemas.microsoft.com/office/drawing/2014/main" id="{3AEDA994-62B3-45C3-A619-8D023E3BA4EE}"/>
+              </a:ext>
+            </a:extLst>
+          </p:cNvPr>
+          <p:cNvCxnSpPr>
+            <a:cxnSpLocks/>
+          </p:cNvCxnSpPr>
+          <p:nvPr/>
+        </p:nvCxnSpPr>
+        <p:spPr>
+          <a:xfrm flipH="1">
+            <a:off x="3502696" y="3572902"/>
+            <a:ext cx="4191496" cy="0"/>
+          </a:xfrm>
+          <a:prstGeom prst="straightConnector1">
+            <a:avLst/>
+          </a:prstGeom>
+          <a:ln w="19050">
+            <a:solidFill>
+              <a:schemeClr val="tx1"/>
+            </a:solidFill>
+            <a:headEnd type="arrow" w="med" len="med"/>
+            <a:tailEnd type="none" w="med" len="med"/>
+          </a:ln>
+        </p:spPr>
+        <p:style>
+          <a:lnRef idx="1">
+            <a:schemeClr val="accent1"/>
+          </a:lnRef>
+          <a:fillRef idx="0">
+            <a:schemeClr val="accent1"/>
+          </a:fillRef>
+          <a:effectRef idx="0">
+            <a:schemeClr val="accent1"/>
+          </a:effectRef>
+          <a:fontRef idx="minor">
+            <a:schemeClr val="tx1"/>
+          </a:fontRef>
+        </p:style>
+      </p:cxnSp>
+      <p:sp>
+        <p:nvSpPr>
+          <p:cNvPr id="95" name="모서리가 둥근 직사각형 36">
+            <a:extLst>
+              <a:ext uri="{FF2B5EF4-FFF2-40B4-BE49-F238E27FC236}">
+                <a16:creationId xmlns:a16="http://schemas.microsoft.com/office/drawing/2014/main" id="{B1127643-3EAE-49CE-999E-B95E2074F542}"/>
+              </a:ext>
+            </a:extLst>
+          </p:cNvPr>
+          <p:cNvSpPr/>
+          <p:nvPr/>
+        </p:nvSpPr>
+        <p:spPr>
+          <a:xfrm>
+            <a:off x="5607853" y="3652371"/>
+            <a:ext cx="2086341" cy="252028"/>
+          </a:xfrm>
+          <a:prstGeom prst="roundRect">
+            <a:avLst/>
+          </a:prstGeom>
+          <a:noFill/>
+          <a:ln>
+            <a:noFill/>
+          </a:ln>
+        </p:spPr>
+        <p:style>
+          <a:lnRef idx="2">
+            <a:schemeClr val="dk1"/>
+          </a:lnRef>
+          <a:fillRef idx="1">
+            <a:schemeClr val="lt1"/>
+          </a:fillRef>
+          <a:effectRef idx="0">
+            <a:schemeClr val="dk1"/>
+          </a:effectRef>
+          <a:fontRef idx="minor">
+            <a:schemeClr val="dk1"/>
+          </a:fontRef>
+        </p:style>
+        <p:txBody>
+          <a:bodyPr rtlCol="0" anchor="ctr"/>
+          <a:lstStyle/>
+          <a:p>
+            <a:pPr algn="ctr"/>
+            <a:r>
+              <a:rPr lang="en-US" altLang="ko-KR" sz="1100"/>
+              <a:t>Service B Response</a:t>
+            </a:r>
+            <a:endParaRPr lang="ko-KR" altLang="en-US" sz="1100" dirty="0"/>
+          </a:p>
+        </p:txBody>
+      </p:sp>
+      <p:cxnSp>
+        <p:nvCxnSpPr>
+          <p:cNvPr id="96" name="직선 화살표 연결선 95">
+            <a:extLst>
+              <a:ext uri="{FF2B5EF4-FFF2-40B4-BE49-F238E27FC236}">
+                <a16:creationId xmlns:a16="http://schemas.microsoft.com/office/drawing/2014/main" id="{55EF8D6C-97FA-40BC-A6EF-01C4282098C0}"/>
+              </a:ext>
+            </a:extLst>
+          </p:cNvPr>
+          <p:cNvCxnSpPr>
+            <a:cxnSpLocks/>
+          </p:cNvCxnSpPr>
+          <p:nvPr/>
+        </p:nvCxnSpPr>
+        <p:spPr>
+          <a:xfrm>
+            <a:off x="5607853" y="3899459"/>
+            <a:ext cx="2086339" cy="0"/>
+          </a:xfrm>
+          <a:prstGeom prst="straightConnector1">
+            <a:avLst/>
+          </a:prstGeom>
+          <a:ln w="19050">
+            <a:solidFill>
+              <a:schemeClr val="tx1"/>
+            </a:solidFill>
+            <a:headEnd type="arrow" w="med" len="med"/>
+            <a:tailEnd type="none" w="med" len="med"/>
+          </a:ln>
+        </p:spPr>
+        <p:style>
+          <a:lnRef idx="1">
+            <a:schemeClr val="accent1"/>
+          </a:lnRef>
+          <a:fillRef idx="0">
+            <a:schemeClr val="accent1"/>
+          </a:fillRef>
+          <a:effectRef idx="0">
+            <a:schemeClr val="accent1"/>
+          </a:effectRef>
+          <a:fontRef idx="minor">
+            <a:schemeClr val="tx1"/>
+          </a:fontRef>
+        </p:style>
+      </p:cxnSp>
+      <p:sp>
+        <p:nvSpPr>
+          <p:cNvPr id="104" name="모서리가 둥근 직사각형 36">
+            <a:extLst>
+              <a:ext uri="{FF2B5EF4-FFF2-40B4-BE49-F238E27FC236}">
+                <a16:creationId xmlns:a16="http://schemas.microsoft.com/office/drawing/2014/main" id="{6B418A94-4282-4DCC-8D81-0C469087C5D8}"/>
+              </a:ext>
+            </a:extLst>
+          </p:cNvPr>
+          <p:cNvSpPr/>
+          <p:nvPr/>
+        </p:nvSpPr>
+        <p:spPr>
+          <a:xfrm>
+            <a:off x="1439653" y="3979006"/>
+            <a:ext cx="4168200" cy="252028"/>
+          </a:xfrm>
+          <a:prstGeom prst="roundRect">
+            <a:avLst/>
+          </a:prstGeom>
+          <a:noFill/>
+          <a:ln>
+            <a:noFill/>
+          </a:ln>
+        </p:spPr>
+        <p:style>
+          <a:lnRef idx="2">
+            <a:schemeClr val="dk1"/>
+          </a:lnRef>
+          <a:fillRef idx="1">
+            <a:schemeClr val="lt1"/>
+          </a:fillRef>
+          <a:effectRef idx="0">
+            <a:schemeClr val="dk1"/>
+          </a:effectRef>
+          <a:fontRef idx="minor">
+            <a:schemeClr val="dk1"/>
+          </a:fontRef>
+        </p:style>
+        <p:txBody>
+          <a:bodyPr rtlCol="0" anchor="ctr"/>
+          <a:lstStyle/>
+          <a:p>
+            <a:pPr algn="ctr"/>
+            <a:r>
+              <a:rPr lang="en-US" altLang="ko-KR" sz="1100"/>
+              <a:t>Service A Response</a:t>
+            </a:r>
+            <a:endParaRPr lang="ko-KR" altLang="en-US" sz="1100" dirty="0"/>
+          </a:p>
+        </p:txBody>
+      </p:sp>
+      <p:cxnSp>
+        <p:nvCxnSpPr>
+          <p:cNvPr id="105" name="직선 화살표 연결선 104">
+            <a:extLst>
+              <a:ext uri="{FF2B5EF4-FFF2-40B4-BE49-F238E27FC236}">
+                <a16:creationId xmlns:a16="http://schemas.microsoft.com/office/drawing/2014/main" id="{ACA48F25-4434-4F5E-8495-0003BCFC51AD}"/>
+              </a:ext>
+            </a:extLst>
+          </p:cNvPr>
+          <p:cNvCxnSpPr>
+            <a:cxnSpLocks/>
+          </p:cNvCxnSpPr>
+          <p:nvPr/>
+        </p:nvCxnSpPr>
+        <p:spPr>
+          <a:xfrm>
+            <a:off x="1439656" y="4226094"/>
+            <a:ext cx="4168196" cy="0"/>
+          </a:xfrm>
+          <a:prstGeom prst="straightConnector1">
+            <a:avLst/>
+          </a:prstGeom>
+          <a:ln w="19050">
+            <a:solidFill>
+              <a:schemeClr val="tx1"/>
+            </a:solidFill>
+            <a:headEnd type="arrow" w="med" len="med"/>
+            <a:tailEnd type="none" w="med" len="med"/>
+          </a:ln>
+        </p:spPr>
+        <p:style>
+          <a:lnRef idx="1">
+            <a:schemeClr val="accent1"/>
+          </a:lnRef>
+          <a:fillRef idx="0">
+            <a:schemeClr val="accent1"/>
+          </a:fillRef>
+          <a:effectRef idx="0">
+            <a:schemeClr val="accent1"/>
+          </a:effectRef>
+          <a:fontRef idx="minor">
+            <a:schemeClr val="tx1"/>
+          </a:fontRef>
+        </p:style>
+      </p:cxnSp>
+    </p:spTree>
+    <p:extLst>
+      <p:ext uri="{BB962C8B-B14F-4D97-AF65-F5344CB8AC3E}">
+        <p14:creationId xmlns:p14="http://schemas.microsoft.com/office/powerpoint/2010/main" val="416365689"/>
+      </p:ext>
+    </p:extLst>
+  </p:cSld>
+  <p:clrMapOvr>
+    <a:masterClrMapping/>
+  </p:clrMapOvr>
+</p:sld>
+</file>
+
+<file path=ppt/slides/slide7.xml><?xml version="1.0" encoding="utf-8"?>
 <p:sld xmlns:a="http://schemas.openxmlformats.org/drawingml/2006/main" xmlns:r="http://schemas.openxmlformats.org/officeDocument/2006/relationships" xmlns:p="http://schemas.openxmlformats.org/presentationml/2006/main">
   <p:cSld>
     <p:spTree>

--- a/images/theory_analysis/OpenStack_Keystone/OpenStack_Keystone.pptx
+++ b/images/theory_analysis/OpenStack_Keystone/OpenStack_Keystone.pptx
@@ -5,16 +5,18 @@
     <p:sldMasterId id="2147483648" r:id="rId1"/>
   </p:sldMasterIdLst>
   <p:notesMasterIdLst>
-    <p:notesMasterId r:id="rId9"/>
+    <p:notesMasterId r:id="rId11"/>
   </p:notesMasterIdLst>
   <p:sldIdLst>
     <p:sldId id="385" r:id="rId2"/>
-    <p:sldId id="382" r:id="rId3"/>
-    <p:sldId id="387" r:id="rId4"/>
-    <p:sldId id="383" r:id="rId5"/>
-    <p:sldId id="384" r:id="rId6"/>
-    <p:sldId id="386" r:id="rId7"/>
-    <p:sldId id="380" r:id="rId8"/>
+    <p:sldId id="388" r:id="rId3"/>
+    <p:sldId id="382" r:id="rId4"/>
+    <p:sldId id="387" r:id="rId5"/>
+    <p:sldId id="383" r:id="rId6"/>
+    <p:sldId id="389" r:id="rId7"/>
+    <p:sldId id="384" r:id="rId8"/>
+    <p:sldId id="386" r:id="rId9"/>
+    <p:sldId id="380" r:id="rId10"/>
   </p:sldIdLst>
   <p:sldSz cx="9144000" cy="5143500" type="screen16x9"/>
   <p:notesSz cx="6858000" cy="9144000"/>
@@ -644,7 +646,7 @@
     </p:spTree>
     <p:extLst>
       <p:ext uri="{BB962C8B-B14F-4D97-AF65-F5344CB8AC3E}">
-        <p14:creationId xmlns:p14="http://schemas.microsoft.com/office/powerpoint/2010/main" val="372685126"/>
+        <p14:creationId xmlns:p14="http://schemas.microsoft.com/office/powerpoint/2010/main" val="2143778241"/>
       </p:ext>
     </p:extLst>
   </p:cSld>
@@ -728,7 +730,7 @@
     </p:spTree>
     <p:extLst>
       <p:ext uri="{BB962C8B-B14F-4D97-AF65-F5344CB8AC3E}">
-        <p14:creationId xmlns:p14="http://schemas.microsoft.com/office/powerpoint/2010/main" val="1131056882"/>
+        <p14:creationId xmlns:p14="http://schemas.microsoft.com/office/powerpoint/2010/main" val="372685126"/>
       </p:ext>
     </p:extLst>
   </p:cSld>
@@ -803,7 +805,7 @@
           <a:p>
             <a:fld id="{BA5DFA43-8D57-47FB-BC46-057616015C3B}" type="slidenum">
               <a:rPr lang="ko-KR" altLang="en-US" smtClean="0"/>
-              <a:t>5</a:t>
+              <a:t>4</a:t>
             </a:fld>
             <a:endParaRPr lang="ko-KR" altLang="en-US"/>
           </a:p>
@@ -812,7 +814,7 @@
     </p:spTree>
     <p:extLst>
       <p:ext uri="{BB962C8B-B14F-4D97-AF65-F5344CB8AC3E}">
-        <p14:creationId xmlns:p14="http://schemas.microsoft.com/office/powerpoint/2010/main" val="438943059"/>
+        <p14:creationId xmlns:p14="http://schemas.microsoft.com/office/powerpoint/2010/main" val="1131056882"/>
       </p:ext>
     </p:extLst>
   </p:cSld>
@@ -896,7 +898,7 @@
     </p:spTree>
     <p:extLst>
       <p:ext uri="{BB962C8B-B14F-4D97-AF65-F5344CB8AC3E}">
-        <p14:creationId xmlns:p14="http://schemas.microsoft.com/office/powerpoint/2010/main" val="12973732"/>
+        <p14:creationId xmlns:p14="http://schemas.microsoft.com/office/powerpoint/2010/main" val="2264574174"/>
       </p:ext>
     </p:extLst>
   </p:cSld>
@@ -972,6 +974,174 @@
             <a:fld id="{BA5DFA43-8D57-47FB-BC46-057616015C3B}" type="slidenum">
               <a:rPr lang="ko-KR" altLang="en-US" smtClean="0"/>
               <a:t>7</a:t>
+            </a:fld>
+            <a:endParaRPr lang="ko-KR" altLang="en-US"/>
+          </a:p>
+        </p:txBody>
+      </p:sp>
+    </p:spTree>
+    <p:extLst>
+      <p:ext uri="{BB962C8B-B14F-4D97-AF65-F5344CB8AC3E}">
+        <p14:creationId xmlns:p14="http://schemas.microsoft.com/office/powerpoint/2010/main" val="438943059"/>
+      </p:ext>
+    </p:extLst>
+  </p:cSld>
+  <p:clrMapOvr>
+    <a:masterClrMapping/>
+  </p:clrMapOvr>
+</p:notes>
+</file>
+
+<file path=ppt/notesSlides/notesSlide7.xml><?xml version="1.0" encoding="utf-8"?>
+<p:notes xmlns:a="http://schemas.openxmlformats.org/drawingml/2006/main" xmlns:r="http://schemas.openxmlformats.org/officeDocument/2006/relationships" xmlns:p="http://schemas.openxmlformats.org/presentationml/2006/main">
+  <p:cSld>
+    <p:spTree>
+      <p:nvGrpSpPr>
+        <p:cNvPr id="1" name=""/>
+        <p:cNvGrpSpPr/>
+        <p:nvPr/>
+      </p:nvGrpSpPr>
+      <p:grpSpPr>
+        <a:xfrm>
+          <a:off x="0" y="0"/>
+          <a:ext cx="0" cy="0"/>
+          <a:chOff x="0" y="0"/>
+          <a:chExt cx="0" cy="0"/>
+        </a:xfrm>
+      </p:grpSpPr>
+      <p:sp>
+        <p:nvSpPr>
+          <p:cNvPr id="2" name="슬라이드 이미지 개체 틀 1"/>
+          <p:cNvSpPr>
+            <a:spLocks noGrp="1" noRot="1" noChangeAspect="1"/>
+          </p:cNvSpPr>
+          <p:nvPr>
+            <p:ph type="sldImg"/>
+          </p:nvPr>
+        </p:nvSpPr>
+        <p:spPr/>
+      </p:sp>
+      <p:sp>
+        <p:nvSpPr>
+          <p:cNvPr id="3" name="슬라이드 노트 개체 틀 2"/>
+          <p:cNvSpPr>
+            <a:spLocks noGrp="1"/>
+          </p:cNvSpPr>
+          <p:nvPr>
+            <p:ph type="body" idx="1"/>
+          </p:nvPr>
+        </p:nvSpPr>
+        <p:spPr/>
+        <p:txBody>
+          <a:bodyPr/>
+          <a:lstStyle/>
+          <a:p>
+            <a:endParaRPr lang="ko-KR" altLang="en-US"/>
+          </a:p>
+        </p:txBody>
+      </p:sp>
+      <p:sp>
+        <p:nvSpPr>
+          <p:cNvPr id="4" name="슬라이드 번호 개체 틀 3"/>
+          <p:cNvSpPr>
+            <a:spLocks noGrp="1"/>
+          </p:cNvSpPr>
+          <p:nvPr>
+            <p:ph type="sldNum" sz="quarter" idx="5"/>
+          </p:nvPr>
+        </p:nvSpPr>
+        <p:spPr/>
+        <p:txBody>
+          <a:bodyPr/>
+          <a:lstStyle/>
+          <a:p>
+            <a:fld id="{BA5DFA43-8D57-47FB-BC46-057616015C3B}" type="slidenum">
+              <a:rPr lang="ko-KR" altLang="en-US" smtClean="0"/>
+              <a:t>8</a:t>
+            </a:fld>
+            <a:endParaRPr lang="ko-KR" altLang="en-US"/>
+          </a:p>
+        </p:txBody>
+      </p:sp>
+    </p:spTree>
+    <p:extLst>
+      <p:ext uri="{BB962C8B-B14F-4D97-AF65-F5344CB8AC3E}">
+        <p14:creationId xmlns:p14="http://schemas.microsoft.com/office/powerpoint/2010/main" val="12973732"/>
+      </p:ext>
+    </p:extLst>
+  </p:cSld>
+  <p:clrMapOvr>
+    <a:masterClrMapping/>
+  </p:clrMapOvr>
+</p:notes>
+</file>
+
+<file path=ppt/notesSlides/notesSlide8.xml><?xml version="1.0" encoding="utf-8"?>
+<p:notes xmlns:a="http://schemas.openxmlformats.org/drawingml/2006/main" xmlns:r="http://schemas.openxmlformats.org/officeDocument/2006/relationships" xmlns:p="http://schemas.openxmlformats.org/presentationml/2006/main">
+  <p:cSld>
+    <p:spTree>
+      <p:nvGrpSpPr>
+        <p:cNvPr id="1" name=""/>
+        <p:cNvGrpSpPr/>
+        <p:nvPr/>
+      </p:nvGrpSpPr>
+      <p:grpSpPr>
+        <a:xfrm>
+          <a:off x="0" y="0"/>
+          <a:ext cx="0" cy="0"/>
+          <a:chOff x="0" y="0"/>
+          <a:chExt cx="0" cy="0"/>
+        </a:xfrm>
+      </p:grpSpPr>
+      <p:sp>
+        <p:nvSpPr>
+          <p:cNvPr id="2" name="슬라이드 이미지 개체 틀 1"/>
+          <p:cNvSpPr>
+            <a:spLocks noGrp="1" noRot="1" noChangeAspect="1"/>
+          </p:cNvSpPr>
+          <p:nvPr>
+            <p:ph type="sldImg"/>
+          </p:nvPr>
+        </p:nvSpPr>
+        <p:spPr/>
+      </p:sp>
+      <p:sp>
+        <p:nvSpPr>
+          <p:cNvPr id="3" name="슬라이드 노트 개체 틀 2"/>
+          <p:cNvSpPr>
+            <a:spLocks noGrp="1"/>
+          </p:cNvSpPr>
+          <p:nvPr>
+            <p:ph type="body" idx="1"/>
+          </p:nvPr>
+        </p:nvSpPr>
+        <p:spPr/>
+        <p:txBody>
+          <a:bodyPr/>
+          <a:lstStyle/>
+          <a:p>
+            <a:endParaRPr lang="ko-KR" altLang="en-US"/>
+          </a:p>
+        </p:txBody>
+      </p:sp>
+      <p:sp>
+        <p:nvSpPr>
+          <p:cNvPr id="4" name="슬라이드 번호 개체 틀 3"/>
+          <p:cNvSpPr>
+            <a:spLocks noGrp="1"/>
+          </p:cNvSpPr>
+          <p:nvPr>
+            <p:ph type="sldNum" sz="quarter" idx="5"/>
+          </p:nvPr>
+        </p:nvSpPr>
+        <p:spPr/>
+        <p:txBody>
+          <a:bodyPr/>
+          <a:lstStyle/>
+          <a:p>
+            <a:fld id="{BA5DFA43-8D57-47FB-BC46-057616015C3B}" type="slidenum">
+              <a:rPr lang="ko-KR" altLang="en-US" smtClean="0"/>
+              <a:t>9</a:t>
             </a:fld>
             <a:endParaRPr lang="ko-KR" altLang="en-US"/>
           </a:p>
@@ -5128,6 +5298,2790 @@
         </p:spPr>
         <p:txBody>
           <a:bodyPr>
+            <a:normAutofit/>
+          </a:bodyPr>
+          <a:lstStyle/>
+          <a:p>
+            <a:r>
+              <a:rPr lang="en-US" altLang="ko-KR" sz="3600"/>
+              <a:t>Keystone Components</a:t>
+            </a:r>
+            <a:endParaRPr lang="ko-KR" altLang="en-US" sz="3600" dirty="0"/>
+          </a:p>
+        </p:txBody>
+      </p:sp>
+      <p:sp>
+        <p:nvSpPr>
+          <p:cNvPr id="69" name="사각형: 둥근 모서리 68">
+            <a:extLst>
+              <a:ext uri="{FF2B5EF4-FFF2-40B4-BE49-F238E27FC236}">
+                <a16:creationId xmlns:a16="http://schemas.microsoft.com/office/drawing/2014/main" id="{9A30EE1B-174C-41E6-AC09-BC098514D035}"/>
+              </a:ext>
+            </a:extLst>
+          </p:cNvPr>
+          <p:cNvSpPr/>
+          <p:nvPr/>
+        </p:nvSpPr>
+        <p:spPr>
+          <a:xfrm>
+            <a:off x="2309812" y="627534"/>
+            <a:ext cx="4668837" cy="3206772"/>
+          </a:xfrm>
+          <a:prstGeom prst="roundRect">
+            <a:avLst>
+              <a:gd name="adj" fmla="val 1969"/>
+            </a:avLst>
+          </a:prstGeom>
+        </p:spPr>
+        <p:style>
+          <a:lnRef idx="2">
+            <a:schemeClr val="dk1"/>
+          </a:lnRef>
+          <a:fillRef idx="1">
+            <a:schemeClr val="lt1"/>
+          </a:fillRef>
+          <a:effectRef idx="0">
+            <a:schemeClr val="dk1"/>
+          </a:effectRef>
+          <a:fontRef idx="minor">
+            <a:schemeClr val="dk1"/>
+          </a:fontRef>
+        </p:style>
+        <p:txBody>
+          <a:bodyPr rtlCol="0" anchor="t"/>
+          <a:lstStyle/>
+          <a:p>
+            <a:pPr algn="ctr"/>
+            <a:r>
+              <a:rPr lang="en-US" altLang="ko-KR" sz="1100" b="1"/>
+              <a:t>Domain A</a:t>
+            </a:r>
+            <a:endParaRPr lang="ko-KR" altLang="en-US" sz="1100" b="1"/>
+          </a:p>
+        </p:txBody>
+      </p:sp>
+      <p:grpSp>
+        <p:nvGrpSpPr>
+          <p:cNvPr id="104" name="그룹 103">
+            <a:extLst>
+              <a:ext uri="{FF2B5EF4-FFF2-40B4-BE49-F238E27FC236}">
+                <a16:creationId xmlns:a16="http://schemas.microsoft.com/office/drawing/2014/main" id="{BC0413D2-1418-4D62-BEFE-5C5043D6F09F}"/>
+              </a:ext>
+            </a:extLst>
+          </p:cNvPr>
+          <p:cNvGrpSpPr/>
+          <p:nvPr/>
+        </p:nvGrpSpPr>
+        <p:grpSpPr>
+          <a:xfrm>
+            <a:off x="4920781" y="915566"/>
+            <a:ext cx="1600882" cy="720080"/>
+            <a:chOff x="5940152" y="915566"/>
+            <a:chExt cx="1872208" cy="720080"/>
+          </a:xfrm>
+        </p:grpSpPr>
+        <p:sp>
+          <p:nvSpPr>
+            <p:cNvPr id="105" name="사각형: 둥근 모서리 104">
+              <a:extLst>
+                <a:ext uri="{FF2B5EF4-FFF2-40B4-BE49-F238E27FC236}">
+                  <a16:creationId xmlns:a16="http://schemas.microsoft.com/office/drawing/2014/main" id="{691869DD-A140-4E57-B74A-69E0D20EFA9E}"/>
+                </a:ext>
+              </a:extLst>
+            </p:cNvPr>
+            <p:cNvSpPr/>
+            <p:nvPr/>
+          </p:nvSpPr>
+          <p:spPr>
+            <a:xfrm>
+              <a:off x="5940152" y="915566"/>
+              <a:ext cx="1872208" cy="720080"/>
+            </a:xfrm>
+            <a:prstGeom prst="roundRect">
+              <a:avLst>
+                <a:gd name="adj" fmla="val 6466"/>
+              </a:avLst>
+            </a:prstGeom>
+          </p:spPr>
+          <p:style>
+            <a:lnRef idx="2">
+              <a:schemeClr val="dk1"/>
+            </a:lnRef>
+            <a:fillRef idx="1">
+              <a:schemeClr val="lt1"/>
+            </a:fillRef>
+            <a:effectRef idx="0">
+              <a:schemeClr val="dk1"/>
+            </a:effectRef>
+            <a:fontRef idx="minor">
+              <a:schemeClr val="dk1"/>
+            </a:fontRef>
+          </p:style>
+          <p:txBody>
+            <a:bodyPr rtlCol="0" anchor="t"/>
+            <a:lstStyle/>
+            <a:p>
+              <a:pPr algn="ctr"/>
+              <a:r>
+                <a:rPr lang="en-US" altLang="ko-KR" sz="1100" b="1"/>
+                <a:t>Group A</a:t>
+              </a:r>
+              <a:endParaRPr lang="ko-KR" altLang="en-US" sz="1100" b="1"/>
+            </a:p>
+          </p:txBody>
+        </p:sp>
+        <p:sp>
+          <p:nvSpPr>
+            <p:cNvPr id="106" name="사각형: 둥근 모서리 105">
+              <a:extLst>
+                <a:ext uri="{FF2B5EF4-FFF2-40B4-BE49-F238E27FC236}">
+                  <a16:creationId xmlns:a16="http://schemas.microsoft.com/office/drawing/2014/main" id="{C710C8B5-5297-4464-8A5A-CAB12E61C3B1}"/>
+                </a:ext>
+              </a:extLst>
+            </p:cNvPr>
+            <p:cNvSpPr/>
+            <p:nvPr/>
+          </p:nvSpPr>
+          <p:spPr>
+            <a:xfrm>
+              <a:off x="6040437" y="1253505"/>
+              <a:ext cx="782370" cy="288032"/>
+            </a:xfrm>
+            <a:prstGeom prst="roundRect">
+              <a:avLst>
+                <a:gd name="adj" fmla="val 13219"/>
+              </a:avLst>
+            </a:prstGeom>
+          </p:spPr>
+          <p:style>
+            <a:lnRef idx="2">
+              <a:schemeClr val="dk1"/>
+            </a:lnRef>
+            <a:fillRef idx="1">
+              <a:schemeClr val="lt1"/>
+            </a:fillRef>
+            <a:effectRef idx="0">
+              <a:schemeClr val="dk1"/>
+            </a:effectRef>
+            <a:fontRef idx="minor">
+              <a:schemeClr val="dk1"/>
+            </a:fontRef>
+          </p:style>
+          <p:txBody>
+            <a:bodyPr rtlCol="0" anchor="ctr"/>
+            <a:lstStyle/>
+            <a:p>
+              <a:pPr algn="ctr"/>
+              <a:r>
+                <a:rPr lang="en-US" altLang="ko-KR" sz="1100"/>
+                <a:t>User A</a:t>
+              </a:r>
+              <a:endParaRPr lang="ko-KR" altLang="en-US" sz="1100"/>
+            </a:p>
+          </p:txBody>
+        </p:sp>
+        <p:sp>
+          <p:nvSpPr>
+            <p:cNvPr id="107" name="사각형: 둥근 모서리 106">
+              <a:extLst>
+                <a:ext uri="{FF2B5EF4-FFF2-40B4-BE49-F238E27FC236}">
+                  <a16:creationId xmlns:a16="http://schemas.microsoft.com/office/drawing/2014/main" id="{35878E8A-D92E-4367-BFC7-02E9690D0B0C}"/>
+                </a:ext>
+              </a:extLst>
+            </p:cNvPr>
+            <p:cNvSpPr/>
+            <p:nvPr/>
+          </p:nvSpPr>
+          <p:spPr>
+            <a:xfrm>
+              <a:off x="6928739" y="1253505"/>
+              <a:ext cx="782370" cy="288032"/>
+            </a:xfrm>
+            <a:prstGeom prst="roundRect">
+              <a:avLst>
+                <a:gd name="adj" fmla="val 13219"/>
+              </a:avLst>
+            </a:prstGeom>
+          </p:spPr>
+          <p:style>
+            <a:lnRef idx="2">
+              <a:schemeClr val="dk1"/>
+            </a:lnRef>
+            <a:fillRef idx="1">
+              <a:schemeClr val="lt1"/>
+            </a:fillRef>
+            <a:effectRef idx="0">
+              <a:schemeClr val="dk1"/>
+            </a:effectRef>
+            <a:fontRef idx="minor">
+              <a:schemeClr val="dk1"/>
+            </a:fontRef>
+          </p:style>
+          <p:txBody>
+            <a:bodyPr rtlCol="0" anchor="ctr"/>
+            <a:lstStyle/>
+            <a:p>
+              <a:pPr algn="ctr"/>
+              <a:r>
+                <a:rPr lang="en-US" altLang="ko-KR" sz="1100"/>
+                <a:t>User B</a:t>
+              </a:r>
+              <a:endParaRPr lang="ko-KR" altLang="en-US" sz="1100"/>
+            </a:p>
+          </p:txBody>
+        </p:sp>
+      </p:grpSp>
+      <p:sp>
+        <p:nvSpPr>
+          <p:cNvPr id="83" name="사각형: 둥근 모서리 82">
+            <a:extLst>
+              <a:ext uri="{FF2B5EF4-FFF2-40B4-BE49-F238E27FC236}">
+                <a16:creationId xmlns:a16="http://schemas.microsoft.com/office/drawing/2014/main" id="{BACACC56-F396-48D0-904B-AC2A0B3D8C13}"/>
+              </a:ext>
+            </a:extLst>
+          </p:cNvPr>
+          <p:cNvSpPr/>
+          <p:nvPr/>
+        </p:nvSpPr>
+        <p:spPr>
+          <a:xfrm>
+            <a:off x="2683960" y="915566"/>
+            <a:ext cx="1031540" cy="288032"/>
+          </a:xfrm>
+          <a:prstGeom prst="roundRect">
+            <a:avLst>
+              <a:gd name="adj" fmla="val 13219"/>
+            </a:avLst>
+          </a:prstGeom>
+        </p:spPr>
+        <p:style>
+          <a:lnRef idx="2">
+            <a:schemeClr val="dk1"/>
+          </a:lnRef>
+          <a:fillRef idx="1">
+            <a:schemeClr val="lt1"/>
+          </a:fillRef>
+          <a:effectRef idx="0">
+            <a:schemeClr val="dk1"/>
+          </a:effectRef>
+          <a:fontRef idx="minor">
+            <a:schemeClr val="dk1"/>
+          </a:fontRef>
+        </p:style>
+        <p:txBody>
+          <a:bodyPr rtlCol="0" anchor="ctr"/>
+          <a:lstStyle/>
+          <a:p>
+            <a:pPr algn="ctr"/>
+            <a:r>
+              <a:rPr lang="en-US" altLang="ko-KR" sz="1100"/>
+              <a:t>User A</a:t>
+            </a:r>
+            <a:endParaRPr lang="ko-KR" altLang="en-US" sz="1100"/>
+          </a:p>
+        </p:txBody>
+      </p:sp>
+      <p:sp>
+        <p:nvSpPr>
+          <p:cNvPr id="109" name="사각형: 둥근 모서리 108">
+            <a:extLst>
+              <a:ext uri="{FF2B5EF4-FFF2-40B4-BE49-F238E27FC236}">
+                <a16:creationId xmlns:a16="http://schemas.microsoft.com/office/drawing/2014/main" id="{4B098BEB-5D73-4E99-9A5C-D717406F9ECA}"/>
+              </a:ext>
+            </a:extLst>
+          </p:cNvPr>
+          <p:cNvSpPr/>
+          <p:nvPr/>
+        </p:nvSpPr>
+        <p:spPr>
+          <a:xfrm>
+            <a:off x="3803041" y="915566"/>
+            <a:ext cx="1031540" cy="288032"/>
+          </a:xfrm>
+          <a:prstGeom prst="roundRect">
+            <a:avLst>
+              <a:gd name="adj" fmla="val 13219"/>
+            </a:avLst>
+          </a:prstGeom>
+        </p:spPr>
+        <p:style>
+          <a:lnRef idx="2">
+            <a:schemeClr val="dk1"/>
+          </a:lnRef>
+          <a:fillRef idx="1">
+            <a:schemeClr val="lt1"/>
+          </a:fillRef>
+          <a:effectRef idx="0">
+            <a:schemeClr val="dk1"/>
+          </a:effectRef>
+          <a:fontRef idx="minor">
+            <a:schemeClr val="dk1"/>
+          </a:fontRef>
+        </p:style>
+        <p:txBody>
+          <a:bodyPr rtlCol="0" anchor="ctr"/>
+          <a:lstStyle/>
+          <a:p>
+            <a:pPr algn="ctr"/>
+            <a:r>
+              <a:rPr lang="en-US" altLang="ko-KR" sz="1100"/>
+              <a:t>User B</a:t>
+            </a:r>
+            <a:endParaRPr lang="ko-KR" altLang="en-US" sz="1100"/>
+          </a:p>
+        </p:txBody>
+      </p:sp>
+      <p:sp>
+        <p:nvSpPr>
+          <p:cNvPr id="87" name="사각형: 둥근 모서리 86">
+            <a:extLst>
+              <a:ext uri="{FF2B5EF4-FFF2-40B4-BE49-F238E27FC236}">
+                <a16:creationId xmlns:a16="http://schemas.microsoft.com/office/drawing/2014/main" id="{E980F60F-E9B9-460C-A002-710652D05D91}"/>
+              </a:ext>
+            </a:extLst>
+          </p:cNvPr>
+          <p:cNvSpPr/>
+          <p:nvPr/>
+        </p:nvSpPr>
+        <p:spPr>
+          <a:xfrm>
+            <a:off x="2388899" y="1838850"/>
+            <a:ext cx="2192710" cy="1750511"/>
+          </a:xfrm>
+          <a:prstGeom prst="roundRect">
+            <a:avLst>
+              <a:gd name="adj" fmla="val 3750"/>
+            </a:avLst>
+          </a:prstGeom>
+        </p:spPr>
+        <p:style>
+          <a:lnRef idx="2">
+            <a:schemeClr val="dk1"/>
+          </a:lnRef>
+          <a:fillRef idx="1">
+            <a:schemeClr val="lt1"/>
+          </a:fillRef>
+          <a:effectRef idx="0">
+            <a:schemeClr val="dk1"/>
+          </a:effectRef>
+          <a:fontRef idx="minor">
+            <a:schemeClr val="dk1"/>
+          </a:fontRef>
+        </p:style>
+        <p:txBody>
+          <a:bodyPr rtlCol="0" anchor="t"/>
+          <a:lstStyle/>
+          <a:p>
+            <a:pPr algn="ctr"/>
+            <a:r>
+              <a:rPr lang="en-US" altLang="ko-KR" sz="1100" b="1"/>
+              <a:t>Project A</a:t>
+            </a:r>
+            <a:endParaRPr lang="ko-KR" altLang="en-US" sz="1100" b="1"/>
+          </a:p>
+        </p:txBody>
+      </p:sp>
+      <p:sp>
+        <p:nvSpPr>
+          <p:cNvPr id="111" name="사각형: 둥근 모서리 110">
+            <a:extLst>
+              <a:ext uri="{FF2B5EF4-FFF2-40B4-BE49-F238E27FC236}">
+                <a16:creationId xmlns:a16="http://schemas.microsoft.com/office/drawing/2014/main" id="{A672035C-FCB7-4AC4-9157-3D2D68F842CF}"/>
+              </a:ext>
+            </a:extLst>
+          </p:cNvPr>
+          <p:cNvSpPr/>
+          <p:nvPr/>
+        </p:nvSpPr>
+        <p:spPr>
+          <a:xfrm>
+            <a:off x="2473076" y="2511685"/>
+            <a:ext cx="1012178" cy="288032"/>
+          </a:xfrm>
+          <a:prstGeom prst="roundRect">
+            <a:avLst>
+              <a:gd name="adj" fmla="val 13219"/>
+            </a:avLst>
+          </a:prstGeom>
+        </p:spPr>
+        <p:style>
+          <a:lnRef idx="2">
+            <a:schemeClr val="dk1"/>
+          </a:lnRef>
+          <a:fillRef idx="1">
+            <a:schemeClr val="lt1"/>
+          </a:fillRef>
+          <a:effectRef idx="0">
+            <a:schemeClr val="dk1"/>
+          </a:effectRef>
+          <a:fontRef idx="minor">
+            <a:schemeClr val="dk1"/>
+          </a:fontRef>
+        </p:style>
+        <p:txBody>
+          <a:bodyPr rtlCol="0" anchor="ctr"/>
+          <a:lstStyle/>
+          <a:p>
+            <a:pPr algn="ctr"/>
+            <a:r>
+              <a:rPr lang="en-US" altLang="ko-KR" sz="1100"/>
+              <a:t>User D</a:t>
+            </a:r>
+            <a:endParaRPr lang="ko-KR" altLang="en-US" sz="1100"/>
+          </a:p>
+        </p:txBody>
+      </p:sp>
+      <p:sp>
+        <p:nvSpPr>
+          <p:cNvPr id="143" name="사각형: 둥근 모서리 142">
+            <a:extLst>
+              <a:ext uri="{FF2B5EF4-FFF2-40B4-BE49-F238E27FC236}">
+                <a16:creationId xmlns:a16="http://schemas.microsoft.com/office/drawing/2014/main" id="{74678865-D19B-4D3D-BA6A-9850C6D84044}"/>
+              </a:ext>
+            </a:extLst>
+          </p:cNvPr>
+          <p:cNvSpPr/>
+          <p:nvPr/>
+        </p:nvSpPr>
+        <p:spPr>
+          <a:xfrm>
+            <a:off x="2473076" y="2869107"/>
+            <a:ext cx="1012178" cy="288032"/>
+          </a:xfrm>
+          <a:prstGeom prst="roundRect">
+            <a:avLst>
+              <a:gd name="adj" fmla="val 13219"/>
+            </a:avLst>
+          </a:prstGeom>
+        </p:spPr>
+        <p:style>
+          <a:lnRef idx="2">
+            <a:schemeClr val="dk1"/>
+          </a:lnRef>
+          <a:fillRef idx="1">
+            <a:schemeClr val="lt1"/>
+          </a:fillRef>
+          <a:effectRef idx="0">
+            <a:schemeClr val="dk1"/>
+          </a:effectRef>
+          <a:fontRef idx="minor">
+            <a:schemeClr val="dk1"/>
+          </a:fontRef>
+        </p:style>
+        <p:txBody>
+          <a:bodyPr rtlCol="0" anchor="ctr"/>
+          <a:lstStyle/>
+          <a:p>
+            <a:pPr algn="ctr"/>
+            <a:r>
+              <a:rPr lang="en-US" altLang="ko-KR" sz="1100"/>
+              <a:t>Group A</a:t>
+            </a:r>
+            <a:endParaRPr lang="ko-KR" altLang="en-US" sz="1100"/>
+          </a:p>
+        </p:txBody>
+      </p:sp>
+      <p:sp>
+        <p:nvSpPr>
+          <p:cNvPr id="147" name="사각형: 둥근 모서리 146">
+            <a:extLst>
+              <a:ext uri="{FF2B5EF4-FFF2-40B4-BE49-F238E27FC236}">
+                <a16:creationId xmlns:a16="http://schemas.microsoft.com/office/drawing/2014/main" id="{6015EB8F-F20C-4234-ACB7-98515C0B01F6}"/>
+              </a:ext>
+            </a:extLst>
+          </p:cNvPr>
+          <p:cNvSpPr/>
+          <p:nvPr/>
+        </p:nvSpPr>
+        <p:spPr>
+          <a:xfrm>
+            <a:off x="3485254" y="2511685"/>
+            <a:ext cx="1012178" cy="288032"/>
+          </a:xfrm>
+          <a:prstGeom prst="roundRect">
+            <a:avLst>
+              <a:gd name="adj" fmla="val 13219"/>
+            </a:avLst>
+          </a:prstGeom>
+        </p:spPr>
+        <p:style>
+          <a:lnRef idx="2">
+            <a:schemeClr val="dk1"/>
+          </a:lnRef>
+          <a:fillRef idx="1">
+            <a:schemeClr val="lt1"/>
+          </a:fillRef>
+          <a:effectRef idx="0">
+            <a:schemeClr val="dk1"/>
+          </a:effectRef>
+          <a:fontRef idx="minor">
+            <a:schemeClr val="dk1"/>
+          </a:fontRef>
+        </p:style>
+        <p:txBody>
+          <a:bodyPr rtlCol="0" anchor="ctr"/>
+          <a:lstStyle/>
+          <a:p>
+            <a:pPr algn="ctr"/>
+            <a:r>
+              <a:rPr lang="en-US" altLang="ko-KR" sz="1100"/>
+              <a:t>Role B</a:t>
+            </a:r>
+            <a:endParaRPr lang="ko-KR" altLang="en-US" sz="1100"/>
+          </a:p>
+        </p:txBody>
+      </p:sp>
+      <p:sp>
+        <p:nvSpPr>
+          <p:cNvPr id="148" name="사각형: 둥근 모서리 147">
+            <a:extLst>
+              <a:ext uri="{FF2B5EF4-FFF2-40B4-BE49-F238E27FC236}">
+                <a16:creationId xmlns:a16="http://schemas.microsoft.com/office/drawing/2014/main" id="{FAC16831-9C61-45FD-9DA5-EAA8CFB91CE1}"/>
+              </a:ext>
+            </a:extLst>
+          </p:cNvPr>
+          <p:cNvSpPr/>
+          <p:nvPr/>
+        </p:nvSpPr>
+        <p:spPr>
+          <a:xfrm>
+            <a:off x="3485254" y="2864197"/>
+            <a:ext cx="1012178" cy="288032"/>
+          </a:xfrm>
+          <a:prstGeom prst="roundRect">
+            <a:avLst>
+              <a:gd name="adj" fmla="val 13219"/>
+            </a:avLst>
+          </a:prstGeom>
+        </p:spPr>
+        <p:style>
+          <a:lnRef idx="2">
+            <a:schemeClr val="dk1"/>
+          </a:lnRef>
+          <a:fillRef idx="1">
+            <a:schemeClr val="lt1"/>
+          </a:fillRef>
+          <a:effectRef idx="0">
+            <a:schemeClr val="dk1"/>
+          </a:effectRef>
+          <a:fontRef idx="minor">
+            <a:schemeClr val="dk1"/>
+          </a:fontRef>
+        </p:style>
+        <p:txBody>
+          <a:bodyPr rtlCol="0" anchor="ctr"/>
+          <a:lstStyle/>
+          <a:p>
+            <a:pPr algn="ctr"/>
+            <a:r>
+              <a:rPr lang="en-US" altLang="ko-KR" sz="1100"/>
+              <a:t>Role A</a:t>
+            </a:r>
+            <a:endParaRPr lang="ko-KR" altLang="en-US" sz="1100"/>
+          </a:p>
+        </p:txBody>
+      </p:sp>
+      <p:sp>
+        <p:nvSpPr>
+          <p:cNvPr id="150" name="사각형: 둥근 모서리 149">
+            <a:extLst>
+              <a:ext uri="{FF2B5EF4-FFF2-40B4-BE49-F238E27FC236}">
+                <a16:creationId xmlns:a16="http://schemas.microsoft.com/office/drawing/2014/main" id="{B347F5C8-38A1-412E-9952-F6BCCCD7381C}"/>
+              </a:ext>
+            </a:extLst>
+          </p:cNvPr>
+          <p:cNvSpPr/>
+          <p:nvPr/>
+        </p:nvSpPr>
+        <p:spPr>
+          <a:xfrm>
+            <a:off x="2473076" y="2154693"/>
+            <a:ext cx="1012178" cy="288032"/>
+          </a:xfrm>
+          <a:prstGeom prst="roundRect">
+            <a:avLst>
+              <a:gd name="adj" fmla="val 13219"/>
+            </a:avLst>
+          </a:prstGeom>
+        </p:spPr>
+        <p:style>
+          <a:lnRef idx="2">
+            <a:schemeClr val="dk1"/>
+          </a:lnRef>
+          <a:fillRef idx="1">
+            <a:schemeClr val="lt1"/>
+          </a:fillRef>
+          <a:effectRef idx="0">
+            <a:schemeClr val="dk1"/>
+          </a:effectRef>
+          <a:fontRef idx="minor">
+            <a:schemeClr val="dk1"/>
+          </a:fontRef>
+        </p:style>
+        <p:txBody>
+          <a:bodyPr rtlCol="0" anchor="ctr"/>
+          <a:lstStyle/>
+          <a:p>
+            <a:pPr algn="ctr"/>
+            <a:r>
+              <a:rPr lang="en-US" altLang="ko-KR" sz="1100"/>
+              <a:t>User C</a:t>
+            </a:r>
+            <a:endParaRPr lang="ko-KR" altLang="en-US" sz="1100"/>
+          </a:p>
+        </p:txBody>
+      </p:sp>
+      <p:sp>
+        <p:nvSpPr>
+          <p:cNvPr id="151" name="사각형: 둥근 모서리 150">
+            <a:extLst>
+              <a:ext uri="{FF2B5EF4-FFF2-40B4-BE49-F238E27FC236}">
+                <a16:creationId xmlns:a16="http://schemas.microsoft.com/office/drawing/2014/main" id="{66617084-AFA3-4A49-82FE-3D430D2B64DB}"/>
+              </a:ext>
+            </a:extLst>
+          </p:cNvPr>
+          <p:cNvSpPr/>
+          <p:nvPr/>
+        </p:nvSpPr>
+        <p:spPr>
+          <a:xfrm>
+            <a:off x="3485254" y="2154693"/>
+            <a:ext cx="1012178" cy="288032"/>
+          </a:xfrm>
+          <a:prstGeom prst="roundRect">
+            <a:avLst>
+              <a:gd name="adj" fmla="val 13219"/>
+            </a:avLst>
+          </a:prstGeom>
+        </p:spPr>
+        <p:style>
+          <a:lnRef idx="2">
+            <a:schemeClr val="dk1"/>
+          </a:lnRef>
+          <a:fillRef idx="1">
+            <a:schemeClr val="lt1"/>
+          </a:fillRef>
+          <a:effectRef idx="0">
+            <a:schemeClr val="dk1"/>
+          </a:effectRef>
+          <a:fontRef idx="minor">
+            <a:schemeClr val="dk1"/>
+          </a:fontRef>
+        </p:style>
+        <p:txBody>
+          <a:bodyPr rtlCol="0" anchor="ctr"/>
+          <a:lstStyle/>
+          <a:p>
+            <a:pPr algn="ctr"/>
+            <a:r>
+              <a:rPr lang="en-US" altLang="ko-KR" sz="1100"/>
+              <a:t>Role A</a:t>
+            </a:r>
+            <a:endParaRPr lang="ko-KR" altLang="en-US" sz="1100"/>
+          </a:p>
+        </p:txBody>
+      </p:sp>
+      <p:cxnSp>
+        <p:nvCxnSpPr>
+          <p:cNvPr id="156" name="직선 화살표 연결선 155">
+            <a:extLst>
+              <a:ext uri="{FF2B5EF4-FFF2-40B4-BE49-F238E27FC236}">
+                <a16:creationId xmlns:a16="http://schemas.microsoft.com/office/drawing/2014/main" id="{86D2F8DE-FB6B-4804-B0C9-0EE541D03DEA}"/>
+              </a:ext>
+            </a:extLst>
+          </p:cNvPr>
+          <p:cNvCxnSpPr>
+            <a:cxnSpLocks/>
+            <a:stCxn id="45" idx="0"/>
+            <a:endCxn id="87" idx="2"/>
+          </p:cNvCxnSpPr>
+          <p:nvPr/>
+        </p:nvCxnSpPr>
+        <p:spPr>
+          <a:xfrm flipV="1">
+            <a:off x="2917730" y="3589361"/>
+            <a:ext cx="567524" cy="319600"/>
+          </a:xfrm>
+          <a:prstGeom prst="straightConnector1">
+            <a:avLst/>
+          </a:prstGeom>
+          <a:ln w="19050">
+            <a:solidFill>
+              <a:schemeClr val="tx1"/>
+            </a:solidFill>
+            <a:headEnd type="none" w="med" len="med"/>
+            <a:tailEnd type="arrow" w="med" len="med"/>
+          </a:ln>
+        </p:spPr>
+        <p:style>
+          <a:lnRef idx="1">
+            <a:schemeClr val="accent1"/>
+          </a:lnRef>
+          <a:fillRef idx="0">
+            <a:schemeClr val="accent1"/>
+          </a:fillRef>
+          <a:effectRef idx="0">
+            <a:schemeClr val="accent1"/>
+          </a:effectRef>
+          <a:fontRef idx="minor">
+            <a:schemeClr val="tx1"/>
+          </a:fontRef>
+        </p:style>
+      </p:cxnSp>
+      <p:sp>
+        <p:nvSpPr>
+          <p:cNvPr id="26" name="사각형: 둥근 모서리 25">
+            <a:extLst>
+              <a:ext uri="{FF2B5EF4-FFF2-40B4-BE49-F238E27FC236}">
+                <a16:creationId xmlns:a16="http://schemas.microsoft.com/office/drawing/2014/main" id="{AED60E89-AAE3-4DF7-AA99-AD3C2F524E75}"/>
+              </a:ext>
+            </a:extLst>
+          </p:cNvPr>
+          <p:cNvSpPr/>
+          <p:nvPr/>
+        </p:nvSpPr>
+        <p:spPr>
+          <a:xfrm>
+            <a:off x="2192608" y="4275485"/>
+            <a:ext cx="2400158" cy="654896"/>
+          </a:xfrm>
+          <a:prstGeom prst="roundRect">
+            <a:avLst>
+              <a:gd name="adj" fmla="val 3742"/>
+            </a:avLst>
+          </a:prstGeom>
+        </p:spPr>
+        <p:style>
+          <a:lnRef idx="2">
+            <a:schemeClr val="dk1"/>
+          </a:lnRef>
+          <a:fillRef idx="1">
+            <a:schemeClr val="lt1"/>
+          </a:fillRef>
+          <a:effectRef idx="0">
+            <a:schemeClr val="dk1"/>
+          </a:effectRef>
+          <a:fontRef idx="minor">
+            <a:schemeClr val="dk1"/>
+          </a:fontRef>
+        </p:style>
+        <p:txBody>
+          <a:bodyPr rtlCol="0" anchor="b"/>
+          <a:lstStyle/>
+          <a:p>
+            <a:pPr algn="ctr"/>
+            <a:r>
+              <a:rPr lang="en-US" altLang="ko-KR" sz="1100" b="1"/>
+              <a:t>Policy</a:t>
+            </a:r>
+            <a:endParaRPr lang="ko-KR" altLang="en-US" sz="1100" b="1"/>
+          </a:p>
+        </p:txBody>
+      </p:sp>
+      <p:sp>
+        <p:nvSpPr>
+          <p:cNvPr id="44" name="사각형: 둥근 모서리 43">
+            <a:extLst>
+              <a:ext uri="{FF2B5EF4-FFF2-40B4-BE49-F238E27FC236}">
+                <a16:creationId xmlns:a16="http://schemas.microsoft.com/office/drawing/2014/main" id="{25B65771-43E1-488A-9B8C-8CFC4A7F22EB}"/>
+              </a:ext>
+            </a:extLst>
+          </p:cNvPr>
+          <p:cNvSpPr/>
+          <p:nvPr/>
+        </p:nvSpPr>
+        <p:spPr>
+          <a:xfrm>
+            <a:off x="3522405" y="3908961"/>
+            <a:ext cx="1070361" cy="288032"/>
+          </a:xfrm>
+          <a:prstGeom prst="roundRect">
+            <a:avLst>
+              <a:gd name="adj" fmla="val 13219"/>
+            </a:avLst>
+          </a:prstGeom>
+        </p:spPr>
+        <p:style>
+          <a:lnRef idx="2">
+            <a:schemeClr val="dk1"/>
+          </a:lnRef>
+          <a:fillRef idx="1">
+            <a:schemeClr val="lt1"/>
+          </a:fillRef>
+          <a:effectRef idx="0">
+            <a:schemeClr val="dk1"/>
+          </a:effectRef>
+          <a:fontRef idx="minor">
+            <a:schemeClr val="dk1"/>
+          </a:fontRef>
+        </p:style>
+        <p:txBody>
+          <a:bodyPr rtlCol="0" anchor="ctr"/>
+          <a:lstStyle/>
+          <a:p>
+            <a:pPr algn="ctr"/>
+            <a:r>
+              <a:rPr lang="en-US" altLang="ko-KR" sz="1100"/>
+              <a:t>Role B</a:t>
+            </a:r>
+            <a:endParaRPr lang="ko-KR" altLang="en-US" sz="1100"/>
+          </a:p>
+        </p:txBody>
+      </p:sp>
+      <p:sp>
+        <p:nvSpPr>
+          <p:cNvPr id="45" name="사각형: 둥근 모서리 44">
+            <a:extLst>
+              <a:ext uri="{FF2B5EF4-FFF2-40B4-BE49-F238E27FC236}">
+                <a16:creationId xmlns:a16="http://schemas.microsoft.com/office/drawing/2014/main" id="{9128F37D-EDAA-4B7B-AD26-A6D67ECF16B6}"/>
+              </a:ext>
+            </a:extLst>
+          </p:cNvPr>
+          <p:cNvSpPr/>
+          <p:nvPr/>
+        </p:nvSpPr>
+        <p:spPr>
+          <a:xfrm>
+            <a:off x="2382549" y="3908961"/>
+            <a:ext cx="1070361" cy="288032"/>
+          </a:xfrm>
+          <a:prstGeom prst="roundRect">
+            <a:avLst>
+              <a:gd name="adj" fmla="val 13219"/>
+            </a:avLst>
+          </a:prstGeom>
+        </p:spPr>
+        <p:style>
+          <a:lnRef idx="2">
+            <a:schemeClr val="dk1"/>
+          </a:lnRef>
+          <a:fillRef idx="1">
+            <a:schemeClr val="lt1"/>
+          </a:fillRef>
+          <a:effectRef idx="0">
+            <a:schemeClr val="dk1"/>
+          </a:effectRef>
+          <a:fontRef idx="minor">
+            <a:schemeClr val="dk1"/>
+          </a:fontRef>
+        </p:style>
+        <p:txBody>
+          <a:bodyPr rtlCol="0" anchor="ctr"/>
+          <a:lstStyle/>
+          <a:p>
+            <a:pPr algn="ctr"/>
+            <a:r>
+              <a:rPr lang="en-US" altLang="ko-KR" sz="1100"/>
+              <a:t>Role A</a:t>
+            </a:r>
+            <a:endParaRPr lang="ko-KR" altLang="en-US" sz="1100"/>
+          </a:p>
+        </p:txBody>
+      </p:sp>
+      <p:sp>
+        <p:nvSpPr>
+          <p:cNvPr id="47" name="사각형: 둥근 모서리 46">
+            <a:extLst>
+              <a:ext uri="{FF2B5EF4-FFF2-40B4-BE49-F238E27FC236}">
+                <a16:creationId xmlns:a16="http://schemas.microsoft.com/office/drawing/2014/main" id="{E6F14D38-85C4-4D4C-9092-FE8887CC60DA}"/>
+              </a:ext>
+            </a:extLst>
+          </p:cNvPr>
+          <p:cNvSpPr/>
+          <p:nvPr/>
+        </p:nvSpPr>
+        <p:spPr>
+          <a:xfrm>
+            <a:off x="4692122" y="3461968"/>
+            <a:ext cx="1070361" cy="288032"/>
+          </a:xfrm>
+          <a:prstGeom prst="roundRect">
+            <a:avLst>
+              <a:gd name="adj" fmla="val 13219"/>
+            </a:avLst>
+          </a:prstGeom>
+        </p:spPr>
+        <p:style>
+          <a:lnRef idx="2">
+            <a:schemeClr val="dk1"/>
+          </a:lnRef>
+          <a:fillRef idx="1">
+            <a:schemeClr val="lt1"/>
+          </a:fillRef>
+          <a:effectRef idx="0">
+            <a:schemeClr val="dk1"/>
+          </a:effectRef>
+          <a:fontRef idx="minor">
+            <a:schemeClr val="dk1"/>
+          </a:fontRef>
+        </p:style>
+        <p:txBody>
+          <a:bodyPr rtlCol="0" anchor="ctr"/>
+          <a:lstStyle/>
+          <a:p>
+            <a:pPr algn="ctr"/>
+            <a:r>
+              <a:rPr lang="en-US" altLang="ko-KR" sz="1100"/>
+              <a:t>Role C</a:t>
+            </a:r>
+            <a:endParaRPr lang="ko-KR" altLang="en-US" sz="1100"/>
+          </a:p>
+        </p:txBody>
+      </p:sp>
+      <p:sp>
+        <p:nvSpPr>
+          <p:cNvPr id="49" name="사각형: 둥근 모서리 48">
+            <a:extLst>
+              <a:ext uri="{FF2B5EF4-FFF2-40B4-BE49-F238E27FC236}">
+                <a16:creationId xmlns:a16="http://schemas.microsoft.com/office/drawing/2014/main" id="{E1215968-125F-4F1C-BF54-B80DA080F8B6}"/>
+              </a:ext>
+            </a:extLst>
+          </p:cNvPr>
+          <p:cNvSpPr/>
+          <p:nvPr/>
+        </p:nvSpPr>
+        <p:spPr>
+          <a:xfrm>
+            <a:off x="5825628" y="3461968"/>
+            <a:ext cx="1070361" cy="288032"/>
+          </a:xfrm>
+          <a:prstGeom prst="roundRect">
+            <a:avLst>
+              <a:gd name="adj" fmla="val 13219"/>
+            </a:avLst>
+          </a:prstGeom>
+        </p:spPr>
+        <p:style>
+          <a:lnRef idx="2">
+            <a:schemeClr val="dk1"/>
+          </a:lnRef>
+          <a:fillRef idx="1">
+            <a:schemeClr val="lt1"/>
+          </a:fillRef>
+          <a:effectRef idx="0">
+            <a:schemeClr val="dk1"/>
+          </a:effectRef>
+          <a:fontRef idx="minor">
+            <a:schemeClr val="dk1"/>
+          </a:fontRef>
+        </p:style>
+        <p:txBody>
+          <a:bodyPr rtlCol="0" anchor="ctr"/>
+          <a:lstStyle/>
+          <a:p>
+            <a:pPr algn="ctr"/>
+            <a:r>
+              <a:rPr lang="en-US" altLang="ko-KR" sz="1100"/>
+              <a:t>Role D</a:t>
+            </a:r>
+            <a:endParaRPr lang="ko-KR" altLang="en-US" sz="1100"/>
+          </a:p>
+        </p:txBody>
+      </p:sp>
+      <p:cxnSp>
+        <p:nvCxnSpPr>
+          <p:cNvPr id="50" name="직선 화살표 연결선 49">
+            <a:extLst>
+              <a:ext uri="{FF2B5EF4-FFF2-40B4-BE49-F238E27FC236}">
+                <a16:creationId xmlns:a16="http://schemas.microsoft.com/office/drawing/2014/main" id="{14F7CC99-ACA6-44AC-A732-DD7545E4F4DC}"/>
+              </a:ext>
+            </a:extLst>
+          </p:cNvPr>
+          <p:cNvCxnSpPr>
+            <a:cxnSpLocks/>
+            <a:stCxn id="28" idx="0"/>
+            <a:endCxn id="45" idx="2"/>
+          </p:cNvCxnSpPr>
+          <p:nvPr/>
+        </p:nvCxnSpPr>
+        <p:spPr>
+          <a:xfrm flipV="1">
+            <a:off x="2618525" y="4196993"/>
+            <a:ext cx="299205" cy="154907"/>
+          </a:xfrm>
+          <a:prstGeom prst="straightConnector1">
+            <a:avLst/>
+          </a:prstGeom>
+          <a:ln w="19050">
+            <a:solidFill>
+              <a:schemeClr val="tx1"/>
+            </a:solidFill>
+            <a:headEnd type="none" w="med" len="med"/>
+            <a:tailEnd type="arrow" w="med" len="med"/>
+          </a:ln>
+        </p:spPr>
+        <p:style>
+          <a:lnRef idx="1">
+            <a:schemeClr val="accent1"/>
+          </a:lnRef>
+          <a:fillRef idx="0">
+            <a:schemeClr val="accent1"/>
+          </a:fillRef>
+          <a:effectRef idx="0">
+            <a:schemeClr val="accent1"/>
+          </a:effectRef>
+          <a:fontRef idx="minor">
+            <a:schemeClr val="tx1"/>
+          </a:fontRef>
+        </p:style>
+      </p:cxnSp>
+      <p:cxnSp>
+        <p:nvCxnSpPr>
+          <p:cNvPr id="52" name="직선 화살표 연결선 51">
+            <a:extLst>
+              <a:ext uri="{FF2B5EF4-FFF2-40B4-BE49-F238E27FC236}">
+                <a16:creationId xmlns:a16="http://schemas.microsoft.com/office/drawing/2014/main" id="{95725933-85E3-4FF7-A71C-155C5EF9F737}"/>
+              </a:ext>
+            </a:extLst>
+          </p:cNvPr>
+          <p:cNvCxnSpPr>
+            <a:cxnSpLocks/>
+            <a:stCxn id="29" idx="0"/>
+            <a:endCxn id="45" idx="2"/>
+          </p:cNvCxnSpPr>
+          <p:nvPr/>
+        </p:nvCxnSpPr>
+        <p:spPr>
+          <a:xfrm flipH="1" flipV="1">
+            <a:off x="2917730" y="4196993"/>
+            <a:ext cx="471691" cy="154513"/>
+          </a:xfrm>
+          <a:prstGeom prst="straightConnector1">
+            <a:avLst/>
+          </a:prstGeom>
+          <a:ln w="19050">
+            <a:solidFill>
+              <a:schemeClr val="tx1"/>
+            </a:solidFill>
+            <a:headEnd type="none" w="med" len="med"/>
+            <a:tailEnd type="arrow" w="med" len="med"/>
+          </a:ln>
+        </p:spPr>
+        <p:style>
+          <a:lnRef idx="1">
+            <a:schemeClr val="accent1"/>
+          </a:lnRef>
+          <a:fillRef idx="0">
+            <a:schemeClr val="accent1"/>
+          </a:fillRef>
+          <a:effectRef idx="0">
+            <a:schemeClr val="accent1"/>
+          </a:effectRef>
+          <a:fontRef idx="minor">
+            <a:schemeClr val="tx1"/>
+          </a:fontRef>
+        </p:style>
+      </p:cxnSp>
+      <p:cxnSp>
+        <p:nvCxnSpPr>
+          <p:cNvPr id="53" name="직선 화살표 연결선 52">
+            <a:extLst>
+              <a:ext uri="{FF2B5EF4-FFF2-40B4-BE49-F238E27FC236}">
+                <a16:creationId xmlns:a16="http://schemas.microsoft.com/office/drawing/2014/main" id="{B408B3AC-DD92-4777-9561-90DA4148FF76}"/>
+              </a:ext>
+            </a:extLst>
+          </p:cNvPr>
+          <p:cNvCxnSpPr>
+            <a:cxnSpLocks/>
+            <a:stCxn id="172" idx="0"/>
+            <a:endCxn id="44" idx="2"/>
+          </p:cNvCxnSpPr>
+          <p:nvPr/>
+        </p:nvCxnSpPr>
+        <p:spPr>
+          <a:xfrm flipH="1" flipV="1">
+            <a:off x="4057586" y="4196993"/>
+            <a:ext cx="105321" cy="154513"/>
+          </a:xfrm>
+          <a:prstGeom prst="straightConnector1">
+            <a:avLst/>
+          </a:prstGeom>
+          <a:ln w="19050">
+            <a:solidFill>
+              <a:schemeClr val="tx1"/>
+            </a:solidFill>
+            <a:headEnd type="none" w="med" len="med"/>
+            <a:tailEnd type="arrow" w="med" len="med"/>
+          </a:ln>
+        </p:spPr>
+        <p:style>
+          <a:lnRef idx="1">
+            <a:schemeClr val="accent1"/>
+          </a:lnRef>
+          <a:fillRef idx="0">
+            <a:schemeClr val="accent1"/>
+          </a:fillRef>
+          <a:effectRef idx="0">
+            <a:schemeClr val="accent1"/>
+          </a:effectRef>
+          <a:fontRef idx="minor">
+            <a:schemeClr val="tx1"/>
+          </a:fontRef>
+        </p:style>
+      </p:cxnSp>
+      <p:grpSp>
+        <p:nvGrpSpPr>
+          <p:cNvPr id="173" name="그룹 172">
+            <a:extLst>
+              <a:ext uri="{FF2B5EF4-FFF2-40B4-BE49-F238E27FC236}">
+                <a16:creationId xmlns:a16="http://schemas.microsoft.com/office/drawing/2014/main" id="{8B0F5223-B6EA-4904-81AB-A3BCDB79B29D}"/>
+              </a:ext>
+            </a:extLst>
+          </p:cNvPr>
+          <p:cNvGrpSpPr/>
+          <p:nvPr/>
+        </p:nvGrpSpPr>
+        <p:grpSpPr>
+          <a:xfrm>
+            <a:off x="2257056" y="4351506"/>
+            <a:ext cx="2267319" cy="288426"/>
+            <a:chOff x="1268832" y="3727891"/>
+            <a:chExt cx="3839210" cy="288426"/>
+          </a:xfrm>
+        </p:grpSpPr>
+        <p:sp>
+          <p:nvSpPr>
+            <p:cNvPr id="28" name="사각형: 둥근 모서리 27">
+              <a:extLst>
+                <a:ext uri="{FF2B5EF4-FFF2-40B4-BE49-F238E27FC236}">
+                  <a16:creationId xmlns:a16="http://schemas.microsoft.com/office/drawing/2014/main" id="{63F4F0FA-34F1-4CEB-9AF3-261335FD8AB5}"/>
+                </a:ext>
+              </a:extLst>
+            </p:cNvPr>
+            <p:cNvSpPr/>
+            <p:nvPr/>
+          </p:nvSpPr>
+          <p:spPr>
+            <a:xfrm>
+              <a:off x="1268832" y="3728285"/>
+              <a:ext cx="1224136" cy="288032"/>
+            </a:xfrm>
+            <a:prstGeom prst="roundRect">
+              <a:avLst>
+                <a:gd name="adj" fmla="val 6778"/>
+              </a:avLst>
+            </a:prstGeom>
+          </p:spPr>
+          <p:style>
+            <a:lnRef idx="2">
+              <a:schemeClr val="dk1"/>
+            </a:lnRef>
+            <a:fillRef idx="1">
+              <a:schemeClr val="lt1"/>
+            </a:fillRef>
+            <a:effectRef idx="0">
+              <a:schemeClr val="dk1"/>
+            </a:effectRef>
+            <a:fontRef idx="minor">
+              <a:schemeClr val="dk1"/>
+            </a:fontRef>
+          </p:style>
+          <p:txBody>
+            <a:bodyPr rtlCol="0" anchor="ctr"/>
+            <a:lstStyle/>
+            <a:p>
+              <a:pPr algn="ctr"/>
+              <a:r>
+                <a:rPr lang="en-US" altLang="ko-KR" sz="1100"/>
+                <a:t>Rule</a:t>
+              </a:r>
+            </a:p>
+          </p:txBody>
+        </p:sp>
+        <p:sp>
+          <p:nvSpPr>
+            <p:cNvPr id="29" name="사각형: 둥근 모서리 28">
+              <a:extLst>
+                <a:ext uri="{FF2B5EF4-FFF2-40B4-BE49-F238E27FC236}">
+                  <a16:creationId xmlns:a16="http://schemas.microsoft.com/office/drawing/2014/main" id="{5EEDF1ED-9B08-4B6C-BB83-7CE959772562}"/>
+                </a:ext>
+              </a:extLst>
+            </p:cNvPr>
+            <p:cNvSpPr/>
+            <p:nvPr/>
+          </p:nvSpPr>
+          <p:spPr>
+            <a:xfrm>
+              <a:off x="2574176" y="3727891"/>
+              <a:ext cx="1224136" cy="288032"/>
+            </a:xfrm>
+            <a:prstGeom prst="roundRect">
+              <a:avLst>
+                <a:gd name="adj" fmla="val 6778"/>
+              </a:avLst>
+            </a:prstGeom>
+          </p:spPr>
+          <p:style>
+            <a:lnRef idx="2">
+              <a:schemeClr val="dk1"/>
+            </a:lnRef>
+            <a:fillRef idx="1">
+              <a:schemeClr val="lt1"/>
+            </a:fillRef>
+            <a:effectRef idx="0">
+              <a:schemeClr val="dk1"/>
+            </a:effectRef>
+            <a:fontRef idx="minor">
+              <a:schemeClr val="dk1"/>
+            </a:fontRef>
+          </p:style>
+          <p:txBody>
+            <a:bodyPr rtlCol="0" anchor="ctr"/>
+            <a:lstStyle/>
+            <a:p>
+              <a:pPr algn="ctr"/>
+              <a:r>
+                <a:rPr lang="en-US" altLang="ko-KR" sz="1100"/>
+                <a:t>Rule</a:t>
+              </a:r>
+            </a:p>
+          </p:txBody>
+        </p:sp>
+        <p:sp>
+          <p:nvSpPr>
+            <p:cNvPr id="172" name="사각형: 둥근 모서리 171">
+              <a:extLst>
+                <a:ext uri="{FF2B5EF4-FFF2-40B4-BE49-F238E27FC236}">
+                  <a16:creationId xmlns:a16="http://schemas.microsoft.com/office/drawing/2014/main" id="{B31708B5-2B5E-4823-8396-6CFFDE4C8CC1}"/>
+                </a:ext>
+              </a:extLst>
+            </p:cNvPr>
+            <p:cNvSpPr/>
+            <p:nvPr/>
+          </p:nvSpPr>
+          <p:spPr>
+            <a:xfrm>
+              <a:off x="3883906" y="3727891"/>
+              <a:ext cx="1224136" cy="288032"/>
+            </a:xfrm>
+            <a:prstGeom prst="roundRect">
+              <a:avLst>
+                <a:gd name="adj" fmla="val 6778"/>
+              </a:avLst>
+            </a:prstGeom>
+          </p:spPr>
+          <p:style>
+            <a:lnRef idx="2">
+              <a:schemeClr val="dk1"/>
+            </a:lnRef>
+            <a:fillRef idx="1">
+              <a:schemeClr val="lt1"/>
+            </a:fillRef>
+            <a:effectRef idx="0">
+              <a:schemeClr val="dk1"/>
+            </a:effectRef>
+            <a:fontRef idx="minor">
+              <a:schemeClr val="dk1"/>
+            </a:fontRef>
+          </p:style>
+          <p:txBody>
+            <a:bodyPr rtlCol="0" anchor="ctr"/>
+            <a:lstStyle/>
+            <a:p>
+              <a:pPr algn="ctr"/>
+              <a:r>
+                <a:rPr lang="en-US" altLang="ko-KR" sz="1100"/>
+                <a:t>Rule</a:t>
+              </a:r>
+            </a:p>
+          </p:txBody>
+        </p:sp>
+      </p:grpSp>
+      <p:sp>
+        <p:nvSpPr>
+          <p:cNvPr id="176" name="사각형: 둥근 모서리 175">
+            <a:extLst>
+              <a:ext uri="{FF2B5EF4-FFF2-40B4-BE49-F238E27FC236}">
+                <a16:creationId xmlns:a16="http://schemas.microsoft.com/office/drawing/2014/main" id="{A02EC407-7148-40C5-9DB6-20B6E8ACBAF5}"/>
+              </a:ext>
+            </a:extLst>
+          </p:cNvPr>
+          <p:cNvSpPr/>
+          <p:nvPr/>
+        </p:nvSpPr>
+        <p:spPr>
+          <a:xfrm>
+            <a:off x="4690311" y="3911432"/>
+            <a:ext cx="2400158" cy="654896"/>
+          </a:xfrm>
+          <a:prstGeom prst="roundRect">
+            <a:avLst>
+              <a:gd name="adj" fmla="val 3742"/>
+            </a:avLst>
+          </a:prstGeom>
+        </p:spPr>
+        <p:style>
+          <a:lnRef idx="2">
+            <a:schemeClr val="dk1"/>
+          </a:lnRef>
+          <a:fillRef idx="1">
+            <a:schemeClr val="lt1"/>
+          </a:fillRef>
+          <a:effectRef idx="0">
+            <a:schemeClr val="dk1"/>
+          </a:effectRef>
+          <a:fontRef idx="minor">
+            <a:schemeClr val="dk1"/>
+          </a:fontRef>
+        </p:style>
+        <p:txBody>
+          <a:bodyPr rtlCol="0" anchor="b"/>
+          <a:lstStyle/>
+          <a:p>
+            <a:pPr algn="ctr"/>
+            <a:r>
+              <a:rPr lang="en-US" altLang="ko-KR" sz="1100" b="1"/>
+              <a:t>Policy</a:t>
+            </a:r>
+            <a:endParaRPr lang="ko-KR" altLang="en-US" sz="1100" b="1"/>
+          </a:p>
+        </p:txBody>
+      </p:sp>
+      <p:grpSp>
+        <p:nvGrpSpPr>
+          <p:cNvPr id="177" name="그룹 176">
+            <a:extLst>
+              <a:ext uri="{FF2B5EF4-FFF2-40B4-BE49-F238E27FC236}">
+                <a16:creationId xmlns:a16="http://schemas.microsoft.com/office/drawing/2014/main" id="{7EFF1077-C8D1-4795-8252-28DFD346061E}"/>
+              </a:ext>
+            </a:extLst>
+          </p:cNvPr>
+          <p:cNvGrpSpPr/>
+          <p:nvPr/>
+        </p:nvGrpSpPr>
+        <p:grpSpPr>
+          <a:xfrm>
+            <a:off x="4754759" y="3987453"/>
+            <a:ext cx="2278564" cy="288426"/>
+            <a:chOff x="1268832" y="3727891"/>
+            <a:chExt cx="3839210" cy="288426"/>
+          </a:xfrm>
+        </p:grpSpPr>
+        <p:sp>
+          <p:nvSpPr>
+            <p:cNvPr id="178" name="사각형: 둥근 모서리 177">
+              <a:extLst>
+                <a:ext uri="{FF2B5EF4-FFF2-40B4-BE49-F238E27FC236}">
+                  <a16:creationId xmlns:a16="http://schemas.microsoft.com/office/drawing/2014/main" id="{159DE27A-0468-455E-87D8-33D6F412666A}"/>
+                </a:ext>
+              </a:extLst>
+            </p:cNvPr>
+            <p:cNvSpPr/>
+            <p:nvPr/>
+          </p:nvSpPr>
+          <p:spPr>
+            <a:xfrm>
+              <a:off x="1268832" y="3728285"/>
+              <a:ext cx="1224136" cy="288032"/>
+            </a:xfrm>
+            <a:prstGeom prst="roundRect">
+              <a:avLst>
+                <a:gd name="adj" fmla="val 6778"/>
+              </a:avLst>
+            </a:prstGeom>
+          </p:spPr>
+          <p:style>
+            <a:lnRef idx="2">
+              <a:schemeClr val="dk1"/>
+            </a:lnRef>
+            <a:fillRef idx="1">
+              <a:schemeClr val="lt1"/>
+            </a:fillRef>
+            <a:effectRef idx="0">
+              <a:schemeClr val="dk1"/>
+            </a:effectRef>
+            <a:fontRef idx="minor">
+              <a:schemeClr val="dk1"/>
+            </a:fontRef>
+          </p:style>
+          <p:txBody>
+            <a:bodyPr rtlCol="0" anchor="ctr"/>
+            <a:lstStyle/>
+            <a:p>
+              <a:pPr algn="ctr"/>
+              <a:r>
+                <a:rPr lang="en-US" altLang="ko-KR" sz="1100"/>
+                <a:t>Rule</a:t>
+              </a:r>
+            </a:p>
+          </p:txBody>
+        </p:sp>
+        <p:sp>
+          <p:nvSpPr>
+            <p:cNvPr id="179" name="사각형: 둥근 모서리 178">
+              <a:extLst>
+                <a:ext uri="{FF2B5EF4-FFF2-40B4-BE49-F238E27FC236}">
+                  <a16:creationId xmlns:a16="http://schemas.microsoft.com/office/drawing/2014/main" id="{509BD680-D22C-42DB-9005-3F5F4DBDA64E}"/>
+                </a:ext>
+              </a:extLst>
+            </p:cNvPr>
+            <p:cNvSpPr/>
+            <p:nvPr/>
+          </p:nvSpPr>
+          <p:spPr>
+            <a:xfrm>
+              <a:off x="2574176" y="3727891"/>
+              <a:ext cx="1224136" cy="288032"/>
+            </a:xfrm>
+            <a:prstGeom prst="roundRect">
+              <a:avLst>
+                <a:gd name="adj" fmla="val 6778"/>
+              </a:avLst>
+            </a:prstGeom>
+          </p:spPr>
+          <p:style>
+            <a:lnRef idx="2">
+              <a:schemeClr val="dk1"/>
+            </a:lnRef>
+            <a:fillRef idx="1">
+              <a:schemeClr val="lt1"/>
+            </a:fillRef>
+            <a:effectRef idx="0">
+              <a:schemeClr val="dk1"/>
+            </a:effectRef>
+            <a:fontRef idx="minor">
+              <a:schemeClr val="dk1"/>
+            </a:fontRef>
+          </p:style>
+          <p:txBody>
+            <a:bodyPr rtlCol="0" anchor="ctr"/>
+            <a:lstStyle/>
+            <a:p>
+              <a:pPr algn="ctr"/>
+              <a:r>
+                <a:rPr lang="en-US" altLang="ko-KR" sz="1100"/>
+                <a:t>Rule</a:t>
+              </a:r>
+            </a:p>
+          </p:txBody>
+        </p:sp>
+        <p:sp>
+          <p:nvSpPr>
+            <p:cNvPr id="180" name="사각형: 둥근 모서리 179">
+              <a:extLst>
+                <a:ext uri="{FF2B5EF4-FFF2-40B4-BE49-F238E27FC236}">
+                  <a16:creationId xmlns:a16="http://schemas.microsoft.com/office/drawing/2014/main" id="{0B874AB7-FC31-4C76-8D6C-1709D95933A5}"/>
+                </a:ext>
+              </a:extLst>
+            </p:cNvPr>
+            <p:cNvSpPr/>
+            <p:nvPr/>
+          </p:nvSpPr>
+          <p:spPr>
+            <a:xfrm>
+              <a:off x="3883906" y="3727891"/>
+              <a:ext cx="1224136" cy="288032"/>
+            </a:xfrm>
+            <a:prstGeom prst="roundRect">
+              <a:avLst>
+                <a:gd name="adj" fmla="val 6778"/>
+              </a:avLst>
+            </a:prstGeom>
+          </p:spPr>
+          <p:style>
+            <a:lnRef idx="2">
+              <a:schemeClr val="dk1"/>
+            </a:lnRef>
+            <a:fillRef idx="1">
+              <a:schemeClr val="lt1"/>
+            </a:fillRef>
+            <a:effectRef idx="0">
+              <a:schemeClr val="dk1"/>
+            </a:effectRef>
+            <a:fontRef idx="minor">
+              <a:schemeClr val="dk1"/>
+            </a:fontRef>
+          </p:style>
+          <p:txBody>
+            <a:bodyPr rtlCol="0" anchor="ctr"/>
+            <a:lstStyle/>
+            <a:p>
+              <a:pPr algn="ctr"/>
+              <a:r>
+                <a:rPr lang="en-US" altLang="ko-KR" sz="1100"/>
+                <a:t>Rule</a:t>
+              </a:r>
+            </a:p>
+          </p:txBody>
+        </p:sp>
+      </p:grpSp>
+      <p:cxnSp>
+        <p:nvCxnSpPr>
+          <p:cNvPr id="181" name="직선 화살표 연결선 180">
+            <a:extLst>
+              <a:ext uri="{FF2B5EF4-FFF2-40B4-BE49-F238E27FC236}">
+                <a16:creationId xmlns:a16="http://schemas.microsoft.com/office/drawing/2014/main" id="{06457244-CAB8-45DD-833C-DA1B15E2CBD6}"/>
+              </a:ext>
+            </a:extLst>
+          </p:cNvPr>
+          <p:cNvCxnSpPr>
+            <a:cxnSpLocks/>
+            <a:stCxn id="178" idx="0"/>
+            <a:endCxn id="47" idx="2"/>
+          </p:cNvCxnSpPr>
+          <p:nvPr/>
+        </p:nvCxnSpPr>
+        <p:spPr>
+          <a:xfrm flipV="1">
+            <a:off x="5118020" y="3750000"/>
+            <a:ext cx="109283" cy="237847"/>
+          </a:xfrm>
+          <a:prstGeom prst="straightConnector1">
+            <a:avLst/>
+          </a:prstGeom>
+          <a:ln w="19050">
+            <a:solidFill>
+              <a:schemeClr val="tx1"/>
+            </a:solidFill>
+            <a:headEnd type="none" w="med" len="med"/>
+            <a:tailEnd type="arrow" w="med" len="med"/>
+          </a:ln>
+        </p:spPr>
+        <p:style>
+          <a:lnRef idx="1">
+            <a:schemeClr val="accent1"/>
+          </a:lnRef>
+          <a:fillRef idx="0">
+            <a:schemeClr val="accent1"/>
+          </a:fillRef>
+          <a:effectRef idx="0">
+            <a:schemeClr val="accent1"/>
+          </a:effectRef>
+          <a:fontRef idx="minor">
+            <a:schemeClr val="tx1"/>
+          </a:fontRef>
+        </p:style>
+      </p:cxnSp>
+      <p:cxnSp>
+        <p:nvCxnSpPr>
+          <p:cNvPr id="184" name="직선 화살표 연결선 183">
+            <a:extLst>
+              <a:ext uri="{FF2B5EF4-FFF2-40B4-BE49-F238E27FC236}">
+                <a16:creationId xmlns:a16="http://schemas.microsoft.com/office/drawing/2014/main" id="{98689732-4A38-4709-91C2-CC89EF10025F}"/>
+              </a:ext>
+            </a:extLst>
+          </p:cNvPr>
+          <p:cNvCxnSpPr>
+            <a:cxnSpLocks/>
+            <a:stCxn id="179" idx="0"/>
+            <a:endCxn id="49" idx="2"/>
+          </p:cNvCxnSpPr>
+          <p:nvPr/>
+        </p:nvCxnSpPr>
+        <p:spPr>
+          <a:xfrm flipV="1">
+            <a:off x="5892739" y="3750000"/>
+            <a:ext cx="468070" cy="237453"/>
+          </a:xfrm>
+          <a:prstGeom prst="straightConnector1">
+            <a:avLst/>
+          </a:prstGeom>
+          <a:ln w="19050">
+            <a:solidFill>
+              <a:schemeClr val="tx1"/>
+            </a:solidFill>
+            <a:headEnd type="none" w="med" len="med"/>
+            <a:tailEnd type="arrow" w="med" len="med"/>
+          </a:ln>
+        </p:spPr>
+        <p:style>
+          <a:lnRef idx="1">
+            <a:schemeClr val="accent1"/>
+          </a:lnRef>
+          <a:fillRef idx="0">
+            <a:schemeClr val="accent1"/>
+          </a:fillRef>
+          <a:effectRef idx="0">
+            <a:schemeClr val="accent1"/>
+          </a:effectRef>
+          <a:fontRef idx="minor">
+            <a:schemeClr val="tx1"/>
+          </a:fontRef>
+        </p:style>
+      </p:cxnSp>
+      <p:cxnSp>
+        <p:nvCxnSpPr>
+          <p:cNvPr id="187" name="직선 화살표 연결선 186">
+            <a:extLst>
+              <a:ext uri="{FF2B5EF4-FFF2-40B4-BE49-F238E27FC236}">
+                <a16:creationId xmlns:a16="http://schemas.microsoft.com/office/drawing/2014/main" id="{EDAE69AB-46D0-49D3-809D-32744F57D73F}"/>
+              </a:ext>
+            </a:extLst>
+          </p:cNvPr>
+          <p:cNvCxnSpPr>
+            <a:cxnSpLocks/>
+            <a:stCxn id="180" idx="0"/>
+            <a:endCxn id="49" idx="2"/>
+          </p:cNvCxnSpPr>
+          <p:nvPr/>
+        </p:nvCxnSpPr>
+        <p:spPr>
+          <a:xfrm flipH="1" flipV="1">
+            <a:off x="6360809" y="3750000"/>
+            <a:ext cx="309253" cy="237453"/>
+          </a:xfrm>
+          <a:prstGeom prst="straightConnector1">
+            <a:avLst/>
+          </a:prstGeom>
+          <a:ln w="19050">
+            <a:solidFill>
+              <a:schemeClr val="tx1"/>
+            </a:solidFill>
+            <a:headEnd type="none" w="med" len="med"/>
+            <a:tailEnd type="arrow" w="med" len="med"/>
+          </a:ln>
+        </p:spPr>
+        <p:style>
+          <a:lnRef idx="1">
+            <a:schemeClr val="accent1"/>
+          </a:lnRef>
+          <a:fillRef idx="0">
+            <a:schemeClr val="accent1"/>
+          </a:fillRef>
+          <a:effectRef idx="0">
+            <a:schemeClr val="accent1"/>
+          </a:effectRef>
+          <a:fontRef idx="minor">
+            <a:schemeClr val="tx1"/>
+          </a:fontRef>
+        </p:style>
+      </p:cxnSp>
+      <p:grpSp>
+        <p:nvGrpSpPr>
+          <p:cNvPr id="201" name="그룹 200">
+            <a:extLst>
+              <a:ext uri="{FF2B5EF4-FFF2-40B4-BE49-F238E27FC236}">
+                <a16:creationId xmlns:a16="http://schemas.microsoft.com/office/drawing/2014/main" id="{1275339C-5810-4720-B05E-AA4B247B65BE}"/>
+              </a:ext>
+            </a:extLst>
+          </p:cNvPr>
+          <p:cNvGrpSpPr/>
+          <p:nvPr/>
+        </p:nvGrpSpPr>
+        <p:grpSpPr>
+          <a:xfrm>
+            <a:off x="4703279" y="1838850"/>
+            <a:ext cx="2192710" cy="1396023"/>
+            <a:chOff x="4703279" y="2237952"/>
+            <a:chExt cx="2192710" cy="1396023"/>
+          </a:xfrm>
+        </p:grpSpPr>
+        <p:sp>
+          <p:nvSpPr>
+            <p:cNvPr id="194" name="사각형: 둥근 모서리 193">
+              <a:extLst>
+                <a:ext uri="{FF2B5EF4-FFF2-40B4-BE49-F238E27FC236}">
+                  <a16:creationId xmlns:a16="http://schemas.microsoft.com/office/drawing/2014/main" id="{9CBA7C4E-B204-4B4F-AE8C-5E242C563C89}"/>
+                </a:ext>
+              </a:extLst>
+            </p:cNvPr>
+            <p:cNvSpPr/>
+            <p:nvPr/>
+          </p:nvSpPr>
+          <p:spPr>
+            <a:xfrm>
+              <a:off x="4703279" y="2237952"/>
+              <a:ext cx="2192710" cy="1396023"/>
+            </a:xfrm>
+            <a:prstGeom prst="roundRect">
+              <a:avLst>
+                <a:gd name="adj" fmla="val 3750"/>
+              </a:avLst>
+            </a:prstGeom>
+          </p:spPr>
+          <p:style>
+            <a:lnRef idx="2">
+              <a:schemeClr val="dk1"/>
+            </a:lnRef>
+            <a:fillRef idx="1">
+              <a:schemeClr val="lt1"/>
+            </a:fillRef>
+            <a:effectRef idx="0">
+              <a:schemeClr val="dk1"/>
+            </a:effectRef>
+            <a:fontRef idx="minor">
+              <a:schemeClr val="dk1"/>
+            </a:fontRef>
+          </p:style>
+          <p:txBody>
+            <a:bodyPr rtlCol="0" anchor="t"/>
+            <a:lstStyle/>
+            <a:p>
+              <a:pPr algn="ctr"/>
+              <a:r>
+                <a:rPr lang="en-US" altLang="ko-KR" sz="1100" b="1"/>
+                <a:t>Project B</a:t>
+              </a:r>
+              <a:endParaRPr lang="ko-KR" altLang="en-US" sz="1100" b="1"/>
+            </a:p>
+          </p:txBody>
+        </p:sp>
+        <p:sp>
+          <p:nvSpPr>
+            <p:cNvPr id="195" name="사각형: 둥근 모서리 194">
+              <a:extLst>
+                <a:ext uri="{FF2B5EF4-FFF2-40B4-BE49-F238E27FC236}">
+                  <a16:creationId xmlns:a16="http://schemas.microsoft.com/office/drawing/2014/main" id="{F719ADAC-E807-4590-913E-D7E3B9A29706}"/>
+                </a:ext>
+              </a:extLst>
+            </p:cNvPr>
+            <p:cNvSpPr/>
+            <p:nvPr/>
+          </p:nvSpPr>
+          <p:spPr>
+            <a:xfrm>
+              <a:off x="4787456" y="2910787"/>
+              <a:ext cx="1012178" cy="288032"/>
+            </a:xfrm>
+            <a:prstGeom prst="roundRect">
+              <a:avLst>
+                <a:gd name="adj" fmla="val 13219"/>
+              </a:avLst>
+            </a:prstGeom>
+          </p:spPr>
+          <p:style>
+            <a:lnRef idx="2">
+              <a:schemeClr val="dk1"/>
+            </a:lnRef>
+            <a:fillRef idx="1">
+              <a:schemeClr val="lt1"/>
+            </a:fillRef>
+            <a:effectRef idx="0">
+              <a:schemeClr val="dk1"/>
+            </a:effectRef>
+            <a:fontRef idx="minor">
+              <a:schemeClr val="dk1"/>
+            </a:fontRef>
+          </p:style>
+          <p:txBody>
+            <a:bodyPr rtlCol="0" anchor="ctr"/>
+            <a:lstStyle/>
+            <a:p>
+              <a:pPr algn="ctr"/>
+              <a:r>
+                <a:rPr lang="en-US" altLang="ko-KR" sz="1100"/>
+                <a:t>User D</a:t>
+              </a:r>
+              <a:endParaRPr lang="ko-KR" altLang="en-US" sz="1100"/>
+            </a:p>
+          </p:txBody>
+        </p:sp>
+        <p:sp>
+          <p:nvSpPr>
+            <p:cNvPr id="196" name="사각형: 둥근 모서리 195">
+              <a:extLst>
+                <a:ext uri="{FF2B5EF4-FFF2-40B4-BE49-F238E27FC236}">
+                  <a16:creationId xmlns:a16="http://schemas.microsoft.com/office/drawing/2014/main" id="{3D8E5CB3-8118-4D16-B193-E8581A87CDAD}"/>
+                </a:ext>
+              </a:extLst>
+            </p:cNvPr>
+            <p:cNvSpPr/>
+            <p:nvPr/>
+          </p:nvSpPr>
+          <p:spPr>
+            <a:xfrm>
+              <a:off x="4787456" y="3268209"/>
+              <a:ext cx="1012178" cy="288032"/>
+            </a:xfrm>
+            <a:prstGeom prst="roundRect">
+              <a:avLst>
+                <a:gd name="adj" fmla="val 13219"/>
+              </a:avLst>
+            </a:prstGeom>
+          </p:spPr>
+          <p:style>
+            <a:lnRef idx="2">
+              <a:schemeClr val="dk1"/>
+            </a:lnRef>
+            <a:fillRef idx="1">
+              <a:schemeClr val="lt1"/>
+            </a:fillRef>
+            <a:effectRef idx="0">
+              <a:schemeClr val="dk1"/>
+            </a:effectRef>
+            <a:fontRef idx="minor">
+              <a:schemeClr val="dk1"/>
+            </a:fontRef>
+          </p:style>
+          <p:txBody>
+            <a:bodyPr rtlCol="0" anchor="ctr"/>
+            <a:lstStyle/>
+            <a:p>
+              <a:pPr algn="ctr"/>
+              <a:r>
+                <a:rPr lang="en-US" altLang="ko-KR" sz="1100"/>
+                <a:t>Group A</a:t>
+              </a:r>
+              <a:endParaRPr lang="ko-KR" altLang="en-US" sz="1100"/>
+            </a:p>
+          </p:txBody>
+        </p:sp>
+        <p:sp>
+          <p:nvSpPr>
+            <p:cNvPr id="197" name="사각형: 둥근 모서리 196">
+              <a:extLst>
+                <a:ext uri="{FF2B5EF4-FFF2-40B4-BE49-F238E27FC236}">
+                  <a16:creationId xmlns:a16="http://schemas.microsoft.com/office/drawing/2014/main" id="{C6D51E19-0FFE-4ADD-9AFF-90A6D68EFFAE}"/>
+                </a:ext>
+              </a:extLst>
+            </p:cNvPr>
+            <p:cNvSpPr/>
+            <p:nvPr/>
+          </p:nvSpPr>
+          <p:spPr>
+            <a:xfrm>
+              <a:off x="5799634" y="2910787"/>
+              <a:ext cx="1012178" cy="288032"/>
+            </a:xfrm>
+            <a:prstGeom prst="roundRect">
+              <a:avLst>
+                <a:gd name="adj" fmla="val 13219"/>
+              </a:avLst>
+            </a:prstGeom>
+          </p:spPr>
+          <p:style>
+            <a:lnRef idx="2">
+              <a:schemeClr val="dk1"/>
+            </a:lnRef>
+            <a:fillRef idx="1">
+              <a:schemeClr val="lt1"/>
+            </a:fillRef>
+            <a:effectRef idx="0">
+              <a:schemeClr val="dk1"/>
+            </a:effectRef>
+            <a:fontRef idx="minor">
+              <a:schemeClr val="dk1"/>
+            </a:fontRef>
+          </p:style>
+          <p:txBody>
+            <a:bodyPr rtlCol="0" anchor="ctr"/>
+            <a:lstStyle/>
+            <a:p>
+              <a:pPr algn="ctr"/>
+              <a:r>
+                <a:rPr lang="en-US" altLang="ko-KR" sz="1100"/>
+                <a:t>Role D</a:t>
+              </a:r>
+              <a:endParaRPr lang="ko-KR" altLang="en-US" sz="1100"/>
+            </a:p>
+          </p:txBody>
+        </p:sp>
+        <p:sp>
+          <p:nvSpPr>
+            <p:cNvPr id="198" name="사각형: 둥근 모서리 197">
+              <a:extLst>
+                <a:ext uri="{FF2B5EF4-FFF2-40B4-BE49-F238E27FC236}">
+                  <a16:creationId xmlns:a16="http://schemas.microsoft.com/office/drawing/2014/main" id="{1703D476-8651-4583-9C70-371E63894474}"/>
+                </a:ext>
+              </a:extLst>
+            </p:cNvPr>
+            <p:cNvSpPr/>
+            <p:nvPr/>
+          </p:nvSpPr>
+          <p:spPr>
+            <a:xfrm>
+              <a:off x="5799634" y="3263299"/>
+              <a:ext cx="1012178" cy="288032"/>
+            </a:xfrm>
+            <a:prstGeom prst="roundRect">
+              <a:avLst>
+                <a:gd name="adj" fmla="val 13219"/>
+              </a:avLst>
+            </a:prstGeom>
+          </p:spPr>
+          <p:style>
+            <a:lnRef idx="2">
+              <a:schemeClr val="dk1"/>
+            </a:lnRef>
+            <a:fillRef idx="1">
+              <a:schemeClr val="lt1"/>
+            </a:fillRef>
+            <a:effectRef idx="0">
+              <a:schemeClr val="dk1"/>
+            </a:effectRef>
+            <a:fontRef idx="minor">
+              <a:schemeClr val="dk1"/>
+            </a:fontRef>
+          </p:style>
+          <p:txBody>
+            <a:bodyPr rtlCol="0" anchor="ctr"/>
+            <a:lstStyle/>
+            <a:p>
+              <a:pPr algn="ctr"/>
+              <a:r>
+                <a:rPr lang="en-US" altLang="ko-KR" sz="1100"/>
+                <a:t>Role D</a:t>
+              </a:r>
+              <a:endParaRPr lang="ko-KR" altLang="en-US" sz="1100"/>
+            </a:p>
+          </p:txBody>
+        </p:sp>
+        <p:sp>
+          <p:nvSpPr>
+            <p:cNvPr id="199" name="사각형: 둥근 모서리 198">
+              <a:extLst>
+                <a:ext uri="{FF2B5EF4-FFF2-40B4-BE49-F238E27FC236}">
+                  <a16:creationId xmlns:a16="http://schemas.microsoft.com/office/drawing/2014/main" id="{7B3BFB67-B625-4A6B-AD12-4A69517FAFCB}"/>
+                </a:ext>
+              </a:extLst>
+            </p:cNvPr>
+            <p:cNvSpPr/>
+            <p:nvPr/>
+          </p:nvSpPr>
+          <p:spPr>
+            <a:xfrm>
+              <a:off x="4787456" y="2553795"/>
+              <a:ext cx="1012178" cy="288032"/>
+            </a:xfrm>
+            <a:prstGeom prst="roundRect">
+              <a:avLst>
+                <a:gd name="adj" fmla="val 13219"/>
+              </a:avLst>
+            </a:prstGeom>
+          </p:spPr>
+          <p:style>
+            <a:lnRef idx="2">
+              <a:schemeClr val="dk1"/>
+            </a:lnRef>
+            <a:fillRef idx="1">
+              <a:schemeClr val="lt1"/>
+            </a:fillRef>
+            <a:effectRef idx="0">
+              <a:schemeClr val="dk1"/>
+            </a:effectRef>
+            <a:fontRef idx="minor">
+              <a:schemeClr val="dk1"/>
+            </a:fontRef>
+          </p:style>
+          <p:txBody>
+            <a:bodyPr rtlCol="0" anchor="ctr"/>
+            <a:lstStyle/>
+            <a:p>
+              <a:pPr algn="ctr"/>
+              <a:r>
+                <a:rPr lang="en-US" altLang="ko-KR" sz="1100"/>
+                <a:t>User B</a:t>
+              </a:r>
+              <a:endParaRPr lang="ko-KR" altLang="en-US" sz="1100"/>
+            </a:p>
+          </p:txBody>
+        </p:sp>
+        <p:sp>
+          <p:nvSpPr>
+            <p:cNvPr id="200" name="사각형: 둥근 모서리 199">
+              <a:extLst>
+                <a:ext uri="{FF2B5EF4-FFF2-40B4-BE49-F238E27FC236}">
+                  <a16:creationId xmlns:a16="http://schemas.microsoft.com/office/drawing/2014/main" id="{501ED092-DFA6-48F1-9AA7-8D9386A7C64F}"/>
+                </a:ext>
+              </a:extLst>
+            </p:cNvPr>
+            <p:cNvSpPr/>
+            <p:nvPr/>
+          </p:nvSpPr>
+          <p:spPr>
+            <a:xfrm>
+              <a:off x="5799634" y="2553795"/>
+              <a:ext cx="1012178" cy="288032"/>
+            </a:xfrm>
+            <a:prstGeom prst="roundRect">
+              <a:avLst>
+                <a:gd name="adj" fmla="val 13219"/>
+              </a:avLst>
+            </a:prstGeom>
+          </p:spPr>
+          <p:style>
+            <a:lnRef idx="2">
+              <a:schemeClr val="dk1"/>
+            </a:lnRef>
+            <a:fillRef idx="1">
+              <a:schemeClr val="lt1"/>
+            </a:fillRef>
+            <a:effectRef idx="0">
+              <a:schemeClr val="dk1"/>
+            </a:effectRef>
+            <a:fontRef idx="minor">
+              <a:schemeClr val="dk1"/>
+            </a:fontRef>
+          </p:style>
+          <p:txBody>
+            <a:bodyPr rtlCol="0" anchor="ctr"/>
+            <a:lstStyle/>
+            <a:p>
+              <a:pPr algn="ctr"/>
+              <a:r>
+                <a:rPr lang="en-US" altLang="ko-KR" sz="1100"/>
+                <a:t>Role C</a:t>
+              </a:r>
+              <a:endParaRPr lang="ko-KR" altLang="en-US" sz="1100"/>
+            </a:p>
+          </p:txBody>
+        </p:sp>
+      </p:grpSp>
+      <p:cxnSp>
+        <p:nvCxnSpPr>
+          <p:cNvPr id="203" name="직선 화살표 연결선 202">
+            <a:extLst>
+              <a:ext uri="{FF2B5EF4-FFF2-40B4-BE49-F238E27FC236}">
+                <a16:creationId xmlns:a16="http://schemas.microsoft.com/office/drawing/2014/main" id="{4514D085-6F75-490A-8DD7-EE35BC203F49}"/>
+              </a:ext>
+            </a:extLst>
+          </p:cNvPr>
+          <p:cNvCxnSpPr>
+            <a:cxnSpLocks/>
+            <a:stCxn id="47" idx="0"/>
+            <a:endCxn id="194" idx="2"/>
+          </p:cNvCxnSpPr>
+          <p:nvPr/>
+        </p:nvCxnSpPr>
+        <p:spPr>
+          <a:xfrm flipV="1">
+            <a:off x="5227303" y="3234873"/>
+            <a:ext cx="572331" cy="227095"/>
+          </a:xfrm>
+          <a:prstGeom prst="straightConnector1">
+            <a:avLst/>
+          </a:prstGeom>
+          <a:ln w="19050">
+            <a:solidFill>
+              <a:schemeClr val="tx1"/>
+            </a:solidFill>
+            <a:headEnd type="none" w="med" len="med"/>
+            <a:tailEnd type="arrow" w="med" len="med"/>
+          </a:ln>
+        </p:spPr>
+        <p:style>
+          <a:lnRef idx="1">
+            <a:schemeClr val="accent1"/>
+          </a:lnRef>
+          <a:fillRef idx="0">
+            <a:schemeClr val="accent1"/>
+          </a:fillRef>
+          <a:effectRef idx="0">
+            <a:schemeClr val="accent1"/>
+          </a:effectRef>
+          <a:fontRef idx="minor">
+            <a:schemeClr val="tx1"/>
+          </a:fontRef>
+        </p:style>
+      </p:cxnSp>
+      <p:cxnSp>
+        <p:nvCxnSpPr>
+          <p:cNvPr id="206" name="직선 화살표 연결선 205">
+            <a:extLst>
+              <a:ext uri="{FF2B5EF4-FFF2-40B4-BE49-F238E27FC236}">
+                <a16:creationId xmlns:a16="http://schemas.microsoft.com/office/drawing/2014/main" id="{F586258C-1E0F-4E46-9397-BFDB1218FA71}"/>
+              </a:ext>
+            </a:extLst>
+          </p:cNvPr>
+          <p:cNvCxnSpPr>
+            <a:cxnSpLocks/>
+            <a:stCxn id="49" idx="0"/>
+            <a:endCxn id="194" idx="2"/>
+          </p:cNvCxnSpPr>
+          <p:nvPr/>
+        </p:nvCxnSpPr>
+        <p:spPr>
+          <a:xfrm flipH="1" flipV="1">
+            <a:off x="5799634" y="3234873"/>
+            <a:ext cx="561175" cy="227095"/>
+          </a:xfrm>
+          <a:prstGeom prst="straightConnector1">
+            <a:avLst/>
+          </a:prstGeom>
+          <a:ln w="19050">
+            <a:solidFill>
+              <a:schemeClr val="tx1"/>
+            </a:solidFill>
+            <a:headEnd type="none" w="med" len="med"/>
+            <a:tailEnd type="arrow" w="med" len="med"/>
+          </a:ln>
+        </p:spPr>
+        <p:style>
+          <a:lnRef idx="1">
+            <a:schemeClr val="accent1"/>
+          </a:lnRef>
+          <a:fillRef idx="0">
+            <a:schemeClr val="accent1"/>
+          </a:fillRef>
+          <a:effectRef idx="0">
+            <a:schemeClr val="accent1"/>
+          </a:effectRef>
+          <a:fontRef idx="minor">
+            <a:schemeClr val="tx1"/>
+          </a:fontRef>
+        </p:style>
+      </p:cxnSp>
+      <p:sp>
+        <p:nvSpPr>
+          <p:cNvPr id="221" name="사각형: 둥근 모서리 220">
+            <a:extLst>
+              <a:ext uri="{FF2B5EF4-FFF2-40B4-BE49-F238E27FC236}">
+                <a16:creationId xmlns:a16="http://schemas.microsoft.com/office/drawing/2014/main" id="{70210C2C-099A-4864-BFAA-DE44A02F475A}"/>
+              </a:ext>
+            </a:extLst>
+          </p:cNvPr>
+          <p:cNvSpPr/>
+          <p:nvPr/>
+        </p:nvSpPr>
+        <p:spPr>
+          <a:xfrm>
+            <a:off x="2683960" y="1347614"/>
+            <a:ext cx="1031540" cy="288032"/>
+          </a:xfrm>
+          <a:prstGeom prst="roundRect">
+            <a:avLst>
+              <a:gd name="adj" fmla="val 13219"/>
+            </a:avLst>
+          </a:prstGeom>
+        </p:spPr>
+        <p:style>
+          <a:lnRef idx="2">
+            <a:schemeClr val="dk1"/>
+          </a:lnRef>
+          <a:fillRef idx="1">
+            <a:schemeClr val="lt1"/>
+          </a:fillRef>
+          <a:effectRef idx="0">
+            <a:schemeClr val="dk1"/>
+          </a:effectRef>
+          <a:fontRef idx="minor">
+            <a:schemeClr val="dk1"/>
+          </a:fontRef>
+        </p:style>
+        <p:txBody>
+          <a:bodyPr rtlCol="0" anchor="ctr"/>
+          <a:lstStyle/>
+          <a:p>
+            <a:pPr algn="ctr"/>
+            <a:r>
+              <a:rPr lang="en-US" altLang="ko-KR" sz="1100"/>
+              <a:t>User C</a:t>
+            </a:r>
+            <a:endParaRPr lang="ko-KR" altLang="en-US" sz="1100"/>
+          </a:p>
+        </p:txBody>
+      </p:sp>
+      <p:sp>
+        <p:nvSpPr>
+          <p:cNvPr id="222" name="사각형: 둥근 모서리 221">
+            <a:extLst>
+              <a:ext uri="{FF2B5EF4-FFF2-40B4-BE49-F238E27FC236}">
+                <a16:creationId xmlns:a16="http://schemas.microsoft.com/office/drawing/2014/main" id="{9034C688-C8EE-4211-BC24-C868C604E3F1}"/>
+              </a:ext>
+            </a:extLst>
+          </p:cNvPr>
+          <p:cNvSpPr/>
+          <p:nvPr/>
+        </p:nvSpPr>
+        <p:spPr>
+          <a:xfrm>
+            <a:off x="3803041" y="1347614"/>
+            <a:ext cx="1031540" cy="288032"/>
+          </a:xfrm>
+          <a:prstGeom prst="roundRect">
+            <a:avLst>
+              <a:gd name="adj" fmla="val 13219"/>
+            </a:avLst>
+          </a:prstGeom>
+        </p:spPr>
+        <p:style>
+          <a:lnRef idx="2">
+            <a:schemeClr val="dk1"/>
+          </a:lnRef>
+          <a:fillRef idx="1">
+            <a:schemeClr val="lt1"/>
+          </a:fillRef>
+          <a:effectRef idx="0">
+            <a:schemeClr val="dk1"/>
+          </a:effectRef>
+          <a:fontRef idx="minor">
+            <a:schemeClr val="dk1"/>
+          </a:fontRef>
+        </p:style>
+        <p:txBody>
+          <a:bodyPr rtlCol="0" anchor="ctr"/>
+          <a:lstStyle/>
+          <a:p>
+            <a:pPr algn="ctr"/>
+            <a:r>
+              <a:rPr lang="en-US" altLang="ko-KR" sz="1100"/>
+              <a:t>User D</a:t>
+            </a:r>
+            <a:endParaRPr lang="ko-KR" altLang="en-US" sz="1100"/>
+          </a:p>
+        </p:txBody>
+      </p:sp>
+      <p:cxnSp>
+        <p:nvCxnSpPr>
+          <p:cNvPr id="223" name="직선 화살표 연결선 222">
+            <a:extLst>
+              <a:ext uri="{FF2B5EF4-FFF2-40B4-BE49-F238E27FC236}">
+                <a16:creationId xmlns:a16="http://schemas.microsoft.com/office/drawing/2014/main" id="{60991C1F-71B3-4A40-9503-67436C8BF7BA}"/>
+              </a:ext>
+            </a:extLst>
+          </p:cNvPr>
+          <p:cNvCxnSpPr>
+            <a:cxnSpLocks/>
+            <a:stCxn id="109" idx="3"/>
+            <a:endCxn id="105" idx="1"/>
+          </p:cNvCxnSpPr>
+          <p:nvPr/>
+        </p:nvCxnSpPr>
+        <p:spPr>
+          <a:xfrm>
+            <a:off x="4834581" y="1059582"/>
+            <a:ext cx="86200" cy="216024"/>
+          </a:xfrm>
+          <a:prstGeom prst="straightConnector1">
+            <a:avLst/>
+          </a:prstGeom>
+          <a:ln w="19050">
+            <a:solidFill>
+              <a:schemeClr val="tx1"/>
+            </a:solidFill>
+            <a:headEnd type="none" w="med" len="med"/>
+            <a:tailEnd type="arrow" w="med" len="med"/>
+          </a:ln>
+        </p:spPr>
+        <p:style>
+          <a:lnRef idx="1">
+            <a:schemeClr val="accent1"/>
+          </a:lnRef>
+          <a:fillRef idx="0">
+            <a:schemeClr val="accent1"/>
+          </a:fillRef>
+          <a:effectRef idx="0">
+            <a:schemeClr val="accent1"/>
+          </a:effectRef>
+          <a:fontRef idx="minor">
+            <a:schemeClr val="tx1"/>
+          </a:fontRef>
+        </p:style>
+      </p:cxnSp>
+      <p:cxnSp>
+        <p:nvCxnSpPr>
+          <p:cNvPr id="231" name="직선 화살표 연결선 230">
+            <a:extLst>
+              <a:ext uri="{FF2B5EF4-FFF2-40B4-BE49-F238E27FC236}">
+                <a16:creationId xmlns:a16="http://schemas.microsoft.com/office/drawing/2014/main" id="{7D050745-AECB-4F27-A122-CF0AFEA7B9BA}"/>
+              </a:ext>
+            </a:extLst>
+          </p:cNvPr>
+          <p:cNvCxnSpPr>
+            <a:cxnSpLocks/>
+            <a:stCxn id="83" idx="3"/>
+            <a:endCxn id="105" idx="1"/>
+          </p:cNvCxnSpPr>
+          <p:nvPr/>
+        </p:nvCxnSpPr>
+        <p:spPr>
+          <a:xfrm>
+            <a:off x="3715500" y="1059582"/>
+            <a:ext cx="1205281" cy="216024"/>
+          </a:xfrm>
+          <a:prstGeom prst="straightConnector1">
+            <a:avLst/>
+          </a:prstGeom>
+          <a:ln w="19050">
+            <a:solidFill>
+              <a:schemeClr val="tx1"/>
+            </a:solidFill>
+            <a:headEnd type="none" w="med" len="med"/>
+            <a:tailEnd type="arrow" w="med" len="med"/>
+          </a:ln>
+        </p:spPr>
+        <p:style>
+          <a:lnRef idx="1">
+            <a:schemeClr val="accent1"/>
+          </a:lnRef>
+          <a:fillRef idx="0">
+            <a:schemeClr val="accent1"/>
+          </a:fillRef>
+          <a:effectRef idx="0">
+            <a:schemeClr val="accent1"/>
+          </a:effectRef>
+          <a:fontRef idx="minor">
+            <a:schemeClr val="tx1"/>
+          </a:fontRef>
+        </p:style>
+      </p:cxnSp>
+      <p:cxnSp>
+        <p:nvCxnSpPr>
+          <p:cNvPr id="255" name="직선 화살표 연결선 254">
+            <a:extLst>
+              <a:ext uri="{FF2B5EF4-FFF2-40B4-BE49-F238E27FC236}">
+                <a16:creationId xmlns:a16="http://schemas.microsoft.com/office/drawing/2014/main" id="{62A856C6-CEA3-41CF-B4DC-EA769ABB4F24}"/>
+              </a:ext>
+            </a:extLst>
+          </p:cNvPr>
+          <p:cNvCxnSpPr>
+            <a:cxnSpLocks/>
+            <a:stCxn id="221" idx="2"/>
+            <a:endCxn id="87" idx="0"/>
+          </p:cNvCxnSpPr>
+          <p:nvPr/>
+        </p:nvCxnSpPr>
+        <p:spPr>
+          <a:xfrm>
+            <a:off x="3199730" y="1635646"/>
+            <a:ext cx="285524" cy="203204"/>
+          </a:xfrm>
+          <a:prstGeom prst="straightConnector1">
+            <a:avLst/>
+          </a:prstGeom>
+          <a:ln w="19050">
+            <a:solidFill>
+              <a:schemeClr val="tx1"/>
+            </a:solidFill>
+            <a:headEnd type="none" w="med" len="med"/>
+            <a:tailEnd type="arrow" w="med" len="med"/>
+          </a:ln>
+        </p:spPr>
+        <p:style>
+          <a:lnRef idx="1">
+            <a:schemeClr val="accent1"/>
+          </a:lnRef>
+          <a:fillRef idx="0">
+            <a:schemeClr val="accent1"/>
+          </a:fillRef>
+          <a:effectRef idx="0">
+            <a:schemeClr val="accent1"/>
+          </a:effectRef>
+          <a:fontRef idx="minor">
+            <a:schemeClr val="tx1"/>
+          </a:fontRef>
+        </p:style>
+      </p:cxnSp>
+      <p:cxnSp>
+        <p:nvCxnSpPr>
+          <p:cNvPr id="258" name="직선 화살표 연결선 257">
+            <a:extLst>
+              <a:ext uri="{FF2B5EF4-FFF2-40B4-BE49-F238E27FC236}">
+                <a16:creationId xmlns:a16="http://schemas.microsoft.com/office/drawing/2014/main" id="{4A4C7241-5FFB-4E18-ABB4-D952D8729D3A}"/>
+              </a:ext>
+            </a:extLst>
+          </p:cNvPr>
+          <p:cNvCxnSpPr>
+            <a:cxnSpLocks/>
+            <a:stCxn id="44" idx="0"/>
+            <a:endCxn id="87" idx="2"/>
+          </p:cNvCxnSpPr>
+          <p:nvPr/>
+        </p:nvCxnSpPr>
+        <p:spPr>
+          <a:xfrm flipH="1" flipV="1">
+            <a:off x="3485254" y="3589361"/>
+            <a:ext cx="572332" cy="319600"/>
+          </a:xfrm>
+          <a:prstGeom prst="straightConnector1">
+            <a:avLst/>
+          </a:prstGeom>
+          <a:ln w="19050">
+            <a:solidFill>
+              <a:schemeClr val="tx1"/>
+            </a:solidFill>
+            <a:headEnd type="none" w="med" len="med"/>
+            <a:tailEnd type="arrow" w="med" len="med"/>
+          </a:ln>
+        </p:spPr>
+        <p:style>
+          <a:lnRef idx="1">
+            <a:schemeClr val="accent1"/>
+          </a:lnRef>
+          <a:fillRef idx="0">
+            <a:schemeClr val="accent1"/>
+          </a:fillRef>
+          <a:effectRef idx="0">
+            <a:schemeClr val="accent1"/>
+          </a:effectRef>
+          <a:fontRef idx="minor">
+            <a:schemeClr val="tx1"/>
+          </a:fontRef>
+        </p:style>
+      </p:cxnSp>
+      <p:cxnSp>
+        <p:nvCxnSpPr>
+          <p:cNvPr id="264" name="직선 화살표 연결선 263">
+            <a:extLst>
+              <a:ext uri="{FF2B5EF4-FFF2-40B4-BE49-F238E27FC236}">
+                <a16:creationId xmlns:a16="http://schemas.microsoft.com/office/drawing/2014/main" id="{97F4D6A0-869A-4D67-8E94-86FEE1E9825B}"/>
+              </a:ext>
+            </a:extLst>
+          </p:cNvPr>
+          <p:cNvCxnSpPr>
+            <a:cxnSpLocks/>
+            <a:stCxn id="105" idx="2"/>
+            <a:endCxn id="87" idx="0"/>
+          </p:cNvCxnSpPr>
+          <p:nvPr/>
+        </p:nvCxnSpPr>
+        <p:spPr>
+          <a:xfrm flipH="1">
+            <a:off x="3485254" y="1635646"/>
+            <a:ext cx="2235968" cy="203204"/>
+          </a:xfrm>
+          <a:prstGeom prst="straightConnector1">
+            <a:avLst/>
+          </a:prstGeom>
+          <a:ln w="19050">
+            <a:solidFill>
+              <a:schemeClr val="tx1"/>
+            </a:solidFill>
+            <a:headEnd type="none" w="med" len="med"/>
+            <a:tailEnd type="arrow" w="med" len="med"/>
+          </a:ln>
+        </p:spPr>
+        <p:style>
+          <a:lnRef idx="1">
+            <a:schemeClr val="accent1"/>
+          </a:lnRef>
+          <a:fillRef idx="0">
+            <a:schemeClr val="accent1"/>
+          </a:fillRef>
+          <a:effectRef idx="0">
+            <a:schemeClr val="accent1"/>
+          </a:effectRef>
+          <a:fontRef idx="minor">
+            <a:schemeClr val="tx1"/>
+          </a:fontRef>
+        </p:style>
+      </p:cxnSp>
+      <p:cxnSp>
+        <p:nvCxnSpPr>
+          <p:cNvPr id="269" name="직선 화살표 연결선 268">
+            <a:extLst>
+              <a:ext uri="{FF2B5EF4-FFF2-40B4-BE49-F238E27FC236}">
+                <a16:creationId xmlns:a16="http://schemas.microsoft.com/office/drawing/2014/main" id="{4B99CBC3-A5F1-4571-A9A3-E1D08939D75B}"/>
+              </a:ext>
+            </a:extLst>
+          </p:cNvPr>
+          <p:cNvCxnSpPr>
+            <a:cxnSpLocks/>
+            <a:stCxn id="105" idx="2"/>
+            <a:endCxn id="194" idx="0"/>
+          </p:cNvCxnSpPr>
+          <p:nvPr/>
+        </p:nvCxnSpPr>
+        <p:spPr>
+          <a:xfrm>
+            <a:off x="5721222" y="1635646"/>
+            <a:ext cx="78412" cy="203204"/>
+          </a:xfrm>
+          <a:prstGeom prst="straightConnector1">
+            <a:avLst/>
+          </a:prstGeom>
+          <a:ln w="19050">
+            <a:solidFill>
+              <a:schemeClr val="tx1"/>
+            </a:solidFill>
+            <a:headEnd type="none" w="med" len="med"/>
+            <a:tailEnd type="arrow" w="med" len="med"/>
+          </a:ln>
+        </p:spPr>
+        <p:style>
+          <a:lnRef idx="1">
+            <a:schemeClr val="accent1"/>
+          </a:lnRef>
+          <a:fillRef idx="0">
+            <a:schemeClr val="accent1"/>
+          </a:fillRef>
+          <a:effectRef idx="0">
+            <a:schemeClr val="accent1"/>
+          </a:effectRef>
+          <a:fontRef idx="minor">
+            <a:schemeClr val="tx1"/>
+          </a:fontRef>
+        </p:style>
+      </p:cxnSp>
+      <p:sp>
+        <p:nvSpPr>
+          <p:cNvPr id="279" name="사각형: 둥근 모서리 278">
+            <a:extLst>
+              <a:ext uri="{FF2B5EF4-FFF2-40B4-BE49-F238E27FC236}">
+                <a16:creationId xmlns:a16="http://schemas.microsoft.com/office/drawing/2014/main" id="{776B95DD-F19C-4244-8AF7-6506AB23E3C5}"/>
+              </a:ext>
+            </a:extLst>
+          </p:cNvPr>
+          <p:cNvSpPr/>
+          <p:nvPr/>
+        </p:nvSpPr>
+        <p:spPr>
+          <a:xfrm>
+            <a:off x="2473076" y="3221619"/>
+            <a:ext cx="1012178" cy="288032"/>
+          </a:xfrm>
+          <a:prstGeom prst="roundRect">
+            <a:avLst>
+              <a:gd name="adj" fmla="val 13219"/>
+            </a:avLst>
+          </a:prstGeom>
+        </p:spPr>
+        <p:style>
+          <a:lnRef idx="2">
+            <a:schemeClr val="dk1"/>
+          </a:lnRef>
+          <a:fillRef idx="1">
+            <a:schemeClr val="lt1"/>
+          </a:fillRef>
+          <a:effectRef idx="0">
+            <a:schemeClr val="dk1"/>
+          </a:effectRef>
+          <a:fontRef idx="minor">
+            <a:schemeClr val="dk1"/>
+          </a:fontRef>
+        </p:style>
+        <p:txBody>
+          <a:bodyPr rtlCol="0" anchor="ctr"/>
+          <a:lstStyle/>
+          <a:p>
+            <a:pPr algn="ctr"/>
+            <a:r>
+              <a:rPr lang="en-US" altLang="ko-KR" sz="1100"/>
+              <a:t>Group A</a:t>
+            </a:r>
+            <a:endParaRPr lang="ko-KR" altLang="en-US" sz="1100"/>
+          </a:p>
+        </p:txBody>
+      </p:sp>
+      <p:sp>
+        <p:nvSpPr>
+          <p:cNvPr id="280" name="사각형: 둥근 모서리 279">
+            <a:extLst>
+              <a:ext uri="{FF2B5EF4-FFF2-40B4-BE49-F238E27FC236}">
+                <a16:creationId xmlns:a16="http://schemas.microsoft.com/office/drawing/2014/main" id="{020BF083-8BC0-4873-A67E-195557607375}"/>
+              </a:ext>
+            </a:extLst>
+          </p:cNvPr>
+          <p:cNvSpPr/>
+          <p:nvPr/>
+        </p:nvSpPr>
+        <p:spPr>
+          <a:xfrm>
+            <a:off x="3485254" y="3216709"/>
+            <a:ext cx="1012178" cy="288032"/>
+          </a:xfrm>
+          <a:prstGeom prst="roundRect">
+            <a:avLst>
+              <a:gd name="adj" fmla="val 13219"/>
+            </a:avLst>
+          </a:prstGeom>
+        </p:spPr>
+        <p:style>
+          <a:lnRef idx="2">
+            <a:schemeClr val="dk1"/>
+          </a:lnRef>
+          <a:fillRef idx="1">
+            <a:schemeClr val="lt1"/>
+          </a:fillRef>
+          <a:effectRef idx="0">
+            <a:schemeClr val="dk1"/>
+          </a:effectRef>
+          <a:fontRef idx="minor">
+            <a:schemeClr val="dk1"/>
+          </a:fontRef>
+        </p:style>
+        <p:txBody>
+          <a:bodyPr rtlCol="0" anchor="ctr"/>
+          <a:lstStyle/>
+          <a:p>
+            <a:pPr algn="ctr"/>
+            <a:r>
+              <a:rPr lang="en-US" altLang="ko-KR" sz="1100"/>
+              <a:t>Role B</a:t>
+            </a:r>
+            <a:endParaRPr lang="ko-KR" altLang="en-US" sz="1100"/>
+          </a:p>
+        </p:txBody>
+      </p:sp>
+      <p:cxnSp>
+        <p:nvCxnSpPr>
+          <p:cNvPr id="281" name="직선 화살표 연결선 280">
+            <a:extLst>
+              <a:ext uri="{FF2B5EF4-FFF2-40B4-BE49-F238E27FC236}">
+                <a16:creationId xmlns:a16="http://schemas.microsoft.com/office/drawing/2014/main" id="{A7FC9D46-CF4D-4251-B4D9-98AEF13D668E}"/>
+              </a:ext>
+            </a:extLst>
+          </p:cNvPr>
+          <p:cNvCxnSpPr>
+            <a:cxnSpLocks/>
+            <a:stCxn id="222" idx="2"/>
+            <a:endCxn id="87" idx="0"/>
+          </p:cNvCxnSpPr>
+          <p:nvPr/>
+        </p:nvCxnSpPr>
+        <p:spPr>
+          <a:xfrm flipH="1">
+            <a:off x="3485254" y="1635646"/>
+            <a:ext cx="833557" cy="203204"/>
+          </a:xfrm>
+          <a:prstGeom prst="straightConnector1">
+            <a:avLst/>
+          </a:prstGeom>
+          <a:ln w="19050">
+            <a:solidFill>
+              <a:schemeClr val="tx1"/>
+            </a:solidFill>
+            <a:headEnd type="none" w="med" len="med"/>
+            <a:tailEnd type="arrow" w="med" len="med"/>
+          </a:ln>
+        </p:spPr>
+        <p:style>
+          <a:lnRef idx="1">
+            <a:schemeClr val="accent1"/>
+          </a:lnRef>
+          <a:fillRef idx="0">
+            <a:schemeClr val="accent1"/>
+          </a:fillRef>
+          <a:effectRef idx="0">
+            <a:schemeClr val="accent1"/>
+          </a:effectRef>
+          <a:fontRef idx="minor">
+            <a:schemeClr val="tx1"/>
+          </a:fontRef>
+        </p:style>
+      </p:cxnSp>
+      <p:cxnSp>
+        <p:nvCxnSpPr>
+          <p:cNvPr id="289" name="직선 화살표 연결선 288">
+            <a:extLst>
+              <a:ext uri="{FF2B5EF4-FFF2-40B4-BE49-F238E27FC236}">
+                <a16:creationId xmlns:a16="http://schemas.microsoft.com/office/drawing/2014/main" id="{C36BD813-145E-4848-BD0A-23A7BC3282E3}"/>
+              </a:ext>
+            </a:extLst>
+          </p:cNvPr>
+          <p:cNvCxnSpPr>
+            <a:cxnSpLocks/>
+            <a:stCxn id="109" idx="2"/>
+            <a:endCxn id="194" idx="0"/>
+          </p:cNvCxnSpPr>
+          <p:nvPr/>
+        </p:nvCxnSpPr>
+        <p:spPr>
+          <a:xfrm>
+            <a:off x="4318811" y="1203598"/>
+            <a:ext cx="1480823" cy="635252"/>
+          </a:xfrm>
+          <a:prstGeom prst="straightConnector1">
+            <a:avLst/>
+          </a:prstGeom>
+          <a:ln w="19050">
+            <a:solidFill>
+              <a:schemeClr val="tx1"/>
+            </a:solidFill>
+            <a:headEnd type="none" w="med" len="med"/>
+            <a:tailEnd type="arrow" w="med" len="med"/>
+          </a:ln>
+        </p:spPr>
+        <p:style>
+          <a:lnRef idx="1">
+            <a:schemeClr val="accent1"/>
+          </a:lnRef>
+          <a:fillRef idx="0">
+            <a:schemeClr val="accent1"/>
+          </a:fillRef>
+          <a:effectRef idx="0">
+            <a:schemeClr val="accent1"/>
+          </a:effectRef>
+          <a:fontRef idx="minor">
+            <a:schemeClr val="tx1"/>
+          </a:fontRef>
+        </p:style>
+      </p:cxnSp>
+      <p:cxnSp>
+        <p:nvCxnSpPr>
+          <p:cNvPr id="292" name="직선 화살표 연결선 291">
+            <a:extLst>
+              <a:ext uri="{FF2B5EF4-FFF2-40B4-BE49-F238E27FC236}">
+                <a16:creationId xmlns:a16="http://schemas.microsoft.com/office/drawing/2014/main" id="{9A773BC1-EC38-4001-9B65-4404101B2B45}"/>
+              </a:ext>
+            </a:extLst>
+          </p:cNvPr>
+          <p:cNvCxnSpPr>
+            <a:cxnSpLocks/>
+            <a:stCxn id="222" idx="2"/>
+            <a:endCxn id="194" idx="0"/>
+          </p:cNvCxnSpPr>
+          <p:nvPr/>
+        </p:nvCxnSpPr>
+        <p:spPr>
+          <a:xfrm>
+            <a:off x="4318811" y="1635646"/>
+            <a:ext cx="1480823" cy="203204"/>
+          </a:xfrm>
+          <a:prstGeom prst="straightConnector1">
+            <a:avLst/>
+          </a:prstGeom>
+          <a:ln w="19050">
+            <a:solidFill>
+              <a:schemeClr val="tx1"/>
+            </a:solidFill>
+            <a:headEnd type="none" w="med" len="med"/>
+            <a:tailEnd type="arrow" w="med" len="med"/>
+          </a:ln>
+        </p:spPr>
+        <p:style>
+          <a:lnRef idx="1">
+            <a:schemeClr val="accent1"/>
+          </a:lnRef>
+          <a:fillRef idx="0">
+            <a:schemeClr val="accent1"/>
+          </a:fillRef>
+          <a:effectRef idx="0">
+            <a:schemeClr val="accent1"/>
+          </a:effectRef>
+          <a:fontRef idx="minor">
+            <a:schemeClr val="tx1"/>
+          </a:fontRef>
+        </p:style>
+      </p:cxnSp>
+    </p:spTree>
+    <p:extLst>
+      <p:ext uri="{BB962C8B-B14F-4D97-AF65-F5344CB8AC3E}">
+        <p14:creationId xmlns:p14="http://schemas.microsoft.com/office/powerpoint/2010/main" val="1526901265"/>
+      </p:ext>
+    </p:extLst>
+  </p:cSld>
+  <p:clrMapOvr>
+    <a:masterClrMapping/>
+  </p:clrMapOvr>
+</p:sld>
+</file>
+
+<file path=ppt/slides/slide3.xml><?xml version="1.0" encoding="utf-8"?>
+<p:sld xmlns:a="http://schemas.openxmlformats.org/drawingml/2006/main" xmlns:r="http://schemas.openxmlformats.org/officeDocument/2006/relationships" xmlns:p="http://schemas.openxmlformats.org/presentationml/2006/main">
+  <p:cSld>
+    <p:spTree>
+      <p:nvGrpSpPr>
+        <p:cNvPr id="1" name=""/>
+        <p:cNvGrpSpPr/>
+        <p:nvPr/>
+      </p:nvGrpSpPr>
+      <p:grpSpPr>
+        <a:xfrm>
+          <a:off x="0" y="0"/>
+          <a:ext cx="0" cy="0"/>
+          <a:chOff x="0" y="0"/>
+          <a:chExt cx="0" cy="0"/>
+        </a:xfrm>
+      </p:grpSpPr>
+      <p:sp>
+        <p:nvSpPr>
+          <p:cNvPr id="2" name="제목 1"/>
+          <p:cNvSpPr>
+            <a:spLocks noGrp="1"/>
+          </p:cNvSpPr>
+          <p:nvPr>
+            <p:ph type="title"/>
+          </p:nvPr>
+        </p:nvSpPr>
+        <p:spPr>
+          <a:xfrm>
+            <a:off x="457200" y="-164554"/>
+            <a:ext cx="8229600" cy="720080"/>
+          </a:xfrm>
+        </p:spPr>
+        <p:txBody>
+          <a:bodyPr>
             <a:normAutofit fontScale="90000"/>
           </a:bodyPr>
           <a:lstStyle/>
@@ -6943,7 +9897,7 @@
 </p:sld>
 </file>
 
-<file path=ppt/slides/slide3.xml><?xml version="1.0" encoding="utf-8"?>
+<file path=ppt/slides/slide4.xml><?xml version="1.0" encoding="utf-8"?>
 <p:sld xmlns:a="http://schemas.openxmlformats.org/drawingml/2006/main" xmlns:r="http://schemas.openxmlformats.org/officeDocument/2006/relationships" xmlns:p="http://schemas.openxmlformats.org/presentationml/2006/main">
   <p:cSld>
     <p:spTree>
@@ -8405,86 +11359,6 @@
 </p:sld>
 </file>
 
-<file path=ppt/slides/slide4.xml><?xml version="1.0" encoding="utf-8"?>
-<p:sld xmlns:a="http://schemas.openxmlformats.org/drawingml/2006/main" xmlns:r="http://schemas.openxmlformats.org/officeDocument/2006/relationships" xmlns:p="http://schemas.openxmlformats.org/presentationml/2006/main">
-  <p:cSld>
-    <p:spTree>
-      <p:nvGrpSpPr>
-        <p:cNvPr id="1" name=""/>
-        <p:cNvGrpSpPr/>
-        <p:nvPr/>
-      </p:nvGrpSpPr>
-      <p:grpSpPr>
-        <a:xfrm>
-          <a:off x="0" y="0"/>
-          <a:ext cx="0" cy="0"/>
-          <a:chOff x="0" y="0"/>
-          <a:chExt cx="0" cy="0"/>
-        </a:xfrm>
-      </p:grpSpPr>
-      <p:sp>
-        <p:nvSpPr>
-          <p:cNvPr id="2" name="제목 1">
-            <a:extLst>
-              <a:ext uri="{FF2B5EF4-FFF2-40B4-BE49-F238E27FC236}">
-                <a16:creationId xmlns:a16="http://schemas.microsoft.com/office/drawing/2014/main" id="{6F06FFFE-B814-4A76-8B32-92417198AE92}"/>
-              </a:ext>
-            </a:extLst>
-          </p:cNvPr>
-          <p:cNvSpPr>
-            <a:spLocks noGrp="1"/>
-          </p:cNvSpPr>
-          <p:nvPr>
-            <p:ph type="title"/>
-          </p:nvPr>
-        </p:nvSpPr>
-        <p:spPr/>
-        <p:txBody>
-          <a:bodyPr/>
-          <a:lstStyle/>
-          <a:p>
-            <a:endParaRPr lang="ko-KR" altLang="en-US"/>
-          </a:p>
-        </p:txBody>
-      </p:sp>
-      <p:sp>
-        <p:nvSpPr>
-          <p:cNvPr id="3" name="내용 개체 틀 2">
-            <a:extLst>
-              <a:ext uri="{FF2B5EF4-FFF2-40B4-BE49-F238E27FC236}">
-                <a16:creationId xmlns:a16="http://schemas.microsoft.com/office/drawing/2014/main" id="{9AAAA105-5893-41B7-881C-0C5A10D87379}"/>
-              </a:ext>
-            </a:extLst>
-          </p:cNvPr>
-          <p:cNvSpPr>
-            <a:spLocks noGrp="1"/>
-          </p:cNvSpPr>
-          <p:nvPr>
-            <p:ph idx="1"/>
-          </p:nvPr>
-        </p:nvSpPr>
-        <p:spPr/>
-        <p:txBody>
-          <a:bodyPr/>
-          <a:lstStyle/>
-          <a:p>
-            <a:endParaRPr lang="ko-KR" altLang="en-US"/>
-          </a:p>
-        </p:txBody>
-      </p:sp>
-    </p:spTree>
-    <p:extLst>
-      <p:ext uri="{BB962C8B-B14F-4D97-AF65-F5344CB8AC3E}">
-        <p14:creationId xmlns:p14="http://schemas.microsoft.com/office/powerpoint/2010/main" val="1233000047"/>
-      </p:ext>
-    </p:extLst>
-  </p:cSld>
-  <p:clrMapOvr>
-    <a:masterClrMapping/>
-  </p:clrMapOvr>
-</p:sld>
-</file>
-
 <file path=ppt/slides/slide5.xml><?xml version="1.0" encoding="utf-8"?>
 <p:sld xmlns:a="http://schemas.openxmlformats.org/drawingml/2006/main" xmlns:r="http://schemas.openxmlformats.org/officeDocument/2006/relationships" xmlns:p="http://schemas.openxmlformats.org/presentationml/2006/main">
   <p:cSld>
@@ -8504,6 +11378,1422 @@
       </p:grpSpPr>
       <p:sp>
         <p:nvSpPr>
+          <p:cNvPr id="2" name="제목 1">
+            <a:extLst>
+              <a:ext uri="{FF2B5EF4-FFF2-40B4-BE49-F238E27FC236}">
+                <a16:creationId xmlns:a16="http://schemas.microsoft.com/office/drawing/2014/main" id="{6F06FFFE-B814-4A76-8B32-92417198AE92}"/>
+              </a:ext>
+            </a:extLst>
+          </p:cNvPr>
+          <p:cNvSpPr>
+            <a:spLocks noGrp="1"/>
+          </p:cNvSpPr>
+          <p:nvPr>
+            <p:ph type="title"/>
+          </p:nvPr>
+        </p:nvSpPr>
+        <p:spPr/>
+        <p:txBody>
+          <a:bodyPr/>
+          <a:lstStyle/>
+          <a:p>
+            <a:endParaRPr lang="ko-KR" altLang="en-US"/>
+          </a:p>
+        </p:txBody>
+      </p:sp>
+      <p:sp>
+        <p:nvSpPr>
+          <p:cNvPr id="3" name="내용 개체 틀 2">
+            <a:extLst>
+              <a:ext uri="{FF2B5EF4-FFF2-40B4-BE49-F238E27FC236}">
+                <a16:creationId xmlns:a16="http://schemas.microsoft.com/office/drawing/2014/main" id="{9AAAA105-5893-41B7-881C-0C5A10D87379}"/>
+              </a:ext>
+            </a:extLst>
+          </p:cNvPr>
+          <p:cNvSpPr>
+            <a:spLocks noGrp="1"/>
+          </p:cNvSpPr>
+          <p:nvPr>
+            <p:ph idx="1"/>
+          </p:nvPr>
+        </p:nvSpPr>
+        <p:spPr/>
+        <p:txBody>
+          <a:bodyPr/>
+          <a:lstStyle/>
+          <a:p>
+            <a:endParaRPr lang="ko-KR" altLang="en-US"/>
+          </a:p>
+        </p:txBody>
+      </p:sp>
+    </p:spTree>
+    <p:extLst>
+      <p:ext uri="{BB962C8B-B14F-4D97-AF65-F5344CB8AC3E}">
+        <p14:creationId xmlns:p14="http://schemas.microsoft.com/office/powerpoint/2010/main" val="1233000047"/>
+      </p:ext>
+    </p:extLst>
+  </p:cSld>
+  <p:clrMapOvr>
+    <a:masterClrMapping/>
+  </p:clrMapOvr>
+</p:sld>
+</file>
+
+<file path=ppt/slides/slide6.xml><?xml version="1.0" encoding="utf-8"?>
+<p:sld xmlns:a="http://schemas.openxmlformats.org/drawingml/2006/main" xmlns:r="http://schemas.openxmlformats.org/officeDocument/2006/relationships" xmlns:p="http://schemas.openxmlformats.org/presentationml/2006/main">
+  <p:cSld>
+    <p:spTree>
+      <p:nvGrpSpPr>
+        <p:cNvPr id="1" name=""/>
+        <p:cNvGrpSpPr/>
+        <p:nvPr/>
+      </p:nvGrpSpPr>
+      <p:grpSpPr>
+        <a:xfrm>
+          <a:off x="0" y="0"/>
+          <a:ext cx="0" cy="0"/>
+          <a:chOff x="0" y="0"/>
+          <a:chExt cx="0" cy="0"/>
+        </a:xfrm>
+      </p:grpSpPr>
+      <p:sp>
+        <p:nvSpPr>
+          <p:cNvPr id="2" name="제목 1"/>
+          <p:cNvSpPr>
+            <a:spLocks noGrp="1"/>
+          </p:cNvSpPr>
+          <p:nvPr>
+            <p:ph type="title"/>
+          </p:nvPr>
+        </p:nvSpPr>
+        <p:spPr>
+          <a:xfrm>
+            <a:off x="457200" y="-20538"/>
+            <a:ext cx="8229600" cy="720080"/>
+          </a:xfrm>
+        </p:spPr>
+        <p:txBody>
+          <a:bodyPr>
+            <a:normAutofit/>
+          </a:bodyPr>
+          <a:lstStyle/>
+          <a:p>
+            <a:r>
+              <a:rPr lang="en-US" altLang="ko-KR" sz="3600"/>
+              <a:t>Keystone Components</a:t>
+            </a:r>
+            <a:endParaRPr lang="ko-KR" altLang="en-US" sz="3600" dirty="0"/>
+          </a:p>
+        </p:txBody>
+      </p:sp>
+      <p:sp>
+        <p:nvSpPr>
+          <p:cNvPr id="26" name="사각형: 둥근 모서리 25">
+            <a:extLst>
+              <a:ext uri="{FF2B5EF4-FFF2-40B4-BE49-F238E27FC236}">
+                <a16:creationId xmlns:a16="http://schemas.microsoft.com/office/drawing/2014/main" id="{AED60E89-AAE3-4DF7-AA99-AD3C2F524E75}"/>
+              </a:ext>
+            </a:extLst>
+          </p:cNvPr>
+          <p:cNvSpPr/>
+          <p:nvPr/>
+        </p:nvSpPr>
+        <p:spPr>
+          <a:xfrm>
+            <a:off x="2023907" y="3651870"/>
+            <a:ext cx="1348716" cy="1368152"/>
+          </a:xfrm>
+          <a:prstGeom prst="roundRect">
+            <a:avLst>
+              <a:gd name="adj" fmla="val 3742"/>
+            </a:avLst>
+          </a:prstGeom>
+        </p:spPr>
+        <p:style>
+          <a:lnRef idx="2">
+            <a:schemeClr val="dk1"/>
+          </a:lnRef>
+          <a:fillRef idx="1">
+            <a:schemeClr val="lt1"/>
+          </a:fillRef>
+          <a:effectRef idx="0">
+            <a:schemeClr val="dk1"/>
+          </a:effectRef>
+          <a:fontRef idx="minor">
+            <a:schemeClr val="dk1"/>
+          </a:fontRef>
+        </p:style>
+        <p:txBody>
+          <a:bodyPr rtlCol="0" anchor="b"/>
+          <a:lstStyle/>
+          <a:p>
+            <a:pPr algn="ctr"/>
+            <a:r>
+              <a:rPr lang="en-US" altLang="ko-KR" sz="1100"/>
+              <a:t>Policy</a:t>
+            </a:r>
+            <a:endParaRPr lang="ko-KR" altLang="en-US" sz="1100"/>
+          </a:p>
+        </p:txBody>
+      </p:sp>
+      <p:sp>
+        <p:nvSpPr>
+          <p:cNvPr id="28" name="사각형: 둥근 모서리 27">
+            <a:extLst>
+              <a:ext uri="{FF2B5EF4-FFF2-40B4-BE49-F238E27FC236}">
+                <a16:creationId xmlns:a16="http://schemas.microsoft.com/office/drawing/2014/main" id="{63F4F0FA-34F1-4CEB-9AF3-261335FD8AB5}"/>
+              </a:ext>
+            </a:extLst>
+          </p:cNvPr>
+          <p:cNvSpPr/>
+          <p:nvPr/>
+        </p:nvSpPr>
+        <p:spPr>
+          <a:xfrm>
+            <a:off x="2086197" y="3723878"/>
+            <a:ext cx="1224136" cy="288032"/>
+          </a:xfrm>
+          <a:prstGeom prst="roundRect">
+            <a:avLst>
+              <a:gd name="adj" fmla="val 6778"/>
+            </a:avLst>
+          </a:prstGeom>
+        </p:spPr>
+        <p:style>
+          <a:lnRef idx="2">
+            <a:schemeClr val="dk1"/>
+          </a:lnRef>
+          <a:fillRef idx="1">
+            <a:schemeClr val="lt1"/>
+          </a:fillRef>
+          <a:effectRef idx="0">
+            <a:schemeClr val="dk1"/>
+          </a:effectRef>
+          <a:fontRef idx="minor">
+            <a:schemeClr val="dk1"/>
+          </a:fontRef>
+        </p:style>
+        <p:txBody>
+          <a:bodyPr rtlCol="0" anchor="ctr"/>
+          <a:lstStyle/>
+          <a:p>
+            <a:pPr algn="ctr"/>
+            <a:r>
+              <a:rPr lang="en-US" altLang="ko-KR" sz="1100"/>
+              <a:t>Rule</a:t>
+            </a:r>
+          </a:p>
+        </p:txBody>
+      </p:sp>
+      <p:sp>
+        <p:nvSpPr>
+          <p:cNvPr id="29" name="사각형: 둥근 모서리 28">
+            <a:extLst>
+              <a:ext uri="{FF2B5EF4-FFF2-40B4-BE49-F238E27FC236}">
+                <a16:creationId xmlns:a16="http://schemas.microsoft.com/office/drawing/2014/main" id="{5EEDF1ED-9B08-4B6C-BB83-7CE959772562}"/>
+              </a:ext>
+            </a:extLst>
+          </p:cNvPr>
+          <p:cNvSpPr/>
+          <p:nvPr/>
+        </p:nvSpPr>
+        <p:spPr>
+          <a:xfrm>
+            <a:off x="2086197" y="4083918"/>
+            <a:ext cx="1224136" cy="288032"/>
+          </a:xfrm>
+          <a:prstGeom prst="roundRect">
+            <a:avLst>
+              <a:gd name="adj" fmla="val 6778"/>
+            </a:avLst>
+          </a:prstGeom>
+        </p:spPr>
+        <p:style>
+          <a:lnRef idx="2">
+            <a:schemeClr val="dk1"/>
+          </a:lnRef>
+          <a:fillRef idx="1">
+            <a:schemeClr val="lt1"/>
+          </a:fillRef>
+          <a:effectRef idx="0">
+            <a:schemeClr val="dk1"/>
+          </a:effectRef>
+          <a:fontRef idx="minor">
+            <a:schemeClr val="dk1"/>
+          </a:fontRef>
+        </p:style>
+        <p:txBody>
+          <a:bodyPr rtlCol="0" anchor="ctr"/>
+          <a:lstStyle/>
+          <a:p>
+            <a:pPr algn="ctr"/>
+            <a:r>
+              <a:rPr lang="en-US" altLang="ko-KR" sz="1100"/>
+              <a:t>Rule</a:t>
+            </a:r>
+          </a:p>
+        </p:txBody>
+      </p:sp>
+      <p:sp>
+        <p:nvSpPr>
+          <p:cNvPr id="31" name="사각형: 둥근 모서리 30">
+            <a:extLst>
+              <a:ext uri="{FF2B5EF4-FFF2-40B4-BE49-F238E27FC236}">
+                <a16:creationId xmlns:a16="http://schemas.microsoft.com/office/drawing/2014/main" id="{A060C2B6-5056-44B6-95D0-D39C44A5290C}"/>
+              </a:ext>
+            </a:extLst>
+          </p:cNvPr>
+          <p:cNvSpPr/>
+          <p:nvPr/>
+        </p:nvSpPr>
+        <p:spPr>
+          <a:xfrm>
+            <a:off x="2086197" y="4443958"/>
+            <a:ext cx="1224136" cy="288032"/>
+          </a:xfrm>
+          <a:prstGeom prst="roundRect">
+            <a:avLst>
+              <a:gd name="adj" fmla="val 6778"/>
+            </a:avLst>
+          </a:prstGeom>
+        </p:spPr>
+        <p:style>
+          <a:lnRef idx="2">
+            <a:schemeClr val="dk1"/>
+          </a:lnRef>
+          <a:fillRef idx="1">
+            <a:schemeClr val="lt1"/>
+          </a:fillRef>
+          <a:effectRef idx="0">
+            <a:schemeClr val="dk1"/>
+          </a:effectRef>
+          <a:fontRef idx="minor">
+            <a:schemeClr val="dk1"/>
+          </a:fontRef>
+        </p:style>
+        <p:txBody>
+          <a:bodyPr rtlCol="0" anchor="ctr"/>
+          <a:lstStyle/>
+          <a:p>
+            <a:pPr algn="ctr"/>
+            <a:r>
+              <a:rPr lang="en-US" altLang="ko-KR" sz="1100"/>
+              <a:t>Rule</a:t>
+            </a:r>
+          </a:p>
+        </p:txBody>
+      </p:sp>
+      <p:sp>
+        <p:nvSpPr>
+          <p:cNvPr id="32" name="사각형: 둥근 모서리 31">
+            <a:extLst>
+              <a:ext uri="{FF2B5EF4-FFF2-40B4-BE49-F238E27FC236}">
+                <a16:creationId xmlns:a16="http://schemas.microsoft.com/office/drawing/2014/main" id="{04697F35-CF1B-43B8-83D7-D11860EBD848}"/>
+              </a:ext>
+            </a:extLst>
+          </p:cNvPr>
+          <p:cNvSpPr/>
+          <p:nvPr/>
+        </p:nvSpPr>
+        <p:spPr>
+          <a:xfrm>
+            <a:off x="5757264" y="3651870"/>
+            <a:ext cx="1348716" cy="1368152"/>
+          </a:xfrm>
+          <a:prstGeom prst="roundRect">
+            <a:avLst>
+              <a:gd name="adj" fmla="val 3742"/>
+            </a:avLst>
+          </a:prstGeom>
+        </p:spPr>
+        <p:style>
+          <a:lnRef idx="2">
+            <a:schemeClr val="dk1"/>
+          </a:lnRef>
+          <a:fillRef idx="1">
+            <a:schemeClr val="lt1"/>
+          </a:fillRef>
+          <a:effectRef idx="0">
+            <a:schemeClr val="dk1"/>
+          </a:effectRef>
+          <a:fontRef idx="minor">
+            <a:schemeClr val="dk1"/>
+          </a:fontRef>
+        </p:style>
+        <p:txBody>
+          <a:bodyPr rtlCol="0" anchor="b"/>
+          <a:lstStyle/>
+          <a:p>
+            <a:pPr algn="ctr"/>
+            <a:r>
+              <a:rPr lang="en-US" altLang="ko-KR" sz="1100"/>
+              <a:t>Policy</a:t>
+            </a:r>
+            <a:endParaRPr lang="ko-KR" altLang="en-US" sz="1100"/>
+          </a:p>
+        </p:txBody>
+      </p:sp>
+      <p:sp>
+        <p:nvSpPr>
+          <p:cNvPr id="33" name="사각형: 둥근 모서리 32">
+            <a:extLst>
+              <a:ext uri="{FF2B5EF4-FFF2-40B4-BE49-F238E27FC236}">
+                <a16:creationId xmlns:a16="http://schemas.microsoft.com/office/drawing/2014/main" id="{EA431F7F-37FC-446F-A627-53EA57BA09FE}"/>
+              </a:ext>
+            </a:extLst>
+          </p:cNvPr>
+          <p:cNvSpPr/>
+          <p:nvPr/>
+        </p:nvSpPr>
+        <p:spPr>
+          <a:xfrm>
+            <a:off x="5819554" y="3723878"/>
+            <a:ext cx="1224136" cy="288032"/>
+          </a:xfrm>
+          <a:prstGeom prst="roundRect">
+            <a:avLst>
+              <a:gd name="adj" fmla="val 6778"/>
+            </a:avLst>
+          </a:prstGeom>
+        </p:spPr>
+        <p:style>
+          <a:lnRef idx="2">
+            <a:schemeClr val="dk1"/>
+          </a:lnRef>
+          <a:fillRef idx="1">
+            <a:schemeClr val="lt1"/>
+          </a:fillRef>
+          <a:effectRef idx="0">
+            <a:schemeClr val="dk1"/>
+          </a:effectRef>
+          <a:fontRef idx="minor">
+            <a:schemeClr val="dk1"/>
+          </a:fontRef>
+        </p:style>
+        <p:txBody>
+          <a:bodyPr rtlCol="0" anchor="ctr"/>
+          <a:lstStyle/>
+          <a:p>
+            <a:pPr algn="ctr"/>
+            <a:r>
+              <a:rPr lang="en-US" altLang="ko-KR" sz="1100"/>
+              <a:t>Rule</a:t>
+            </a:r>
+          </a:p>
+        </p:txBody>
+      </p:sp>
+      <p:sp>
+        <p:nvSpPr>
+          <p:cNvPr id="34" name="사각형: 둥근 모서리 33">
+            <a:extLst>
+              <a:ext uri="{FF2B5EF4-FFF2-40B4-BE49-F238E27FC236}">
+                <a16:creationId xmlns:a16="http://schemas.microsoft.com/office/drawing/2014/main" id="{6877E51E-00F1-4EEC-99C0-D914ED852AE3}"/>
+              </a:ext>
+            </a:extLst>
+          </p:cNvPr>
+          <p:cNvSpPr/>
+          <p:nvPr/>
+        </p:nvSpPr>
+        <p:spPr>
+          <a:xfrm>
+            <a:off x="5819554" y="4083918"/>
+            <a:ext cx="1224136" cy="288032"/>
+          </a:xfrm>
+          <a:prstGeom prst="roundRect">
+            <a:avLst>
+              <a:gd name="adj" fmla="val 6778"/>
+            </a:avLst>
+          </a:prstGeom>
+        </p:spPr>
+        <p:style>
+          <a:lnRef idx="2">
+            <a:schemeClr val="dk1"/>
+          </a:lnRef>
+          <a:fillRef idx="1">
+            <a:schemeClr val="lt1"/>
+          </a:fillRef>
+          <a:effectRef idx="0">
+            <a:schemeClr val="dk1"/>
+          </a:effectRef>
+          <a:fontRef idx="minor">
+            <a:schemeClr val="dk1"/>
+          </a:fontRef>
+        </p:style>
+        <p:txBody>
+          <a:bodyPr rtlCol="0" anchor="ctr"/>
+          <a:lstStyle/>
+          <a:p>
+            <a:pPr algn="ctr"/>
+            <a:r>
+              <a:rPr lang="en-US" altLang="ko-KR" sz="1100"/>
+              <a:t>Rule</a:t>
+            </a:r>
+          </a:p>
+        </p:txBody>
+      </p:sp>
+      <p:sp>
+        <p:nvSpPr>
+          <p:cNvPr id="35" name="사각형: 둥근 모서리 34">
+            <a:extLst>
+              <a:ext uri="{FF2B5EF4-FFF2-40B4-BE49-F238E27FC236}">
+                <a16:creationId xmlns:a16="http://schemas.microsoft.com/office/drawing/2014/main" id="{6592CCFF-009A-4004-83D3-479F50CE5F7B}"/>
+              </a:ext>
+            </a:extLst>
+          </p:cNvPr>
+          <p:cNvSpPr/>
+          <p:nvPr/>
+        </p:nvSpPr>
+        <p:spPr>
+          <a:xfrm>
+            <a:off x="5819554" y="4443958"/>
+            <a:ext cx="1224136" cy="288032"/>
+          </a:xfrm>
+          <a:prstGeom prst="roundRect">
+            <a:avLst>
+              <a:gd name="adj" fmla="val 6778"/>
+            </a:avLst>
+          </a:prstGeom>
+        </p:spPr>
+        <p:style>
+          <a:lnRef idx="2">
+            <a:schemeClr val="dk1"/>
+          </a:lnRef>
+          <a:fillRef idx="1">
+            <a:schemeClr val="lt1"/>
+          </a:fillRef>
+          <a:effectRef idx="0">
+            <a:schemeClr val="dk1"/>
+          </a:effectRef>
+          <a:fontRef idx="minor">
+            <a:schemeClr val="dk1"/>
+          </a:fontRef>
+        </p:style>
+        <p:txBody>
+          <a:bodyPr rtlCol="0" anchor="ctr"/>
+          <a:lstStyle/>
+          <a:p>
+            <a:pPr algn="ctr"/>
+            <a:r>
+              <a:rPr lang="en-US" altLang="ko-KR" sz="1100"/>
+              <a:t>Rule</a:t>
+            </a:r>
+          </a:p>
+        </p:txBody>
+      </p:sp>
+      <p:sp>
+        <p:nvSpPr>
+          <p:cNvPr id="44" name="사각형: 둥근 모서리 43">
+            <a:extLst>
+              <a:ext uri="{FF2B5EF4-FFF2-40B4-BE49-F238E27FC236}">
+                <a16:creationId xmlns:a16="http://schemas.microsoft.com/office/drawing/2014/main" id="{25B65771-43E1-488A-9B8C-8CFC4A7F22EB}"/>
+              </a:ext>
+            </a:extLst>
+          </p:cNvPr>
+          <p:cNvSpPr/>
+          <p:nvPr/>
+        </p:nvSpPr>
+        <p:spPr>
+          <a:xfrm>
+            <a:off x="2863244" y="3075806"/>
+            <a:ext cx="1348716" cy="288032"/>
+          </a:xfrm>
+          <a:prstGeom prst="roundRect">
+            <a:avLst>
+              <a:gd name="adj" fmla="val 13219"/>
+            </a:avLst>
+          </a:prstGeom>
+        </p:spPr>
+        <p:style>
+          <a:lnRef idx="2">
+            <a:schemeClr val="dk1"/>
+          </a:lnRef>
+          <a:fillRef idx="1">
+            <a:schemeClr val="lt1"/>
+          </a:fillRef>
+          <a:effectRef idx="0">
+            <a:schemeClr val="dk1"/>
+          </a:effectRef>
+          <a:fontRef idx="minor">
+            <a:schemeClr val="dk1"/>
+          </a:fontRef>
+        </p:style>
+        <p:txBody>
+          <a:bodyPr rtlCol="0" anchor="ctr"/>
+          <a:lstStyle/>
+          <a:p>
+            <a:pPr algn="ctr"/>
+            <a:r>
+              <a:rPr lang="en-US" altLang="ko-KR" sz="1100"/>
+              <a:t>Role</a:t>
+            </a:r>
+            <a:endParaRPr lang="ko-KR" altLang="en-US" sz="1100"/>
+          </a:p>
+        </p:txBody>
+      </p:sp>
+      <p:sp>
+        <p:nvSpPr>
+          <p:cNvPr id="45" name="사각형: 둥근 모서리 44">
+            <a:extLst>
+              <a:ext uri="{FF2B5EF4-FFF2-40B4-BE49-F238E27FC236}">
+                <a16:creationId xmlns:a16="http://schemas.microsoft.com/office/drawing/2014/main" id="{9128F37D-EDAA-4B7B-AD26-A6D67ECF16B6}"/>
+              </a:ext>
+            </a:extLst>
+          </p:cNvPr>
+          <p:cNvSpPr/>
+          <p:nvPr/>
+        </p:nvSpPr>
+        <p:spPr>
+          <a:xfrm>
+            <a:off x="1187624" y="3075806"/>
+            <a:ext cx="1348716" cy="288032"/>
+          </a:xfrm>
+          <a:prstGeom prst="roundRect">
+            <a:avLst>
+              <a:gd name="adj" fmla="val 13219"/>
+            </a:avLst>
+          </a:prstGeom>
+        </p:spPr>
+        <p:style>
+          <a:lnRef idx="2">
+            <a:schemeClr val="dk1"/>
+          </a:lnRef>
+          <a:fillRef idx="1">
+            <a:schemeClr val="lt1"/>
+          </a:fillRef>
+          <a:effectRef idx="0">
+            <a:schemeClr val="dk1"/>
+          </a:effectRef>
+          <a:fontRef idx="minor">
+            <a:schemeClr val="dk1"/>
+          </a:fontRef>
+        </p:style>
+        <p:txBody>
+          <a:bodyPr rtlCol="0" anchor="ctr"/>
+          <a:lstStyle/>
+          <a:p>
+            <a:pPr algn="ctr"/>
+            <a:r>
+              <a:rPr lang="en-US" altLang="ko-KR" sz="1100"/>
+              <a:t>Role</a:t>
+            </a:r>
+            <a:endParaRPr lang="ko-KR" altLang="en-US" sz="1100"/>
+          </a:p>
+        </p:txBody>
+      </p:sp>
+      <p:sp>
+        <p:nvSpPr>
+          <p:cNvPr id="47" name="사각형: 둥근 모서리 46">
+            <a:extLst>
+              <a:ext uri="{FF2B5EF4-FFF2-40B4-BE49-F238E27FC236}">
+                <a16:creationId xmlns:a16="http://schemas.microsoft.com/office/drawing/2014/main" id="{E6F14D38-85C4-4D4C-9092-FE8887CC60DA}"/>
+              </a:ext>
+            </a:extLst>
+          </p:cNvPr>
+          <p:cNvSpPr/>
+          <p:nvPr/>
+        </p:nvSpPr>
+        <p:spPr>
+          <a:xfrm>
+            <a:off x="4932040" y="3075806"/>
+            <a:ext cx="1348716" cy="288032"/>
+          </a:xfrm>
+          <a:prstGeom prst="roundRect">
+            <a:avLst>
+              <a:gd name="adj" fmla="val 13219"/>
+            </a:avLst>
+          </a:prstGeom>
+        </p:spPr>
+        <p:style>
+          <a:lnRef idx="2">
+            <a:schemeClr val="dk1"/>
+          </a:lnRef>
+          <a:fillRef idx="1">
+            <a:schemeClr val="lt1"/>
+          </a:fillRef>
+          <a:effectRef idx="0">
+            <a:schemeClr val="dk1"/>
+          </a:effectRef>
+          <a:fontRef idx="minor">
+            <a:schemeClr val="dk1"/>
+          </a:fontRef>
+        </p:style>
+        <p:txBody>
+          <a:bodyPr rtlCol="0" anchor="ctr"/>
+          <a:lstStyle/>
+          <a:p>
+            <a:pPr algn="ctr"/>
+            <a:r>
+              <a:rPr lang="en-US" altLang="ko-KR" sz="1100"/>
+              <a:t>Role</a:t>
+            </a:r>
+            <a:endParaRPr lang="ko-KR" altLang="en-US" sz="1100"/>
+          </a:p>
+        </p:txBody>
+      </p:sp>
+      <p:sp>
+        <p:nvSpPr>
+          <p:cNvPr id="49" name="사각형: 둥근 모서리 48">
+            <a:extLst>
+              <a:ext uri="{FF2B5EF4-FFF2-40B4-BE49-F238E27FC236}">
+                <a16:creationId xmlns:a16="http://schemas.microsoft.com/office/drawing/2014/main" id="{E1215968-125F-4F1C-BF54-B80DA080F8B6}"/>
+              </a:ext>
+            </a:extLst>
+          </p:cNvPr>
+          <p:cNvSpPr/>
+          <p:nvPr/>
+        </p:nvSpPr>
+        <p:spPr>
+          <a:xfrm>
+            <a:off x="6607660" y="3075806"/>
+            <a:ext cx="1348716" cy="288032"/>
+          </a:xfrm>
+          <a:prstGeom prst="roundRect">
+            <a:avLst>
+              <a:gd name="adj" fmla="val 13219"/>
+            </a:avLst>
+          </a:prstGeom>
+        </p:spPr>
+        <p:style>
+          <a:lnRef idx="2">
+            <a:schemeClr val="dk1"/>
+          </a:lnRef>
+          <a:fillRef idx="1">
+            <a:schemeClr val="lt1"/>
+          </a:fillRef>
+          <a:effectRef idx="0">
+            <a:schemeClr val="dk1"/>
+          </a:effectRef>
+          <a:fontRef idx="minor">
+            <a:schemeClr val="dk1"/>
+          </a:fontRef>
+        </p:style>
+        <p:txBody>
+          <a:bodyPr rtlCol="0" anchor="ctr"/>
+          <a:lstStyle/>
+          <a:p>
+            <a:pPr algn="ctr"/>
+            <a:r>
+              <a:rPr lang="en-US" altLang="ko-KR" sz="1100"/>
+              <a:t>Role</a:t>
+            </a:r>
+            <a:endParaRPr lang="ko-KR" altLang="en-US" sz="1100"/>
+          </a:p>
+        </p:txBody>
+      </p:sp>
+      <p:cxnSp>
+        <p:nvCxnSpPr>
+          <p:cNvPr id="50" name="직선 화살표 연결선 49">
+            <a:extLst>
+              <a:ext uri="{FF2B5EF4-FFF2-40B4-BE49-F238E27FC236}">
+                <a16:creationId xmlns:a16="http://schemas.microsoft.com/office/drawing/2014/main" id="{14F7CC99-ACA6-44AC-A732-DD7545E4F4DC}"/>
+              </a:ext>
+            </a:extLst>
+          </p:cNvPr>
+          <p:cNvCxnSpPr>
+            <a:cxnSpLocks/>
+            <a:stCxn id="28" idx="0"/>
+            <a:endCxn id="45" idx="2"/>
+          </p:cNvCxnSpPr>
+          <p:nvPr/>
+        </p:nvCxnSpPr>
+        <p:spPr>
+          <a:xfrm flipH="1" flipV="1">
+            <a:off x="1861982" y="3363838"/>
+            <a:ext cx="836283" cy="360040"/>
+          </a:xfrm>
+          <a:prstGeom prst="straightConnector1">
+            <a:avLst/>
+          </a:prstGeom>
+          <a:ln w="19050">
+            <a:solidFill>
+              <a:schemeClr val="tx1"/>
+            </a:solidFill>
+            <a:headEnd type="none" w="med" len="med"/>
+            <a:tailEnd type="arrow" w="med" len="med"/>
+          </a:ln>
+        </p:spPr>
+        <p:style>
+          <a:lnRef idx="1">
+            <a:schemeClr val="accent1"/>
+          </a:lnRef>
+          <a:fillRef idx="0">
+            <a:schemeClr val="accent1"/>
+          </a:fillRef>
+          <a:effectRef idx="0">
+            <a:schemeClr val="accent1"/>
+          </a:effectRef>
+          <a:fontRef idx="minor">
+            <a:schemeClr val="tx1"/>
+          </a:fontRef>
+        </p:style>
+      </p:cxnSp>
+      <p:cxnSp>
+        <p:nvCxnSpPr>
+          <p:cNvPr id="52" name="직선 화살표 연결선 51">
+            <a:extLst>
+              <a:ext uri="{FF2B5EF4-FFF2-40B4-BE49-F238E27FC236}">
+                <a16:creationId xmlns:a16="http://schemas.microsoft.com/office/drawing/2014/main" id="{95725933-85E3-4FF7-A71C-155C5EF9F737}"/>
+              </a:ext>
+            </a:extLst>
+          </p:cNvPr>
+          <p:cNvCxnSpPr>
+            <a:cxnSpLocks/>
+            <a:stCxn id="31" idx="0"/>
+            <a:endCxn id="45" idx="2"/>
+          </p:cNvCxnSpPr>
+          <p:nvPr/>
+        </p:nvCxnSpPr>
+        <p:spPr>
+          <a:xfrm flipH="1" flipV="1">
+            <a:off x="1861982" y="3363838"/>
+            <a:ext cx="836283" cy="1080120"/>
+          </a:xfrm>
+          <a:prstGeom prst="straightConnector1">
+            <a:avLst/>
+          </a:prstGeom>
+          <a:ln w="19050">
+            <a:solidFill>
+              <a:schemeClr val="tx1"/>
+            </a:solidFill>
+            <a:headEnd type="none" w="med" len="med"/>
+            <a:tailEnd type="arrow" w="med" len="med"/>
+          </a:ln>
+        </p:spPr>
+        <p:style>
+          <a:lnRef idx="1">
+            <a:schemeClr val="accent1"/>
+          </a:lnRef>
+          <a:fillRef idx="0">
+            <a:schemeClr val="accent1"/>
+          </a:fillRef>
+          <a:effectRef idx="0">
+            <a:schemeClr val="accent1"/>
+          </a:effectRef>
+          <a:fontRef idx="minor">
+            <a:schemeClr val="tx1"/>
+          </a:fontRef>
+        </p:style>
+      </p:cxnSp>
+      <p:cxnSp>
+        <p:nvCxnSpPr>
+          <p:cNvPr id="53" name="직선 화살표 연결선 52">
+            <a:extLst>
+              <a:ext uri="{FF2B5EF4-FFF2-40B4-BE49-F238E27FC236}">
+                <a16:creationId xmlns:a16="http://schemas.microsoft.com/office/drawing/2014/main" id="{B408B3AC-DD92-4777-9561-90DA4148FF76}"/>
+              </a:ext>
+            </a:extLst>
+          </p:cNvPr>
+          <p:cNvCxnSpPr>
+            <a:cxnSpLocks/>
+            <a:stCxn id="29" idx="0"/>
+            <a:endCxn id="44" idx="2"/>
+          </p:cNvCxnSpPr>
+          <p:nvPr/>
+        </p:nvCxnSpPr>
+        <p:spPr>
+          <a:xfrm flipV="1">
+            <a:off x="2698265" y="3363838"/>
+            <a:ext cx="839337" cy="720080"/>
+          </a:xfrm>
+          <a:prstGeom prst="straightConnector1">
+            <a:avLst/>
+          </a:prstGeom>
+          <a:ln w="19050">
+            <a:solidFill>
+              <a:schemeClr val="tx1"/>
+            </a:solidFill>
+            <a:headEnd type="none" w="med" len="med"/>
+            <a:tailEnd type="arrow" w="med" len="med"/>
+          </a:ln>
+        </p:spPr>
+        <p:style>
+          <a:lnRef idx="1">
+            <a:schemeClr val="accent1"/>
+          </a:lnRef>
+          <a:fillRef idx="0">
+            <a:schemeClr val="accent1"/>
+          </a:fillRef>
+          <a:effectRef idx="0">
+            <a:schemeClr val="accent1"/>
+          </a:effectRef>
+          <a:fontRef idx="minor">
+            <a:schemeClr val="tx1"/>
+          </a:fontRef>
+        </p:style>
+      </p:cxnSp>
+      <p:cxnSp>
+        <p:nvCxnSpPr>
+          <p:cNvPr id="54" name="직선 화살표 연결선 53">
+            <a:extLst>
+              <a:ext uri="{FF2B5EF4-FFF2-40B4-BE49-F238E27FC236}">
+                <a16:creationId xmlns:a16="http://schemas.microsoft.com/office/drawing/2014/main" id="{29717711-7F82-42C5-AA6C-8C2538BCBB75}"/>
+              </a:ext>
+            </a:extLst>
+          </p:cNvPr>
+          <p:cNvCxnSpPr>
+            <a:cxnSpLocks/>
+            <a:stCxn id="35" idx="0"/>
+            <a:endCxn id="49" idx="2"/>
+          </p:cNvCxnSpPr>
+          <p:nvPr/>
+        </p:nvCxnSpPr>
+        <p:spPr>
+          <a:xfrm flipV="1">
+            <a:off x="6431622" y="3363838"/>
+            <a:ext cx="850396" cy="1080120"/>
+          </a:xfrm>
+          <a:prstGeom prst="straightConnector1">
+            <a:avLst/>
+          </a:prstGeom>
+          <a:ln w="19050">
+            <a:solidFill>
+              <a:schemeClr val="tx1"/>
+            </a:solidFill>
+            <a:headEnd type="none" w="med" len="med"/>
+            <a:tailEnd type="arrow" w="med" len="med"/>
+          </a:ln>
+        </p:spPr>
+        <p:style>
+          <a:lnRef idx="1">
+            <a:schemeClr val="accent1"/>
+          </a:lnRef>
+          <a:fillRef idx="0">
+            <a:schemeClr val="accent1"/>
+          </a:fillRef>
+          <a:effectRef idx="0">
+            <a:schemeClr val="accent1"/>
+          </a:effectRef>
+          <a:fontRef idx="minor">
+            <a:schemeClr val="tx1"/>
+          </a:fontRef>
+        </p:style>
+      </p:cxnSp>
+      <p:cxnSp>
+        <p:nvCxnSpPr>
+          <p:cNvPr id="56" name="직선 화살표 연결선 55">
+            <a:extLst>
+              <a:ext uri="{FF2B5EF4-FFF2-40B4-BE49-F238E27FC236}">
+                <a16:creationId xmlns:a16="http://schemas.microsoft.com/office/drawing/2014/main" id="{C777EB0D-5576-4777-BFF4-41B03A253E06}"/>
+              </a:ext>
+            </a:extLst>
+          </p:cNvPr>
+          <p:cNvCxnSpPr>
+            <a:cxnSpLocks/>
+            <a:stCxn id="33" idx="0"/>
+            <a:endCxn id="47" idx="2"/>
+          </p:cNvCxnSpPr>
+          <p:nvPr/>
+        </p:nvCxnSpPr>
+        <p:spPr>
+          <a:xfrm flipH="1" flipV="1">
+            <a:off x="5606398" y="3363838"/>
+            <a:ext cx="825224" cy="360040"/>
+          </a:xfrm>
+          <a:prstGeom prst="straightConnector1">
+            <a:avLst/>
+          </a:prstGeom>
+          <a:ln w="19050">
+            <a:solidFill>
+              <a:schemeClr val="tx1"/>
+            </a:solidFill>
+            <a:headEnd type="none" w="med" len="med"/>
+            <a:tailEnd type="arrow" w="med" len="med"/>
+          </a:ln>
+        </p:spPr>
+        <p:style>
+          <a:lnRef idx="1">
+            <a:schemeClr val="accent1"/>
+          </a:lnRef>
+          <a:fillRef idx="0">
+            <a:schemeClr val="accent1"/>
+          </a:fillRef>
+          <a:effectRef idx="0">
+            <a:schemeClr val="accent1"/>
+          </a:effectRef>
+          <a:fontRef idx="minor">
+            <a:schemeClr val="tx1"/>
+          </a:fontRef>
+        </p:style>
+      </p:cxnSp>
+      <p:cxnSp>
+        <p:nvCxnSpPr>
+          <p:cNvPr id="61" name="직선 화살표 연결선 60">
+            <a:extLst>
+              <a:ext uri="{FF2B5EF4-FFF2-40B4-BE49-F238E27FC236}">
+                <a16:creationId xmlns:a16="http://schemas.microsoft.com/office/drawing/2014/main" id="{74513416-EB17-41AD-AE2B-597716B37CB2}"/>
+              </a:ext>
+            </a:extLst>
+          </p:cNvPr>
+          <p:cNvCxnSpPr>
+            <a:cxnSpLocks/>
+            <a:stCxn id="34" idx="0"/>
+            <a:endCxn id="47" idx="2"/>
+          </p:cNvCxnSpPr>
+          <p:nvPr/>
+        </p:nvCxnSpPr>
+        <p:spPr>
+          <a:xfrm flipH="1" flipV="1">
+            <a:off x="5606398" y="3363838"/>
+            <a:ext cx="825224" cy="720080"/>
+          </a:xfrm>
+          <a:prstGeom prst="straightConnector1">
+            <a:avLst/>
+          </a:prstGeom>
+          <a:ln w="19050">
+            <a:solidFill>
+              <a:schemeClr val="tx1"/>
+            </a:solidFill>
+            <a:headEnd type="none" w="med" len="med"/>
+            <a:tailEnd type="arrow" w="med" len="med"/>
+          </a:ln>
+        </p:spPr>
+        <p:style>
+          <a:lnRef idx="1">
+            <a:schemeClr val="accent1"/>
+          </a:lnRef>
+          <a:fillRef idx="0">
+            <a:schemeClr val="accent1"/>
+          </a:fillRef>
+          <a:effectRef idx="0">
+            <a:schemeClr val="accent1"/>
+          </a:effectRef>
+          <a:fontRef idx="minor">
+            <a:schemeClr val="tx1"/>
+          </a:fontRef>
+        </p:style>
+      </p:cxnSp>
+      <p:sp>
+        <p:nvSpPr>
+          <p:cNvPr id="63" name="사각형: 둥근 모서리 62">
+            <a:extLst>
+              <a:ext uri="{FF2B5EF4-FFF2-40B4-BE49-F238E27FC236}">
+                <a16:creationId xmlns:a16="http://schemas.microsoft.com/office/drawing/2014/main" id="{4FDCD812-E5AD-4C3B-8A7C-437A7B064915}"/>
+              </a:ext>
+            </a:extLst>
+          </p:cNvPr>
+          <p:cNvSpPr/>
+          <p:nvPr/>
+        </p:nvSpPr>
+        <p:spPr>
+          <a:xfrm>
+            <a:off x="1187624" y="984246"/>
+            <a:ext cx="1348716" cy="288032"/>
+          </a:xfrm>
+          <a:prstGeom prst="roundRect">
+            <a:avLst>
+              <a:gd name="adj" fmla="val 13219"/>
+            </a:avLst>
+          </a:prstGeom>
+        </p:spPr>
+        <p:style>
+          <a:lnRef idx="2">
+            <a:schemeClr val="dk1"/>
+          </a:lnRef>
+          <a:fillRef idx="1">
+            <a:schemeClr val="lt1"/>
+          </a:fillRef>
+          <a:effectRef idx="0">
+            <a:schemeClr val="dk1"/>
+          </a:effectRef>
+          <a:fontRef idx="minor">
+            <a:schemeClr val="dk1"/>
+          </a:fontRef>
+        </p:style>
+        <p:txBody>
+          <a:bodyPr rtlCol="0" anchor="ctr"/>
+          <a:lstStyle/>
+          <a:p>
+            <a:pPr algn="ctr"/>
+            <a:r>
+              <a:rPr lang="en-US" altLang="ko-KR" sz="1100"/>
+              <a:t>User / Group</a:t>
+            </a:r>
+            <a:endParaRPr lang="ko-KR" altLang="en-US" sz="1100"/>
+          </a:p>
+        </p:txBody>
+      </p:sp>
+      <p:sp>
+        <p:nvSpPr>
+          <p:cNvPr id="64" name="사각형: 둥근 모서리 63">
+            <a:extLst>
+              <a:ext uri="{FF2B5EF4-FFF2-40B4-BE49-F238E27FC236}">
+                <a16:creationId xmlns:a16="http://schemas.microsoft.com/office/drawing/2014/main" id="{34F242B0-E9EB-4664-B02D-E744CDD424CC}"/>
+              </a:ext>
+            </a:extLst>
+          </p:cNvPr>
+          <p:cNvSpPr/>
+          <p:nvPr/>
+        </p:nvSpPr>
+        <p:spPr>
+          <a:xfrm>
+            <a:off x="2863244" y="984246"/>
+            <a:ext cx="1348716" cy="288032"/>
+          </a:xfrm>
+          <a:prstGeom prst="roundRect">
+            <a:avLst>
+              <a:gd name="adj" fmla="val 13219"/>
+            </a:avLst>
+          </a:prstGeom>
+        </p:spPr>
+        <p:style>
+          <a:lnRef idx="2">
+            <a:schemeClr val="dk1"/>
+          </a:lnRef>
+          <a:fillRef idx="1">
+            <a:schemeClr val="lt1"/>
+          </a:fillRef>
+          <a:effectRef idx="0">
+            <a:schemeClr val="dk1"/>
+          </a:effectRef>
+          <a:fontRef idx="minor">
+            <a:schemeClr val="dk1"/>
+          </a:fontRef>
+        </p:style>
+        <p:txBody>
+          <a:bodyPr rtlCol="0" anchor="ctr"/>
+          <a:lstStyle/>
+          <a:p>
+            <a:pPr algn="ctr"/>
+            <a:r>
+              <a:rPr lang="en-US" altLang="ko-KR" sz="1100"/>
+              <a:t>User / Group</a:t>
+            </a:r>
+            <a:endParaRPr lang="ko-KR" altLang="en-US" sz="1100"/>
+          </a:p>
+        </p:txBody>
+      </p:sp>
+      <p:sp>
+        <p:nvSpPr>
+          <p:cNvPr id="65" name="사각형: 둥근 모서리 64">
+            <a:extLst>
+              <a:ext uri="{FF2B5EF4-FFF2-40B4-BE49-F238E27FC236}">
+                <a16:creationId xmlns:a16="http://schemas.microsoft.com/office/drawing/2014/main" id="{3167AFC1-ACB4-4C7F-A021-2C47DF274431}"/>
+              </a:ext>
+            </a:extLst>
+          </p:cNvPr>
+          <p:cNvSpPr/>
+          <p:nvPr/>
+        </p:nvSpPr>
+        <p:spPr>
+          <a:xfrm>
+            <a:off x="4932040" y="984246"/>
+            <a:ext cx="1348716" cy="288032"/>
+          </a:xfrm>
+          <a:prstGeom prst="roundRect">
+            <a:avLst>
+              <a:gd name="adj" fmla="val 13219"/>
+            </a:avLst>
+          </a:prstGeom>
+        </p:spPr>
+        <p:style>
+          <a:lnRef idx="2">
+            <a:schemeClr val="dk1"/>
+          </a:lnRef>
+          <a:fillRef idx="1">
+            <a:schemeClr val="lt1"/>
+          </a:fillRef>
+          <a:effectRef idx="0">
+            <a:schemeClr val="dk1"/>
+          </a:effectRef>
+          <a:fontRef idx="minor">
+            <a:schemeClr val="dk1"/>
+          </a:fontRef>
+        </p:style>
+        <p:txBody>
+          <a:bodyPr rtlCol="0" anchor="ctr"/>
+          <a:lstStyle/>
+          <a:p>
+            <a:pPr algn="ctr"/>
+            <a:r>
+              <a:rPr lang="en-US" altLang="ko-KR" sz="1100"/>
+              <a:t>User / Group</a:t>
+            </a:r>
+            <a:endParaRPr lang="ko-KR" altLang="en-US" sz="1100"/>
+          </a:p>
+        </p:txBody>
+      </p:sp>
+      <p:sp>
+        <p:nvSpPr>
+          <p:cNvPr id="66" name="사각형: 둥근 모서리 65">
+            <a:extLst>
+              <a:ext uri="{FF2B5EF4-FFF2-40B4-BE49-F238E27FC236}">
+                <a16:creationId xmlns:a16="http://schemas.microsoft.com/office/drawing/2014/main" id="{D725BD44-B59C-447B-AF04-F7D29E87D367}"/>
+              </a:ext>
+            </a:extLst>
+          </p:cNvPr>
+          <p:cNvSpPr/>
+          <p:nvPr/>
+        </p:nvSpPr>
+        <p:spPr>
+          <a:xfrm>
+            <a:off x="6607660" y="984246"/>
+            <a:ext cx="1348716" cy="288032"/>
+          </a:xfrm>
+          <a:prstGeom prst="roundRect">
+            <a:avLst>
+              <a:gd name="adj" fmla="val 13219"/>
+            </a:avLst>
+          </a:prstGeom>
+        </p:spPr>
+        <p:style>
+          <a:lnRef idx="2">
+            <a:schemeClr val="dk1"/>
+          </a:lnRef>
+          <a:fillRef idx="1">
+            <a:schemeClr val="lt1"/>
+          </a:fillRef>
+          <a:effectRef idx="0">
+            <a:schemeClr val="dk1"/>
+          </a:effectRef>
+          <a:fontRef idx="minor">
+            <a:schemeClr val="dk1"/>
+          </a:fontRef>
+        </p:style>
+        <p:txBody>
+          <a:bodyPr rtlCol="0" anchor="ctr"/>
+          <a:lstStyle/>
+          <a:p>
+            <a:pPr algn="ctr"/>
+            <a:r>
+              <a:rPr lang="en-US" altLang="ko-KR" sz="1100"/>
+              <a:t>User / Group</a:t>
+            </a:r>
+            <a:endParaRPr lang="ko-KR" altLang="en-US" sz="1100"/>
+          </a:p>
+        </p:txBody>
+      </p:sp>
+      <p:sp>
+        <p:nvSpPr>
+          <p:cNvPr id="67" name="사각형: 둥근 모서리 66">
+            <a:extLst>
+              <a:ext uri="{FF2B5EF4-FFF2-40B4-BE49-F238E27FC236}">
+                <a16:creationId xmlns:a16="http://schemas.microsoft.com/office/drawing/2014/main" id="{DBDDF3E6-1714-4CD7-A05B-99A82AC78083}"/>
+              </a:ext>
+            </a:extLst>
+          </p:cNvPr>
+          <p:cNvSpPr/>
+          <p:nvPr/>
+        </p:nvSpPr>
+        <p:spPr>
+          <a:xfrm>
+            <a:off x="971600" y="1491630"/>
+            <a:ext cx="3456384" cy="1368152"/>
+          </a:xfrm>
+          <a:prstGeom prst="roundRect">
+            <a:avLst>
+              <a:gd name="adj" fmla="val 3742"/>
+            </a:avLst>
+          </a:prstGeom>
+        </p:spPr>
+        <p:style>
+          <a:lnRef idx="2">
+            <a:schemeClr val="dk1"/>
+          </a:lnRef>
+          <a:fillRef idx="1">
+            <a:schemeClr val="lt1"/>
+          </a:fillRef>
+          <a:effectRef idx="0">
+            <a:schemeClr val="dk1"/>
+          </a:effectRef>
+          <a:fontRef idx="minor">
+            <a:schemeClr val="dk1"/>
+          </a:fontRef>
+        </p:style>
+        <p:txBody>
+          <a:bodyPr rtlCol="0" anchor="t"/>
+          <a:lstStyle/>
+          <a:p>
+            <a:pPr algn="ctr"/>
+            <a:r>
+              <a:rPr lang="en-US" altLang="ko-KR" sz="1100"/>
+              <a:t>Project</a:t>
+            </a:r>
+            <a:endParaRPr lang="ko-KR" altLang="en-US" sz="1100"/>
+          </a:p>
+        </p:txBody>
+      </p:sp>
+      <p:sp>
+        <p:nvSpPr>
+          <p:cNvPr id="69" name="사각형: 둥근 모서리 68">
+            <a:extLst>
+              <a:ext uri="{FF2B5EF4-FFF2-40B4-BE49-F238E27FC236}">
+                <a16:creationId xmlns:a16="http://schemas.microsoft.com/office/drawing/2014/main" id="{9A30EE1B-174C-41E6-AC09-BC098514D035}"/>
+              </a:ext>
+            </a:extLst>
+          </p:cNvPr>
+          <p:cNvSpPr/>
+          <p:nvPr/>
+        </p:nvSpPr>
+        <p:spPr>
+          <a:xfrm>
+            <a:off x="4703430" y="1491630"/>
+            <a:ext cx="3456384" cy="1368152"/>
+          </a:xfrm>
+          <a:prstGeom prst="roundRect">
+            <a:avLst>
+              <a:gd name="adj" fmla="val 3742"/>
+            </a:avLst>
+          </a:prstGeom>
+        </p:spPr>
+        <p:style>
+          <a:lnRef idx="2">
+            <a:schemeClr val="dk1"/>
+          </a:lnRef>
+          <a:fillRef idx="1">
+            <a:schemeClr val="lt1"/>
+          </a:fillRef>
+          <a:effectRef idx="0">
+            <a:schemeClr val="dk1"/>
+          </a:effectRef>
+          <a:fontRef idx="minor">
+            <a:schemeClr val="dk1"/>
+          </a:fontRef>
+        </p:style>
+        <p:txBody>
+          <a:bodyPr rtlCol="0" anchor="t"/>
+          <a:lstStyle/>
+          <a:p>
+            <a:pPr algn="ctr"/>
+            <a:r>
+              <a:rPr lang="en-US" altLang="ko-KR" sz="1100"/>
+              <a:t>Project</a:t>
+            </a:r>
+            <a:endParaRPr lang="ko-KR" altLang="en-US" sz="1100"/>
+          </a:p>
+        </p:txBody>
+      </p:sp>
+      <p:sp>
+        <p:nvSpPr>
+          <p:cNvPr id="70" name="사각형: 둥근 모서리 69">
+            <a:extLst>
+              <a:ext uri="{FF2B5EF4-FFF2-40B4-BE49-F238E27FC236}">
+                <a16:creationId xmlns:a16="http://schemas.microsoft.com/office/drawing/2014/main" id="{01AC3649-B039-444C-8876-DA48B2E68BD8}"/>
+              </a:ext>
+            </a:extLst>
+          </p:cNvPr>
+          <p:cNvSpPr/>
+          <p:nvPr/>
+        </p:nvSpPr>
+        <p:spPr>
+          <a:xfrm>
+            <a:off x="1187624" y="1780238"/>
+            <a:ext cx="1348716" cy="288032"/>
+          </a:xfrm>
+          <a:prstGeom prst="roundRect">
+            <a:avLst>
+              <a:gd name="adj" fmla="val 13219"/>
+            </a:avLst>
+          </a:prstGeom>
+        </p:spPr>
+        <p:style>
+          <a:lnRef idx="2">
+            <a:schemeClr val="dk1"/>
+          </a:lnRef>
+          <a:fillRef idx="1">
+            <a:schemeClr val="lt1"/>
+          </a:fillRef>
+          <a:effectRef idx="0">
+            <a:schemeClr val="dk1"/>
+          </a:effectRef>
+          <a:fontRef idx="minor">
+            <a:schemeClr val="dk1"/>
+          </a:fontRef>
+        </p:style>
+        <p:txBody>
+          <a:bodyPr rtlCol="0" anchor="ctr"/>
+          <a:lstStyle/>
+          <a:p>
+            <a:pPr algn="ctr"/>
+            <a:r>
+              <a:rPr lang="en-US" altLang="ko-KR" sz="1100"/>
+              <a:t>User / Group</a:t>
+            </a:r>
+            <a:endParaRPr lang="ko-KR" altLang="en-US" sz="1100"/>
+          </a:p>
+        </p:txBody>
+      </p:sp>
+      <p:sp>
+        <p:nvSpPr>
+          <p:cNvPr id="71" name="사각형: 둥근 모서리 70">
+            <a:extLst>
+              <a:ext uri="{FF2B5EF4-FFF2-40B4-BE49-F238E27FC236}">
+                <a16:creationId xmlns:a16="http://schemas.microsoft.com/office/drawing/2014/main" id="{0047A80D-7FEB-4DB6-A594-5CE679232930}"/>
+              </a:ext>
+            </a:extLst>
+          </p:cNvPr>
+          <p:cNvSpPr/>
+          <p:nvPr/>
+        </p:nvSpPr>
+        <p:spPr>
+          <a:xfrm>
+            <a:off x="1187624" y="2211710"/>
+            <a:ext cx="1348716" cy="288032"/>
+          </a:xfrm>
+          <a:prstGeom prst="roundRect">
+            <a:avLst>
+              <a:gd name="adj" fmla="val 13219"/>
+            </a:avLst>
+          </a:prstGeom>
+        </p:spPr>
+        <p:style>
+          <a:lnRef idx="2">
+            <a:schemeClr val="dk1"/>
+          </a:lnRef>
+          <a:fillRef idx="1">
+            <a:schemeClr val="lt1"/>
+          </a:fillRef>
+          <a:effectRef idx="0">
+            <a:schemeClr val="dk1"/>
+          </a:effectRef>
+          <a:fontRef idx="minor">
+            <a:schemeClr val="dk1"/>
+          </a:fontRef>
+        </p:style>
+        <p:txBody>
+          <a:bodyPr rtlCol="0" anchor="ctr"/>
+          <a:lstStyle/>
+          <a:p>
+            <a:pPr algn="ctr"/>
+            <a:r>
+              <a:rPr lang="en-US" altLang="ko-KR" sz="1100"/>
+              <a:t>User / Group</a:t>
+            </a:r>
+            <a:endParaRPr lang="ko-KR" altLang="en-US" sz="1100"/>
+          </a:p>
+        </p:txBody>
+      </p:sp>
+    </p:spTree>
+    <p:extLst>
+      <p:ext uri="{BB962C8B-B14F-4D97-AF65-F5344CB8AC3E}">
+        <p14:creationId xmlns:p14="http://schemas.microsoft.com/office/powerpoint/2010/main" val="2883969104"/>
+      </p:ext>
+    </p:extLst>
+  </p:cSld>
+  <p:clrMapOvr>
+    <a:masterClrMapping/>
+  </p:clrMapOvr>
+</p:sld>
+</file>
+
+<file path=ppt/slides/slide7.xml><?xml version="1.0" encoding="utf-8"?>
+<p:sld xmlns:a="http://schemas.openxmlformats.org/drawingml/2006/main" xmlns:r="http://schemas.openxmlformats.org/officeDocument/2006/relationships" xmlns:p="http://schemas.openxmlformats.org/presentationml/2006/main">
+  <p:cSld>
+    <p:spTree>
+      <p:nvGrpSpPr>
+        <p:cNvPr id="1" name=""/>
+        <p:cNvGrpSpPr/>
+        <p:nvPr/>
+      </p:nvGrpSpPr>
+      <p:grpSpPr>
+        <a:xfrm>
+          <a:off x="0" y="0"/>
+          <a:ext cx="0" cy="0"/>
+          <a:chOff x="0" y="0"/>
+          <a:chExt cx="0" cy="0"/>
+        </a:xfrm>
+      </p:grpSpPr>
+      <p:sp>
+        <p:nvSpPr>
           <p:cNvPr id="2" name="제목 1"/>
           <p:cNvSpPr>
             <a:spLocks noGrp="1"/>
@@ -9698,7 +13988,7 @@
 </p:sld>
 </file>
 
-<file path=ppt/slides/slide6.xml><?xml version="1.0" encoding="utf-8"?>
+<file path=ppt/slides/slide8.xml><?xml version="1.0" encoding="utf-8"?>
 <p:sld xmlns:a="http://schemas.openxmlformats.org/drawingml/2006/main" xmlns:r="http://schemas.openxmlformats.org/officeDocument/2006/relationships" xmlns:p="http://schemas.openxmlformats.org/presentationml/2006/main">
   <p:cSld>
     <p:spTree>
@@ -11548,7 +15838,7 @@
 </p:sld>
 </file>
 
-<file path=ppt/slides/slide7.xml><?xml version="1.0" encoding="utf-8"?>
+<file path=ppt/slides/slide9.xml><?xml version="1.0" encoding="utf-8"?>
 <p:sld xmlns:a="http://schemas.openxmlformats.org/drawingml/2006/main" xmlns:r="http://schemas.openxmlformats.org/officeDocument/2006/relationships" xmlns:p="http://schemas.openxmlformats.org/presentationml/2006/main">
   <p:cSld>
     <p:spTree>

--- a/images/theory_analysis/OpenStack_Keystone/OpenStack_Keystone.pptx
+++ b/images/theory_analysis/OpenStack_Keystone/OpenStack_Keystone.pptx
@@ -221,7 +221,7 @@
           <a:p>
             <a:fld id="{6CD5550B-26C4-49A9-A5BA-636EF7BE6CE9}" type="datetimeFigureOut">
               <a:rPr lang="ko-KR" altLang="en-US" smtClean="0"/>
-              <a:t>2020-01-20</a:t>
+              <a:t>2020-01-21</a:t>
             </a:fld>
             <a:endParaRPr lang="ko-KR" altLang="en-US"/>
           </a:p>
@@ -1339,7 +1339,7 @@
           <a:p>
             <a:fld id="{FB30EDBD-1C2D-4C1E-B459-B60219FAB484}" type="datetimeFigureOut">
               <a:rPr lang="ko-KR" altLang="en-US" smtClean="0"/>
-              <a:t>2020-01-20</a:t>
+              <a:t>2020-01-21</a:t>
             </a:fld>
             <a:endParaRPr lang="ko-KR" altLang="en-US"/>
           </a:p>
@@ -1502,7 +1502,7 @@
           <a:p>
             <a:fld id="{FB30EDBD-1C2D-4C1E-B459-B60219FAB484}" type="datetimeFigureOut">
               <a:rPr lang="ko-KR" altLang="en-US" smtClean="0"/>
-              <a:t>2020-01-20</a:t>
+              <a:t>2020-01-21</a:t>
             </a:fld>
             <a:endParaRPr lang="ko-KR" altLang="en-US"/>
           </a:p>
@@ -1675,7 +1675,7 @@
           <a:p>
             <a:fld id="{FB30EDBD-1C2D-4C1E-B459-B60219FAB484}" type="datetimeFigureOut">
               <a:rPr lang="ko-KR" altLang="en-US" smtClean="0"/>
-              <a:t>2020-01-20</a:t>
+              <a:t>2020-01-21</a:t>
             </a:fld>
             <a:endParaRPr lang="ko-KR" altLang="en-US"/>
           </a:p>
@@ -1838,7 +1838,7 @@
           <a:p>
             <a:fld id="{FB30EDBD-1C2D-4C1E-B459-B60219FAB484}" type="datetimeFigureOut">
               <a:rPr lang="ko-KR" altLang="en-US" smtClean="0"/>
-              <a:t>2020-01-20</a:t>
+              <a:t>2020-01-21</a:t>
             </a:fld>
             <a:endParaRPr lang="ko-KR" altLang="en-US"/>
           </a:p>
@@ -2078,7 +2078,7 @@
           <a:p>
             <a:fld id="{FB30EDBD-1C2D-4C1E-B459-B60219FAB484}" type="datetimeFigureOut">
               <a:rPr lang="ko-KR" altLang="en-US" smtClean="0"/>
-              <a:t>2020-01-20</a:t>
+              <a:t>2020-01-21</a:t>
             </a:fld>
             <a:endParaRPr lang="ko-KR" altLang="en-US"/>
           </a:p>
@@ -2358,7 +2358,7 @@
           <a:p>
             <a:fld id="{FB30EDBD-1C2D-4C1E-B459-B60219FAB484}" type="datetimeFigureOut">
               <a:rPr lang="ko-KR" altLang="en-US" smtClean="0"/>
-              <a:t>2020-01-20</a:t>
+              <a:t>2020-01-21</a:t>
             </a:fld>
             <a:endParaRPr lang="ko-KR" altLang="en-US"/>
           </a:p>
@@ -2772,7 +2772,7 @@
           <a:p>
             <a:fld id="{FB30EDBD-1C2D-4C1E-B459-B60219FAB484}" type="datetimeFigureOut">
               <a:rPr lang="ko-KR" altLang="en-US" smtClean="0"/>
-              <a:t>2020-01-20</a:t>
+              <a:t>2020-01-21</a:t>
             </a:fld>
             <a:endParaRPr lang="ko-KR" altLang="en-US"/>
           </a:p>
@@ -2884,7 +2884,7 @@
           <a:p>
             <a:fld id="{FB30EDBD-1C2D-4C1E-B459-B60219FAB484}" type="datetimeFigureOut">
               <a:rPr lang="ko-KR" altLang="en-US" smtClean="0"/>
-              <a:t>2020-01-20</a:t>
+              <a:t>2020-01-21</a:t>
             </a:fld>
             <a:endParaRPr lang="ko-KR" altLang="en-US"/>
           </a:p>
@@ -2974,7 +2974,7 @@
           <a:p>
             <a:fld id="{FB30EDBD-1C2D-4C1E-B459-B60219FAB484}" type="datetimeFigureOut">
               <a:rPr lang="ko-KR" altLang="en-US" smtClean="0"/>
-              <a:t>2020-01-20</a:t>
+              <a:t>2020-01-21</a:t>
             </a:fld>
             <a:endParaRPr lang="ko-KR" altLang="en-US"/>
           </a:p>
@@ -3244,7 +3244,7 @@
           <a:p>
             <a:fld id="{FB30EDBD-1C2D-4C1E-B459-B60219FAB484}" type="datetimeFigureOut">
               <a:rPr lang="ko-KR" altLang="en-US" smtClean="0"/>
-              <a:t>2020-01-20</a:t>
+              <a:t>2020-01-21</a:t>
             </a:fld>
             <a:endParaRPr lang="ko-KR" altLang="en-US"/>
           </a:p>
@@ -3491,7 +3491,7 @@
           <a:p>
             <a:fld id="{FB30EDBD-1C2D-4C1E-B459-B60219FAB484}" type="datetimeFigureOut">
               <a:rPr lang="ko-KR" altLang="en-US" smtClean="0"/>
-              <a:t>2020-01-20</a:t>
+              <a:t>2020-01-21</a:t>
             </a:fld>
             <a:endParaRPr lang="ko-KR" altLang="en-US"/>
           </a:p>
@@ -3697,7 +3697,7 @@
           <a:p>
             <a:fld id="{FB30EDBD-1C2D-4C1E-B459-B60219FAB484}" type="datetimeFigureOut">
               <a:rPr lang="ko-KR" altLang="en-US" smtClean="0"/>
-              <a:t>2020-01-20</a:t>
+              <a:t>2020-01-21</a:t>
             </a:fld>
             <a:endParaRPr lang="ko-KR" altLang="en-US"/>
           </a:p>
@@ -5310,62 +5310,12 @@
           </a:p>
         </p:txBody>
       </p:sp>
-      <p:sp>
-        <p:nvSpPr>
-          <p:cNvPr id="69" name="사각형: 둥근 모서리 68">
-            <a:extLst>
-              <a:ext uri="{FF2B5EF4-FFF2-40B4-BE49-F238E27FC236}">
-                <a16:creationId xmlns:a16="http://schemas.microsoft.com/office/drawing/2014/main" id="{9A30EE1B-174C-41E6-AC09-BC098514D035}"/>
-              </a:ext>
-            </a:extLst>
-          </p:cNvPr>
-          <p:cNvSpPr/>
-          <p:nvPr/>
-        </p:nvSpPr>
-        <p:spPr>
-          <a:xfrm>
-            <a:off x="2309812" y="627534"/>
-            <a:ext cx="4668837" cy="3206772"/>
-          </a:xfrm>
-          <a:prstGeom prst="roundRect">
-            <a:avLst>
-              <a:gd name="adj" fmla="val 1969"/>
-            </a:avLst>
-          </a:prstGeom>
-        </p:spPr>
-        <p:style>
-          <a:lnRef idx="2">
-            <a:schemeClr val="dk1"/>
-          </a:lnRef>
-          <a:fillRef idx="1">
-            <a:schemeClr val="lt1"/>
-          </a:fillRef>
-          <a:effectRef idx="0">
-            <a:schemeClr val="dk1"/>
-          </a:effectRef>
-          <a:fontRef idx="minor">
-            <a:schemeClr val="dk1"/>
-          </a:fontRef>
-        </p:style>
-        <p:txBody>
-          <a:bodyPr rtlCol="0" anchor="t"/>
-          <a:lstStyle/>
-          <a:p>
-            <a:pPr algn="ctr"/>
-            <a:r>
-              <a:rPr lang="en-US" altLang="ko-KR" sz="1100" b="1"/>
-              <a:t>Domain A</a:t>
-            </a:r>
-            <a:endParaRPr lang="ko-KR" altLang="en-US" sz="1100" b="1"/>
-          </a:p>
-        </p:txBody>
-      </p:sp>
       <p:grpSp>
         <p:nvGrpSpPr>
-          <p:cNvPr id="104" name="그룹 103">
-            <a:extLst>
-              <a:ext uri="{FF2B5EF4-FFF2-40B4-BE49-F238E27FC236}">
-                <a16:creationId xmlns:a16="http://schemas.microsoft.com/office/drawing/2014/main" id="{BC0413D2-1418-4D62-BEFE-5C5043D6F09F}"/>
+          <p:cNvPr id="3" name="그룹 2">
+            <a:extLst>
+              <a:ext uri="{FF2B5EF4-FFF2-40B4-BE49-F238E27FC236}">
+                <a16:creationId xmlns:a16="http://schemas.microsoft.com/office/drawing/2014/main" id="{65B82D4F-8207-4850-BD6B-7625B4A3F935}"/>
               </a:ext>
             </a:extLst>
           </p:cNvPr>
@@ -5374,18 +5324,18 @@
         </p:nvGrpSpPr>
         <p:grpSpPr>
           <a:xfrm>
-            <a:off x="4920781" y="915566"/>
-            <a:ext cx="1600882" cy="720080"/>
-            <a:chOff x="5940152" y="915566"/>
-            <a:chExt cx="1872208" cy="720080"/>
+            <a:off x="1979712" y="771550"/>
+            <a:ext cx="5333530" cy="3798791"/>
+            <a:chOff x="2192608" y="627534"/>
+            <a:chExt cx="4897861" cy="4302847"/>
           </a:xfrm>
         </p:grpSpPr>
         <p:sp>
           <p:nvSpPr>
-            <p:cNvPr id="105" name="사각형: 둥근 모서리 104">
+            <p:cNvPr id="69" name="사각형: 둥근 모서리 68">
               <a:extLst>
                 <a:ext uri="{FF2B5EF4-FFF2-40B4-BE49-F238E27FC236}">
-                  <a16:creationId xmlns:a16="http://schemas.microsoft.com/office/drawing/2014/main" id="{691869DD-A140-4E57-B74A-69E0D20EFA9E}"/>
+                  <a16:creationId xmlns:a16="http://schemas.microsoft.com/office/drawing/2014/main" id="{9A30EE1B-174C-41E6-AC09-BC098514D035}"/>
                 </a:ext>
               </a:extLst>
             </p:cNvPr>
@@ -5394,12 +5344,12 @@
           </p:nvSpPr>
           <p:spPr>
             <a:xfrm>
-              <a:off x="5940152" y="915566"/>
-              <a:ext cx="1872208" cy="720080"/>
+              <a:off x="2309812" y="627534"/>
+              <a:ext cx="4668837" cy="3206772"/>
             </a:xfrm>
             <a:prstGeom prst="roundRect">
               <a:avLst>
-                <a:gd name="adj" fmla="val 6466"/>
+                <a:gd name="adj" fmla="val 1969"/>
               </a:avLst>
             </a:prstGeom>
           </p:spPr>
@@ -5424,18 +5374,189 @@
               <a:pPr algn="ctr"/>
               <a:r>
                 <a:rPr lang="en-US" altLang="ko-KR" sz="1100" b="1"/>
-                <a:t>Group A</a:t>
+                <a:t>Domain A</a:t>
               </a:r>
               <a:endParaRPr lang="ko-KR" altLang="en-US" sz="1100" b="1"/>
             </a:p>
           </p:txBody>
         </p:sp>
+        <p:grpSp>
+          <p:nvGrpSpPr>
+            <p:cNvPr id="104" name="그룹 103">
+              <a:extLst>
+                <a:ext uri="{FF2B5EF4-FFF2-40B4-BE49-F238E27FC236}">
+                  <a16:creationId xmlns:a16="http://schemas.microsoft.com/office/drawing/2014/main" id="{BC0413D2-1418-4D62-BEFE-5C5043D6F09F}"/>
+                </a:ext>
+              </a:extLst>
+            </p:cNvPr>
+            <p:cNvGrpSpPr/>
+            <p:nvPr/>
+          </p:nvGrpSpPr>
+          <p:grpSpPr>
+            <a:xfrm>
+              <a:off x="4920781" y="915566"/>
+              <a:ext cx="1600882" cy="720080"/>
+              <a:chOff x="5940152" y="915566"/>
+              <a:chExt cx="1872208" cy="720080"/>
+            </a:xfrm>
+          </p:grpSpPr>
+          <p:sp>
+            <p:nvSpPr>
+              <p:cNvPr id="105" name="사각형: 둥근 모서리 104">
+                <a:extLst>
+                  <a:ext uri="{FF2B5EF4-FFF2-40B4-BE49-F238E27FC236}">
+                    <a16:creationId xmlns:a16="http://schemas.microsoft.com/office/drawing/2014/main" id="{691869DD-A140-4E57-B74A-69E0D20EFA9E}"/>
+                  </a:ext>
+                </a:extLst>
+              </p:cNvPr>
+              <p:cNvSpPr/>
+              <p:nvPr/>
+            </p:nvSpPr>
+            <p:spPr>
+              <a:xfrm>
+                <a:off x="5940152" y="915566"/>
+                <a:ext cx="1872208" cy="720080"/>
+              </a:xfrm>
+              <a:prstGeom prst="roundRect">
+                <a:avLst>
+                  <a:gd name="adj" fmla="val 6466"/>
+                </a:avLst>
+              </a:prstGeom>
+            </p:spPr>
+            <p:style>
+              <a:lnRef idx="2">
+                <a:schemeClr val="dk1"/>
+              </a:lnRef>
+              <a:fillRef idx="1">
+                <a:schemeClr val="lt1"/>
+              </a:fillRef>
+              <a:effectRef idx="0">
+                <a:schemeClr val="dk1"/>
+              </a:effectRef>
+              <a:fontRef idx="minor">
+                <a:schemeClr val="dk1"/>
+              </a:fontRef>
+            </p:style>
+            <p:txBody>
+              <a:bodyPr rtlCol="0" anchor="t"/>
+              <a:lstStyle/>
+              <a:p>
+                <a:pPr algn="ctr"/>
+                <a:r>
+                  <a:rPr lang="en-US" altLang="ko-KR" sz="1100" b="1"/>
+                  <a:t>Group A</a:t>
+                </a:r>
+                <a:endParaRPr lang="ko-KR" altLang="en-US" sz="1100" b="1"/>
+              </a:p>
+            </p:txBody>
+          </p:sp>
+          <p:sp>
+            <p:nvSpPr>
+              <p:cNvPr id="106" name="사각형: 둥근 모서리 105">
+                <a:extLst>
+                  <a:ext uri="{FF2B5EF4-FFF2-40B4-BE49-F238E27FC236}">
+                    <a16:creationId xmlns:a16="http://schemas.microsoft.com/office/drawing/2014/main" id="{C710C8B5-5297-4464-8A5A-CAB12E61C3B1}"/>
+                  </a:ext>
+                </a:extLst>
+              </p:cNvPr>
+              <p:cNvSpPr/>
+              <p:nvPr/>
+            </p:nvSpPr>
+            <p:spPr>
+              <a:xfrm>
+                <a:off x="6040437" y="1253505"/>
+                <a:ext cx="782370" cy="288032"/>
+              </a:xfrm>
+              <a:prstGeom prst="roundRect">
+                <a:avLst>
+                  <a:gd name="adj" fmla="val 13219"/>
+                </a:avLst>
+              </a:prstGeom>
+            </p:spPr>
+            <p:style>
+              <a:lnRef idx="2">
+                <a:schemeClr val="dk1"/>
+              </a:lnRef>
+              <a:fillRef idx="1">
+                <a:schemeClr val="lt1"/>
+              </a:fillRef>
+              <a:effectRef idx="0">
+                <a:schemeClr val="dk1"/>
+              </a:effectRef>
+              <a:fontRef idx="minor">
+                <a:schemeClr val="dk1"/>
+              </a:fontRef>
+            </p:style>
+            <p:txBody>
+              <a:bodyPr rtlCol="0" anchor="ctr"/>
+              <a:lstStyle/>
+              <a:p>
+                <a:pPr algn="ctr"/>
+                <a:r>
+                  <a:rPr lang="en-US" altLang="ko-KR" sz="1100"/>
+                  <a:t>User A</a:t>
+                </a:r>
+                <a:endParaRPr lang="ko-KR" altLang="en-US" sz="1100"/>
+              </a:p>
+            </p:txBody>
+          </p:sp>
+          <p:sp>
+            <p:nvSpPr>
+              <p:cNvPr id="107" name="사각형: 둥근 모서리 106">
+                <a:extLst>
+                  <a:ext uri="{FF2B5EF4-FFF2-40B4-BE49-F238E27FC236}">
+                    <a16:creationId xmlns:a16="http://schemas.microsoft.com/office/drawing/2014/main" id="{35878E8A-D92E-4367-BFC7-02E9690D0B0C}"/>
+                  </a:ext>
+                </a:extLst>
+              </p:cNvPr>
+              <p:cNvSpPr/>
+              <p:nvPr/>
+            </p:nvSpPr>
+            <p:spPr>
+              <a:xfrm>
+                <a:off x="6928739" y="1253505"/>
+                <a:ext cx="782370" cy="288032"/>
+              </a:xfrm>
+              <a:prstGeom prst="roundRect">
+                <a:avLst>
+                  <a:gd name="adj" fmla="val 13219"/>
+                </a:avLst>
+              </a:prstGeom>
+            </p:spPr>
+            <p:style>
+              <a:lnRef idx="2">
+                <a:schemeClr val="dk1"/>
+              </a:lnRef>
+              <a:fillRef idx="1">
+                <a:schemeClr val="lt1"/>
+              </a:fillRef>
+              <a:effectRef idx="0">
+                <a:schemeClr val="dk1"/>
+              </a:effectRef>
+              <a:fontRef idx="minor">
+                <a:schemeClr val="dk1"/>
+              </a:fontRef>
+            </p:style>
+            <p:txBody>
+              <a:bodyPr rtlCol="0" anchor="ctr"/>
+              <a:lstStyle/>
+              <a:p>
+                <a:pPr algn="ctr"/>
+                <a:r>
+                  <a:rPr lang="en-US" altLang="ko-KR" sz="1100"/>
+                  <a:t>User B</a:t>
+                </a:r>
+                <a:endParaRPr lang="ko-KR" altLang="en-US" sz="1100"/>
+              </a:p>
+            </p:txBody>
+          </p:sp>
+        </p:grpSp>
         <p:sp>
           <p:nvSpPr>
-            <p:cNvPr id="106" name="사각형: 둥근 모서리 105">
+            <p:cNvPr id="83" name="사각형: 둥근 모서리 82">
               <a:extLst>
                 <a:ext uri="{FF2B5EF4-FFF2-40B4-BE49-F238E27FC236}">
-                  <a16:creationId xmlns:a16="http://schemas.microsoft.com/office/drawing/2014/main" id="{C710C8B5-5297-4464-8A5A-CAB12E61C3B1}"/>
+                  <a16:creationId xmlns:a16="http://schemas.microsoft.com/office/drawing/2014/main" id="{BACACC56-F396-48D0-904B-AC2A0B3D8C13}"/>
                 </a:ext>
               </a:extLst>
             </p:cNvPr>
@@ -5444,8 +5565,8 @@
           </p:nvSpPr>
           <p:spPr>
             <a:xfrm>
-              <a:off x="6040437" y="1253505"/>
-              <a:ext cx="782370" cy="288032"/>
+              <a:off x="2683960" y="915566"/>
+              <a:ext cx="1031540" cy="288032"/>
             </a:xfrm>
             <a:prstGeom prst="roundRect">
               <a:avLst>
@@ -5482,10 +5603,10 @@
         </p:sp>
         <p:sp>
           <p:nvSpPr>
-            <p:cNvPr id="107" name="사각형: 둥근 모서리 106">
+            <p:cNvPr id="109" name="사각형: 둥근 모서리 108">
               <a:extLst>
                 <a:ext uri="{FF2B5EF4-FFF2-40B4-BE49-F238E27FC236}">
-                  <a16:creationId xmlns:a16="http://schemas.microsoft.com/office/drawing/2014/main" id="{35878E8A-D92E-4367-BFC7-02E9690D0B0C}"/>
+                  <a16:creationId xmlns:a16="http://schemas.microsoft.com/office/drawing/2014/main" id="{4B098BEB-5D73-4E99-9A5C-D717406F9ECA}"/>
                 </a:ext>
               </a:extLst>
             </p:cNvPr>
@@ -5494,8 +5615,8 @@
           </p:nvSpPr>
           <p:spPr>
             <a:xfrm>
-              <a:off x="6928739" y="1253505"/>
-              <a:ext cx="782370" cy="288032"/>
+              <a:off x="3803041" y="915566"/>
+              <a:ext cx="1031540" cy="288032"/>
             </a:xfrm>
             <a:prstGeom prst="roundRect">
               <a:avLst>
@@ -5530,921 +5651,12 @@
             </a:p>
           </p:txBody>
         </p:sp>
-      </p:grpSp>
-      <p:sp>
-        <p:nvSpPr>
-          <p:cNvPr id="83" name="사각형: 둥근 모서리 82">
-            <a:extLst>
-              <a:ext uri="{FF2B5EF4-FFF2-40B4-BE49-F238E27FC236}">
-                <a16:creationId xmlns:a16="http://schemas.microsoft.com/office/drawing/2014/main" id="{BACACC56-F396-48D0-904B-AC2A0B3D8C13}"/>
-              </a:ext>
-            </a:extLst>
-          </p:cNvPr>
-          <p:cNvSpPr/>
-          <p:nvPr/>
-        </p:nvSpPr>
-        <p:spPr>
-          <a:xfrm>
-            <a:off x="2683960" y="915566"/>
-            <a:ext cx="1031540" cy="288032"/>
-          </a:xfrm>
-          <a:prstGeom prst="roundRect">
-            <a:avLst>
-              <a:gd name="adj" fmla="val 13219"/>
-            </a:avLst>
-          </a:prstGeom>
-        </p:spPr>
-        <p:style>
-          <a:lnRef idx="2">
-            <a:schemeClr val="dk1"/>
-          </a:lnRef>
-          <a:fillRef idx="1">
-            <a:schemeClr val="lt1"/>
-          </a:fillRef>
-          <a:effectRef idx="0">
-            <a:schemeClr val="dk1"/>
-          </a:effectRef>
-          <a:fontRef idx="minor">
-            <a:schemeClr val="dk1"/>
-          </a:fontRef>
-        </p:style>
-        <p:txBody>
-          <a:bodyPr rtlCol="0" anchor="ctr"/>
-          <a:lstStyle/>
-          <a:p>
-            <a:pPr algn="ctr"/>
-            <a:r>
-              <a:rPr lang="en-US" altLang="ko-KR" sz="1100"/>
-              <a:t>User A</a:t>
-            </a:r>
-            <a:endParaRPr lang="ko-KR" altLang="en-US" sz="1100"/>
-          </a:p>
-        </p:txBody>
-      </p:sp>
-      <p:sp>
-        <p:nvSpPr>
-          <p:cNvPr id="109" name="사각형: 둥근 모서리 108">
-            <a:extLst>
-              <a:ext uri="{FF2B5EF4-FFF2-40B4-BE49-F238E27FC236}">
-                <a16:creationId xmlns:a16="http://schemas.microsoft.com/office/drawing/2014/main" id="{4B098BEB-5D73-4E99-9A5C-D717406F9ECA}"/>
-              </a:ext>
-            </a:extLst>
-          </p:cNvPr>
-          <p:cNvSpPr/>
-          <p:nvPr/>
-        </p:nvSpPr>
-        <p:spPr>
-          <a:xfrm>
-            <a:off x="3803041" y="915566"/>
-            <a:ext cx="1031540" cy="288032"/>
-          </a:xfrm>
-          <a:prstGeom prst="roundRect">
-            <a:avLst>
-              <a:gd name="adj" fmla="val 13219"/>
-            </a:avLst>
-          </a:prstGeom>
-        </p:spPr>
-        <p:style>
-          <a:lnRef idx="2">
-            <a:schemeClr val="dk1"/>
-          </a:lnRef>
-          <a:fillRef idx="1">
-            <a:schemeClr val="lt1"/>
-          </a:fillRef>
-          <a:effectRef idx="0">
-            <a:schemeClr val="dk1"/>
-          </a:effectRef>
-          <a:fontRef idx="minor">
-            <a:schemeClr val="dk1"/>
-          </a:fontRef>
-        </p:style>
-        <p:txBody>
-          <a:bodyPr rtlCol="0" anchor="ctr"/>
-          <a:lstStyle/>
-          <a:p>
-            <a:pPr algn="ctr"/>
-            <a:r>
-              <a:rPr lang="en-US" altLang="ko-KR" sz="1100"/>
-              <a:t>User B</a:t>
-            </a:r>
-            <a:endParaRPr lang="ko-KR" altLang="en-US" sz="1100"/>
-          </a:p>
-        </p:txBody>
-      </p:sp>
-      <p:sp>
-        <p:nvSpPr>
-          <p:cNvPr id="87" name="사각형: 둥근 모서리 86">
-            <a:extLst>
-              <a:ext uri="{FF2B5EF4-FFF2-40B4-BE49-F238E27FC236}">
-                <a16:creationId xmlns:a16="http://schemas.microsoft.com/office/drawing/2014/main" id="{E980F60F-E9B9-460C-A002-710652D05D91}"/>
-              </a:ext>
-            </a:extLst>
-          </p:cNvPr>
-          <p:cNvSpPr/>
-          <p:nvPr/>
-        </p:nvSpPr>
-        <p:spPr>
-          <a:xfrm>
-            <a:off x="2388899" y="1838850"/>
-            <a:ext cx="2192710" cy="1750511"/>
-          </a:xfrm>
-          <a:prstGeom prst="roundRect">
-            <a:avLst>
-              <a:gd name="adj" fmla="val 3750"/>
-            </a:avLst>
-          </a:prstGeom>
-        </p:spPr>
-        <p:style>
-          <a:lnRef idx="2">
-            <a:schemeClr val="dk1"/>
-          </a:lnRef>
-          <a:fillRef idx="1">
-            <a:schemeClr val="lt1"/>
-          </a:fillRef>
-          <a:effectRef idx="0">
-            <a:schemeClr val="dk1"/>
-          </a:effectRef>
-          <a:fontRef idx="minor">
-            <a:schemeClr val="dk1"/>
-          </a:fontRef>
-        </p:style>
-        <p:txBody>
-          <a:bodyPr rtlCol="0" anchor="t"/>
-          <a:lstStyle/>
-          <a:p>
-            <a:pPr algn="ctr"/>
-            <a:r>
-              <a:rPr lang="en-US" altLang="ko-KR" sz="1100" b="1"/>
-              <a:t>Project A</a:t>
-            </a:r>
-            <a:endParaRPr lang="ko-KR" altLang="en-US" sz="1100" b="1"/>
-          </a:p>
-        </p:txBody>
-      </p:sp>
-      <p:sp>
-        <p:nvSpPr>
-          <p:cNvPr id="111" name="사각형: 둥근 모서리 110">
-            <a:extLst>
-              <a:ext uri="{FF2B5EF4-FFF2-40B4-BE49-F238E27FC236}">
-                <a16:creationId xmlns:a16="http://schemas.microsoft.com/office/drawing/2014/main" id="{A672035C-FCB7-4AC4-9157-3D2D68F842CF}"/>
-              </a:ext>
-            </a:extLst>
-          </p:cNvPr>
-          <p:cNvSpPr/>
-          <p:nvPr/>
-        </p:nvSpPr>
-        <p:spPr>
-          <a:xfrm>
-            <a:off x="2473076" y="2511685"/>
-            <a:ext cx="1012178" cy="288032"/>
-          </a:xfrm>
-          <a:prstGeom prst="roundRect">
-            <a:avLst>
-              <a:gd name="adj" fmla="val 13219"/>
-            </a:avLst>
-          </a:prstGeom>
-        </p:spPr>
-        <p:style>
-          <a:lnRef idx="2">
-            <a:schemeClr val="dk1"/>
-          </a:lnRef>
-          <a:fillRef idx="1">
-            <a:schemeClr val="lt1"/>
-          </a:fillRef>
-          <a:effectRef idx="0">
-            <a:schemeClr val="dk1"/>
-          </a:effectRef>
-          <a:fontRef idx="minor">
-            <a:schemeClr val="dk1"/>
-          </a:fontRef>
-        </p:style>
-        <p:txBody>
-          <a:bodyPr rtlCol="0" anchor="ctr"/>
-          <a:lstStyle/>
-          <a:p>
-            <a:pPr algn="ctr"/>
-            <a:r>
-              <a:rPr lang="en-US" altLang="ko-KR" sz="1100"/>
-              <a:t>User D</a:t>
-            </a:r>
-            <a:endParaRPr lang="ko-KR" altLang="en-US" sz="1100"/>
-          </a:p>
-        </p:txBody>
-      </p:sp>
-      <p:sp>
-        <p:nvSpPr>
-          <p:cNvPr id="143" name="사각형: 둥근 모서리 142">
-            <a:extLst>
-              <a:ext uri="{FF2B5EF4-FFF2-40B4-BE49-F238E27FC236}">
-                <a16:creationId xmlns:a16="http://schemas.microsoft.com/office/drawing/2014/main" id="{74678865-D19B-4D3D-BA6A-9850C6D84044}"/>
-              </a:ext>
-            </a:extLst>
-          </p:cNvPr>
-          <p:cNvSpPr/>
-          <p:nvPr/>
-        </p:nvSpPr>
-        <p:spPr>
-          <a:xfrm>
-            <a:off x="2473076" y="2869107"/>
-            <a:ext cx="1012178" cy="288032"/>
-          </a:xfrm>
-          <a:prstGeom prst="roundRect">
-            <a:avLst>
-              <a:gd name="adj" fmla="val 13219"/>
-            </a:avLst>
-          </a:prstGeom>
-        </p:spPr>
-        <p:style>
-          <a:lnRef idx="2">
-            <a:schemeClr val="dk1"/>
-          </a:lnRef>
-          <a:fillRef idx="1">
-            <a:schemeClr val="lt1"/>
-          </a:fillRef>
-          <a:effectRef idx="0">
-            <a:schemeClr val="dk1"/>
-          </a:effectRef>
-          <a:fontRef idx="minor">
-            <a:schemeClr val="dk1"/>
-          </a:fontRef>
-        </p:style>
-        <p:txBody>
-          <a:bodyPr rtlCol="0" anchor="ctr"/>
-          <a:lstStyle/>
-          <a:p>
-            <a:pPr algn="ctr"/>
-            <a:r>
-              <a:rPr lang="en-US" altLang="ko-KR" sz="1100"/>
-              <a:t>Group A</a:t>
-            </a:r>
-            <a:endParaRPr lang="ko-KR" altLang="en-US" sz="1100"/>
-          </a:p>
-        </p:txBody>
-      </p:sp>
-      <p:sp>
-        <p:nvSpPr>
-          <p:cNvPr id="147" name="사각형: 둥근 모서리 146">
-            <a:extLst>
-              <a:ext uri="{FF2B5EF4-FFF2-40B4-BE49-F238E27FC236}">
-                <a16:creationId xmlns:a16="http://schemas.microsoft.com/office/drawing/2014/main" id="{6015EB8F-F20C-4234-ACB7-98515C0B01F6}"/>
-              </a:ext>
-            </a:extLst>
-          </p:cNvPr>
-          <p:cNvSpPr/>
-          <p:nvPr/>
-        </p:nvSpPr>
-        <p:spPr>
-          <a:xfrm>
-            <a:off x="3485254" y="2511685"/>
-            <a:ext cx="1012178" cy="288032"/>
-          </a:xfrm>
-          <a:prstGeom prst="roundRect">
-            <a:avLst>
-              <a:gd name="adj" fmla="val 13219"/>
-            </a:avLst>
-          </a:prstGeom>
-        </p:spPr>
-        <p:style>
-          <a:lnRef idx="2">
-            <a:schemeClr val="dk1"/>
-          </a:lnRef>
-          <a:fillRef idx="1">
-            <a:schemeClr val="lt1"/>
-          </a:fillRef>
-          <a:effectRef idx="0">
-            <a:schemeClr val="dk1"/>
-          </a:effectRef>
-          <a:fontRef idx="minor">
-            <a:schemeClr val="dk1"/>
-          </a:fontRef>
-        </p:style>
-        <p:txBody>
-          <a:bodyPr rtlCol="0" anchor="ctr"/>
-          <a:lstStyle/>
-          <a:p>
-            <a:pPr algn="ctr"/>
-            <a:r>
-              <a:rPr lang="en-US" altLang="ko-KR" sz="1100"/>
-              <a:t>Role B</a:t>
-            </a:r>
-            <a:endParaRPr lang="ko-KR" altLang="en-US" sz="1100"/>
-          </a:p>
-        </p:txBody>
-      </p:sp>
-      <p:sp>
-        <p:nvSpPr>
-          <p:cNvPr id="148" name="사각형: 둥근 모서리 147">
-            <a:extLst>
-              <a:ext uri="{FF2B5EF4-FFF2-40B4-BE49-F238E27FC236}">
-                <a16:creationId xmlns:a16="http://schemas.microsoft.com/office/drawing/2014/main" id="{FAC16831-9C61-45FD-9DA5-EAA8CFB91CE1}"/>
-              </a:ext>
-            </a:extLst>
-          </p:cNvPr>
-          <p:cNvSpPr/>
-          <p:nvPr/>
-        </p:nvSpPr>
-        <p:spPr>
-          <a:xfrm>
-            <a:off x="3485254" y="2864197"/>
-            <a:ext cx="1012178" cy="288032"/>
-          </a:xfrm>
-          <a:prstGeom prst="roundRect">
-            <a:avLst>
-              <a:gd name="adj" fmla="val 13219"/>
-            </a:avLst>
-          </a:prstGeom>
-        </p:spPr>
-        <p:style>
-          <a:lnRef idx="2">
-            <a:schemeClr val="dk1"/>
-          </a:lnRef>
-          <a:fillRef idx="1">
-            <a:schemeClr val="lt1"/>
-          </a:fillRef>
-          <a:effectRef idx="0">
-            <a:schemeClr val="dk1"/>
-          </a:effectRef>
-          <a:fontRef idx="minor">
-            <a:schemeClr val="dk1"/>
-          </a:fontRef>
-        </p:style>
-        <p:txBody>
-          <a:bodyPr rtlCol="0" anchor="ctr"/>
-          <a:lstStyle/>
-          <a:p>
-            <a:pPr algn="ctr"/>
-            <a:r>
-              <a:rPr lang="en-US" altLang="ko-KR" sz="1100"/>
-              <a:t>Role A</a:t>
-            </a:r>
-            <a:endParaRPr lang="ko-KR" altLang="en-US" sz="1100"/>
-          </a:p>
-        </p:txBody>
-      </p:sp>
-      <p:sp>
-        <p:nvSpPr>
-          <p:cNvPr id="150" name="사각형: 둥근 모서리 149">
-            <a:extLst>
-              <a:ext uri="{FF2B5EF4-FFF2-40B4-BE49-F238E27FC236}">
-                <a16:creationId xmlns:a16="http://schemas.microsoft.com/office/drawing/2014/main" id="{B347F5C8-38A1-412E-9952-F6BCCCD7381C}"/>
-              </a:ext>
-            </a:extLst>
-          </p:cNvPr>
-          <p:cNvSpPr/>
-          <p:nvPr/>
-        </p:nvSpPr>
-        <p:spPr>
-          <a:xfrm>
-            <a:off x="2473076" y="2154693"/>
-            <a:ext cx="1012178" cy="288032"/>
-          </a:xfrm>
-          <a:prstGeom prst="roundRect">
-            <a:avLst>
-              <a:gd name="adj" fmla="val 13219"/>
-            </a:avLst>
-          </a:prstGeom>
-        </p:spPr>
-        <p:style>
-          <a:lnRef idx="2">
-            <a:schemeClr val="dk1"/>
-          </a:lnRef>
-          <a:fillRef idx="1">
-            <a:schemeClr val="lt1"/>
-          </a:fillRef>
-          <a:effectRef idx="0">
-            <a:schemeClr val="dk1"/>
-          </a:effectRef>
-          <a:fontRef idx="minor">
-            <a:schemeClr val="dk1"/>
-          </a:fontRef>
-        </p:style>
-        <p:txBody>
-          <a:bodyPr rtlCol="0" anchor="ctr"/>
-          <a:lstStyle/>
-          <a:p>
-            <a:pPr algn="ctr"/>
-            <a:r>
-              <a:rPr lang="en-US" altLang="ko-KR" sz="1100"/>
-              <a:t>User C</a:t>
-            </a:r>
-            <a:endParaRPr lang="ko-KR" altLang="en-US" sz="1100"/>
-          </a:p>
-        </p:txBody>
-      </p:sp>
-      <p:sp>
-        <p:nvSpPr>
-          <p:cNvPr id="151" name="사각형: 둥근 모서리 150">
-            <a:extLst>
-              <a:ext uri="{FF2B5EF4-FFF2-40B4-BE49-F238E27FC236}">
-                <a16:creationId xmlns:a16="http://schemas.microsoft.com/office/drawing/2014/main" id="{66617084-AFA3-4A49-82FE-3D430D2B64DB}"/>
-              </a:ext>
-            </a:extLst>
-          </p:cNvPr>
-          <p:cNvSpPr/>
-          <p:nvPr/>
-        </p:nvSpPr>
-        <p:spPr>
-          <a:xfrm>
-            <a:off x="3485254" y="2154693"/>
-            <a:ext cx="1012178" cy="288032"/>
-          </a:xfrm>
-          <a:prstGeom prst="roundRect">
-            <a:avLst>
-              <a:gd name="adj" fmla="val 13219"/>
-            </a:avLst>
-          </a:prstGeom>
-        </p:spPr>
-        <p:style>
-          <a:lnRef idx="2">
-            <a:schemeClr val="dk1"/>
-          </a:lnRef>
-          <a:fillRef idx="1">
-            <a:schemeClr val="lt1"/>
-          </a:fillRef>
-          <a:effectRef idx="0">
-            <a:schemeClr val="dk1"/>
-          </a:effectRef>
-          <a:fontRef idx="minor">
-            <a:schemeClr val="dk1"/>
-          </a:fontRef>
-        </p:style>
-        <p:txBody>
-          <a:bodyPr rtlCol="0" anchor="ctr"/>
-          <a:lstStyle/>
-          <a:p>
-            <a:pPr algn="ctr"/>
-            <a:r>
-              <a:rPr lang="en-US" altLang="ko-KR" sz="1100"/>
-              <a:t>Role A</a:t>
-            </a:r>
-            <a:endParaRPr lang="ko-KR" altLang="en-US" sz="1100"/>
-          </a:p>
-        </p:txBody>
-      </p:sp>
-      <p:cxnSp>
-        <p:nvCxnSpPr>
-          <p:cNvPr id="156" name="직선 화살표 연결선 155">
-            <a:extLst>
-              <a:ext uri="{FF2B5EF4-FFF2-40B4-BE49-F238E27FC236}">
-                <a16:creationId xmlns:a16="http://schemas.microsoft.com/office/drawing/2014/main" id="{86D2F8DE-FB6B-4804-B0C9-0EE541D03DEA}"/>
-              </a:ext>
-            </a:extLst>
-          </p:cNvPr>
-          <p:cNvCxnSpPr>
-            <a:cxnSpLocks/>
-            <a:stCxn id="45" idx="0"/>
-            <a:endCxn id="87" idx="2"/>
-          </p:cNvCxnSpPr>
-          <p:nvPr/>
-        </p:nvCxnSpPr>
-        <p:spPr>
-          <a:xfrm flipV="1">
-            <a:off x="2917730" y="3589361"/>
-            <a:ext cx="567524" cy="319600"/>
-          </a:xfrm>
-          <a:prstGeom prst="straightConnector1">
-            <a:avLst/>
-          </a:prstGeom>
-          <a:ln w="19050">
-            <a:solidFill>
-              <a:schemeClr val="tx1"/>
-            </a:solidFill>
-            <a:headEnd type="none" w="med" len="med"/>
-            <a:tailEnd type="arrow" w="med" len="med"/>
-          </a:ln>
-        </p:spPr>
-        <p:style>
-          <a:lnRef idx="1">
-            <a:schemeClr val="accent1"/>
-          </a:lnRef>
-          <a:fillRef idx="0">
-            <a:schemeClr val="accent1"/>
-          </a:fillRef>
-          <a:effectRef idx="0">
-            <a:schemeClr val="accent1"/>
-          </a:effectRef>
-          <a:fontRef idx="minor">
-            <a:schemeClr val="tx1"/>
-          </a:fontRef>
-        </p:style>
-      </p:cxnSp>
-      <p:sp>
-        <p:nvSpPr>
-          <p:cNvPr id="26" name="사각형: 둥근 모서리 25">
-            <a:extLst>
-              <a:ext uri="{FF2B5EF4-FFF2-40B4-BE49-F238E27FC236}">
-                <a16:creationId xmlns:a16="http://schemas.microsoft.com/office/drawing/2014/main" id="{AED60E89-AAE3-4DF7-AA99-AD3C2F524E75}"/>
-              </a:ext>
-            </a:extLst>
-          </p:cNvPr>
-          <p:cNvSpPr/>
-          <p:nvPr/>
-        </p:nvSpPr>
-        <p:spPr>
-          <a:xfrm>
-            <a:off x="2192608" y="4275485"/>
-            <a:ext cx="2400158" cy="654896"/>
-          </a:xfrm>
-          <a:prstGeom prst="roundRect">
-            <a:avLst>
-              <a:gd name="adj" fmla="val 3742"/>
-            </a:avLst>
-          </a:prstGeom>
-        </p:spPr>
-        <p:style>
-          <a:lnRef idx="2">
-            <a:schemeClr val="dk1"/>
-          </a:lnRef>
-          <a:fillRef idx="1">
-            <a:schemeClr val="lt1"/>
-          </a:fillRef>
-          <a:effectRef idx="0">
-            <a:schemeClr val="dk1"/>
-          </a:effectRef>
-          <a:fontRef idx="minor">
-            <a:schemeClr val="dk1"/>
-          </a:fontRef>
-        </p:style>
-        <p:txBody>
-          <a:bodyPr rtlCol="0" anchor="b"/>
-          <a:lstStyle/>
-          <a:p>
-            <a:pPr algn="ctr"/>
-            <a:r>
-              <a:rPr lang="en-US" altLang="ko-KR" sz="1100" b="1"/>
-              <a:t>Policy</a:t>
-            </a:r>
-            <a:endParaRPr lang="ko-KR" altLang="en-US" sz="1100" b="1"/>
-          </a:p>
-        </p:txBody>
-      </p:sp>
-      <p:sp>
-        <p:nvSpPr>
-          <p:cNvPr id="44" name="사각형: 둥근 모서리 43">
-            <a:extLst>
-              <a:ext uri="{FF2B5EF4-FFF2-40B4-BE49-F238E27FC236}">
-                <a16:creationId xmlns:a16="http://schemas.microsoft.com/office/drawing/2014/main" id="{25B65771-43E1-488A-9B8C-8CFC4A7F22EB}"/>
-              </a:ext>
-            </a:extLst>
-          </p:cNvPr>
-          <p:cNvSpPr/>
-          <p:nvPr/>
-        </p:nvSpPr>
-        <p:spPr>
-          <a:xfrm>
-            <a:off x="3522405" y="3908961"/>
-            <a:ext cx="1070361" cy="288032"/>
-          </a:xfrm>
-          <a:prstGeom prst="roundRect">
-            <a:avLst>
-              <a:gd name="adj" fmla="val 13219"/>
-            </a:avLst>
-          </a:prstGeom>
-        </p:spPr>
-        <p:style>
-          <a:lnRef idx="2">
-            <a:schemeClr val="dk1"/>
-          </a:lnRef>
-          <a:fillRef idx="1">
-            <a:schemeClr val="lt1"/>
-          </a:fillRef>
-          <a:effectRef idx="0">
-            <a:schemeClr val="dk1"/>
-          </a:effectRef>
-          <a:fontRef idx="minor">
-            <a:schemeClr val="dk1"/>
-          </a:fontRef>
-        </p:style>
-        <p:txBody>
-          <a:bodyPr rtlCol="0" anchor="ctr"/>
-          <a:lstStyle/>
-          <a:p>
-            <a:pPr algn="ctr"/>
-            <a:r>
-              <a:rPr lang="en-US" altLang="ko-KR" sz="1100"/>
-              <a:t>Role B</a:t>
-            </a:r>
-            <a:endParaRPr lang="ko-KR" altLang="en-US" sz="1100"/>
-          </a:p>
-        </p:txBody>
-      </p:sp>
-      <p:sp>
-        <p:nvSpPr>
-          <p:cNvPr id="45" name="사각형: 둥근 모서리 44">
-            <a:extLst>
-              <a:ext uri="{FF2B5EF4-FFF2-40B4-BE49-F238E27FC236}">
-                <a16:creationId xmlns:a16="http://schemas.microsoft.com/office/drawing/2014/main" id="{9128F37D-EDAA-4B7B-AD26-A6D67ECF16B6}"/>
-              </a:ext>
-            </a:extLst>
-          </p:cNvPr>
-          <p:cNvSpPr/>
-          <p:nvPr/>
-        </p:nvSpPr>
-        <p:spPr>
-          <a:xfrm>
-            <a:off x="2382549" y="3908961"/>
-            <a:ext cx="1070361" cy="288032"/>
-          </a:xfrm>
-          <a:prstGeom prst="roundRect">
-            <a:avLst>
-              <a:gd name="adj" fmla="val 13219"/>
-            </a:avLst>
-          </a:prstGeom>
-        </p:spPr>
-        <p:style>
-          <a:lnRef idx="2">
-            <a:schemeClr val="dk1"/>
-          </a:lnRef>
-          <a:fillRef idx="1">
-            <a:schemeClr val="lt1"/>
-          </a:fillRef>
-          <a:effectRef idx="0">
-            <a:schemeClr val="dk1"/>
-          </a:effectRef>
-          <a:fontRef idx="minor">
-            <a:schemeClr val="dk1"/>
-          </a:fontRef>
-        </p:style>
-        <p:txBody>
-          <a:bodyPr rtlCol="0" anchor="ctr"/>
-          <a:lstStyle/>
-          <a:p>
-            <a:pPr algn="ctr"/>
-            <a:r>
-              <a:rPr lang="en-US" altLang="ko-KR" sz="1100"/>
-              <a:t>Role A</a:t>
-            </a:r>
-            <a:endParaRPr lang="ko-KR" altLang="en-US" sz="1100"/>
-          </a:p>
-        </p:txBody>
-      </p:sp>
-      <p:sp>
-        <p:nvSpPr>
-          <p:cNvPr id="47" name="사각형: 둥근 모서리 46">
-            <a:extLst>
-              <a:ext uri="{FF2B5EF4-FFF2-40B4-BE49-F238E27FC236}">
-                <a16:creationId xmlns:a16="http://schemas.microsoft.com/office/drawing/2014/main" id="{E6F14D38-85C4-4D4C-9092-FE8887CC60DA}"/>
-              </a:ext>
-            </a:extLst>
-          </p:cNvPr>
-          <p:cNvSpPr/>
-          <p:nvPr/>
-        </p:nvSpPr>
-        <p:spPr>
-          <a:xfrm>
-            <a:off x="4692122" y="3461968"/>
-            <a:ext cx="1070361" cy="288032"/>
-          </a:xfrm>
-          <a:prstGeom prst="roundRect">
-            <a:avLst>
-              <a:gd name="adj" fmla="val 13219"/>
-            </a:avLst>
-          </a:prstGeom>
-        </p:spPr>
-        <p:style>
-          <a:lnRef idx="2">
-            <a:schemeClr val="dk1"/>
-          </a:lnRef>
-          <a:fillRef idx="1">
-            <a:schemeClr val="lt1"/>
-          </a:fillRef>
-          <a:effectRef idx="0">
-            <a:schemeClr val="dk1"/>
-          </a:effectRef>
-          <a:fontRef idx="minor">
-            <a:schemeClr val="dk1"/>
-          </a:fontRef>
-        </p:style>
-        <p:txBody>
-          <a:bodyPr rtlCol="0" anchor="ctr"/>
-          <a:lstStyle/>
-          <a:p>
-            <a:pPr algn="ctr"/>
-            <a:r>
-              <a:rPr lang="en-US" altLang="ko-KR" sz="1100"/>
-              <a:t>Role C</a:t>
-            </a:r>
-            <a:endParaRPr lang="ko-KR" altLang="en-US" sz="1100"/>
-          </a:p>
-        </p:txBody>
-      </p:sp>
-      <p:sp>
-        <p:nvSpPr>
-          <p:cNvPr id="49" name="사각형: 둥근 모서리 48">
-            <a:extLst>
-              <a:ext uri="{FF2B5EF4-FFF2-40B4-BE49-F238E27FC236}">
-                <a16:creationId xmlns:a16="http://schemas.microsoft.com/office/drawing/2014/main" id="{E1215968-125F-4F1C-BF54-B80DA080F8B6}"/>
-              </a:ext>
-            </a:extLst>
-          </p:cNvPr>
-          <p:cNvSpPr/>
-          <p:nvPr/>
-        </p:nvSpPr>
-        <p:spPr>
-          <a:xfrm>
-            <a:off x="5825628" y="3461968"/>
-            <a:ext cx="1070361" cy="288032"/>
-          </a:xfrm>
-          <a:prstGeom prst="roundRect">
-            <a:avLst>
-              <a:gd name="adj" fmla="val 13219"/>
-            </a:avLst>
-          </a:prstGeom>
-        </p:spPr>
-        <p:style>
-          <a:lnRef idx="2">
-            <a:schemeClr val="dk1"/>
-          </a:lnRef>
-          <a:fillRef idx="1">
-            <a:schemeClr val="lt1"/>
-          </a:fillRef>
-          <a:effectRef idx="0">
-            <a:schemeClr val="dk1"/>
-          </a:effectRef>
-          <a:fontRef idx="minor">
-            <a:schemeClr val="dk1"/>
-          </a:fontRef>
-        </p:style>
-        <p:txBody>
-          <a:bodyPr rtlCol="0" anchor="ctr"/>
-          <a:lstStyle/>
-          <a:p>
-            <a:pPr algn="ctr"/>
-            <a:r>
-              <a:rPr lang="en-US" altLang="ko-KR" sz="1100"/>
-              <a:t>Role D</a:t>
-            </a:r>
-            <a:endParaRPr lang="ko-KR" altLang="en-US" sz="1100"/>
-          </a:p>
-        </p:txBody>
-      </p:sp>
-      <p:cxnSp>
-        <p:nvCxnSpPr>
-          <p:cNvPr id="50" name="직선 화살표 연결선 49">
-            <a:extLst>
-              <a:ext uri="{FF2B5EF4-FFF2-40B4-BE49-F238E27FC236}">
-                <a16:creationId xmlns:a16="http://schemas.microsoft.com/office/drawing/2014/main" id="{14F7CC99-ACA6-44AC-A732-DD7545E4F4DC}"/>
-              </a:ext>
-            </a:extLst>
-          </p:cNvPr>
-          <p:cNvCxnSpPr>
-            <a:cxnSpLocks/>
-            <a:stCxn id="28" idx="0"/>
-            <a:endCxn id="45" idx="2"/>
-          </p:cNvCxnSpPr>
-          <p:nvPr/>
-        </p:nvCxnSpPr>
-        <p:spPr>
-          <a:xfrm flipV="1">
-            <a:off x="2618525" y="4196993"/>
-            <a:ext cx="299205" cy="154907"/>
-          </a:xfrm>
-          <a:prstGeom prst="straightConnector1">
-            <a:avLst/>
-          </a:prstGeom>
-          <a:ln w="19050">
-            <a:solidFill>
-              <a:schemeClr val="tx1"/>
-            </a:solidFill>
-            <a:headEnd type="none" w="med" len="med"/>
-            <a:tailEnd type="arrow" w="med" len="med"/>
-          </a:ln>
-        </p:spPr>
-        <p:style>
-          <a:lnRef idx="1">
-            <a:schemeClr val="accent1"/>
-          </a:lnRef>
-          <a:fillRef idx="0">
-            <a:schemeClr val="accent1"/>
-          </a:fillRef>
-          <a:effectRef idx="0">
-            <a:schemeClr val="accent1"/>
-          </a:effectRef>
-          <a:fontRef idx="minor">
-            <a:schemeClr val="tx1"/>
-          </a:fontRef>
-        </p:style>
-      </p:cxnSp>
-      <p:cxnSp>
-        <p:nvCxnSpPr>
-          <p:cNvPr id="52" name="직선 화살표 연결선 51">
-            <a:extLst>
-              <a:ext uri="{FF2B5EF4-FFF2-40B4-BE49-F238E27FC236}">
-                <a16:creationId xmlns:a16="http://schemas.microsoft.com/office/drawing/2014/main" id="{95725933-85E3-4FF7-A71C-155C5EF9F737}"/>
-              </a:ext>
-            </a:extLst>
-          </p:cNvPr>
-          <p:cNvCxnSpPr>
-            <a:cxnSpLocks/>
-            <a:stCxn id="29" idx="0"/>
-            <a:endCxn id="45" idx="2"/>
-          </p:cNvCxnSpPr>
-          <p:nvPr/>
-        </p:nvCxnSpPr>
-        <p:spPr>
-          <a:xfrm flipH="1" flipV="1">
-            <a:off x="2917730" y="4196993"/>
-            <a:ext cx="471691" cy="154513"/>
-          </a:xfrm>
-          <a:prstGeom prst="straightConnector1">
-            <a:avLst/>
-          </a:prstGeom>
-          <a:ln w="19050">
-            <a:solidFill>
-              <a:schemeClr val="tx1"/>
-            </a:solidFill>
-            <a:headEnd type="none" w="med" len="med"/>
-            <a:tailEnd type="arrow" w="med" len="med"/>
-          </a:ln>
-        </p:spPr>
-        <p:style>
-          <a:lnRef idx="1">
-            <a:schemeClr val="accent1"/>
-          </a:lnRef>
-          <a:fillRef idx="0">
-            <a:schemeClr val="accent1"/>
-          </a:fillRef>
-          <a:effectRef idx="0">
-            <a:schemeClr val="accent1"/>
-          </a:effectRef>
-          <a:fontRef idx="minor">
-            <a:schemeClr val="tx1"/>
-          </a:fontRef>
-        </p:style>
-      </p:cxnSp>
-      <p:cxnSp>
-        <p:nvCxnSpPr>
-          <p:cNvPr id="53" name="직선 화살표 연결선 52">
-            <a:extLst>
-              <a:ext uri="{FF2B5EF4-FFF2-40B4-BE49-F238E27FC236}">
-                <a16:creationId xmlns:a16="http://schemas.microsoft.com/office/drawing/2014/main" id="{B408B3AC-DD92-4777-9561-90DA4148FF76}"/>
-              </a:ext>
-            </a:extLst>
-          </p:cNvPr>
-          <p:cNvCxnSpPr>
-            <a:cxnSpLocks/>
-            <a:stCxn id="172" idx="0"/>
-            <a:endCxn id="44" idx="2"/>
-          </p:cNvCxnSpPr>
-          <p:nvPr/>
-        </p:nvCxnSpPr>
-        <p:spPr>
-          <a:xfrm flipH="1" flipV="1">
-            <a:off x="4057586" y="4196993"/>
-            <a:ext cx="105321" cy="154513"/>
-          </a:xfrm>
-          <a:prstGeom prst="straightConnector1">
-            <a:avLst/>
-          </a:prstGeom>
-          <a:ln w="19050">
-            <a:solidFill>
-              <a:schemeClr val="tx1"/>
-            </a:solidFill>
-            <a:headEnd type="none" w="med" len="med"/>
-            <a:tailEnd type="arrow" w="med" len="med"/>
-          </a:ln>
-        </p:spPr>
-        <p:style>
-          <a:lnRef idx="1">
-            <a:schemeClr val="accent1"/>
-          </a:lnRef>
-          <a:fillRef idx="0">
-            <a:schemeClr val="accent1"/>
-          </a:fillRef>
-          <a:effectRef idx="0">
-            <a:schemeClr val="accent1"/>
-          </a:effectRef>
-          <a:fontRef idx="minor">
-            <a:schemeClr val="tx1"/>
-          </a:fontRef>
-        </p:style>
-      </p:cxnSp>
-      <p:grpSp>
-        <p:nvGrpSpPr>
-          <p:cNvPr id="173" name="그룹 172">
-            <a:extLst>
-              <a:ext uri="{FF2B5EF4-FFF2-40B4-BE49-F238E27FC236}">
-                <a16:creationId xmlns:a16="http://schemas.microsoft.com/office/drawing/2014/main" id="{8B0F5223-B6EA-4904-81AB-A3BCDB79B29D}"/>
-              </a:ext>
-            </a:extLst>
-          </p:cNvPr>
-          <p:cNvGrpSpPr/>
-          <p:nvPr/>
-        </p:nvGrpSpPr>
-        <p:grpSpPr>
-          <a:xfrm>
-            <a:off x="2257056" y="4351506"/>
-            <a:ext cx="2267319" cy="288426"/>
-            <a:chOff x="1268832" y="3727891"/>
-            <a:chExt cx="3839210" cy="288426"/>
-          </a:xfrm>
-        </p:grpSpPr>
         <p:sp>
           <p:nvSpPr>
-            <p:cNvPr id="28" name="사각형: 둥근 모서리 27">
+            <p:cNvPr id="87" name="사각형: 둥근 모서리 86">
               <a:extLst>
                 <a:ext uri="{FF2B5EF4-FFF2-40B4-BE49-F238E27FC236}">
-                  <a16:creationId xmlns:a16="http://schemas.microsoft.com/office/drawing/2014/main" id="{63F4F0FA-34F1-4CEB-9AF3-261335FD8AB5}"/>
+                  <a16:creationId xmlns:a16="http://schemas.microsoft.com/office/drawing/2014/main" id="{E980F60F-E9B9-460C-A002-710652D05D91}"/>
                 </a:ext>
               </a:extLst>
             </p:cNvPr>
@@ -6453,535 +5665,8 @@
           </p:nvSpPr>
           <p:spPr>
             <a:xfrm>
-              <a:off x="1268832" y="3728285"/>
-              <a:ext cx="1224136" cy="288032"/>
-            </a:xfrm>
-            <a:prstGeom prst="roundRect">
-              <a:avLst>
-                <a:gd name="adj" fmla="val 6778"/>
-              </a:avLst>
-            </a:prstGeom>
-          </p:spPr>
-          <p:style>
-            <a:lnRef idx="2">
-              <a:schemeClr val="dk1"/>
-            </a:lnRef>
-            <a:fillRef idx="1">
-              <a:schemeClr val="lt1"/>
-            </a:fillRef>
-            <a:effectRef idx="0">
-              <a:schemeClr val="dk1"/>
-            </a:effectRef>
-            <a:fontRef idx="minor">
-              <a:schemeClr val="dk1"/>
-            </a:fontRef>
-          </p:style>
-          <p:txBody>
-            <a:bodyPr rtlCol="0" anchor="ctr"/>
-            <a:lstStyle/>
-            <a:p>
-              <a:pPr algn="ctr"/>
-              <a:r>
-                <a:rPr lang="en-US" altLang="ko-KR" sz="1100"/>
-                <a:t>Rule</a:t>
-              </a:r>
-            </a:p>
-          </p:txBody>
-        </p:sp>
-        <p:sp>
-          <p:nvSpPr>
-            <p:cNvPr id="29" name="사각형: 둥근 모서리 28">
-              <a:extLst>
-                <a:ext uri="{FF2B5EF4-FFF2-40B4-BE49-F238E27FC236}">
-                  <a16:creationId xmlns:a16="http://schemas.microsoft.com/office/drawing/2014/main" id="{5EEDF1ED-9B08-4B6C-BB83-7CE959772562}"/>
-                </a:ext>
-              </a:extLst>
-            </p:cNvPr>
-            <p:cNvSpPr/>
-            <p:nvPr/>
-          </p:nvSpPr>
-          <p:spPr>
-            <a:xfrm>
-              <a:off x="2574176" y="3727891"/>
-              <a:ext cx="1224136" cy="288032"/>
-            </a:xfrm>
-            <a:prstGeom prst="roundRect">
-              <a:avLst>
-                <a:gd name="adj" fmla="val 6778"/>
-              </a:avLst>
-            </a:prstGeom>
-          </p:spPr>
-          <p:style>
-            <a:lnRef idx="2">
-              <a:schemeClr val="dk1"/>
-            </a:lnRef>
-            <a:fillRef idx="1">
-              <a:schemeClr val="lt1"/>
-            </a:fillRef>
-            <a:effectRef idx="0">
-              <a:schemeClr val="dk1"/>
-            </a:effectRef>
-            <a:fontRef idx="minor">
-              <a:schemeClr val="dk1"/>
-            </a:fontRef>
-          </p:style>
-          <p:txBody>
-            <a:bodyPr rtlCol="0" anchor="ctr"/>
-            <a:lstStyle/>
-            <a:p>
-              <a:pPr algn="ctr"/>
-              <a:r>
-                <a:rPr lang="en-US" altLang="ko-KR" sz="1100"/>
-                <a:t>Rule</a:t>
-              </a:r>
-            </a:p>
-          </p:txBody>
-        </p:sp>
-        <p:sp>
-          <p:nvSpPr>
-            <p:cNvPr id="172" name="사각형: 둥근 모서리 171">
-              <a:extLst>
-                <a:ext uri="{FF2B5EF4-FFF2-40B4-BE49-F238E27FC236}">
-                  <a16:creationId xmlns:a16="http://schemas.microsoft.com/office/drawing/2014/main" id="{B31708B5-2B5E-4823-8396-6CFFDE4C8CC1}"/>
-                </a:ext>
-              </a:extLst>
-            </p:cNvPr>
-            <p:cNvSpPr/>
-            <p:nvPr/>
-          </p:nvSpPr>
-          <p:spPr>
-            <a:xfrm>
-              <a:off x="3883906" y="3727891"/>
-              <a:ext cx="1224136" cy="288032"/>
-            </a:xfrm>
-            <a:prstGeom prst="roundRect">
-              <a:avLst>
-                <a:gd name="adj" fmla="val 6778"/>
-              </a:avLst>
-            </a:prstGeom>
-          </p:spPr>
-          <p:style>
-            <a:lnRef idx="2">
-              <a:schemeClr val="dk1"/>
-            </a:lnRef>
-            <a:fillRef idx="1">
-              <a:schemeClr val="lt1"/>
-            </a:fillRef>
-            <a:effectRef idx="0">
-              <a:schemeClr val="dk1"/>
-            </a:effectRef>
-            <a:fontRef idx="minor">
-              <a:schemeClr val="dk1"/>
-            </a:fontRef>
-          </p:style>
-          <p:txBody>
-            <a:bodyPr rtlCol="0" anchor="ctr"/>
-            <a:lstStyle/>
-            <a:p>
-              <a:pPr algn="ctr"/>
-              <a:r>
-                <a:rPr lang="en-US" altLang="ko-KR" sz="1100"/>
-                <a:t>Rule</a:t>
-              </a:r>
-            </a:p>
-          </p:txBody>
-        </p:sp>
-      </p:grpSp>
-      <p:sp>
-        <p:nvSpPr>
-          <p:cNvPr id="176" name="사각형: 둥근 모서리 175">
-            <a:extLst>
-              <a:ext uri="{FF2B5EF4-FFF2-40B4-BE49-F238E27FC236}">
-                <a16:creationId xmlns:a16="http://schemas.microsoft.com/office/drawing/2014/main" id="{A02EC407-7148-40C5-9DB6-20B6E8ACBAF5}"/>
-              </a:ext>
-            </a:extLst>
-          </p:cNvPr>
-          <p:cNvSpPr/>
-          <p:nvPr/>
-        </p:nvSpPr>
-        <p:spPr>
-          <a:xfrm>
-            <a:off x="4690311" y="3911432"/>
-            <a:ext cx="2400158" cy="654896"/>
-          </a:xfrm>
-          <a:prstGeom prst="roundRect">
-            <a:avLst>
-              <a:gd name="adj" fmla="val 3742"/>
-            </a:avLst>
-          </a:prstGeom>
-        </p:spPr>
-        <p:style>
-          <a:lnRef idx="2">
-            <a:schemeClr val="dk1"/>
-          </a:lnRef>
-          <a:fillRef idx="1">
-            <a:schemeClr val="lt1"/>
-          </a:fillRef>
-          <a:effectRef idx="0">
-            <a:schemeClr val="dk1"/>
-          </a:effectRef>
-          <a:fontRef idx="minor">
-            <a:schemeClr val="dk1"/>
-          </a:fontRef>
-        </p:style>
-        <p:txBody>
-          <a:bodyPr rtlCol="0" anchor="b"/>
-          <a:lstStyle/>
-          <a:p>
-            <a:pPr algn="ctr"/>
-            <a:r>
-              <a:rPr lang="en-US" altLang="ko-KR" sz="1100" b="1"/>
-              <a:t>Policy</a:t>
-            </a:r>
-            <a:endParaRPr lang="ko-KR" altLang="en-US" sz="1100" b="1"/>
-          </a:p>
-        </p:txBody>
-      </p:sp>
-      <p:grpSp>
-        <p:nvGrpSpPr>
-          <p:cNvPr id="177" name="그룹 176">
-            <a:extLst>
-              <a:ext uri="{FF2B5EF4-FFF2-40B4-BE49-F238E27FC236}">
-                <a16:creationId xmlns:a16="http://schemas.microsoft.com/office/drawing/2014/main" id="{7EFF1077-C8D1-4795-8252-28DFD346061E}"/>
-              </a:ext>
-            </a:extLst>
-          </p:cNvPr>
-          <p:cNvGrpSpPr/>
-          <p:nvPr/>
-        </p:nvGrpSpPr>
-        <p:grpSpPr>
-          <a:xfrm>
-            <a:off x="4754759" y="3987453"/>
-            <a:ext cx="2278564" cy="288426"/>
-            <a:chOff x="1268832" y="3727891"/>
-            <a:chExt cx="3839210" cy="288426"/>
-          </a:xfrm>
-        </p:grpSpPr>
-        <p:sp>
-          <p:nvSpPr>
-            <p:cNvPr id="178" name="사각형: 둥근 모서리 177">
-              <a:extLst>
-                <a:ext uri="{FF2B5EF4-FFF2-40B4-BE49-F238E27FC236}">
-                  <a16:creationId xmlns:a16="http://schemas.microsoft.com/office/drawing/2014/main" id="{159DE27A-0468-455E-87D8-33D6F412666A}"/>
-                </a:ext>
-              </a:extLst>
-            </p:cNvPr>
-            <p:cNvSpPr/>
-            <p:nvPr/>
-          </p:nvSpPr>
-          <p:spPr>
-            <a:xfrm>
-              <a:off x="1268832" y="3728285"/>
-              <a:ext cx="1224136" cy="288032"/>
-            </a:xfrm>
-            <a:prstGeom prst="roundRect">
-              <a:avLst>
-                <a:gd name="adj" fmla="val 6778"/>
-              </a:avLst>
-            </a:prstGeom>
-          </p:spPr>
-          <p:style>
-            <a:lnRef idx="2">
-              <a:schemeClr val="dk1"/>
-            </a:lnRef>
-            <a:fillRef idx="1">
-              <a:schemeClr val="lt1"/>
-            </a:fillRef>
-            <a:effectRef idx="0">
-              <a:schemeClr val="dk1"/>
-            </a:effectRef>
-            <a:fontRef idx="minor">
-              <a:schemeClr val="dk1"/>
-            </a:fontRef>
-          </p:style>
-          <p:txBody>
-            <a:bodyPr rtlCol="0" anchor="ctr"/>
-            <a:lstStyle/>
-            <a:p>
-              <a:pPr algn="ctr"/>
-              <a:r>
-                <a:rPr lang="en-US" altLang="ko-KR" sz="1100"/>
-                <a:t>Rule</a:t>
-              </a:r>
-            </a:p>
-          </p:txBody>
-        </p:sp>
-        <p:sp>
-          <p:nvSpPr>
-            <p:cNvPr id="179" name="사각형: 둥근 모서리 178">
-              <a:extLst>
-                <a:ext uri="{FF2B5EF4-FFF2-40B4-BE49-F238E27FC236}">
-                  <a16:creationId xmlns:a16="http://schemas.microsoft.com/office/drawing/2014/main" id="{509BD680-D22C-42DB-9005-3F5F4DBDA64E}"/>
-                </a:ext>
-              </a:extLst>
-            </p:cNvPr>
-            <p:cNvSpPr/>
-            <p:nvPr/>
-          </p:nvSpPr>
-          <p:spPr>
-            <a:xfrm>
-              <a:off x="2574176" y="3727891"/>
-              <a:ext cx="1224136" cy="288032"/>
-            </a:xfrm>
-            <a:prstGeom prst="roundRect">
-              <a:avLst>
-                <a:gd name="adj" fmla="val 6778"/>
-              </a:avLst>
-            </a:prstGeom>
-          </p:spPr>
-          <p:style>
-            <a:lnRef idx="2">
-              <a:schemeClr val="dk1"/>
-            </a:lnRef>
-            <a:fillRef idx="1">
-              <a:schemeClr val="lt1"/>
-            </a:fillRef>
-            <a:effectRef idx="0">
-              <a:schemeClr val="dk1"/>
-            </a:effectRef>
-            <a:fontRef idx="minor">
-              <a:schemeClr val="dk1"/>
-            </a:fontRef>
-          </p:style>
-          <p:txBody>
-            <a:bodyPr rtlCol="0" anchor="ctr"/>
-            <a:lstStyle/>
-            <a:p>
-              <a:pPr algn="ctr"/>
-              <a:r>
-                <a:rPr lang="en-US" altLang="ko-KR" sz="1100"/>
-                <a:t>Rule</a:t>
-              </a:r>
-            </a:p>
-          </p:txBody>
-        </p:sp>
-        <p:sp>
-          <p:nvSpPr>
-            <p:cNvPr id="180" name="사각형: 둥근 모서리 179">
-              <a:extLst>
-                <a:ext uri="{FF2B5EF4-FFF2-40B4-BE49-F238E27FC236}">
-                  <a16:creationId xmlns:a16="http://schemas.microsoft.com/office/drawing/2014/main" id="{0B874AB7-FC31-4C76-8D6C-1709D95933A5}"/>
-                </a:ext>
-              </a:extLst>
-            </p:cNvPr>
-            <p:cNvSpPr/>
-            <p:nvPr/>
-          </p:nvSpPr>
-          <p:spPr>
-            <a:xfrm>
-              <a:off x="3883906" y="3727891"/>
-              <a:ext cx="1224136" cy="288032"/>
-            </a:xfrm>
-            <a:prstGeom prst="roundRect">
-              <a:avLst>
-                <a:gd name="adj" fmla="val 6778"/>
-              </a:avLst>
-            </a:prstGeom>
-          </p:spPr>
-          <p:style>
-            <a:lnRef idx="2">
-              <a:schemeClr val="dk1"/>
-            </a:lnRef>
-            <a:fillRef idx="1">
-              <a:schemeClr val="lt1"/>
-            </a:fillRef>
-            <a:effectRef idx="0">
-              <a:schemeClr val="dk1"/>
-            </a:effectRef>
-            <a:fontRef idx="minor">
-              <a:schemeClr val="dk1"/>
-            </a:fontRef>
-          </p:style>
-          <p:txBody>
-            <a:bodyPr rtlCol="0" anchor="ctr"/>
-            <a:lstStyle/>
-            <a:p>
-              <a:pPr algn="ctr"/>
-              <a:r>
-                <a:rPr lang="en-US" altLang="ko-KR" sz="1100"/>
-                <a:t>Rule</a:t>
-              </a:r>
-            </a:p>
-          </p:txBody>
-        </p:sp>
-      </p:grpSp>
-      <p:cxnSp>
-        <p:nvCxnSpPr>
-          <p:cNvPr id="181" name="직선 화살표 연결선 180">
-            <a:extLst>
-              <a:ext uri="{FF2B5EF4-FFF2-40B4-BE49-F238E27FC236}">
-                <a16:creationId xmlns:a16="http://schemas.microsoft.com/office/drawing/2014/main" id="{06457244-CAB8-45DD-833C-DA1B15E2CBD6}"/>
-              </a:ext>
-            </a:extLst>
-          </p:cNvPr>
-          <p:cNvCxnSpPr>
-            <a:cxnSpLocks/>
-            <a:stCxn id="178" idx="0"/>
-            <a:endCxn id="47" idx="2"/>
-          </p:cNvCxnSpPr>
-          <p:nvPr/>
-        </p:nvCxnSpPr>
-        <p:spPr>
-          <a:xfrm flipV="1">
-            <a:off x="5118020" y="3750000"/>
-            <a:ext cx="109283" cy="237847"/>
-          </a:xfrm>
-          <a:prstGeom prst="straightConnector1">
-            <a:avLst/>
-          </a:prstGeom>
-          <a:ln w="19050">
-            <a:solidFill>
-              <a:schemeClr val="tx1"/>
-            </a:solidFill>
-            <a:headEnd type="none" w="med" len="med"/>
-            <a:tailEnd type="arrow" w="med" len="med"/>
-          </a:ln>
-        </p:spPr>
-        <p:style>
-          <a:lnRef idx="1">
-            <a:schemeClr val="accent1"/>
-          </a:lnRef>
-          <a:fillRef idx="0">
-            <a:schemeClr val="accent1"/>
-          </a:fillRef>
-          <a:effectRef idx="0">
-            <a:schemeClr val="accent1"/>
-          </a:effectRef>
-          <a:fontRef idx="minor">
-            <a:schemeClr val="tx1"/>
-          </a:fontRef>
-        </p:style>
-      </p:cxnSp>
-      <p:cxnSp>
-        <p:nvCxnSpPr>
-          <p:cNvPr id="184" name="직선 화살표 연결선 183">
-            <a:extLst>
-              <a:ext uri="{FF2B5EF4-FFF2-40B4-BE49-F238E27FC236}">
-                <a16:creationId xmlns:a16="http://schemas.microsoft.com/office/drawing/2014/main" id="{98689732-4A38-4709-91C2-CC89EF10025F}"/>
-              </a:ext>
-            </a:extLst>
-          </p:cNvPr>
-          <p:cNvCxnSpPr>
-            <a:cxnSpLocks/>
-            <a:stCxn id="179" idx="0"/>
-            <a:endCxn id="49" idx="2"/>
-          </p:cNvCxnSpPr>
-          <p:nvPr/>
-        </p:nvCxnSpPr>
-        <p:spPr>
-          <a:xfrm flipV="1">
-            <a:off x="5892739" y="3750000"/>
-            <a:ext cx="468070" cy="237453"/>
-          </a:xfrm>
-          <a:prstGeom prst="straightConnector1">
-            <a:avLst/>
-          </a:prstGeom>
-          <a:ln w="19050">
-            <a:solidFill>
-              <a:schemeClr val="tx1"/>
-            </a:solidFill>
-            <a:headEnd type="none" w="med" len="med"/>
-            <a:tailEnd type="arrow" w="med" len="med"/>
-          </a:ln>
-        </p:spPr>
-        <p:style>
-          <a:lnRef idx="1">
-            <a:schemeClr val="accent1"/>
-          </a:lnRef>
-          <a:fillRef idx="0">
-            <a:schemeClr val="accent1"/>
-          </a:fillRef>
-          <a:effectRef idx="0">
-            <a:schemeClr val="accent1"/>
-          </a:effectRef>
-          <a:fontRef idx="minor">
-            <a:schemeClr val="tx1"/>
-          </a:fontRef>
-        </p:style>
-      </p:cxnSp>
-      <p:cxnSp>
-        <p:nvCxnSpPr>
-          <p:cNvPr id="187" name="직선 화살표 연결선 186">
-            <a:extLst>
-              <a:ext uri="{FF2B5EF4-FFF2-40B4-BE49-F238E27FC236}">
-                <a16:creationId xmlns:a16="http://schemas.microsoft.com/office/drawing/2014/main" id="{EDAE69AB-46D0-49D3-809D-32744F57D73F}"/>
-              </a:ext>
-            </a:extLst>
-          </p:cNvPr>
-          <p:cNvCxnSpPr>
-            <a:cxnSpLocks/>
-            <a:stCxn id="180" idx="0"/>
-            <a:endCxn id="49" idx="2"/>
-          </p:cNvCxnSpPr>
-          <p:nvPr/>
-        </p:nvCxnSpPr>
-        <p:spPr>
-          <a:xfrm flipH="1" flipV="1">
-            <a:off x="6360809" y="3750000"/>
-            <a:ext cx="309253" cy="237453"/>
-          </a:xfrm>
-          <a:prstGeom prst="straightConnector1">
-            <a:avLst/>
-          </a:prstGeom>
-          <a:ln w="19050">
-            <a:solidFill>
-              <a:schemeClr val="tx1"/>
-            </a:solidFill>
-            <a:headEnd type="none" w="med" len="med"/>
-            <a:tailEnd type="arrow" w="med" len="med"/>
-          </a:ln>
-        </p:spPr>
-        <p:style>
-          <a:lnRef idx="1">
-            <a:schemeClr val="accent1"/>
-          </a:lnRef>
-          <a:fillRef idx="0">
-            <a:schemeClr val="accent1"/>
-          </a:fillRef>
-          <a:effectRef idx="0">
-            <a:schemeClr val="accent1"/>
-          </a:effectRef>
-          <a:fontRef idx="minor">
-            <a:schemeClr val="tx1"/>
-          </a:fontRef>
-        </p:style>
-      </p:cxnSp>
-      <p:grpSp>
-        <p:nvGrpSpPr>
-          <p:cNvPr id="201" name="그룹 200">
-            <a:extLst>
-              <a:ext uri="{FF2B5EF4-FFF2-40B4-BE49-F238E27FC236}">
-                <a16:creationId xmlns:a16="http://schemas.microsoft.com/office/drawing/2014/main" id="{1275339C-5810-4720-B05E-AA4B247B65BE}"/>
-              </a:ext>
-            </a:extLst>
-          </p:cNvPr>
-          <p:cNvGrpSpPr/>
-          <p:nvPr/>
-        </p:nvGrpSpPr>
-        <p:grpSpPr>
-          <a:xfrm>
-            <a:off x="4703279" y="1838850"/>
-            <a:ext cx="2192710" cy="1396023"/>
-            <a:chOff x="4703279" y="2237952"/>
-            <a:chExt cx="2192710" cy="1396023"/>
-          </a:xfrm>
-        </p:grpSpPr>
-        <p:sp>
-          <p:nvSpPr>
-            <p:cNvPr id="194" name="사각형: 둥근 모서리 193">
-              <a:extLst>
-                <a:ext uri="{FF2B5EF4-FFF2-40B4-BE49-F238E27FC236}">
-                  <a16:creationId xmlns:a16="http://schemas.microsoft.com/office/drawing/2014/main" id="{9CBA7C4E-B204-4B4F-AE8C-5E242C563C89}"/>
-                </a:ext>
-              </a:extLst>
-            </p:cNvPr>
-            <p:cNvSpPr/>
-            <p:nvPr/>
-          </p:nvSpPr>
-          <p:spPr>
-            <a:xfrm>
-              <a:off x="4703279" y="2237952"/>
-              <a:ext cx="2192710" cy="1396023"/>
+              <a:off x="2388899" y="1838850"/>
+              <a:ext cx="2192710" cy="1750511"/>
             </a:xfrm>
             <a:prstGeom prst="roundRect">
               <a:avLst>
@@ -7010,7 +5695,7 @@
               <a:pPr algn="ctr"/>
               <a:r>
                 <a:rPr lang="en-US" altLang="ko-KR" sz="1100" b="1"/>
-                <a:t>Project B</a:t>
+                <a:t>Project A</a:t>
               </a:r>
               <a:endParaRPr lang="ko-KR" altLang="en-US" sz="1100" b="1"/>
             </a:p>
@@ -7018,10 +5703,10 @@
         </p:sp>
         <p:sp>
           <p:nvSpPr>
-            <p:cNvPr id="195" name="사각형: 둥근 모서리 194">
+            <p:cNvPr id="111" name="사각형: 둥근 모서리 110">
               <a:extLst>
                 <a:ext uri="{FF2B5EF4-FFF2-40B4-BE49-F238E27FC236}">
-                  <a16:creationId xmlns:a16="http://schemas.microsoft.com/office/drawing/2014/main" id="{F719ADAC-E807-4590-913E-D7E3B9A29706}"/>
+                  <a16:creationId xmlns:a16="http://schemas.microsoft.com/office/drawing/2014/main" id="{A672035C-FCB7-4AC4-9157-3D2D68F842CF}"/>
                 </a:ext>
               </a:extLst>
             </p:cNvPr>
@@ -7030,7 +5715,7 @@
           </p:nvSpPr>
           <p:spPr>
             <a:xfrm>
-              <a:off x="4787456" y="2910787"/>
+              <a:off x="2473076" y="2511685"/>
               <a:ext cx="1012178" cy="288032"/>
             </a:xfrm>
             <a:prstGeom prst="roundRect">
@@ -7068,10 +5753,10 @@
         </p:sp>
         <p:sp>
           <p:nvSpPr>
-            <p:cNvPr id="196" name="사각형: 둥근 모서리 195">
+            <p:cNvPr id="143" name="사각형: 둥근 모서리 142">
               <a:extLst>
                 <a:ext uri="{FF2B5EF4-FFF2-40B4-BE49-F238E27FC236}">
-                  <a16:creationId xmlns:a16="http://schemas.microsoft.com/office/drawing/2014/main" id="{3D8E5CB3-8118-4D16-B193-E8581A87CDAD}"/>
+                  <a16:creationId xmlns:a16="http://schemas.microsoft.com/office/drawing/2014/main" id="{74678865-D19B-4D3D-BA6A-9850C6D84044}"/>
                 </a:ext>
               </a:extLst>
             </p:cNvPr>
@@ -7080,7 +5765,7 @@
           </p:nvSpPr>
           <p:spPr>
             <a:xfrm>
-              <a:off x="4787456" y="3268209"/>
+              <a:off x="2473076" y="2869107"/>
               <a:ext cx="1012178" cy="288032"/>
             </a:xfrm>
             <a:prstGeom prst="roundRect">
@@ -7118,10 +5803,10 @@
         </p:sp>
         <p:sp>
           <p:nvSpPr>
-            <p:cNvPr id="197" name="사각형: 둥근 모서리 196">
+            <p:cNvPr id="147" name="사각형: 둥근 모서리 146">
               <a:extLst>
                 <a:ext uri="{FF2B5EF4-FFF2-40B4-BE49-F238E27FC236}">
-                  <a16:creationId xmlns:a16="http://schemas.microsoft.com/office/drawing/2014/main" id="{C6D51E19-0FFE-4ADD-9AFF-90A6D68EFFAE}"/>
+                  <a16:creationId xmlns:a16="http://schemas.microsoft.com/office/drawing/2014/main" id="{6015EB8F-F20C-4234-ACB7-98515C0B01F6}"/>
                 </a:ext>
               </a:extLst>
             </p:cNvPr>
@@ -7130,8 +5815,455 @@
           </p:nvSpPr>
           <p:spPr>
             <a:xfrm>
-              <a:off x="5799634" y="2910787"/>
+              <a:off x="3485254" y="2511685"/>
               <a:ext cx="1012178" cy="288032"/>
+            </a:xfrm>
+            <a:prstGeom prst="roundRect">
+              <a:avLst>
+                <a:gd name="adj" fmla="val 13219"/>
+              </a:avLst>
+            </a:prstGeom>
+          </p:spPr>
+          <p:style>
+            <a:lnRef idx="2">
+              <a:schemeClr val="dk1"/>
+            </a:lnRef>
+            <a:fillRef idx="1">
+              <a:schemeClr val="lt1"/>
+            </a:fillRef>
+            <a:effectRef idx="0">
+              <a:schemeClr val="dk1"/>
+            </a:effectRef>
+            <a:fontRef idx="minor">
+              <a:schemeClr val="dk1"/>
+            </a:fontRef>
+          </p:style>
+          <p:txBody>
+            <a:bodyPr rtlCol="0" anchor="ctr"/>
+            <a:lstStyle/>
+            <a:p>
+              <a:pPr algn="ctr"/>
+              <a:r>
+                <a:rPr lang="en-US" altLang="ko-KR" sz="1100"/>
+                <a:t>Role B</a:t>
+              </a:r>
+              <a:endParaRPr lang="ko-KR" altLang="en-US" sz="1100"/>
+            </a:p>
+          </p:txBody>
+        </p:sp>
+        <p:sp>
+          <p:nvSpPr>
+            <p:cNvPr id="148" name="사각형: 둥근 모서리 147">
+              <a:extLst>
+                <a:ext uri="{FF2B5EF4-FFF2-40B4-BE49-F238E27FC236}">
+                  <a16:creationId xmlns:a16="http://schemas.microsoft.com/office/drawing/2014/main" id="{FAC16831-9C61-45FD-9DA5-EAA8CFB91CE1}"/>
+                </a:ext>
+              </a:extLst>
+            </p:cNvPr>
+            <p:cNvSpPr/>
+            <p:nvPr/>
+          </p:nvSpPr>
+          <p:spPr>
+            <a:xfrm>
+              <a:off x="3485254" y="2864197"/>
+              <a:ext cx="1012178" cy="288032"/>
+            </a:xfrm>
+            <a:prstGeom prst="roundRect">
+              <a:avLst>
+                <a:gd name="adj" fmla="val 13219"/>
+              </a:avLst>
+            </a:prstGeom>
+          </p:spPr>
+          <p:style>
+            <a:lnRef idx="2">
+              <a:schemeClr val="dk1"/>
+            </a:lnRef>
+            <a:fillRef idx="1">
+              <a:schemeClr val="lt1"/>
+            </a:fillRef>
+            <a:effectRef idx="0">
+              <a:schemeClr val="dk1"/>
+            </a:effectRef>
+            <a:fontRef idx="minor">
+              <a:schemeClr val="dk1"/>
+            </a:fontRef>
+          </p:style>
+          <p:txBody>
+            <a:bodyPr rtlCol="0" anchor="ctr"/>
+            <a:lstStyle/>
+            <a:p>
+              <a:pPr algn="ctr"/>
+              <a:r>
+                <a:rPr lang="en-US" altLang="ko-KR" sz="1100"/>
+                <a:t>Role A</a:t>
+              </a:r>
+              <a:endParaRPr lang="ko-KR" altLang="en-US" sz="1100"/>
+            </a:p>
+          </p:txBody>
+        </p:sp>
+        <p:sp>
+          <p:nvSpPr>
+            <p:cNvPr id="150" name="사각형: 둥근 모서리 149">
+              <a:extLst>
+                <a:ext uri="{FF2B5EF4-FFF2-40B4-BE49-F238E27FC236}">
+                  <a16:creationId xmlns:a16="http://schemas.microsoft.com/office/drawing/2014/main" id="{B347F5C8-38A1-412E-9952-F6BCCCD7381C}"/>
+                </a:ext>
+              </a:extLst>
+            </p:cNvPr>
+            <p:cNvSpPr/>
+            <p:nvPr/>
+          </p:nvSpPr>
+          <p:spPr>
+            <a:xfrm>
+              <a:off x="2473076" y="2154693"/>
+              <a:ext cx="1012178" cy="288032"/>
+            </a:xfrm>
+            <a:prstGeom prst="roundRect">
+              <a:avLst>
+                <a:gd name="adj" fmla="val 13219"/>
+              </a:avLst>
+            </a:prstGeom>
+          </p:spPr>
+          <p:style>
+            <a:lnRef idx="2">
+              <a:schemeClr val="dk1"/>
+            </a:lnRef>
+            <a:fillRef idx="1">
+              <a:schemeClr val="lt1"/>
+            </a:fillRef>
+            <a:effectRef idx="0">
+              <a:schemeClr val="dk1"/>
+            </a:effectRef>
+            <a:fontRef idx="minor">
+              <a:schemeClr val="dk1"/>
+            </a:fontRef>
+          </p:style>
+          <p:txBody>
+            <a:bodyPr rtlCol="0" anchor="ctr"/>
+            <a:lstStyle/>
+            <a:p>
+              <a:pPr algn="ctr"/>
+              <a:r>
+                <a:rPr lang="en-US" altLang="ko-KR" sz="1100"/>
+                <a:t>User C</a:t>
+              </a:r>
+              <a:endParaRPr lang="ko-KR" altLang="en-US" sz="1100"/>
+            </a:p>
+          </p:txBody>
+        </p:sp>
+        <p:sp>
+          <p:nvSpPr>
+            <p:cNvPr id="151" name="사각형: 둥근 모서리 150">
+              <a:extLst>
+                <a:ext uri="{FF2B5EF4-FFF2-40B4-BE49-F238E27FC236}">
+                  <a16:creationId xmlns:a16="http://schemas.microsoft.com/office/drawing/2014/main" id="{66617084-AFA3-4A49-82FE-3D430D2B64DB}"/>
+                </a:ext>
+              </a:extLst>
+            </p:cNvPr>
+            <p:cNvSpPr/>
+            <p:nvPr/>
+          </p:nvSpPr>
+          <p:spPr>
+            <a:xfrm>
+              <a:off x="3485254" y="2154693"/>
+              <a:ext cx="1012178" cy="288032"/>
+            </a:xfrm>
+            <a:prstGeom prst="roundRect">
+              <a:avLst>
+                <a:gd name="adj" fmla="val 13219"/>
+              </a:avLst>
+            </a:prstGeom>
+          </p:spPr>
+          <p:style>
+            <a:lnRef idx="2">
+              <a:schemeClr val="dk1"/>
+            </a:lnRef>
+            <a:fillRef idx="1">
+              <a:schemeClr val="lt1"/>
+            </a:fillRef>
+            <a:effectRef idx="0">
+              <a:schemeClr val="dk1"/>
+            </a:effectRef>
+            <a:fontRef idx="minor">
+              <a:schemeClr val="dk1"/>
+            </a:fontRef>
+          </p:style>
+          <p:txBody>
+            <a:bodyPr rtlCol="0" anchor="ctr"/>
+            <a:lstStyle/>
+            <a:p>
+              <a:pPr algn="ctr"/>
+              <a:r>
+                <a:rPr lang="en-US" altLang="ko-KR" sz="1100"/>
+                <a:t>Role A</a:t>
+              </a:r>
+              <a:endParaRPr lang="ko-KR" altLang="en-US" sz="1100"/>
+            </a:p>
+          </p:txBody>
+        </p:sp>
+        <p:cxnSp>
+          <p:nvCxnSpPr>
+            <p:cNvPr id="156" name="직선 화살표 연결선 155">
+              <a:extLst>
+                <a:ext uri="{FF2B5EF4-FFF2-40B4-BE49-F238E27FC236}">
+                  <a16:creationId xmlns:a16="http://schemas.microsoft.com/office/drawing/2014/main" id="{86D2F8DE-FB6B-4804-B0C9-0EE541D03DEA}"/>
+                </a:ext>
+              </a:extLst>
+            </p:cNvPr>
+            <p:cNvCxnSpPr>
+              <a:cxnSpLocks/>
+              <a:stCxn id="45" idx="0"/>
+              <a:endCxn id="87" idx="2"/>
+            </p:cNvCxnSpPr>
+            <p:nvPr/>
+          </p:nvCxnSpPr>
+          <p:spPr>
+            <a:xfrm flipV="1">
+              <a:off x="2917730" y="3589361"/>
+              <a:ext cx="567524" cy="319600"/>
+            </a:xfrm>
+            <a:prstGeom prst="straightConnector1">
+              <a:avLst/>
+            </a:prstGeom>
+            <a:ln w="19050">
+              <a:solidFill>
+                <a:schemeClr val="tx1"/>
+              </a:solidFill>
+              <a:headEnd type="none" w="med" len="med"/>
+              <a:tailEnd type="arrow" w="med" len="med"/>
+            </a:ln>
+          </p:spPr>
+          <p:style>
+            <a:lnRef idx="1">
+              <a:schemeClr val="accent1"/>
+            </a:lnRef>
+            <a:fillRef idx="0">
+              <a:schemeClr val="accent1"/>
+            </a:fillRef>
+            <a:effectRef idx="0">
+              <a:schemeClr val="accent1"/>
+            </a:effectRef>
+            <a:fontRef idx="minor">
+              <a:schemeClr val="tx1"/>
+            </a:fontRef>
+          </p:style>
+        </p:cxnSp>
+        <p:sp>
+          <p:nvSpPr>
+            <p:cNvPr id="26" name="사각형: 둥근 모서리 25">
+              <a:extLst>
+                <a:ext uri="{FF2B5EF4-FFF2-40B4-BE49-F238E27FC236}">
+                  <a16:creationId xmlns:a16="http://schemas.microsoft.com/office/drawing/2014/main" id="{AED60E89-AAE3-4DF7-AA99-AD3C2F524E75}"/>
+                </a:ext>
+              </a:extLst>
+            </p:cNvPr>
+            <p:cNvSpPr/>
+            <p:nvPr/>
+          </p:nvSpPr>
+          <p:spPr>
+            <a:xfrm>
+              <a:off x="2192608" y="4275485"/>
+              <a:ext cx="2400158" cy="654896"/>
+            </a:xfrm>
+            <a:prstGeom prst="roundRect">
+              <a:avLst>
+                <a:gd name="adj" fmla="val 3742"/>
+              </a:avLst>
+            </a:prstGeom>
+          </p:spPr>
+          <p:style>
+            <a:lnRef idx="2">
+              <a:schemeClr val="dk1"/>
+            </a:lnRef>
+            <a:fillRef idx="1">
+              <a:schemeClr val="lt1"/>
+            </a:fillRef>
+            <a:effectRef idx="0">
+              <a:schemeClr val="dk1"/>
+            </a:effectRef>
+            <a:fontRef idx="minor">
+              <a:schemeClr val="dk1"/>
+            </a:fontRef>
+          </p:style>
+          <p:txBody>
+            <a:bodyPr rtlCol="0" anchor="b"/>
+            <a:lstStyle/>
+            <a:p>
+              <a:pPr algn="ctr"/>
+              <a:r>
+                <a:rPr lang="en-US" altLang="ko-KR" sz="1100" b="1"/>
+                <a:t>Policy</a:t>
+              </a:r>
+              <a:endParaRPr lang="ko-KR" altLang="en-US" sz="1100" b="1"/>
+            </a:p>
+          </p:txBody>
+        </p:sp>
+        <p:sp>
+          <p:nvSpPr>
+            <p:cNvPr id="44" name="사각형: 둥근 모서리 43">
+              <a:extLst>
+                <a:ext uri="{FF2B5EF4-FFF2-40B4-BE49-F238E27FC236}">
+                  <a16:creationId xmlns:a16="http://schemas.microsoft.com/office/drawing/2014/main" id="{25B65771-43E1-488A-9B8C-8CFC4A7F22EB}"/>
+                </a:ext>
+              </a:extLst>
+            </p:cNvPr>
+            <p:cNvSpPr/>
+            <p:nvPr/>
+          </p:nvSpPr>
+          <p:spPr>
+            <a:xfrm>
+              <a:off x="3522405" y="3908961"/>
+              <a:ext cx="1070361" cy="288032"/>
+            </a:xfrm>
+            <a:prstGeom prst="roundRect">
+              <a:avLst>
+                <a:gd name="adj" fmla="val 13219"/>
+              </a:avLst>
+            </a:prstGeom>
+          </p:spPr>
+          <p:style>
+            <a:lnRef idx="2">
+              <a:schemeClr val="dk1"/>
+            </a:lnRef>
+            <a:fillRef idx="1">
+              <a:schemeClr val="lt1"/>
+            </a:fillRef>
+            <a:effectRef idx="0">
+              <a:schemeClr val="dk1"/>
+            </a:effectRef>
+            <a:fontRef idx="minor">
+              <a:schemeClr val="dk1"/>
+            </a:fontRef>
+          </p:style>
+          <p:txBody>
+            <a:bodyPr rtlCol="0" anchor="ctr"/>
+            <a:lstStyle/>
+            <a:p>
+              <a:pPr algn="ctr"/>
+              <a:r>
+                <a:rPr lang="en-US" altLang="ko-KR" sz="1100"/>
+                <a:t>Role B</a:t>
+              </a:r>
+              <a:endParaRPr lang="ko-KR" altLang="en-US" sz="1100"/>
+            </a:p>
+          </p:txBody>
+        </p:sp>
+        <p:sp>
+          <p:nvSpPr>
+            <p:cNvPr id="45" name="사각형: 둥근 모서리 44">
+              <a:extLst>
+                <a:ext uri="{FF2B5EF4-FFF2-40B4-BE49-F238E27FC236}">
+                  <a16:creationId xmlns:a16="http://schemas.microsoft.com/office/drawing/2014/main" id="{9128F37D-EDAA-4B7B-AD26-A6D67ECF16B6}"/>
+                </a:ext>
+              </a:extLst>
+            </p:cNvPr>
+            <p:cNvSpPr/>
+            <p:nvPr/>
+          </p:nvSpPr>
+          <p:spPr>
+            <a:xfrm>
+              <a:off x="2382549" y="3908961"/>
+              <a:ext cx="1070361" cy="288032"/>
+            </a:xfrm>
+            <a:prstGeom prst="roundRect">
+              <a:avLst>
+                <a:gd name="adj" fmla="val 13219"/>
+              </a:avLst>
+            </a:prstGeom>
+          </p:spPr>
+          <p:style>
+            <a:lnRef idx="2">
+              <a:schemeClr val="dk1"/>
+            </a:lnRef>
+            <a:fillRef idx="1">
+              <a:schemeClr val="lt1"/>
+            </a:fillRef>
+            <a:effectRef idx="0">
+              <a:schemeClr val="dk1"/>
+            </a:effectRef>
+            <a:fontRef idx="minor">
+              <a:schemeClr val="dk1"/>
+            </a:fontRef>
+          </p:style>
+          <p:txBody>
+            <a:bodyPr rtlCol="0" anchor="ctr"/>
+            <a:lstStyle/>
+            <a:p>
+              <a:pPr algn="ctr"/>
+              <a:r>
+                <a:rPr lang="en-US" altLang="ko-KR" sz="1100"/>
+                <a:t>Role A</a:t>
+              </a:r>
+              <a:endParaRPr lang="ko-KR" altLang="en-US" sz="1100"/>
+            </a:p>
+          </p:txBody>
+        </p:sp>
+        <p:sp>
+          <p:nvSpPr>
+            <p:cNvPr id="47" name="사각형: 둥근 모서리 46">
+              <a:extLst>
+                <a:ext uri="{FF2B5EF4-FFF2-40B4-BE49-F238E27FC236}">
+                  <a16:creationId xmlns:a16="http://schemas.microsoft.com/office/drawing/2014/main" id="{E6F14D38-85C4-4D4C-9092-FE8887CC60DA}"/>
+                </a:ext>
+              </a:extLst>
+            </p:cNvPr>
+            <p:cNvSpPr/>
+            <p:nvPr/>
+          </p:nvSpPr>
+          <p:spPr>
+            <a:xfrm>
+              <a:off x="4692122" y="3461968"/>
+              <a:ext cx="1070361" cy="288032"/>
+            </a:xfrm>
+            <a:prstGeom prst="roundRect">
+              <a:avLst>
+                <a:gd name="adj" fmla="val 13219"/>
+              </a:avLst>
+            </a:prstGeom>
+          </p:spPr>
+          <p:style>
+            <a:lnRef idx="2">
+              <a:schemeClr val="dk1"/>
+            </a:lnRef>
+            <a:fillRef idx="1">
+              <a:schemeClr val="lt1"/>
+            </a:fillRef>
+            <a:effectRef idx="0">
+              <a:schemeClr val="dk1"/>
+            </a:effectRef>
+            <a:fontRef idx="minor">
+              <a:schemeClr val="dk1"/>
+            </a:fontRef>
+          </p:style>
+          <p:txBody>
+            <a:bodyPr rtlCol="0" anchor="ctr"/>
+            <a:lstStyle/>
+            <a:p>
+              <a:pPr algn="ctr"/>
+              <a:r>
+                <a:rPr lang="en-US" altLang="ko-KR" sz="1100"/>
+                <a:t>Role C</a:t>
+              </a:r>
+              <a:endParaRPr lang="ko-KR" altLang="en-US" sz="1100"/>
+            </a:p>
+          </p:txBody>
+        </p:sp>
+        <p:sp>
+          <p:nvSpPr>
+            <p:cNvPr id="49" name="사각형: 둥근 모서리 48">
+              <a:extLst>
+                <a:ext uri="{FF2B5EF4-FFF2-40B4-BE49-F238E27FC236}">
+                  <a16:creationId xmlns:a16="http://schemas.microsoft.com/office/drawing/2014/main" id="{E1215968-125F-4F1C-BF54-B80DA080F8B6}"/>
+                </a:ext>
+              </a:extLst>
+            </p:cNvPr>
+            <p:cNvSpPr/>
+            <p:nvPr/>
+          </p:nvSpPr>
+          <p:spPr>
+            <a:xfrm>
+              <a:off x="5825628" y="3461968"/>
+              <a:ext cx="1070361" cy="288032"/>
             </a:xfrm>
             <a:prstGeom prst="roundRect">
               <a:avLst>
@@ -7166,12 +6298,321 @@
             </a:p>
           </p:txBody>
         </p:sp>
+        <p:cxnSp>
+          <p:nvCxnSpPr>
+            <p:cNvPr id="50" name="직선 화살표 연결선 49">
+              <a:extLst>
+                <a:ext uri="{FF2B5EF4-FFF2-40B4-BE49-F238E27FC236}">
+                  <a16:creationId xmlns:a16="http://schemas.microsoft.com/office/drawing/2014/main" id="{14F7CC99-ACA6-44AC-A732-DD7545E4F4DC}"/>
+                </a:ext>
+              </a:extLst>
+            </p:cNvPr>
+            <p:cNvCxnSpPr>
+              <a:cxnSpLocks/>
+              <a:stCxn id="28" idx="0"/>
+              <a:endCxn id="45" idx="2"/>
+            </p:cNvCxnSpPr>
+            <p:nvPr/>
+          </p:nvCxnSpPr>
+          <p:spPr>
+            <a:xfrm flipV="1">
+              <a:off x="2618525" y="4196993"/>
+              <a:ext cx="299205" cy="154907"/>
+            </a:xfrm>
+            <a:prstGeom prst="straightConnector1">
+              <a:avLst/>
+            </a:prstGeom>
+            <a:ln w="19050">
+              <a:solidFill>
+                <a:schemeClr val="tx1"/>
+              </a:solidFill>
+              <a:headEnd type="none" w="med" len="med"/>
+              <a:tailEnd type="arrow" w="med" len="med"/>
+            </a:ln>
+          </p:spPr>
+          <p:style>
+            <a:lnRef idx="1">
+              <a:schemeClr val="accent1"/>
+            </a:lnRef>
+            <a:fillRef idx="0">
+              <a:schemeClr val="accent1"/>
+            </a:fillRef>
+            <a:effectRef idx="0">
+              <a:schemeClr val="accent1"/>
+            </a:effectRef>
+            <a:fontRef idx="minor">
+              <a:schemeClr val="tx1"/>
+            </a:fontRef>
+          </p:style>
+        </p:cxnSp>
+        <p:cxnSp>
+          <p:nvCxnSpPr>
+            <p:cNvPr id="52" name="직선 화살표 연결선 51">
+              <a:extLst>
+                <a:ext uri="{FF2B5EF4-FFF2-40B4-BE49-F238E27FC236}">
+                  <a16:creationId xmlns:a16="http://schemas.microsoft.com/office/drawing/2014/main" id="{95725933-85E3-4FF7-A71C-155C5EF9F737}"/>
+                </a:ext>
+              </a:extLst>
+            </p:cNvPr>
+            <p:cNvCxnSpPr>
+              <a:cxnSpLocks/>
+              <a:stCxn id="29" idx="0"/>
+              <a:endCxn id="45" idx="2"/>
+            </p:cNvCxnSpPr>
+            <p:nvPr/>
+          </p:nvCxnSpPr>
+          <p:spPr>
+            <a:xfrm flipH="1" flipV="1">
+              <a:off x="2917730" y="4196993"/>
+              <a:ext cx="471691" cy="154513"/>
+            </a:xfrm>
+            <a:prstGeom prst="straightConnector1">
+              <a:avLst/>
+            </a:prstGeom>
+            <a:ln w="19050">
+              <a:solidFill>
+                <a:schemeClr val="tx1"/>
+              </a:solidFill>
+              <a:headEnd type="none" w="med" len="med"/>
+              <a:tailEnd type="arrow" w="med" len="med"/>
+            </a:ln>
+          </p:spPr>
+          <p:style>
+            <a:lnRef idx="1">
+              <a:schemeClr val="accent1"/>
+            </a:lnRef>
+            <a:fillRef idx="0">
+              <a:schemeClr val="accent1"/>
+            </a:fillRef>
+            <a:effectRef idx="0">
+              <a:schemeClr val="accent1"/>
+            </a:effectRef>
+            <a:fontRef idx="minor">
+              <a:schemeClr val="tx1"/>
+            </a:fontRef>
+          </p:style>
+        </p:cxnSp>
+        <p:cxnSp>
+          <p:nvCxnSpPr>
+            <p:cNvPr id="53" name="직선 화살표 연결선 52">
+              <a:extLst>
+                <a:ext uri="{FF2B5EF4-FFF2-40B4-BE49-F238E27FC236}">
+                  <a16:creationId xmlns:a16="http://schemas.microsoft.com/office/drawing/2014/main" id="{B408B3AC-DD92-4777-9561-90DA4148FF76}"/>
+                </a:ext>
+              </a:extLst>
+            </p:cNvPr>
+            <p:cNvCxnSpPr>
+              <a:cxnSpLocks/>
+              <a:stCxn id="172" idx="0"/>
+              <a:endCxn id="44" idx="2"/>
+            </p:cNvCxnSpPr>
+            <p:nvPr/>
+          </p:nvCxnSpPr>
+          <p:spPr>
+            <a:xfrm flipH="1" flipV="1">
+              <a:off x="4057586" y="4196993"/>
+              <a:ext cx="105321" cy="154513"/>
+            </a:xfrm>
+            <a:prstGeom prst="straightConnector1">
+              <a:avLst/>
+            </a:prstGeom>
+            <a:ln w="19050">
+              <a:solidFill>
+                <a:schemeClr val="tx1"/>
+              </a:solidFill>
+              <a:headEnd type="none" w="med" len="med"/>
+              <a:tailEnd type="arrow" w="med" len="med"/>
+            </a:ln>
+          </p:spPr>
+          <p:style>
+            <a:lnRef idx="1">
+              <a:schemeClr val="accent1"/>
+            </a:lnRef>
+            <a:fillRef idx="0">
+              <a:schemeClr val="accent1"/>
+            </a:fillRef>
+            <a:effectRef idx="0">
+              <a:schemeClr val="accent1"/>
+            </a:effectRef>
+            <a:fontRef idx="minor">
+              <a:schemeClr val="tx1"/>
+            </a:fontRef>
+          </p:style>
+        </p:cxnSp>
+        <p:grpSp>
+          <p:nvGrpSpPr>
+            <p:cNvPr id="173" name="그룹 172">
+              <a:extLst>
+                <a:ext uri="{FF2B5EF4-FFF2-40B4-BE49-F238E27FC236}">
+                  <a16:creationId xmlns:a16="http://schemas.microsoft.com/office/drawing/2014/main" id="{8B0F5223-B6EA-4904-81AB-A3BCDB79B29D}"/>
+                </a:ext>
+              </a:extLst>
+            </p:cNvPr>
+            <p:cNvGrpSpPr/>
+            <p:nvPr/>
+          </p:nvGrpSpPr>
+          <p:grpSpPr>
+            <a:xfrm>
+              <a:off x="2257056" y="4351506"/>
+              <a:ext cx="2267319" cy="288426"/>
+              <a:chOff x="1268832" y="3727891"/>
+              <a:chExt cx="3839210" cy="288426"/>
+            </a:xfrm>
+          </p:grpSpPr>
+          <p:sp>
+            <p:nvSpPr>
+              <p:cNvPr id="28" name="사각형: 둥근 모서리 27">
+                <a:extLst>
+                  <a:ext uri="{FF2B5EF4-FFF2-40B4-BE49-F238E27FC236}">
+                    <a16:creationId xmlns:a16="http://schemas.microsoft.com/office/drawing/2014/main" id="{63F4F0FA-34F1-4CEB-9AF3-261335FD8AB5}"/>
+                  </a:ext>
+                </a:extLst>
+              </p:cNvPr>
+              <p:cNvSpPr/>
+              <p:nvPr/>
+            </p:nvSpPr>
+            <p:spPr>
+              <a:xfrm>
+                <a:off x="1268832" y="3728285"/>
+                <a:ext cx="1224136" cy="288032"/>
+              </a:xfrm>
+              <a:prstGeom prst="roundRect">
+                <a:avLst>
+                  <a:gd name="adj" fmla="val 6778"/>
+                </a:avLst>
+              </a:prstGeom>
+            </p:spPr>
+            <p:style>
+              <a:lnRef idx="2">
+                <a:schemeClr val="dk1"/>
+              </a:lnRef>
+              <a:fillRef idx="1">
+                <a:schemeClr val="lt1"/>
+              </a:fillRef>
+              <a:effectRef idx="0">
+                <a:schemeClr val="dk1"/>
+              </a:effectRef>
+              <a:fontRef idx="minor">
+                <a:schemeClr val="dk1"/>
+              </a:fontRef>
+            </p:style>
+            <p:txBody>
+              <a:bodyPr rtlCol="0" anchor="ctr"/>
+              <a:lstStyle/>
+              <a:p>
+                <a:pPr algn="ctr"/>
+                <a:r>
+                  <a:rPr lang="en-US" altLang="ko-KR" sz="1100"/>
+                  <a:t>Rule</a:t>
+                </a:r>
+              </a:p>
+            </p:txBody>
+          </p:sp>
+          <p:sp>
+            <p:nvSpPr>
+              <p:cNvPr id="29" name="사각형: 둥근 모서리 28">
+                <a:extLst>
+                  <a:ext uri="{FF2B5EF4-FFF2-40B4-BE49-F238E27FC236}">
+                    <a16:creationId xmlns:a16="http://schemas.microsoft.com/office/drawing/2014/main" id="{5EEDF1ED-9B08-4B6C-BB83-7CE959772562}"/>
+                  </a:ext>
+                </a:extLst>
+              </p:cNvPr>
+              <p:cNvSpPr/>
+              <p:nvPr/>
+            </p:nvSpPr>
+            <p:spPr>
+              <a:xfrm>
+                <a:off x="2574176" y="3727891"/>
+                <a:ext cx="1224136" cy="288032"/>
+              </a:xfrm>
+              <a:prstGeom prst="roundRect">
+                <a:avLst>
+                  <a:gd name="adj" fmla="val 6778"/>
+                </a:avLst>
+              </a:prstGeom>
+            </p:spPr>
+            <p:style>
+              <a:lnRef idx="2">
+                <a:schemeClr val="dk1"/>
+              </a:lnRef>
+              <a:fillRef idx="1">
+                <a:schemeClr val="lt1"/>
+              </a:fillRef>
+              <a:effectRef idx="0">
+                <a:schemeClr val="dk1"/>
+              </a:effectRef>
+              <a:fontRef idx="minor">
+                <a:schemeClr val="dk1"/>
+              </a:fontRef>
+            </p:style>
+            <p:txBody>
+              <a:bodyPr rtlCol="0" anchor="ctr"/>
+              <a:lstStyle/>
+              <a:p>
+                <a:pPr algn="ctr"/>
+                <a:r>
+                  <a:rPr lang="en-US" altLang="ko-KR" sz="1100"/>
+                  <a:t>Rule</a:t>
+                </a:r>
+              </a:p>
+            </p:txBody>
+          </p:sp>
+          <p:sp>
+            <p:nvSpPr>
+              <p:cNvPr id="172" name="사각형: 둥근 모서리 171">
+                <a:extLst>
+                  <a:ext uri="{FF2B5EF4-FFF2-40B4-BE49-F238E27FC236}">
+                    <a16:creationId xmlns:a16="http://schemas.microsoft.com/office/drawing/2014/main" id="{B31708B5-2B5E-4823-8396-6CFFDE4C8CC1}"/>
+                  </a:ext>
+                </a:extLst>
+              </p:cNvPr>
+              <p:cNvSpPr/>
+              <p:nvPr/>
+            </p:nvSpPr>
+            <p:spPr>
+              <a:xfrm>
+                <a:off x="3883906" y="3727891"/>
+                <a:ext cx="1224136" cy="288032"/>
+              </a:xfrm>
+              <a:prstGeom prst="roundRect">
+                <a:avLst>
+                  <a:gd name="adj" fmla="val 6778"/>
+                </a:avLst>
+              </a:prstGeom>
+            </p:spPr>
+            <p:style>
+              <a:lnRef idx="2">
+                <a:schemeClr val="dk1"/>
+              </a:lnRef>
+              <a:fillRef idx="1">
+                <a:schemeClr val="lt1"/>
+              </a:fillRef>
+              <a:effectRef idx="0">
+                <a:schemeClr val="dk1"/>
+              </a:effectRef>
+              <a:fontRef idx="minor">
+                <a:schemeClr val="dk1"/>
+              </a:fontRef>
+            </p:style>
+            <p:txBody>
+              <a:bodyPr rtlCol="0" anchor="ctr"/>
+              <a:lstStyle/>
+              <a:p>
+                <a:pPr algn="ctr"/>
+                <a:r>
+                  <a:rPr lang="en-US" altLang="ko-KR" sz="1100"/>
+                  <a:t>Rule</a:t>
+                </a:r>
+              </a:p>
+            </p:txBody>
+          </p:sp>
+        </p:grpSp>
         <p:sp>
           <p:nvSpPr>
-            <p:cNvPr id="198" name="사각형: 둥근 모서리 197">
+            <p:cNvPr id="176" name="사각형: 둥근 모서리 175">
               <a:extLst>
                 <a:ext uri="{FF2B5EF4-FFF2-40B4-BE49-F238E27FC236}">
-                  <a16:creationId xmlns:a16="http://schemas.microsoft.com/office/drawing/2014/main" id="{1703D476-8651-4583-9C70-371E63894474}"/>
+                  <a16:creationId xmlns:a16="http://schemas.microsoft.com/office/drawing/2014/main" id="{A02EC407-7148-40C5-9DB6-20B6E8ACBAF5}"/>
                 </a:ext>
               </a:extLst>
             </p:cNvPr>
@@ -7180,7 +6621,1213 @@
           </p:nvSpPr>
           <p:spPr>
             <a:xfrm>
-              <a:off x="5799634" y="3263299"/>
+              <a:off x="4690311" y="3911432"/>
+              <a:ext cx="2400158" cy="654896"/>
+            </a:xfrm>
+            <a:prstGeom prst="roundRect">
+              <a:avLst>
+                <a:gd name="adj" fmla="val 3742"/>
+              </a:avLst>
+            </a:prstGeom>
+          </p:spPr>
+          <p:style>
+            <a:lnRef idx="2">
+              <a:schemeClr val="dk1"/>
+            </a:lnRef>
+            <a:fillRef idx="1">
+              <a:schemeClr val="lt1"/>
+            </a:fillRef>
+            <a:effectRef idx="0">
+              <a:schemeClr val="dk1"/>
+            </a:effectRef>
+            <a:fontRef idx="minor">
+              <a:schemeClr val="dk1"/>
+            </a:fontRef>
+          </p:style>
+          <p:txBody>
+            <a:bodyPr rtlCol="0" anchor="b"/>
+            <a:lstStyle/>
+            <a:p>
+              <a:pPr algn="ctr"/>
+              <a:r>
+                <a:rPr lang="en-US" altLang="ko-KR" sz="1100" b="1"/>
+                <a:t>Policy</a:t>
+              </a:r>
+              <a:endParaRPr lang="ko-KR" altLang="en-US" sz="1100" b="1"/>
+            </a:p>
+          </p:txBody>
+        </p:sp>
+        <p:grpSp>
+          <p:nvGrpSpPr>
+            <p:cNvPr id="177" name="그룹 176">
+              <a:extLst>
+                <a:ext uri="{FF2B5EF4-FFF2-40B4-BE49-F238E27FC236}">
+                  <a16:creationId xmlns:a16="http://schemas.microsoft.com/office/drawing/2014/main" id="{7EFF1077-C8D1-4795-8252-28DFD346061E}"/>
+                </a:ext>
+              </a:extLst>
+            </p:cNvPr>
+            <p:cNvGrpSpPr/>
+            <p:nvPr/>
+          </p:nvGrpSpPr>
+          <p:grpSpPr>
+            <a:xfrm>
+              <a:off x="4754759" y="3987453"/>
+              <a:ext cx="2278564" cy="288426"/>
+              <a:chOff x="1268832" y="3727891"/>
+              <a:chExt cx="3839210" cy="288426"/>
+            </a:xfrm>
+          </p:grpSpPr>
+          <p:sp>
+            <p:nvSpPr>
+              <p:cNvPr id="178" name="사각형: 둥근 모서리 177">
+                <a:extLst>
+                  <a:ext uri="{FF2B5EF4-FFF2-40B4-BE49-F238E27FC236}">
+                    <a16:creationId xmlns:a16="http://schemas.microsoft.com/office/drawing/2014/main" id="{159DE27A-0468-455E-87D8-33D6F412666A}"/>
+                  </a:ext>
+                </a:extLst>
+              </p:cNvPr>
+              <p:cNvSpPr/>
+              <p:nvPr/>
+            </p:nvSpPr>
+            <p:spPr>
+              <a:xfrm>
+                <a:off x="1268832" y="3728285"/>
+                <a:ext cx="1224136" cy="288032"/>
+              </a:xfrm>
+              <a:prstGeom prst="roundRect">
+                <a:avLst>
+                  <a:gd name="adj" fmla="val 6778"/>
+                </a:avLst>
+              </a:prstGeom>
+            </p:spPr>
+            <p:style>
+              <a:lnRef idx="2">
+                <a:schemeClr val="dk1"/>
+              </a:lnRef>
+              <a:fillRef idx="1">
+                <a:schemeClr val="lt1"/>
+              </a:fillRef>
+              <a:effectRef idx="0">
+                <a:schemeClr val="dk1"/>
+              </a:effectRef>
+              <a:fontRef idx="minor">
+                <a:schemeClr val="dk1"/>
+              </a:fontRef>
+            </p:style>
+            <p:txBody>
+              <a:bodyPr rtlCol="0" anchor="ctr"/>
+              <a:lstStyle/>
+              <a:p>
+                <a:pPr algn="ctr"/>
+                <a:r>
+                  <a:rPr lang="en-US" altLang="ko-KR" sz="1100"/>
+                  <a:t>Rule</a:t>
+                </a:r>
+              </a:p>
+            </p:txBody>
+          </p:sp>
+          <p:sp>
+            <p:nvSpPr>
+              <p:cNvPr id="179" name="사각형: 둥근 모서리 178">
+                <a:extLst>
+                  <a:ext uri="{FF2B5EF4-FFF2-40B4-BE49-F238E27FC236}">
+                    <a16:creationId xmlns:a16="http://schemas.microsoft.com/office/drawing/2014/main" id="{509BD680-D22C-42DB-9005-3F5F4DBDA64E}"/>
+                  </a:ext>
+                </a:extLst>
+              </p:cNvPr>
+              <p:cNvSpPr/>
+              <p:nvPr/>
+            </p:nvSpPr>
+            <p:spPr>
+              <a:xfrm>
+                <a:off x="2574176" y="3727891"/>
+                <a:ext cx="1224136" cy="288032"/>
+              </a:xfrm>
+              <a:prstGeom prst="roundRect">
+                <a:avLst>
+                  <a:gd name="adj" fmla="val 6778"/>
+                </a:avLst>
+              </a:prstGeom>
+            </p:spPr>
+            <p:style>
+              <a:lnRef idx="2">
+                <a:schemeClr val="dk1"/>
+              </a:lnRef>
+              <a:fillRef idx="1">
+                <a:schemeClr val="lt1"/>
+              </a:fillRef>
+              <a:effectRef idx="0">
+                <a:schemeClr val="dk1"/>
+              </a:effectRef>
+              <a:fontRef idx="minor">
+                <a:schemeClr val="dk1"/>
+              </a:fontRef>
+            </p:style>
+            <p:txBody>
+              <a:bodyPr rtlCol="0" anchor="ctr"/>
+              <a:lstStyle/>
+              <a:p>
+                <a:pPr algn="ctr"/>
+                <a:r>
+                  <a:rPr lang="en-US" altLang="ko-KR" sz="1100"/>
+                  <a:t>Rule</a:t>
+                </a:r>
+              </a:p>
+            </p:txBody>
+          </p:sp>
+          <p:sp>
+            <p:nvSpPr>
+              <p:cNvPr id="180" name="사각형: 둥근 모서리 179">
+                <a:extLst>
+                  <a:ext uri="{FF2B5EF4-FFF2-40B4-BE49-F238E27FC236}">
+                    <a16:creationId xmlns:a16="http://schemas.microsoft.com/office/drawing/2014/main" id="{0B874AB7-FC31-4C76-8D6C-1709D95933A5}"/>
+                  </a:ext>
+                </a:extLst>
+              </p:cNvPr>
+              <p:cNvSpPr/>
+              <p:nvPr/>
+            </p:nvSpPr>
+            <p:spPr>
+              <a:xfrm>
+                <a:off x="3883906" y="3727891"/>
+                <a:ext cx="1224136" cy="288032"/>
+              </a:xfrm>
+              <a:prstGeom prst="roundRect">
+                <a:avLst>
+                  <a:gd name="adj" fmla="val 6778"/>
+                </a:avLst>
+              </a:prstGeom>
+            </p:spPr>
+            <p:style>
+              <a:lnRef idx="2">
+                <a:schemeClr val="dk1"/>
+              </a:lnRef>
+              <a:fillRef idx="1">
+                <a:schemeClr val="lt1"/>
+              </a:fillRef>
+              <a:effectRef idx="0">
+                <a:schemeClr val="dk1"/>
+              </a:effectRef>
+              <a:fontRef idx="minor">
+                <a:schemeClr val="dk1"/>
+              </a:fontRef>
+            </p:style>
+            <p:txBody>
+              <a:bodyPr rtlCol="0" anchor="ctr"/>
+              <a:lstStyle/>
+              <a:p>
+                <a:pPr algn="ctr"/>
+                <a:r>
+                  <a:rPr lang="en-US" altLang="ko-KR" sz="1100"/>
+                  <a:t>Rule</a:t>
+                </a:r>
+              </a:p>
+            </p:txBody>
+          </p:sp>
+        </p:grpSp>
+        <p:cxnSp>
+          <p:nvCxnSpPr>
+            <p:cNvPr id="181" name="직선 화살표 연결선 180">
+              <a:extLst>
+                <a:ext uri="{FF2B5EF4-FFF2-40B4-BE49-F238E27FC236}">
+                  <a16:creationId xmlns:a16="http://schemas.microsoft.com/office/drawing/2014/main" id="{06457244-CAB8-45DD-833C-DA1B15E2CBD6}"/>
+                </a:ext>
+              </a:extLst>
+            </p:cNvPr>
+            <p:cNvCxnSpPr>
+              <a:cxnSpLocks/>
+              <a:stCxn id="178" idx="0"/>
+              <a:endCxn id="47" idx="2"/>
+            </p:cNvCxnSpPr>
+            <p:nvPr/>
+          </p:nvCxnSpPr>
+          <p:spPr>
+            <a:xfrm flipV="1">
+              <a:off x="5118020" y="3750000"/>
+              <a:ext cx="109283" cy="237847"/>
+            </a:xfrm>
+            <a:prstGeom prst="straightConnector1">
+              <a:avLst/>
+            </a:prstGeom>
+            <a:ln w="19050">
+              <a:solidFill>
+                <a:schemeClr val="tx1"/>
+              </a:solidFill>
+              <a:headEnd type="none" w="med" len="med"/>
+              <a:tailEnd type="arrow" w="med" len="med"/>
+            </a:ln>
+          </p:spPr>
+          <p:style>
+            <a:lnRef idx="1">
+              <a:schemeClr val="accent1"/>
+            </a:lnRef>
+            <a:fillRef idx="0">
+              <a:schemeClr val="accent1"/>
+            </a:fillRef>
+            <a:effectRef idx="0">
+              <a:schemeClr val="accent1"/>
+            </a:effectRef>
+            <a:fontRef idx="minor">
+              <a:schemeClr val="tx1"/>
+            </a:fontRef>
+          </p:style>
+        </p:cxnSp>
+        <p:cxnSp>
+          <p:nvCxnSpPr>
+            <p:cNvPr id="184" name="직선 화살표 연결선 183">
+              <a:extLst>
+                <a:ext uri="{FF2B5EF4-FFF2-40B4-BE49-F238E27FC236}">
+                  <a16:creationId xmlns:a16="http://schemas.microsoft.com/office/drawing/2014/main" id="{98689732-4A38-4709-91C2-CC89EF10025F}"/>
+                </a:ext>
+              </a:extLst>
+            </p:cNvPr>
+            <p:cNvCxnSpPr>
+              <a:cxnSpLocks/>
+              <a:stCxn id="179" idx="0"/>
+              <a:endCxn id="49" idx="2"/>
+            </p:cNvCxnSpPr>
+            <p:nvPr/>
+          </p:nvCxnSpPr>
+          <p:spPr>
+            <a:xfrm flipV="1">
+              <a:off x="5892739" y="3750000"/>
+              <a:ext cx="468070" cy="237453"/>
+            </a:xfrm>
+            <a:prstGeom prst="straightConnector1">
+              <a:avLst/>
+            </a:prstGeom>
+            <a:ln w="19050">
+              <a:solidFill>
+                <a:schemeClr val="tx1"/>
+              </a:solidFill>
+              <a:headEnd type="none" w="med" len="med"/>
+              <a:tailEnd type="arrow" w="med" len="med"/>
+            </a:ln>
+          </p:spPr>
+          <p:style>
+            <a:lnRef idx="1">
+              <a:schemeClr val="accent1"/>
+            </a:lnRef>
+            <a:fillRef idx="0">
+              <a:schemeClr val="accent1"/>
+            </a:fillRef>
+            <a:effectRef idx="0">
+              <a:schemeClr val="accent1"/>
+            </a:effectRef>
+            <a:fontRef idx="minor">
+              <a:schemeClr val="tx1"/>
+            </a:fontRef>
+          </p:style>
+        </p:cxnSp>
+        <p:cxnSp>
+          <p:nvCxnSpPr>
+            <p:cNvPr id="187" name="직선 화살표 연결선 186">
+              <a:extLst>
+                <a:ext uri="{FF2B5EF4-FFF2-40B4-BE49-F238E27FC236}">
+                  <a16:creationId xmlns:a16="http://schemas.microsoft.com/office/drawing/2014/main" id="{EDAE69AB-46D0-49D3-809D-32744F57D73F}"/>
+                </a:ext>
+              </a:extLst>
+            </p:cNvPr>
+            <p:cNvCxnSpPr>
+              <a:cxnSpLocks/>
+              <a:stCxn id="180" idx="0"/>
+              <a:endCxn id="49" idx="2"/>
+            </p:cNvCxnSpPr>
+            <p:nvPr/>
+          </p:nvCxnSpPr>
+          <p:spPr>
+            <a:xfrm flipH="1" flipV="1">
+              <a:off x="6360809" y="3750000"/>
+              <a:ext cx="309253" cy="237453"/>
+            </a:xfrm>
+            <a:prstGeom prst="straightConnector1">
+              <a:avLst/>
+            </a:prstGeom>
+            <a:ln w="19050">
+              <a:solidFill>
+                <a:schemeClr val="tx1"/>
+              </a:solidFill>
+              <a:headEnd type="none" w="med" len="med"/>
+              <a:tailEnd type="arrow" w="med" len="med"/>
+            </a:ln>
+          </p:spPr>
+          <p:style>
+            <a:lnRef idx="1">
+              <a:schemeClr val="accent1"/>
+            </a:lnRef>
+            <a:fillRef idx="0">
+              <a:schemeClr val="accent1"/>
+            </a:fillRef>
+            <a:effectRef idx="0">
+              <a:schemeClr val="accent1"/>
+            </a:effectRef>
+            <a:fontRef idx="minor">
+              <a:schemeClr val="tx1"/>
+            </a:fontRef>
+          </p:style>
+        </p:cxnSp>
+        <p:grpSp>
+          <p:nvGrpSpPr>
+            <p:cNvPr id="201" name="그룹 200">
+              <a:extLst>
+                <a:ext uri="{FF2B5EF4-FFF2-40B4-BE49-F238E27FC236}">
+                  <a16:creationId xmlns:a16="http://schemas.microsoft.com/office/drawing/2014/main" id="{1275339C-5810-4720-B05E-AA4B247B65BE}"/>
+                </a:ext>
+              </a:extLst>
+            </p:cNvPr>
+            <p:cNvGrpSpPr/>
+            <p:nvPr/>
+          </p:nvGrpSpPr>
+          <p:grpSpPr>
+            <a:xfrm>
+              <a:off x="4703279" y="1838850"/>
+              <a:ext cx="2192710" cy="1396023"/>
+              <a:chOff x="4703279" y="2237952"/>
+              <a:chExt cx="2192710" cy="1396023"/>
+            </a:xfrm>
+          </p:grpSpPr>
+          <p:sp>
+            <p:nvSpPr>
+              <p:cNvPr id="194" name="사각형: 둥근 모서리 193">
+                <a:extLst>
+                  <a:ext uri="{FF2B5EF4-FFF2-40B4-BE49-F238E27FC236}">
+                    <a16:creationId xmlns:a16="http://schemas.microsoft.com/office/drawing/2014/main" id="{9CBA7C4E-B204-4B4F-AE8C-5E242C563C89}"/>
+                  </a:ext>
+                </a:extLst>
+              </p:cNvPr>
+              <p:cNvSpPr/>
+              <p:nvPr/>
+            </p:nvSpPr>
+            <p:spPr>
+              <a:xfrm>
+                <a:off x="4703279" y="2237952"/>
+                <a:ext cx="2192710" cy="1396023"/>
+              </a:xfrm>
+              <a:prstGeom prst="roundRect">
+                <a:avLst>
+                  <a:gd name="adj" fmla="val 3750"/>
+                </a:avLst>
+              </a:prstGeom>
+            </p:spPr>
+            <p:style>
+              <a:lnRef idx="2">
+                <a:schemeClr val="dk1"/>
+              </a:lnRef>
+              <a:fillRef idx="1">
+                <a:schemeClr val="lt1"/>
+              </a:fillRef>
+              <a:effectRef idx="0">
+                <a:schemeClr val="dk1"/>
+              </a:effectRef>
+              <a:fontRef idx="minor">
+                <a:schemeClr val="dk1"/>
+              </a:fontRef>
+            </p:style>
+            <p:txBody>
+              <a:bodyPr rtlCol="0" anchor="t"/>
+              <a:lstStyle/>
+              <a:p>
+                <a:pPr algn="ctr"/>
+                <a:r>
+                  <a:rPr lang="en-US" altLang="ko-KR" sz="1100" b="1"/>
+                  <a:t>Project B</a:t>
+                </a:r>
+                <a:endParaRPr lang="ko-KR" altLang="en-US" sz="1100" b="1"/>
+              </a:p>
+            </p:txBody>
+          </p:sp>
+          <p:sp>
+            <p:nvSpPr>
+              <p:cNvPr id="195" name="사각형: 둥근 모서리 194">
+                <a:extLst>
+                  <a:ext uri="{FF2B5EF4-FFF2-40B4-BE49-F238E27FC236}">
+                    <a16:creationId xmlns:a16="http://schemas.microsoft.com/office/drawing/2014/main" id="{F719ADAC-E807-4590-913E-D7E3B9A29706}"/>
+                  </a:ext>
+                </a:extLst>
+              </p:cNvPr>
+              <p:cNvSpPr/>
+              <p:nvPr/>
+            </p:nvSpPr>
+            <p:spPr>
+              <a:xfrm>
+                <a:off x="4787456" y="2910787"/>
+                <a:ext cx="1012178" cy="288032"/>
+              </a:xfrm>
+              <a:prstGeom prst="roundRect">
+                <a:avLst>
+                  <a:gd name="adj" fmla="val 13219"/>
+                </a:avLst>
+              </a:prstGeom>
+            </p:spPr>
+            <p:style>
+              <a:lnRef idx="2">
+                <a:schemeClr val="dk1"/>
+              </a:lnRef>
+              <a:fillRef idx="1">
+                <a:schemeClr val="lt1"/>
+              </a:fillRef>
+              <a:effectRef idx="0">
+                <a:schemeClr val="dk1"/>
+              </a:effectRef>
+              <a:fontRef idx="minor">
+                <a:schemeClr val="dk1"/>
+              </a:fontRef>
+            </p:style>
+            <p:txBody>
+              <a:bodyPr rtlCol="0" anchor="ctr"/>
+              <a:lstStyle/>
+              <a:p>
+                <a:pPr algn="ctr"/>
+                <a:r>
+                  <a:rPr lang="en-US" altLang="ko-KR" sz="1100"/>
+                  <a:t>User D</a:t>
+                </a:r>
+                <a:endParaRPr lang="ko-KR" altLang="en-US" sz="1100"/>
+              </a:p>
+            </p:txBody>
+          </p:sp>
+          <p:sp>
+            <p:nvSpPr>
+              <p:cNvPr id="196" name="사각형: 둥근 모서리 195">
+                <a:extLst>
+                  <a:ext uri="{FF2B5EF4-FFF2-40B4-BE49-F238E27FC236}">
+                    <a16:creationId xmlns:a16="http://schemas.microsoft.com/office/drawing/2014/main" id="{3D8E5CB3-8118-4D16-B193-E8581A87CDAD}"/>
+                  </a:ext>
+                </a:extLst>
+              </p:cNvPr>
+              <p:cNvSpPr/>
+              <p:nvPr/>
+            </p:nvSpPr>
+            <p:spPr>
+              <a:xfrm>
+                <a:off x="4787456" y="3268209"/>
+                <a:ext cx="1012178" cy="288032"/>
+              </a:xfrm>
+              <a:prstGeom prst="roundRect">
+                <a:avLst>
+                  <a:gd name="adj" fmla="val 13219"/>
+                </a:avLst>
+              </a:prstGeom>
+            </p:spPr>
+            <p:style>
+              <a:lnRef idx="2">
+                <a:schemeClr val="dk1"/>
+              </a:lnRef>
+              <a:fillRef idx="1">
+                <a:schemeClr val="lt1"/>
+              </a:fillRef>
+              <a:effectRef idx="0">
+                <a:schemeClr val="dk1"/>
+              </a:effectRef>
+              <a:fontRef idx="minor">
+                <a:schemeClr val="dk1"/>
+              </a:fontRef>
+            </p:style>
+            <p:txBody>
+              <a:bodyPr rtlCol="0" anchor="ctr"/>
+              <a:lstStyle/>
+              <a:p>
+                <a:pPr algn="ctr"/>
+                <a:r>
+                  <a:rPr lang="en-US" altLang="ko-KR" sz="1100"/>
+                  <a:t>Group A</a:t>
+                </a:r>
+                <a:endParaRPr lang="ko-KR" altLang="en-US" sz="1100"/>
+              </a:p>
+            </p:txBody>
+          </p:sp>
+          <p:sp>
+            <p:nvSpPr>
+              <p:cNvPr id="197" name="사각형: 둥근 모서리 196">
+                <a:extLst>
+                  <a:ext uri="{FF2B5EF4-FFF2-40B4-BE49-F238E27FC236}">
+                    <a16:creationId xmlns:a16="http://schemas.microsoft.com/office/drawing/2014/main" id="{C6D51E19-0FFE-4ADD-9AFF-90A6D68EFFAE}"/>
+                  </a:ext>
+                </a:extLst>
+              </p:cNvPr>
+              <p:cNvSpPr/>
+              <p:nvPr/>
+            </p:nvSpPr>
+            <p:spPr>
+              <a:xfrm>
+                <a:off x="5799634" y="2910787"/>
+                <a:ext cx="1012178" cy="288032"/>
+              </a:xfrm>
+              <a:prstGeom prst="roundRect">
+                <a:avLst>
+                  <a:gd name="adj" fmla="val 13219"/>
+                </a:avLst>
+              </a:prstGeom>
+            </p:spPr>
+            <p:style>
+              <a:lnRef idx="2">
+                <a:schemeClr val="dk1"/>
+              </a:lnRef>
+              <a:fillRef idx="1">
+                <a:schemeClr val="lt1"/>
+              </a:fillRef>
+              <a:effectRef idx="0">
+                <a:schemeClr val="dk1"/>
+              </a:effectRef>
+              <a:fontRef idx="minor">
+                <a:schemeClr val="dk1"/>
+              </a:fontRef>
+            </p:style>
+            <p:txBody>
+              <a:bodyPr rtlCol="0" anchor="ctr"/>
+              <a:lstStyle/>
+              <a:p>
+                <a:pPr algn="ctr"/>
+                <a:r>
+                  <a:rPr lang="en-US" altLang="ko-KR" sz="1100"/>
+                  <a:t>Role D</a:t>
+                </a:r>
+                <a:endParaRPr lang="ko-KR" altLang="en-US" sz="1100"/>
+              </a:p>
+            </p:txBody>
+          </p:sp>
+          <p:sp>
+            <p:nvSpPr>
+              <p:cNvPr id="198" name="사각형: 둥근 모서리 197">
+                <a:extLst>
+                  <a:ext uri="{FF2B5EF4-FFF2-40B4-BE49-F238E27FC236}">
+                    <a16:creationId xmlns:a16="http://schemas.microsoft.com/office/drawing/2014/main" id="{1703D476-8651-4583-9C70-371E63894474}"/>
+                  </a:ext>
+                </a:extLst>
+              </p:cNvPr>
+              <p:cNvSpPr/>
+              <p:nvPr/>
+            </p:nvSpPr>
+            <p:spPr>
+              <a:xfrm>
+                <a:off x="5799634" y="3263299"/>
+                <a:ext cx="1012178" cy="288032"/>
+              </a:xfrm>
+              <a:prstGeom prst="roundRect">
+                <a:avLst>
+                  <a:gd name="adj" fmla="val 13219"/>
+                </a:avLst>
+              </a:prstGeom>
+            </p:spPr>
+            <p:style>
+              <a:lnRef idx="2">
+                <a:schemeClr val="dk1"/>
+              </a:lnRef>
+              <a:fillRef idx="1">
+                <a:schemeClr val="lt1"/>
+              </a:fillRef>
+              <a:effectRef idx="0">
+                <a:schemeClr val="dk1"/>
+              </a:effectRef>
+              <a:fontRef idx="minor">
+                <a:schemeClr val="dk1"/>
+              </a:fontRef>
+            </p:style>
+            <p:txBody>
+              <a:bodyPr rtlCol="0" anchor="ctr"/>
+              <a:lstStyle/>
+              <a:p>
+                <a:pPr algn="ctr"/>
+                <a:r>
+                  <a:rPr lang="en-US" altLang="ko-KR" sz="1100"/>
+                  <a:t>Role D</a:t>
+                </a:r>
+                <a:endParaRPr lang="ko-KR" altLang="en-US" sz="1100"/>
+              </a:p>
+            </p:txBody>
+          </p:sp>
+          <p:sp>
+            <p:nvSpPr>
+              <p:cNvPr id="199" name="사각형: 둥근 모서리 198">
+                <a:extLst>
+                  <a:ext uri="{FF2B5EF4-FFF2-40B4-BE49-F238E27FC236}">
+                    <a16:creationId xmlns:a16="http://schemas.microsoft.com/office/drawing/2014/main" id="{7B3BFB67-B625-4A6B-AD12-4A69517FAFCB}"/>
+                  </a:ext>
+                </a:extLst>
+              </p:cNvPr>
+              <p:cNvSpPr/>
+              <p:nvPr/>
+            </p:nvSpPr>
+            <p:spPr>
+              <a:xfrm>
+                <a:off x="4787456" y="2553795"/>
+                <a:ext cx="1012178" cy="288032"/>
+              </a:xfrm>
+              <a:prstGeom prst="roundRect">
+                <a:avLst>
+                  <a:gd name="adj" fmla="val 13219"/>
+                </a:avLst>
+              </a:prstGeom>
+            </p:spPr>
+            <p:style>
+              <a:lnRef idx="2">
+                <a:schemeClr val="dk1"/>
+              </a:lnRef>
+              <a:fillRef idx="1">
+                <a:schemeClr val="lt1"/>
+              </a:fillRef>
+              <a:effectRef idx="0">
+                <a:schemeClr val="dk1"/>
+              </a:effectRef>
+              <a:fontRef idx="minor">
+                <a:schemeClr val="dk1"/>
+              </a:fontRef>
+            </p:style>
+            <p:txBody>
+              <a:bodyPr rtlCol="0" anchor="ctr"/>
+              <a:lstStyle/>
+              <a:p>
+                <a:pPr algn="ctr"/>
+                <a:r>
+                  <a:rPr lang="en-US" altLang="ko-KR" sz="1100"/>
+                  <a:t>User B</a:t>
+                </a:r>
+                <a:endParaRPr lang="ko-KR" altLang="en-US" sz="1100"/>
+              </a:p>
+            </p:txBody>
+          </p:sp>
+          <p:sp>
+            <p:nvSpPr>
+              <p:cNvPr id="200" name="사각형: 둥근 모서리 199">
+                <a:extLst>
+                  <a:ext uri="{FF2B5EF4-FFF2-40B4-BE49-F238E27FC236}">
+                    <a16:creationId xmlns:a16="http://schemas.microsoft.com/office/drawing/2014/main" id="{501ED092-DFA6-48F1-9AA7-8D9386A7C64F}"/>
+                  </a:ext>
+                </a:extLst>
+              </p:cNvPr>
+              <p:cNvSpPr/>
+              <p:nvPr/>
+            </p:nvSpPr>
+            <p:spPr>
+              <a:xfrm>
+                <a:off x="5799634" y="2553795"/>
+                <a:ext cx="1012178" cy="288032"/>
+              </a:xfrm>
+              <a:prstGeom prst="roundRect">
+                <a:avLst>
+                  <a:gd name="adj" fmla="val 13219"/>
+                </a:avLst>
+              </a:prstGeom>
+            </p:spPr>
+            <p:style>
+              <a:lnRef idx="2">
+                <a:schemeClr val="dk1"/>
+              </a:lnRef>
+              <a:fillRef idx="1">
+                <a:schemeClr val="lt1"/>
+              </a:fillRef>
+              <a:effectRef idx="0">
+                <a:schemeClr val="dk1"/>
+              </a:effectRef>
+              <a:fontRef idx="minor">
+                <a:schemeClr val="dk1"/>
+              </a:fontRef>
+            </p:style>
+            <p:txBody>
+              <a:bodyPr rtlCol="0" anchor="ctr"/>
+              <a:lstStyle/>
+              <a:p>
+                <a:pPr algn="ctr"/>
+                <a:r>
+                  <a:rPr lang="en-US" altLang="ko-KR" sz="1100"/>
+                  <a:t>Role C</a:t>
+                </a:r>
+                <a:endParaRPr lang="ko-KR" altLang="en-US" sz="1100"/>
+              </a:p>
+            </p:txBody>
+          </p:sp>
+        </p:grpSp>
+        <p:cxnSp>
+          <p:nvCxnSpPr>
+            <p:cNvPr id="203" name="직선 화살표 연결선 202">
+              <a:extLst>
+                <a:ext uri="{FF2B5EF4-FFF2-40B4-BE49-F238E27FC236}">
+                  <a16:creationId xmlns:a16="http://schemas.microsoft.com/office/drawing/2014/main" id="{4514D085-6F75-490A-8DD7-EE35BC203F49}"/>
+                </a:ext>
+              </a:extLst>
+            </p:cNvPr>
+            <p:cNvCxnSpPr>
+              <a:cxnSpLocks/>
+              <a:stCxn id="47" idx="0"/>
+              <a:endCxn id="194" idx="2"/>
+            </p:cNvCxnSpPr>
+            <p:nvPr/>
+          </p:nvCxnSpPr>
+          <p:spPr>
+            <a:xfrm flipV="1">
+              <a:off x="5227303" y="3234873"/>
+              <a:ext cx="572331" cy="227095"/>
+            </a:xfrm>
+            <a:prstGeom prst="straightConnector1">
+              <a:avLst/>
+            </a:prstGeom>
+            <a:ln w="19050">
+              <a:solidFill>
+                <a:schemeClr val="tx1"/>
+              </a:solidFill>
+              <a:headEnd type="none" w="med" len="med"/>
+              <a:tailEnd type="arrow" w="med" len="med"/>
+            </a:ln>
+          </p:spPr>
+          <p:style>
+            <a:lnRef idx="1">
+              <a:schemeClr val="accent1"/>
+            </a:lnRef>
+            <a:fillRef idx="0">
+              <a:schemeClr val="accent1"/>
+            </a:fillRef>
+            <a:effectRef idx="0">
+              <a:schemeClr val="accent1"/>
+            </a:effectRef>
+            <a:fontRef idx="minor">
+              <a:schemeClr val="tx1"/>
+            </a:fontRef>
+          </p:style>
+        </p:cxnSp>
+        <p:cxnSp>
+          <p:nvCxnSpPr>
+            <p:cNvPr id="206" name="직선 화살표 연결선 205">
+              <a:extLst>
+                <a:ext uri="{FF2B5EF4-FFF2-40B4-BE49-F238E27FC236}">
+                  <a16:creationId xmlns:a16="http://schemas.microsoft.com/office/drawing/2014/main" id="{F586258C-1E0F-4E46-9397-BFDB1218FA71}"/>
+                </a:ext>
+              </a:extLst>
+            </p:cNvPr>
+            <p:cNvCxnSpPr>
+              <a:cxnSpLocks/>
+              <a:stCxn id="49" idx="0"/>
+              <a:endCxn id="194" idx="2"/>
+            </p:cNvCxnSpPr>
+            <p:nvPr/>
+          </p:nvCxnSpPr>
+          <p:spPr>
+            <a:xfrm flipH="1" flipV="1">
+              <a:off x="5799634" y="3234873"/>
+              <a:ext cx="561175" cy="227095"/>
+            </a:xfrm>
+            <a:prstGeom prst="straightConnector1">
+              <a:avLst/>
+            </a:prstGeom>
+            <a:ln w="19050">
+              <a:solidFill>
+                <a:schemeClr val="tx1"/>
+              </a:solidFill>
+              <a:headEnd type="none" w="med" len="med"/>
+              <a:tailEnd type="arrow" w="med" len="med"/>
+            </a:ln>
+          </p:spPr>
+          <p:style>
+            <a:lnRef idx="1">
+              <a:schemeClr val="accent1"/>
+            </a:lnRef>
+            <a:fillRef idx="0">
+              <a:schemeClr val="accent1"/>
+            </a:fillRef>
+            <a:effectRef idx="0">
+              <a:schemeClr val="accent1"/>
+            </a:effectRef>
+            <a:fontRef idx="minor">
+              <a:schemeClr val="tx1"/>
+            </a:fontRef>
+          </p:style>
+        </p:cxnSp>
+        <p:sp>
+          <p:nvSpPr>
+            <p:cNvPr id="221" name="사각형: 둥근 모서리 220">
+              <a:extLst>
+                <a:ext uri="{FF2B5EF4-FFF2-40B4-BE49-F238E27FC236}">
+                  <a16:creationId xmlns:a16="http://schemas.microsoft.com/office/drawing/2014/main" id="{70210C2C-099A-4864-BFAA-DE44A02F475A}"/>
+                </a:ext>
+              </a:extLst>
+            </p:cNvPr>
+            <p:cNvSpPr/>
+            <p:nvPr/>
+          </p:nvSpPr>
+          <p:spPr>
+            <a:xfrm>
+              <a:off x="2683960" y="1347614"/>
+              <a:ext cx="1031540" cy="288032"/>
+            </a:xfrm>
+            <a:prstGeom prst="roundRect">
+              <a:avLst>
+                <a:gd name="adj" fmla="val 13219"/>
+              </a:avLst>
+            </a:prstGeom>
+          </p:spPr>
+          <p:style>
+            <a:lnRef idx="2">
+              <a:schemeClr val="dk1"/>
+            </a:lnRef>
+            <a:fillRef idx="1">
+              <a:schemeClr val="lt1"/>
+            </a:fillRef>
+            <a:effectRef idx="0">
+              <a:schemeClr val="dk1"/>
+            </a:effectRef>
+            <a:fontRef idx="minor">
+              <a:schemeClr val="dk1"/>
+            </a:fontRef>
+          </p:style>
+          <p:txBody>
+            <a:bodyPr rtlCol="0" anchor="ctr"/>
+            <a:lstStyle/>
+            <a:p>
+              <a:pPr algn="ctr"/>
+              <a:r>
+                <a:rPr lang="en-US" altLang="ko-KR" sz="1100"/>
+                <a:t>User C</a:t>
+              </a:r>
+              <a:endParaRPr lang="ko-KR" altLang="en-US" sz="1100"/>
+            </a:p>
+          </p:txBody>
+        </p:sp>
+        <p:sp>
+          <p:nvSpPr>
+            <p:cNvPr id="222" name="사각형: 둥근 모서리 221">
+              <a:extLst>
+                <a:ext uri="{FF2B5EF4-FFF2-40B4-BE49-F238E27FC236}">
+                  <a16:creationId xmlns:a16="http://schemas.microsoft.com/office/drawing/2014/main" id="{9034C688-C8EE-4211-BC24-C868C604E3F1}"/>
+                </a:ext>
+              </a:extLst>
+            </p:cNvPr>
+            <p:cNvSpPr/>
+            <p:nvPr/>
+          </p:nvSpPr>
+          <p:spPr>
+            <a:xfrm>
+              <a:off x="3803041" y="1347614"/>
+              <a:ext cx="1031540" cy="288032"/>
+            </a:xfrm>
+            <a:prstGeom prst="roundRect">
+              <a:avLst>
+                <a:gd name="adj" fmla="val 13219"/>
+              </a:avLst>
+            </a:prstGeom>
+          </p:spPr>
+          <p:style>
+            <a:lnRef idx="2">
+              <a:schemeClr val="dk1"/>
+            </a:lnRef>
+            <a:fillRef idx="1">
+              <a:schemeClr val="lt1"/>
+            </a:fillRef>
+            <a:effectRef idx="0">
+              <a:schemeClr val="dk1"/>
+            </a:effectRef>
+            <a:fontRef idx="minor">
+              <a:schemeClr val="dk1"/>
+            </a:fontRef>
+          </p:style>
+          <p:txBody>
+            <a:bodyPr rtlCol="0" anchor="ctr"/>
+            <a:lstStyle/>
+            <a:p>
+              <a:pPr algn="ctr"/>
+              <a:r>
+                <a:rPr lang="en-US" altLang="ko-KR" sz="1100"/>
+                <a:t>User D</a:t>
+              </a:r>
+              <a:endParaRPr lang="ko-KR" altLang="en-US" sz="1100"/>
+            </a:p>
+          </p:txBody>
+        </p:sp>
+        <p:cxnSp>
+          <p:nvCxnSpPr>
+            <p:cNvPr id="223" name="직선 화살표 연결선 222">
+              <a:extLst>
+                <a:ext uri="{FF2B5EF4-FFF2-40B4-BE49-F238E27FC236}">
+                  <a16:creationId xmlns:a16="http://schemas.microsoft.com/office/drawing/2014/main" id="{60991C1F-71B3-4A40-9503-67436C8BF7BA}"/>
+                </a:ext>
+              </a:extLst>
+            </p:cNvPr>
+            <p:cNvCxnSpPr>
+              <a:cxnSpLocks/>
+              <a:stCxn id="109" idx="3"/>
+              <a:endCxn id="105" idx="1"/>
+            </p:cNvCxnSpPr>
+            <p:nvPr/>
+          </p:nvCxnSpPr>
+          <p:spPr>
+            <a:xfrm>
+              <a:off x="4834581" y="1059582"/>
+              <a:ext cx="86200" cy="216024"/>
+            </a:xfrm>
+            <a:prstGeom prst="straightConnector1">
+              <a:avLst/>
+            </a:prstGeom>
+            <a:ln w="19050">
+              <a:solidFill>
+                <a:schemeClr val="tx1"/>
+              </a:solidFill>
+              <a:headEnd type="none" w="med" len="med"/>
+              <a:tailEnd type="arrow" w="med" len="med"/>
+            </a:ln>
+          </p:spPr>
+          <p:style>
+            <a:lnRef idx="1">
+              <a:schemeClr val="accent1"/>
+            </a:lnRef>
+            <a:fillRef idx="0">
+              <a:schemeClr val="accent1"/>
+            </a:fillRef>
+            <a:effectRef idx="0">
+              <a:schemeClr val="accent1"/>
+            </a:effectRef>
+            <a:fontRef idx="minor">
+              <a:schemeClr val="tx1"/>
+            </a:fontRef>
+          </p:style>
+        </p:cxnSp>
+        <p:cxnSp>
+          <p:nvCxnSpPr>
+            <p:cNvPr id="231" name="직선 화살표 연결선 230">
+              <a:extLst>
+                <a:ext uri="{FF2B5EF4-FFF2-40B4-BE49-F238E27FC236}">
+                  <a16:creationId xmlns:a16="http://schemas.microsoft.com/office/drawing/2014/main" id="{7D050745-AECB-4F27-A122-CF0AFEA7B9BA}"/>
+                </a:ext>
+              </a:extLst>
+            </p:cNvPr>
+            <p:cNvCxnSpPr>
+              <a:cxnSpLocks/>
+              <a:stCxn id="83" idx="3"/>
+              <a:endCxn id="105" idx="1"/>
+            </p:cNvCxnSpPr>
+            <p:nvPr/>
+          </p:nvCxnSpPr>
+          <p:spPr>
+            <a:xfrm>
+              <a:off x="3715500" y="1059582"/>
+              <a:ext cx="1205281" cy="216024"/>
+            </a:xfrm>
+            <a:prstGeom prst="straightConnector1">
+              <a:avLst/>
+            </a:prstGeom>
+            <a:ln w="19050">
+              <a:solidFill>
+                <a:schemeClr val="tx1"/>
+              </a:solidFill>
+              <a:headEnd type="none" w="med" len="med"/>
+              <a:tailEnd type="arrow" w="med" len="med"/>
+            </a:ln>
+          </p:spPr>
+          <p:style>
+            <a:lnRef idx="1">
+              <a:schemeClr val="accent1"/>
+            </a:lnRef>
+            <a:fillRef idx="0">
+              <a:schemeClr val="accent1"/>
+            </a:fillRef>
+            <a:effectRef idx="0">
+              <a:schemeClr val="accent1"/>
+            </a:effectRef>
+            <a:fontRef idx="minor">
+              <a:schemeClr val="tx1"/>
+            </a:fontRef>
+          </p:style>
+        </p:cxnSp>
+        <p:cxnSp>
+          <p:nvCxnSpPr>
+            <p:cNvPr id="255" name="직선 화살표 연결선 254">
+              <a:extLst>
+                <a:ext uri="{FF2B5EF4-FFF2-40B4-BE49-F238E27FC236}">
+                  <a16:creationId xmlns:a16="http://schemas.microsoft.com/office/drawing/2014/main" id="{62A856C6-CEA3-41CF-B4DC-EA769ABB4F24}"/>
+                </a:ext>
+              </a:extLst>
+            </p:cNvPr>
+            <p:cNvCxnSpPr>
+              <a:cxnSpLocks/>
+              <a:stCxn id="221" idx="2"/>
+              <a:endCxn id="87" idx="0"/>
+            </p:cNvCxnSpPr>
+            <p:nvPr/>
+          </p:nvCxnSpPr>
+          <p:spPr>
+            <a:xfrm>
+              <a:off x="3199730" y="1635646"/>
+              <a:ext cx="285524" cy="203204"/>
+            </a:xfrm>
+            <a:prstGeom prst="straightConnector1">
+              <a:avLst/>
+            </a:prstGeom>
+            <a:ln w="19050">
+              <a:solidFill>
+                <a:schemeClr val="tx1"/>
+              </a:solidFill>
+              <a:headEnd type="none" w="med" len="med"/>
+              <a:tailEnd type="arrow" w="med" len="med"/>
+            </a:ln>
+          </p:spPr>
+          <p:style>
+            <a:lnRef idx="1">
+              <a:schemeClr val="accent1"/>
+            </a:lnRef>
+            <a:fillRef idx="0">
+              <a:schemeClr val="accent1"/>
+            </a:fillRef>
+            <a:effectRef idx="0">
+              <a:schemeClr val="accent1"/>
+            </a:effectRef>
+            <a:fontRef idx="minor">
+              <a:schemeClr val="tx1"/>
+            </a:fontRef>
+          </p:style>
+        </p:cxnSp>
+        <p:cxnSp>
+          <p:nvCxnSpPr>
+            <p:cNvPr id="258" name="직선 화살표 연결선 257">
+              <a:extLst>
+                <a:ext uri="{FF2B5EF4-FFF2-40B4-BE49-F238E27FC236}">
+                  <a16:creationId xmlns:a16="http://schemas.microsoft.com/office/drawing/2014/main" id="{4A4C7241-5FFB-4E18-ABB4-D952D8729D3A}"/>
+                </a:ext>
+              </a:extLst>
+            </p:cNvPr>
+            <p:cNvCxnSpPr>
+              <a:cxnSpLocks/>
+              <a:stCxn id="44" idx="0"/>
+              <a:endCxn id="87" idx="2"/>
+            </p:cNvCxnSpPr>
+            <p:nvPr/>
+          </p:nvCxnSpPr>
+          <p:spPr>
+            <a:xfrm flipH="1" flipV="1">
+              <a:off x="3485254" y="3589361"/>
+              <a:ext cx="572332" cy="319600"/>
+            </a:xfrm>
+            <a:prstGeom prst="straightConnector1">
+              <a:avLst/>
+            </a:prstGeom>
+            <a:ln w="19050">
+              <a:solidFill>
+                <a:schemeClr val="tx1"/>
+              </a:solidFill>
+              <a:headEnd type="none" w="med" len="med"/>
+              <a:tailEnd type="arrow" w="med" len="med"/>
+            </a:ln>
+          </p:spPr>
+          <p:style>
+            <a:lnRef idx="1">
+              <a:schemeClr val="accent1"/>
+            </a:lnRef>
+            <a:fillRef idx="0">
+              <a:schemeClr val="accent1"/>
+            </a:fillRef>
+            <a:effectRef idx="0">
+              <a:schemeClr val="accent1"/>
+            </a:effectRef>
+            <a:fontRef idx="minor">
+              <a:schemeClr val="tx1"/>
+            </a:fontRef>
+          </p:style>
+        </p:cxnSp>
+        <p:cxnSp>
+          <p:nvCxnSpPr>
+            <p:cNvPr id="264" name="직선 화살표 연결선 263">
+              <a:extLst>
+                <a:ext uri="{FF2B5EF4-FFF2-40B4-BE49-F238E27FC236}">
+                  <a16:creationId xmlns:a16="http://schemas.microsoft.com/office/drawing/2014/main" id="{97F4D6A0-869A-4D67-8E94-86FEE1E9825B}"/>
+                </a:ext>
+              </a:extLst>
+            </p:cNvPr>
+            <p:cNvCxnSpPr>
+              <a:cxnSpLocks/>
+              <a:stCxn id="105" idx="2"/>
+              <a:endCxn id="87" idx="0"/>
+            </p:cNvCxnSpPr>
+            <p:nvPr/>
+          </p:nvCxnSpPr>
+          <p:spPr>
+            <a:xfrm flipH="1">
+              <a:off x="3485254" y="1635646"/>
+              <a:ext cx="2235968" cy="203204"/>
+            </a:xfrm>
+            <a:prstGeom prst="straightConnector1">
+              <a:avLst/>
+            </a:prstGeom>
+            <a:ln w="19050">
+              <a:solidFill>
+                <a:schemeClr val="tx1"/>
+              </a:solidFill>
+              <a:headEnd type="none" w="med" len="med"/>
+              <a:tailEnd type="arrow" w="med" len="med"/>
+            </a:ln>
+          </p:spPr>
+          <p:style>
+            <a:lnRef idx="1">
+              <a:schemeClr val="accent1"/>
+            </a:lnRef>
+            <a:fillRef idx="0">
+              <a:schemeClr val="accent1"/>
+            </a:fillRef>
+            <a:effectRef idx="0">
+              <a:schemeClr val="accent1"/>
+            </a:effectRef>
+            <a:fontRef idx="minor">
+              <a:schemeClr val="tx1"/>
+            </a:fontRef>
+          </p:style>
+        </p:cxnSp>
+        <p:cxnSp>
+          <p:nvCxnSpPr>
+            <p:cNvPr id="269" name="직선 화살표 연결선 268">
+              <a:extLst>
+                <a:ext uri="{FF2B5EF4-FFF2-40B4-BE49-F238E27FC236}">
+                  <a16:creationId xmlns:a16="http://schemas.microsoft.com/office/drawing/2014/main" id="{4B99CBC3-A5F1-4571-A9A3-E1D08939D75B}"/>
+                </a:ext>
+              </a:extLst>
+            </p:cNvPr>
+            <p:cNvCxnSpPr>
+              <a:cxnSpLocks/>
+              <a:stCxn id="105" idx="2"/>
+              <a:endCxn id="194" idx="0"/>
+            </p:cNvCxnSpPr>
+            <p:nvPr/>
+          </p:nvCxnSpPr>
+          <p:spPr>
+            <a:xfrm>
+              <a:off x="5721222" y="1635646"/>
+              <a:ext cx="78412" cy="203204"/>
+            </a:xfrm>
+            <a:prstGeom prst="straightConnector1">
+              <a:avLst/>
+            </a:prstGeom>
+            <a:ln w="19050">
+              <a:solidFill>
+                <a:schemeClr val="tx1"/>
+              </a:solidFill>
+              <a:headEnd type="none" w="med" len="med"/>
+              <a:tailEnd type="arrow" w="med" len="med"/>
+            </a:ln>
+          </p:spPr>
+          <p:style>
+            <a:lnRef idx="1">
+              <a:schemeClr val="accent1"/>
+            </a:lnRef>
+            <a:fillRef idx="0">
+              <a:schemeClr val="accent1"/>
+            </a:fillRef>
+            <a:effectRef idx="0">
+              <a:schemeClr val="accent1"/>
+            </a:effectRef>
+            <a:fontRef idx="minor">
+              <a:schemeClr val="tx1"/>
+            </a:fontRef>
+          </p:style>
+        </p:cxnSp>
+        <p:sp>
+          <p:nvSpPr>
+            <p:cNvPr id="279" name="사각형: 둥근 모서리 278">
+              <a:extLst>
+                <a:ext uri="{FF2B5EF4-FFF2-40B4-BE49-F238E27FC236}">
+                  <a16:creationId xmlns:a16="http://schemas.microsoft.com/office/drawing/2014/main" id="{776B95DD-F19C-4244-8AF7-6506AB23E3C5}"/>
+                </a:ext>
+              </a:extLst>
+            </p:cNvPr>
+            <p:cNvSpPr/>
+            <p:nvPr/>
+          </p:nvSpPr>
+          <p:spPr>
+            <a:xfrm>
+              <a:off x="2473076" y="3221619"/>
               <a:ext cx="1012178" cy="288032"/>
             </a:xfrm>
             <a:prstGeom prst="roundRect">
@@ -7210,7 +7857,7 @@
               <a:pPr algn="ctr"/>
               <a:r>
                 <a:rPr lang="en-US" altLang="ko-KR" sz="1100"/>
-                <a:t>Role D</a:t>
+                <a:t>Group A</a:t>
               </a:r>
               <a:endParaRPr lang="ko-KR" altLang="en-US" sz="1100"/>
             </a:p>
@@ -7218,10 +7865,10 @@
         </p:sp>
         <p:sp>
           <p:nvSpPr>
-            <p:cNvPr id="199" name="사각형: 둥근 모서리 198">
+            <p:cNvPr id="280" name="사각형: 둥근 모서리 279">
               <a:extLst>
                 <a:ext uri="{FF2B5EF4-FFF2-40B4-BE49-F238E27FC236}">
-                  <a16:creationId xmlns:a16="http://schemas.microsoft.com/office/drawing/2014/main" id="{7B3BFB67-B625-4A6B-AD12-4A69517FAFCB}"/>
+                  <a16:creationId xmlns:a16="http://schemas.microsoft.com/office/drawing/2014/main" id="{020BF083-8BC0-4873-A67E-195557607375}"/>
                 </a:ext>
               </a:extLst>
             </p:cNvPr>
@@ -7230,7 +7877,7 @@
           </p:nvSpPr>
           <p:spPr>
             <a:xfrm>
-              <a:off x="4787456" y="2553795"/>
+              <a:off x="3485254" y="3216709"/>
               <a:ext cx="1012178" cy="288032"/>
             </a:xfrm>
             <a:prstGeom prst="roundRect">
@@ -7260,780 +7907,154 @@
               <a:pPr algn="ctr"/>
               <a:r>
                 <a:rPr lang="en-US" altLang="ko-KR" sz="1100"/>
-                <a:t>User B</a:t>
+                <a:t>Role B</a:t>
               </a:r>
               <a:endParaRPr lang="ko-KR" altLang="en-US" sz="1100"/>
             </a:p>
           </p:txBody>
         </p:sp>
-        <p:sp>
-          <p:nvSpPr>
-            <p:cNvPr id="200" name="사각형: 둥근 모서리 199">
+        <p:cxnSp>
+          <p:nvCxnSpPr>
+            <p:cNvPr id="281" name="직선 화살표 연결선 280">
               <a:extLst>
                 <a:ext uri="{FF2B5EF4-FFF2-40B4-BE49-F238E27FC236}">
-                  <a16:creationId xmlns:a16="http://schemas.microsoft.com/office/drawing/2014/main" id="{501ED092-DFA6-48F1-9AA7-8D9386A7C64F}"/>
+                  <a16:creationId xmlns:a16="http://schemas.microsoft.com/office/drawing/2014/main" id="{A7FC9D46-CF4D-4251-B4D9-98AEF13D668E}"/>
                 </a:ext>
               </a:extLst>
             </p:cNvPr>
-            <p:cNvSpPr/>
+            <p:cNvCxnSpPr>
+              <a:cxnSpLocks/>
+              <a:stCxn id="222" idx="2"/>
+              <a:endCxn id="87" idx="0"/>
+            </p:cNvCxnSpPr>
             <p:nvPr/>
-          </p:nvSpPr>
+          </p:nvCxnSpPr>
+          <p:spPr>
+            <a:xfrm flipH="1">
+              <a:off x="3485254" y="1635646"/>
+              <a:ext cx="833557" cy="203204"/>
+            </a:xfrm>
+            <a:prstGeom prst="straightConnector1">
+              <a:avLst/>
+            </a:prstGeom>
+            <a:ln w="19050">
+              <a:solidFill>
+                <a:schemeClr val="tx1"/>
+              </a:solidFill>
+              <a:headEnd type="none" w="med" len="med"/>
+              <a:tailEnd type="arrow" w="med" len="med"/>
+            </a:ln>
+          </p:spPr>
+          <p:style>
+            <a:lnRef idx="1">
+              <a:schemeClr val="accent1"/>
+            </a:lnRef>
+            <a:fillRef idx="0">
+              <a:schemeClr val="accent1"/>
+            </a:fillRef>
+            <a:effectRef idx="0">
+              <a:schemeClr val="accent1"/>
+            </a:effectRef>
+            <a:fontRef idx="minor">
+              <a:schemeClr val="tx1"/>
+            </a:fontRef>
+          </p:style>
+        </p:cxnSp>
+        <p:cxnSp>
+          <p:nvCxnSpPr>
+            <p:cNvPr id="289" name="직선 화살표 연결선 288">
+              <a:extLst>
+                <a:ext uri="{FF2B5EF4-FFF2-40B4-BE49-F238E27FC236}">
+                  <a16:creationId xmlns:a16="http://schemas.microsoft.com/office/drawing/2014/main" id="{C36BD813-145E-4848-BD0A-23A7BC3282E3}"/>
+                </a:ext>
+              </a:extLst>
+            </p:cNvPr>
+            <p:cNvCxnSpPr>
+              <a:cxnSpLocks/>
+              <a:stCxn id="109" idx="2"/>
+              <a:endCxn id="194" idx="0"/>
+            </p:cNvCxnSpPr>
+            <p:nvPr/>
+          </p:nvCxnSpPr>
           <p:spPr>
             <a:xfrm>
-              <a:off x="5799634" y="2553795"/>
-              <a:ext cx="1012178" cy="288032"/>
+              <a:off x="4318811" y="1203598"/>
+              <a:ext cx="1480823" cy="635252"/>
             </a:xfrm>
-            <a:prstGeom prst="roundRect">
-              <a:avLst>
-                <a:gd name="adj" fmla="val 13219"/>
-              </a:avLst>
+            <a:prstGeom prst="straightConnector1">
+              <a:avLst/>
             </a:prstGeom>
+            <a:ln w="19050">
+              <a:solidFill>
+                <a:schemeClr val="tx1"/>
+              </a:solidFill>
+              <a:headEnd type="none" w="med" len="med"/>
+              <a:tailEnd type="arrow" w="med" len="med"/>
+            </a:ln>
           </p:spPr>
           <p:style>
-            <a:lnRef idx="2">
-              <a:schemeClr val="dk1"/>
+            <a:lnRef idx="1">
+              <a:schemeClr val="accent1"/>
             </a:lnRef>
-            <a:fillRef idx="1">
-              <a:schemeClr val="lt1"/>
+            <a:fillRef idx="0">
+              <a:schemeClr val="accent1"/>
             </a:fillRef>
             <a:effectRef idx="0">
-              <a:schemeClr val="dk1"/>
+              <a:schemeClr val="accent1"/>
             </a:effectRef>
             <a:fontRef idx="minor">
-              <a:schemeClr val="dk1"/>
+              <a:schemeClr val="tx1"/>
             </a:fontRef>
           </p:style>
-          <p:txBody>
-            <a:bodyPr rtlCol="0" anchor="ctr"/>
-            <a:lstStyle/>
-            <a:p>
-              <a:pPr algn="ctr"/>
-              <a:r>
-                <a:rPr lang="en-US" altLang="ko-KR" sz="1100"/>
-                <a:t>Role C</a:t>
-              </a:r>
-              <a:endParaRPr lang="ko-KR" altLang="en-US" sz="1100"/>
-            </a:p>
-          </p:txBody>
-        </p:sp>
+        </p:cxnSp>
+        <p:cxnSp>
+          <p:nvCxnSpPr>
+            <p:cNvPr id="292" name="직선 화살표 연결선 291">
+              <a:extLst>
+                <a:ext uri="{FF2B5EF4-FFF2-40B4-BE49-F238E27FC236}">
+                  <a16:creationId xmlns:a16="http://schemas.microsoft.com/office/drawing/2014/main" id="{9A773BC1-EC38-4001-9B65-4404101B2B45}"/>
+                </a:ext>
+              </a:extLst>
+            </p:cNvPr>
+            <p:cNvCxnSpPr>
+              <a:cxnSpLocks/>
+              <a:stCxn id="222" idx="2"/>
+              <a:endCxn id="194" idx="0"/>
+            </p:cNvCxnSpPr>
+            <p:nvPr/>
+          </p:nvCxnSpPr>
+          <p:spPr>
+            <a:xfrm>
+              <a:off x="4318811" y="1635646"/>
+              <a:ext cx="1480823" cy="203204"/>
+            </a:xfrm>
+            <a:prstGeom prst="straightConnector1">
+              <a:avLst/>
+            </a:prstGeom>
+            <a:ln w="19050">
+              <a:solidFill>
+                <a:schemeClr val="tx1"/>
+              </a:solidFill>
+              <a:headEnd type="none" w="med" len="med"/>
+              <a:tailEnd type="arrow" w="med" len="med"/>
+            </a:ln>
+          </p:spPr>
+          <p:style>
+            <a:lnRef idx="1">
+              <a:schemeClr val="accent1"/>
+            </a:lnRef>
+            <a:fillRef idx="0">
+              <a:schemeClr val="accent1"/>
+            </a:fillRef>
+            <a:effectRef idx="0">
+              <a:schemeClr val="accent1"/>
+            </a:effectRef>
+            <a:fontRef idx="minor">
+              <a:schemeClr val="tx1"/>
+            </a:fontRef>
+          </p:style>
+        </p:cxnSp>
       </p:grpSp>
-      <p:cxnSp>
-        <p:nvCxnSpPr>
-          <p:cNvPr id="203" name="직선 화살표 연결선 202">
-            <a:extLst>
-              <a:ext uri="{FF2B5EF4-FFF2-40B4-BE49-F238E27FC236}">
-                <a16:creationId xmlns:a16="http://schemas.microsoft.com/office/drawing/2014/main" id="{4514D085-6F75-490A-8DD7-EE35BC203F49}"/>
-              </a:ext>
-            </a:extLst>
-          </p:cNvPr>
-          <p:cNvCxnSpPr>
-            <a:cxnSpLocks/>
-            <a:stCxn id="47" idx="0"/>
-            <a:endCxn id="194" idx="2"/>
-          </p:cNvCxnSpPr>
-          <p:nvPr/>
-        </p:nvCxnSpPr>
-        <p:spPr>
-          <a:xfrm flipV="1">
-            <a:off x="5227303" y="3234873"/>
-            <a:ext cx="572331" cy="227095"/>
-          </a:xfrm>
-          <a:prstGeom prst="straightConnector1">
-            <a:avLst/>
-          </a:prstGeom>
-          <a:ln w="19050">
-            <a:solidFill>
-              <a:schemeClr val="tx1"/>
-            </a:solidFill>
-            <a:headEnd type="none" w="med" len="med"/>
-            <a:tailEnd type="arrow" w="med" len="med"/>
-          </a:ln>
-        </p:spPr>
-        <p:style>
-          <a:lnRef idx="1">
-            <a:schemeClr val="accent1"/>
-          </a:lnRef>
-          <a:fillRef idx="0">
-            <a:schemeClr val="accent1"/>
-          </a:fillRef>
-          <a:effectRef idx="0">
-            <a:schemeClr val="accent1"/>
-          </a:effectRef>
-          <a:fontRef idx="minor">
-            <a:schemeClr val="tx1"/>
-          </a:fontRef>
-        </p:style>
-      </p:cxnSp>
-      <p:cxnSp>
-        <p:nvCxnSpPr>
-          <p:cNvPr id="206" name="직선 화살표 연결선 205">
-            <a:extLst>
-              <a:ext uri="{FF2B5EF4-FFF2-40B4-BE49-F238E27FC236}">
-                <a16:creationId xmlns:a16="http://schemas.microsoft.com/office/drawing/2014/main" id="{F586258C-1E0F-4E46-9397-BFDB1218FA71}"/>
-              </a:ext>
-            </a:extLst>
-          </p:cNvPr>
-          <p:cNvCxnSpPr>
-            <a:cxnSpLocks/>
-            <a:stCxn id="49" idx="0"/>
-            <a:endCxn id="194" idx="2"/>
-          </p:cNvCxnSpPr>
-          <p:nvPr/>
-        </p:nvCxnSpPr>
-        <p:spPr>
-          <a:xfrm flipH="1" flipV="1">
-            <a:off x="5799634" y="3234873"/>
-            <a:ext cx="561175" cy="227095"/>
-          </a:xfrm>
-          <a:prstGeom prst="straightConnector1">
-            <a:avLst/>
-          </a:prstGeom>
-          <a:ln w="19050">
-            <a:solidFill>
-              <a:schemeClr val="tx1"/>
-            </a:solidFill>
-            <a:headEnd type="none" w="med" len="med"/>
-            <a:tailEnd type="arrow" w="med" len="med"/>
-          </a:ln>
-        </p:spPr>
-        <p:style>
-          <a:lnRef idx="1">
-            <a:schemeClr val="accent1"/>
-          </a:lnRef>
-          <a:fillRef idx="0">
-            <a:schemeClr val="accent1"/>
-          </a:fillRef>
-          <a:effectRef idx="0">
-            <a:schemeClr val="accent1"/>
-          </a:effectRef>
-          <a:fontRef idx="minor">
-            <a:schemeClr val="tx1"/>
-          </a:fontRef>
-        </p:style>
-      </p:cxnSp>
-      <p:sp>
-        <p:nvSpPr>
-          <p:cNvPr id="221" name="사각형: 둥근 모서리 220">
-            <a:extLst>
-              <a:ext uri="{FF2B5EF4-FFF2-40B4-BE49-F238E27FC236}">
-                <a16:creationId xmlns:a16="http://schemas.microsoft.com/office/drawing/2014/main" id="{70210C2C-099A-4864-BFAA-DE44A02F475A}"/>
-              </a:ext>
-            </a:extLst>
-          </p:cNvPr>
-          <p:cNvSpPr/>
-          <p:nvPr/>
-        </p:nvSpPr>
-        <p:spPr>
-          <a:xfrm>
-            <a:off x="2683960" y="1347614"/>
-            <a:ext cx="1031540" cy="288032"/>
-          </a:xfrm>
-          <a:prstGeom prst="roundRect">
-            <a:avLst>
-              <a:gd name="adj" fmla="val 13219"/>
-            </a:avLst>
-          </a:prstGeom>
-        </p:spPr>
-        <p:style>
-          <a:lnRef idx="2">
-            <a:schemeClr val="dk1"/>
-          </a:lnRef>
-          <a:fillRef idx="1">
-            <a:schemeClr val="lt1"/>
-          </a:fillRef>
-          <a:effectRef idx="0">
-            <a:schemeClr val="dk1"/>
-          </a:effectRef>
-          <a:fontRef idx="minor">
-            <a:schemeClr val="dk1"/>
-          </a:fontRef>
-        </p:style>
-        <p:txBody>
-          <a:bodyPr rtlCol="0" anchor="ctr"/>
-          <a:lstStyle/>
-          <a:p>
-            <a:pPr algn="ctr"/>
-            <a:r>
-              <a:rPr lang="en-US" altLang="ko-KR" sz="1100"/>
-              <a:t>User C</a:t>
-            </a:r>
-            <a:endParaRPr lang="ko-KR" altLang="en-US" sz="1100"/>
-          </a:p>
-        </p:txBody>
-      </p:sp>
-      <p:sp>
-        <p:nvSpPr>
-          <p:cNvPr id="222" name="사각형: 둥근 모서리 221">
-            <a:extLst>
-              <a:ext uri="{FF2B5EF4-FFF2-40B4-BE49-F238E27FC236}">
-                <a16:creationId xmlns:a16="http://schemas.microsoft.com/office/drawing/2014/main" id="{9034C688-C8EE-4211-BC24-C868C604E3F1}"/>
-              </a:ext>
-            </a:extLst>
-          </p:cNvPr>
-          <p:cNvSpPr/>
-          <p:nvPr/>
-        </p:nvSpPr>
-        <p:spPr>
-          <a:xfrm>
-            <a:off x="3803041" y="1347614"/>
-            <a:ext cx="1031540" cy="288032"/>
-          </a:xfrm>
-          <a:prstGeom prst="roundRect">
-            <a:avLst>
-              <a:gd name="adj" fmla="val 13219"/>
-            </a:avLst>
-          </a:prstGeom>
-        </p:spPr>
-        <p:style>
-          <a:lnRef idx="2">
-            <a:schemeClr val="dk1"/>
-          </a:lnRef>
-          <a:fillRef idx="1">
-            <a:schemeClr val="lt1"/>
-          </a:fillRef>
-          <a:effectRef idx="0">
-            <a:schemeClr val="dk1"/>
-          </a:effectRef>
-          <a:fontRef idx="minor">
-            <a:schemeClr val="dk1"/>
-          </a:fontRef>
-        </p:style>
-        <p:txBody>
-          <a:bodyPr rtlCol="0" anchor="ctr"/>
-          <a:lstStyle/>
-          <a:p>
-            <a:pPr algn="ctr"/>
-            <a:r>
-              <a:rPr lang="en-US" altLang="ko-KR" sz="1100"/>
-              <a:t>User D</a:t>
-            </a:r>
-            <a:endParaRPr lang="ko-KR" altLang="en-US" sz="1100"/>
-          </a:p>
-        </p:txBody>
-      </p:sp>
-      <p:cxnSp>
-        <p:nvCxnSpPr>
-          <p:cNvPr id="223" name="직선 화살표 연결선 222">
-            <a:extLst>
-              <a:ext uri="{FF2B5EF4-FFF2-40B4-BE49-F238E27FC236}">
-                <a16:creationId xmlns:a16="http://schemas.microsoft.com/office/drawing/2014/main" id="{60991C1F-71B3-4A40-9503-67436C8BF7BA}"/>
-              </a:ext>
-            </a:extLst>
-          </p:cNvPr>
-          <p:cNvCxnSpPr>
-            <a:cxnSpLocks/>
-            <a:stCxn id="109" idx="3"/>
-            <a:endCxn id="105" idx="1"/>
-          </p:cNvCxnSpPr>
-          <p:nvPr/>
-        </p:nvCxnSpPr>
-        <p:spPr>
-          <a:xfrm>
-            <a:off x="4834581" y="1059582"/>
-            <a:ext cx="86200" cy="216024"/>
-          </a:xfrm>
-          <a:prstGeom prst="straightConnector1">
-            <a:avLst/>
-          </a:prstGeom>
-          <a:ln w="19050">
-            <a:solidFill>
-              <a:schemeClr val="tx1"/>
-            </a:solidFill>
-            <a:headEnd type="none" w="med" len="med"/>
-            <a:tailEnd type="arrow" w="med" len="med"/>
-          </a:ln>
-        </p:spPr>
-        <p:style>
-          <a:lnRef idx="1">
-            <a:schemeClr val="accent1"/>
-          </a:lnRef>
-          <a:fillRef idx="0">
-            <a:schemeClr val="accent1"/>
-          </a:fillRef>
-          <a:effectRef idx="0">
-            <a:schemeClr val="accent1"/>
-          </a:effectRef>
-          <a:fontRef idx="minor">
-            <a:schemeClr val="tx1"/>
-          </a:fontRef>
-        </p:style>
-      </p:cxnSp>
-      <p:cxnSp>
-        <p:nvCxnSpPr>
-          <p:cNvPr id="231" name="직선 화살표 연결선 230">
-            <a:extLst>
-              <a:ext uri="{FF2B5EF4-FFF2-40B4-BE49-F238E27FC236}">
-                <a16:creationId xmlns:a16="http://schemas.microsoft.com/office/drawing/2014/main" id="{7D050745-AECB-4F27-A122-CF0AFEA7B9BA}"/>
-              </a:ext>
-            </a:extLst>
-          </p:cNvPr>
-          <p:cNvCxnSpPr>
-            <a:cxnSpLocks/>
-            <a:stCxn id="83" idx="3"/>
-            <a:endCxn id="105" idx="1"/>
-          </p:cNvCxnSpPr>
-          <p:nvPr/>
-        </p:nvCxnSpPr>
-        <p:spPr>
-          <a:xfrm>
-            <a:off x="3715500" y="1059582"/>
-            <a:ext cx="1205281" cy="216024"/>
-          </a:xfrm>
-          <a:prstGeom prst="straightConnector1">
-            <a:avLst/>
-          </a:prstGeom>
-          <a:ln w="19050">
-            <a:solidFill>
-              <a:schemeClr val="tx1"/>
-            </a:solidFill>
-            <a:headEnd type="none" w="med" len="med"/>
-            <a:tailEnd type="arrow" w="med" len="med"/>
-          </a:ln>
-        </p:spPr>
-        <p:style>
-          <a:lnRef idx="1">
-            <a:schemeClr val="accent1"/>
-          </a:lnRef>
-          <a:fillRef idx="0">
-            <a:schemeClr val="accent1"/>
-          </a:fillRef>
-          <a:effectRef idx="0">
-            <a:schemeClr val="accent1"/>
-          </a:effectRef>
-          <a:fontRef idx="minor">
-            <a:schemeClr val="tx1"/>
-          </a:fontRef>
-        </p:style>
-      </p:cxnSp>
-      <p:cxnSp>
-        <p:nvCxnSpPr>
-          <p:cNvPr id="255" name="직선 화살표 연결선 254">
-            <a:extLst>
-              <a:ext uri="{FF2B5EF4-FFF2-40B4-BE49-F238E27FC236}">
-                <a16:creationId xmlns:a16="http://schemas.microsoft.com/office/drawing/2014/main" id="{62A856C6-CEA3-41CF-B4DC-EA769ABB4F24}"/>
-              </a:ext>
-            </a:extLst>
-          </p:cNvPr>
-          <p:cNvCxnSpPr>
-            <a:cxnSpLocks/>
-            <a:stCxn id="221" idx="2"/>
-            <a:endCxn id="87" idx="0"/>
-          </p:cNvCxnSpPr>
-          <p:nvPr/>
-        </p:nvCxnSpPr>
-        <p:spPr>
-          <a:xfrm>
-            <a:off x="3199730" y="1635646"/>
-            <a:ext cx="285524" cy="203204"/>
-          </a:xfrm>
-          <a:prstGeom prst="straightConnector1">
-            <a:avLst/>
-          </a:prstGeom>
-          <a:ln w="19050">
-            <a:solidFill>
-              <a:schemeClr val="tx1"/>
-            </a:solidFill>
-            <a:headEnd type="none" w="med" len="med"/>
-            <a:tailEnd type="arrow" w="med" len="med"/>
-          </a:ln>
-        </p:spPr>
-        <p:style>
-          <a:lnRef idx="1">
-            <a:schemeClr val="accent1"/>
-          </a:lnRef>
-          <a:fillRef idx="0">
-            <a:schemeClr val="accent1"/>
-          </a:fillRef>
-          <a:effectRef idx="0">
-            <a:schemeClr val="accent1"/>
-          </a:effectRef>
-          <a:fontRef idx="minor">
-            <a:schemeClr val="tx1"/>
-          </a:fontRef>
-        </p:style>
-      </p:cxnSp>
-      <p:cxnSp>
-        <p:nvCxnSpPr>
-          <p:cNvPr id="258" name="직선 화살표 연결선 257">
-            <a:extLst>
-              <a:ext uri="{FF2B5EF4-FFF2-40B4-BE49-F238E27FC236}">
-                <a16:creationId xmlns:a16="http://schemas.microsoft.com/office/drawing/2014/main" id="{4A4C7241-5FFB-4E18-ABB4-D952D8729D3A}"/>
-              </a:ext>
-            </a:extLst>
-          </p:cNvPr>
-          <p:cNvCxnSpPr>
-            <a:cxnSpLocks/>
-            <a:stCxn id="44" idx="0"/>
-            <a:endCxn id="87" idx="2"/>
-          </p:cNvCxnSpPr>
-          <p:nvPr/>
-        </p:nvCxnSpPr>
-        <p:spPr>
-          <a:xfrm flipH="1" flipV="1">
-            <a:off x="3485254" y="3589361"/>
-            <a:ext cx="572332" cy="319600"/>
-          </a:xfrm>
-          <a:prstGeom prst="straightConnector1">
-            <a:avLst/>
-          </a:prstGeom>
-          <a:ln w="19050">
-            <a:solidFill>
-              <a:schemeClr val="tx1"/>
-            </a:solidFill>
-            <a:headEnd type="none" w="med" len="med"/>
-            <a:tailEnd type="arrow" w="med" len="med"/>
-          </a:ln>
-        </p:spPr>
-        <p:style>
-          <a:lnRef idx="1">
-            <a:schemeClr val="accent1"/>
-          </a:lnRef>
-          <a:fillRef idx="0">
-            <a:schemeClr val="accent1"/>
-          </a:fillRef>
-          <a:effectRef idx="0">
-            <a:schemeClr val="accent1"/>
-          </a:effectRef>
-          <a:fontRef idx="minor">
-            <a:schemeClr val="tx1"/>
-          </a:fontRef>
-        </p:style>
-      </p:cxnSp>
-      <p:cxnSp>
-        <p:nvCxnSpPr>
-          <p:cNvPr id="264" name="직선 화살표 연결선 263">
-            <a:extLst>
-              <a:ext uri="{FF2B5EF4-FFF2-40B4-BE49-F238E27FC236}">
-                <a16:creationId xmlns:a16="http://schemas.microsoft.com/office/drawing/2014/main" id="{97F4D6A0-869A-4D67-8E94-86FEE1E9825B}"/>
-              </a:ext>
-            </a:extLst>
-          </p:cNvPr>
-          <p:cNvCxnSpPr>
-            <a:cxnSpLocks/>
-            <a:stCxn id="105" idx="2"/>
-            <a:endCxn id="87" idx="0"/>
-          </p:cNvCxnSpPr>
-          <p:nvPr/>
-        </p:nvCxnSpPr>
-        <p:spPr>
-          <a:xfrm flipH="1">
-            <a:off x="3485254" y="1635646"/>
-            <a:ext cx="2235968" cy="203204"/>
-          </a:xfrm>
-          <a:prstGeom prst="straightConnector1">
-            <a:avLst/>
-          </a:prstGeom>
-          <a:ln w="19050">
-            <a:solidFill>
-              <a:schemeClr val="tx1"/>
-            </a:solidFill>
-            <a:headEnd type="none" w="med" len="med"/>
-            <a:tailEnd type="arrow" w="med" len="med"/>
-          </a:ln>
-        </p:spPr>
-        <p:style>
-          <a:lnRef idx="1">
-            <a:schemeClr val="accent1"/>
-          </a:lnRef>
-          <a:fillRef idx="0">
-            <a:schemeClr val="accent1"/>
-          </a:fillRef>
-          <a:effectRef idx="0">
-            <a:schemeClr val="accent1"/>
-          </a:effectRef>
-          <a:fontRef idx="minor">
-            <a:schemeClr val="tx1"/>
-          </a:fontRef>
-        </p:style>
-      </p:cxnSp>
-      <p:cxnSp>
-        <p:nvCxnSpPr>
-          <p:cNvPr id="269" name="직선 화살표 연결선 268">
-            <a:extLst>
-              <a:ext uri="{FF2B5EF4-FFF2-40B4-BE49-F238E27FC236}">
-                <a16:creationId xmlns:a16="http://schemas.microsoft.com/office/drawing/2014/main" id="{4B99CBC3-A5F1-4571-A9A3-E1D08939D75B}"/>
-              </a:ext>
-            </a:extLst>
-          </p:cNvPr>
-          <p:cNvCxnSpPr>
-            <a:cxnSpLocks/>
-            <a:stCxn id="105" idx="2"/>
-            <a:endCxn id="194" idx="0"/>
-          </p:cNvCxnSpPr>
-          <p:nvPr/>
-        </p:nvCxnSpPr>
-        <p:spPr>
-          <a:xfrm>
-            <a:off x="5721222" y="1635646"/>
-            <a:ext cx="78412" cy="203204"/>
-          </a:xfrm>
-          <a:prstGeom prst="straightConnector1">
-            <a:avLst/>
-          </a:prstGeom>
-          <a:ln w="19050">
-            <a:solidFill>
-              <a:schemeClr val="tx1"/>
-            </a:solidFill>
-            <a:headEnd type="none" w="med" len="med"/>
-            <a:tailEnd type="arrow" w="med" len="med"/>
-          </a:ln>
-        </p:spPr>
-        <p:style>
-          <a:lnRef idx="1">
-            <a:schemeClr val="accent1"/>
-          </a:lnRef>
-          <a:fillRef idx="0">
-            <a:schemeClr val="accent1"/>
-          </a:fillRef>
-          <a:effectRef idx="0">
-            <a:schemeClr val="accent1"/>
-          </a:effectRef>
-          <a:fontRef idx="minor">
-            <a:schemeClr val="tx1"/>
-          </a:fontRef>
-        </p:style>
-      </p:cxnSp>
-      <p:sp>
-        <p:nvSpPr>
-          <p:cNvPr id="279" name="사각형: 둥근 모서리 278">
-            <a:extLst>
-              <a:ext uri="{FF2B5EF4-FFF2-40B4-BE49-F238E27FC236}">
-                <a16:creationId xmlns:a16="http://schemas.microsoft.com/office/drawing/2014/main" id="{776B95DD-F19C-4244-8AF7-6506AB23E3C5}"/>
-              </a:ext>
-            </a:extLst>
-          </p:cNvPr>
-          <p:cNvSpPr/>
-          <p:nvPr/>
-        </p:nvSpPr>
-        <p:spPr>
-          <a:xfrm>
-            <a:off x="2473076" y="3221619"/>
-            <a:ext cx="1012178" cy="288032"/>
-          </a:xfrm>
-          <a:prstGeom prst="roundRect">
-            <a:avLst>
-              <a:gd name="adj" fmla="val 13219"/>
-            </a:avLst>
-          </a:prstGeom>
-        </p:spPr>
-        <p:style>
-          <a:lnRef idx="2">
-            <a:schemeClr val="dk1"/>
-          </a:lnRef>
-          <a:fillRef idx="1">
-            <a:schemeClr val="lt1"/>
-          </a:fillRef>
-          <a:effectRef idx="0">
-            <a:schemeClr val="dk1"/>
-          </a:effectRef>
-          <a:fontRef idx="minor">
-            <a:schemeClr val="dk1"/>
-          </a:fontRef>
-        </p:style>
-        <p:txBody>
-          <a:bodyPr rtlCol="0" anchor="ctr"/>
-          <a:lstStyle/>
-          <a:p>
-            <a:pPr algn="ctr"/>
-            <a:r>
-              <a:rPr lang="en-US" altLang="ko-KR" sz="1100"/>
-              <a:t>Group A</a:t>
-            </a:r>
-            <a:endParaRPr lang="ko-KR" altLang="en-US" sz="1100"/>
-          </a:p>
-        </p:txBody>
-      </p:sp>
-      <p:sp>
-        <p:nvSpPr>
-          <p:cNvPr id="280" name="사각형: 둥근 모서리 279">
-            <a:extLst>
-              <a:ext uri="{FF2B5EF4-FFF2-40B4-BE49-F238E27FC236}">
-                <a16:creationId xmlns:a16="http://schemas.microsoft.com/office/drawing/2014/main" id="{020BF083-8BC0-4873-A67E-195557607375}"/>
-              </a:ext>
-            </a:extLst>
-          </p:cNvPr>
-          <p:cNvSpPr/>
-          <p:nvPr/>
-        </p:nvSpPr>
-        <p:spPr>
-          <a:xfrm>
-            <a:off x="3485254" y="3216709"/>
-            <a:ext cx="1012178" cy="288032"/>
-          </a:xfrm>
-          <a:prstGeom prst="roundRect">
-            <a:avLst>
-              <a:gd name="adj" fmla="val 13219"/>
-            </a:avLst>
-          </a:prstGeom>
-        </p:spPr>
-        <p:style>
-          <a:lnRef idx="2">
-            <a:schemeClr val="dk1"/>
-          </a:lnRef>
-          <a:fillRef idx="1">
-            <a:schemeClr val="lt1"/>
-          </a:fillRef>
-          <a:effectRef idx="0">
-            <a:schemeClr val="dk1"/>
-          </a:effectRef>
-          <a:fontRef idx="minor">
-            <a:schemeClr val="dk1"/>
-          </a:fontRef>
-        </p:style>
-        <p:txBody>
-          <a:bodyPr rtlCol="0" anchor="ctr"/>
-          <a:lstStyle/>
-          <a:p>
-            <a:pPr algn="ctr"/>
-            <a:r>
-              <a:rPr lang="en-US" altLang="ko-KR" sz="1100"/>
-              <a:t>Role B</a:t>
-            </a:r>
-            <a:endParaRPr lang="ko-KR" altLang="en-US" sz="1100"/>
-          </a:p>
-        </p:txBody>
-      </p:sp>
-      <p:cxnSp>
-        <p:nvCxnSpPr>
-          <p:cNvPr id="281" name="직선 화살표 연결선 280">
-            <a:extLst>
-              <a:ext uri="{FF2B5EF4-FFF2-40B4-BE49-F238E27FC236}">
-                <a16:creationId xmlns:a16="http://schemas.microsoft.com/office/drawing/2014/main" id="{A7FC9D46-CF4D-4251-B4D9-98AEF13D668E}"/>
-              </a:ext>
-            </a:extLst>
-          </p:cNvPr>
-          <p:cNvCxnSpPr>
-            <a:cxnSpLocks/>
-            <a:stCxn id="222" idx="2"/>
-            <a:endCxn id="87" idx="0"/>
-          </p:cNvCxnSpPr>
-          <p:nvPr/>
-        </p:nvCxnSpPr>
-        <p:spPr>
-          <a:xfrm flipH="1">
-            <a:off x="3485254" y="1635646"/>
-            <a:ext cx="833557" cy="203204"/>
-          </a:xfrm>
-          <a:prstGeom prst="straightConnector1">
-            <a:avLst/>
-          </a:prstGeom>
-          <a:ln w="19050">
-            <a:solidFill>
-              <a:schemeClr val="tx1"/>
-            </a:solidFill>
-            <a:headEnd type="none" w="med" len="med"/>
-            <a:tailEnd type="arrow" w="med" len="med"/>
-          </a:ln>
-        </p:spPr>
-        <p:style>
-          <a:lnRef idx="1">
-            <a:schemeClr val="accent1"/>
-          </a:lnRef>
-          <a:fillRef idx="0">
-            <a:schemeClr val="accent1"/>
-          </a:fillRef>
-          <a:effectRef idx="0">
-            <a:schemeClr val="accent1"/>
-          </a:effectRef>
-          <a:fontRef idx="minor">
-            <a:schemeClr val="tx1"/>
-          </a:fontRef>
-        </p:style>
-      </p:cxnSp>
-      <p:cxnSp>
-        <p:nvCxnSpPr>
-          <p:cNvPr id="289" name="직선 화살표 연결선 288">
-            <a:extLst>
-              <a:ext uri="{FF2B5EF4-FFF2-40B4-BE49-F238E27FC236}">
-                <a16:creationId xmlns:a16="http://schemas.microsoft.com/office/drawing/2014/main" id="{C36BD813-145E-4848-BD0A-23A7BC3282E3}"/>
-              </a:ext>
-            </a:extLst>
-          </p:cNvPr>
-          <p:cNvCxnSpPr>
-            <a:cxnSpLocks/>
-            <a:stCxn id="109" idx="2"/>
-            <a:endCxn id="194" idx="0"/>
-          </p:cNvCxnSpPr>
-          <p:nvPr/>
-        </p:nvCxnSpPr>
-        <p:spPr>
-          <a:xfrm>
-            <a:off x="4318811" y="1203598"/>
-            <a:ext cx="1480823" cy="635252"/>
-          </a:xfrm>
-          <a:prstGeom prst="straightConnector1">
-            <a:avLst/>
-          </a:prstGeom>
-          <a:ln w="19050">
-            <a:solidFill>
-              <a:schemeClr val="tx1"/>
-            </a:solidFill>
-            <a:headEnd type="none" w="med" len="med"/>
-            <a:tailEnd type="arrow" w="med" len="med"/>
-          </a:ln>
-        </p:spPr>
-        <p:style>
-          <a:lnRef idx="1">
-            <a:schemeClr val="accent1"/>
-          </a:lnRef>
-          <a:fillRef idx="0">
-            <a:schemeClr val="accent1"/>
-          </a:fillRef>
-          <a:effectRef idx="0">
-            <a:schemeClr val="accent1"/>
-          </a:effectRef>
-          <a:fontRef idx="minor">
-            <a:schemeClr val="tx1"/>
-          </a:fontRef>
-        </p:style>
-      </p:cxnSp>
-      <p:cxnSp>
-        <p:nvCxnSpPr>
-          <p:cNvPr id="292" name="직선 화살표 연결선 291">
-            <a:extLst>
-              <a:ext uri="{FF2B5EF4-FFF2-40B4-BE49-F238E27FC236}">
-                <a16:creationId xmlns:a16="http://schemas.microsoft.com/office/drawing/2014/main" id="{9A773BC1-EC38-4001-9B65-4404101B2B45}"/>
-              </a:ext>
-            </a:extLst>
-          </p:cNvPr>
-          <p:cNvCxnSpPr>
-            <a:cxnSpLocks/>
-            <a:stCxn id="222" idx="2"/>
-            <a:endCxn id="194" idx="0"/>
-          </p:cNvCxnSpPr>
-          <p:nvPr/>
-        </p:nvCxnSpPr>
-        <p:spPr>
-          <a:xfrm>
-            <a:off x="4318811" y="1635646"/>
-            <a:ext cx="1480823" cy="203204"/>
-          </a:xfrm>
-          <a:prstGeom prst="straightConnector1">
-            <a:avLst/>
-          </a:prstGeom>
-          <a:ln w="19050">
-            <a:solidFill>
-              <a:schemeClr val="tx1"/>
-            </a:solidFill>
-            <a:headEnd type="none" w="med" len="med"/>
-            <a:tailEnd type="arrow" w="med" len="med"/>
-          </a:ln>
-        </p:spPr>
-        <p:style>
-          <a:lnRef idx="1">
-            <a:schemeClr val="accent1"/>
-          </a:lnRef>
-          <a:fillRef idx="0">
-            <a:schemeClr val="accent1"/>
-          </a:fillRef>
-          <a:effectRef idx="0">
-            <a:schemeClr val="accent1"/>
-          </a:effectRef>
-          <a:fontRef idx="minor">
-            <a:schemeClr val="tx1"/>
-          </a:fontRef>
-        </p:style>
-      </p:cxnSp>
     </p:spTree>
     <p:extLst>
       <p:ext uri="{BB962C8B-B14F-4D97-AF65-F5344CB8AC3E}">
